--- a/Tools/git/git.pptx
+++ b/Tools/git/git.pptx
@@ -18197,7 +18197,7 @@
 </file>
 
 <file path=ppt/slides/slide3.xml><?xml version="1.0" encoding="utf-8"?>
-<p:sld xmlns:a="http://schemas.openxmlformats.org/drawingml/2006/main" xmlns:r="http://schemas.openxmlformats.org/officeDocument/2006/relationships" xmlns:p="http://schemas.openxmlformats.org/presentationml/2006/main">
+<p:sld xmlns:a="http://schemas.openxmlformats.org/drawingml/2006/main" xmlns:r="http://schemas.openxmlformats.org/officeDocument/2006/relationships" xmlns:p="http://schemas.openxmlformats.org/presentationml/2006/main" show="0">
   <p:cSld>
     <p:spTree>
       <p:nvGrpSpPr>

--- a/Tools/git/git.pptx
+++ b/Tools/git/git.pptx
@@ -1,11 +1,11 @@
 
 <file path=ppt/presentation.xml><?xml version="1.0" encoding="utf-8"?>
-<p:presentation xmlns:a="http://schemas.openxmlformats.org/drawingml/2006/main" xmlns:r="http://schemas.openxmlformats.org/officeDocument/2006/relationships" xmlns:p="http://schemas.openxmlformats.org/presentationml/2006/main" showSpecialPlsOnTitleSld="0" autoCompressPictures="0">
+<p:presentation xmlns:a="http://schemas.openxmlformats.org/drawingml/2006/main" xmlns:r="http://schemas.openxmlformats.org/officeDocument/2006/relationships" xmlns:p="http://schemas.openxmlformats.org/presentationml/2006/main" firstSlideNum="0" showSpecialPlsOnTitleSld="0" autoCompressPictures="0">
   <p:sldMasterIdLst>
     <p:sldMasterId id="2147483648" r:id="rId1"/>
   </p:sldMasterIdLst>
   <p:notesMasterIdLst>
-    <p:notesMasterId r:id="rId28"/>
+    <p:notesMasterId r:id="rId29"/>
   </p:notesMasterIdLst>
   <p:sldIdLst>
     <p:sldId id="256" r:id="rId2"/>
@@ -17,23 +17,24 @@
     <p:sldId id="269" r:id="rId8"/>
     <p:sldId id="276" r:id="rId9"/>
     <p:sldId id="277" r:id="rId10"/>
-    <p:sldId id="279" r:id="rId11"/>
-    <p:sldId id="278" r:id="rId12"/>
-    <p:sldId id="267" r:id="rId13"/>
-    <p:sldId id="282" r:id="rId14"/>
-    <p:sldId id="283" r:id="rId15"/>
-    <p:sldId id="273" r:id="rId16"/>
-    <p:sldId id="280" r:id="rId17"/>
-    <p:sldId id="272" r:id="rId18"/>
-    <p:sldId id="281" r:id="rId19"/>
-    <p:sldId id="285" r:id="rId20"/>
-    <p:sldId id="286" r:id="rId21"/>
-    <p:sldId id="265" r:id="rId22"/>
-    <p:sldId id="261" r:id="rId23"/>
-    <p:sldId id="262" r:id="rId24"/>
-    <p:sldId id="263" r:id="rId25"/>
-    <p:sldId id="287" r:id="rId26"/>
-    <p:sldId id="288" r:id="rId27"/>
+    <p:sldId id="289" r:id="rId11"/>
+    <p:sldId id="279" r:id="rId12"/>
+    <p:sldId id="278" r:id="rId13"/>
+    <p:sldId id="267" r:id="rId14"/>
+    <p:sldId id="282" r:id="rId15"/>
+    <p:sldId id="283" r:id="rId16"/>
+    <p:sldId id="273" r:id="rId17"/>
+    <p:sldId id="280" r:id="rId18"/>
+    <p:sldId id="272" r:id="rId19"/>
+    <p:sldId id="281" r:id="rId20"/>
+    <p:sldId id="285" r:id="rId21"/>
+    <p:sldId id="286" r:id="rId22"/>
+    <p:sldId id="265" r:id="rId23"/>
+    <p:sldId id="261" r:id="rId24"/>
+    <p:sldId id="262" r:id="rId25"/>
+    <p:sldId id="263" r:id="rId26"/>
+    <p:sldId id="287" r:id="rId27"/>
+    <p:sldId id="288" r:id="rId28"/>
   </p:sldIdLst>
   <p:sldSz cx="12192000" cy="6858000"/>
   <p:notesSz cx="6889750" cy="10018713"/>
@@ -222,7 +223,7 @@
           <a:p>
             <a:fld id="{A8024B54-3D20-42B6-A112-BFED72D3BCE0}" type="datetimeFigureOut">
               <a:rPr lang="ko-KR" altLang="en-US" smtClean="0"/>
-              <a:t>2024. 6. 26.</a:t>
+              <a:t>2024-06-26 - Wed</a:t>
             </a:fld>
             <a:endParaRPr lang="ko-KR" altLang="en-US"/>
           </a:p>
@@ -554,7 +555,7 @@
           <a:p>
             <a:fld id="{CAFA3339-C1F7-4E78-9CE0-6AA42C0BE6D4}" type="slidenum">
               <a:rPr lang="ko-KR" altLang="en-US" smtClean="0"/>
-              <a:t>1</a:t>
+              <a:t>0</a:t>
             </a:fld>
             <a:endParaRPr lang="ko-KR" altLang="en-US"/>
           </a:p>
@@ -843,7 +844,7 @@
           <a:p>
             <a:fld id="{EDB9387A-6E2C-B246-B443-8C6807E54A99}" type="datetime1">
               <a:rPr lang="ko-KR" altLang="en-US" smtClean="0"/>
-              <a:t>2024. 6. 26.</a:t>
+              <a:t>2024-06-26 - Wed</a:t>
             </a:fld>
             <a:endParaRPr lang="en-US" dirty="0"/>
           </a:p>
@@ -1118,7 +1119,7 @@
           <a:p>
             <a:fld id="{FD73072E-9E70-AC41-B766-652E27B91254}" type="datetime1">
               <a:rPr lang="ko-KR" altLang="en-US" smtClean="0"/>
-              <a:t>2024. 6. 26.</a:t>
+              <a:t>2024-06-26 - Wed</a:t>
             </a:fld>
             <a:endParaRPr lang="en-US" dirty="0"/>
           </a:p>
@@ -1312,7 +1313,7 @@
           <a:p>
             <a:fld id="{287C2908-D02A-724D-B4B8-69C7DBF1E793}" type="datetime1">
               <a:rPr lang="ko-KR" altLang="en-US" smtClean="0"/>
-              <a:t>2024. 6. 26.</a:t>
+              <a:t>2024-06-26 - Wed</a:t>
             </a:fld>
             <a:endParaRPr lang="en-US" dirty="0"/>
           </a:p>
@@ -1585,7 +1586,7 @@
           <a:p>
             <a:fld id="{BB5F981A-283A-8C41-BA9C-B5A9FB391436}" type="datetime1">
               <a:rPr lang="ko-KR" altLang="en-US" smtClean="0"/>
-              <a:t>2024. 6. 26.</a:t>
+              <a:t>2024-06-26 - Wed</a:t>
             </a:fld>
             <a:endParaRPr lang="en-US" dirty="0"/>
           </a:p>
@@ -1926,7 +1927,7 @@
           <a:p>
             <a:fld id="{4D0A8110-9C21-A144-9082-289893FA67E4}" type="datetime1">
               <a:rPr lang="ko-KR" altLang="en-US" smtClean="0"/>
-              <a:t>2024. 6. 26.</a:t>
+              <a:t>2024-06-26 - Wed</a:t>
             </a:fld>
             <a:endParaRPr lang="en-US" dirty="0"/>
           </a:p>
@@ -2549,7 +2550,7 @@
           <a:p>
             <a:fld id="{9B61DE03-EFB5-B249-9D18-C13D44718C0B}" type="datetime1">
               <a:rPr lang="ko-KR" altLang="en-US" smtClean="0"/>
-              <a:t>2024. 6. 26.</a:t>
+              <a:t>2024-06-26 - Wed</a:t>
             </a:fld>
             <a:endParaRPr lang="en-US" dirty="0"/>
           </a:p>
@@ -3409,7 +3410,7 @@
           <a:p>
             <a:fld id="{B47D6547-F59A-8E43-BD7C-934028311802}" type="datetime1">
               <a:rPr lang="ko-KR" altLang="en-US" smtClean="0"/>
-              <a:t>2024. 6. 26.</a:t>
+              <a:t>2024-06-26 - Wed</a:t>
             </a:fld>
             <a:endParaRPr lang="en-US" dirty="0"/>
           </a:p>
@@ -3579,7 +3580,7 @@
           <a:p>
             <a:fld id="{5444C532-5981-BC46-8888-85596E3A4FC1}" type="datetime1">
               <a:rPr lang="ko-KR" altLang="en-US" smtClean="0"/>
-              <a:t>2024. 6. 26.</a:t>
+              <a:t>2024-06-26 - Wed</a:t>
             </a:fld>
             <a:endParaRPr lang="en-US" dirty="0"/>
           </a:p>
@@ -3759,7 +3760,7 @@
           <a:p>
             <a:fld id="{D9C58DF4-D8DB-144A-9701-E27133B386AC}" type="datetime1">
               <a:rPr lang="ko-KR" altLang="en-US" smtClean="0"/>
-              <a:t>2024. 6. 26.</a:t>
+              <a:t>2024-06-26 - Wed</a:t>
             </a:fld>
             <a:endParaRPr lang="en-US" dirty="0"/>
           </a:p>
@@ -3929,7 +3930,7 @@
           <a:p>
             <a:fld id="{3FC891BF-DD01-4946-9386-7315BD1F9213}" type="datetime1">
               <a:rPr lang="ko-KR" altLang="en-US" smtClean="0"/>
-              <a:t>2024. 6. 26.</a:t>
+              <a:t>2024-06-26 - Wed</a:t>
             </a:fld>
             <a:endParaRPr lang="en-US" dirty="0"/>
           </a:p>
@@ -4181,7 +4182,7 @@
           <a:p>
             <a:fld id="{A2477A0F-6D41-7B49-B22C-A9F236C52729}" type="datetime1">
               <a:rPr lang="ko-KR" altLang="en-US" smtClean="0"/>
-              <a:t>2024. 6. 26.</a:t>
+              <a:t>2024-06-26 - Wed</a:t>
             </a:fld>
             <a:endParaRPr lang="en-US" dirty="0"/>
           </a:p>
@@ -4473,7 +4474,7 @@
           <a:p>
             <a:fld id="{E8C8EC8B-BECC-1C46-B381-022BF3F0F7F3}" type="datetime1">
               <a:rPr lang="ko-KR" altLang="en-US" smtClean="0"/>
-              <a:t>2024. 6. 26.</a:t>
+              <a:t>2024-06-26 - Wed</a:t>
             </a:fld>
             <a:endParaRPr lang="en-US" dirty="0"/>
           </a:p>
@@ -4917,7 +4918,7 @@
           <a:p>
             <a:fld id="{FC59D470-6CCC-F648-970D-2F7FF58DFBDE}" type="datetime1">
               <a:rPr lang="ko-KR" altLang="en-US" smtClean="0"/>
-              <a:t>2024. 6. 26.</a:t>
+              <a:t>2024-06-26 - Wed</a:t>
             </a:fld>
             <a:endParaRPr lang="en-US" dirty="0"/>
           </a:p>
@@ -5035,7 +5036,7 @@
           <a:p>
             <a:fld id="{37206BBD-4B9A-1B4B-9F55-C0406533B442}" type="datetime1">
               <a:rPr lang="ko-KR" altLang="en-US" smtClean="0"/>
-              <a:t>2024. 6. 26.</a:t>
+              <a:t>2024-06-26 - Wed</a:t>
             </a:fld>
             <a:endParaRPr lang="en-US" dirty="0"/>
           </a:p>
@@ -5130,7 +5131,7 @@
           <a:p>
             <a:fld id="{ED536FBC-5C13-6A40-9237-5E05BB068118}" type="datetime1">
               <a:rPr lang="ko-KR" altLang="en-US" smtClean="0"/>
-              <a:t>2024. 6. 26.</a:t>
+              <a:t>2024-06-26 - Wed</a:t>
             </a:fld>
             <a:endParaRPr lang="en-US" dirty="0"/>
           </a:p>
@@ -5409,7 +5410,7 @@
           <a:p>
             <a:fld id="{2F2A25AD-69FB-F644-BB07-54B586E66AF3}" type="datetime1">
               <a:rPr lang="ko-KR" altLang="en-US" smtClean="0"/>
-              <a:t>2024. 6. 26.</a:t>
+              <a:t>2024-06-26 - Wed</a:t>
             </a:fld>
             <a:endParaRPr lang="en-US" dirty="0"/>
           </a:p>
@@ -5684,7 +5685,7 @@
           <a:p>
             <a:fld id="{0F90D38D-5C38-CF44-9C59-A625202462C2}" type="datetime1">
               <a:rPr lang="ko-KR" altLang="en-US" smtClean="0"/>
-              <a:t>2024. 6. 26.</a:t>
+              <a:t>2024-06-26 - Wed</a:t>
             </a:fld>
             <a:endParaRPr lang="en-US" dirty="0"/>
           </a:p>
@@ -6113,7 +6114,7 @@
           <a:p>
             <a:fld id="{CBD38A69-533C-AF4E-992D-2B9AC4FB3149}" type="datetime1">
               <a:rPr lang="ko-KR" altLang="en-US" smtClean="0"/>
-              <a:t>2024. 6. 26.</a:t>
+              <a:t>2024-06-26 - Wed</a:t>
             </a:fld>
             <a:endParaRPr lang="en-US" dirty="0"/>
           </a:p>
@@ -6757,6 +6758,1194 @@
           <a:p>
             <a:r>
               <a:rPr lang="en-US" altLang="ko-KR" sz="3600" dirty="0"/>
+              <a:t>git </a:t>
+            </a:r>
+            <a:r>
+              <a:rPr lang="ko-KR" altLang="en-US" sz="3600" dirty="0"/>
+              <a:t>설치 후 일반적으로 작업하는 순서</a:t>
+            </a:r>
+          </a:p>
+        </p:txBody>
+      </p:sp>
+      <p:sp>
+        <p:nvSpPr>
+          <p:cNvPr id="16" name="슬라이드 번호 개체 틀 15">
+            <a:extLst>
+              <a:ext uri="{FF2B5EF4-FFF2-40B4-BE49-F238E27FC236}">
+                <a16:creationId xmlns:a16="http://schemas.microsoft.com/office/drawing/2014/main" id="{195C52EA-4FA7-8FA1-BD1F-C614A5B5E371}"/>
+              </a:ext>
+            </a:extLst>
+          </p:cNvPr>
+          <p:cNvSpPr>
+            <a:spLocks noGrp="1"/>
+          </p:cNvSpPr>
+          <p:nvPr>
+            <p:ph type="sldNum" sz="quarter" idx="12"/>
+          </p:nvPr>
+        </p:nvSpPr>
+        <p:spPr/>
+        <p:txBody>
+          <a:bodyPr/>
+          <a:lstStyle/>
+          <a:p>
+            <a:fld id="{D57F1E4F-1CFF-5643-939E-02111984F565}" type="slidenum">
+              <a:rPr lang="en-US" smtClean="0"/>
+              <a:t>9</a:t>
+            </a:fld>
+            <a:endParaRPr lang="en-US" dirty="0"/>
+          </a:p>
+        </p:txBody>
+      </p:sp>
+      <p:graphicFrame>
+        <p:nvGraphicFramePr>
+          <p:cNvPr id="22" name="Table 21">
+            <a:extLst>
+              <a:ext uri="{FF2B5EF4-FFF2-40B4-BE49-F238E27FC236}">
+                <a16:creationId xmlns:a16="http://schemas.microsoft.com/office/drawing/2014/main" id="{1B44AAB6-5536-9826-681F-ACC5E90ED42E}"/>
+              </a:ext>
+            </a:extLst>
+          </p:cNvPr>
+          <p:cNvGraphicFramePr>
+            <a:graphicFrameLocks noGrp="1"/>
+          </p:cNvGraphicFramePr>
+          <p:nvPr>
+            <p:extLst>
+              <p:ext uri="{D42A27DB-BD31-4B8C-83A1-F6EECF244321}">
+                <p14:modId xmlns:p14="http://schemas.microsoft.com/office/powerpoint/2010/main" val="2193432204"/>
+              </p:ext>
+            </p:extLst>
+          </p:nvPr>
+        </p:nvGraphicFramePr>
+        <p:xfrm>
+          <a:off x="760473" y="1578648"/>
+          <a:ext cx="10520218" cy="4723004"/>
+        </p:xfrm>
+        <a:graphic>
+          <a:graphicData uri="http://schemas.openxmlformats.org/drawingml/2006/table">
+            <a:tbl>
+              <a:tblPr firstRow="1" bandRow="1">
+                <a:tableStyleId>{5940675A-B579-460E-94D1-54222C63F5DA}</a:tableStyleId>
+              </a:tblPr>
+              <a:tblGrid>
+                <a:gridCol w="533965">
+                  <a:extLst>
+                    <a:ext uri="{9D8B030D-6E8A-4147-A177-3AD203B41FA5}">
+                      <a16:colId xmlns:a16="http://schemas.microsoft.com/office/drawing/2014/main" val="2468734503"/>
+                    </a:ext>
+                  </a:extLst>
+                </a:gridCol>
+                <a:gridCol w="4997104">
+                  <a:extLst>
+                    <a:ext uri="{9D8B030D-6E8A-4147-A177-3AD203B41FA5}">
+                      <a16:colId xmlns:a16="http://schemas.microsoft.com/office/drawing/2014/main" val="1607038029"/>
+                    </a:ext>
+                  </a:extLst>
+                </a:gridCol>
+                <a:gridCol w="4989149">
+                  <a:extLst>
+                    <a:ext uri="{9D8B030D-6E8A-4147-A177-3AD203B41FA5}">
+                      <a16:colId xmlns:a16="http://schemas.microsoft.com/office/drawing/2014/main" val="2926368254"/>
+                    </a:ext>
+                  </a:extLst>
+                </a:gridCol>
+              </a:tblGrid>
+              <a:tr h="461552">
+                <a:tc>
+                  <a:txBody>
+                    <a:bodyPr/>
+                    <a:lstStyle/>
+                    <a:p>
+                      <a:pPr algn="ctr"/>
+                      <a:r>
+                        <a:rPr lang="en-US" sz="1200" dirty="0"/>
+                        <a:t>01</a:t>
+                      </a:r>
+                    </a:p>
+                  </a:txBody>
+                  <a:tcPr anchor="ctr"/>
+                </a:tc>
+                <a:tc>
+                  <a:txBody>
+                    <a:bodyPr/>
+                    <a:lstStyle/>
+                    <a:p>
+                      <a:pPr marL="0" marR="0" lvl="0" indent="0" algn="l" defTabSz="457200" rtl="0" eaLnBrk="1" fontAlgn="auto" latinLnBrk="1" hangingPunct="1">
+                        <a:lnSpc>
+                          <a:spcPct val="100000"/>
+                        </a:lnSpc>
+                        <a:spcBef>
+                          <a:spcPts val="0"/>
+                        </a:spcBef>
+                        <a:spcAft>
+                          <a:spcPts val="0"/>
+                        </a:spcAft>
+                        <a:buClrTx/>
+                        <a:buSzTx/>
+                        <a:buFontTx/>
+                        <a:buNone/>
+                        <a:tabLst/>
+                        <a:defRPr/>
+                      </a:pPr>
+                      <a:r>
+                        <a:rPr lang="en-US" sz="1400" b="1" dirty="0"/>
+                        <a:t>Working Directory </a:t>
+                      </a:r>
+                      <a:r>
+                        <a:rPr lang="ko-KR" altLang="en-US" sz="1400" b="1" dirty="0"/>
+                        <a:t>이동 후 </a:t>
+                      </a:r>
+                      <a:r>
+                        <a:rPr lang="en-US" altLang="ko-KR" sz="1400" b="1" dirty="0"/>
+                        <a:t>git Bash </a:t>
+                      </a:r>
+                      <a:r>
+                        <a:rPr lang="ko-KR" altLang="en-US" sz="1400" b="1" dirty="0"/>
+                        <a:t>실행</a:t>
+                      </a:r>
+                      <a:endParaRPr lang="en-US" sz="1400" b="1" dirty="0"/>
+                    </a:p>
+                  </a:txBody>
+                  <a:tcPr anchor="ctr"/>
+                </a:tc>
+                <a:tc>
+                  <a:txBody>
+                    <a:bodyPr/>
+                    <a:lstStyle/>
+                    <a:p>
+                      <a:pPr marL="0" marR="0" lvl="0" indent="0" algn="l" defTabSz="457200" rtl="0" eaLnBrk="1" fontAlgn="auto" latinLnBrk="1" hangingPunct="1">
+                        <a:lnSpc>
+                          <a:spcPct val="100000"/>
+                        </a:lnSpc>
+                        <a:spcBef>
+                          <a:spcPts val="0"/>
+                        </a:spcBef>
+                        <a:spcAft>
+                          <a:spcPts val="0"/>
+                        </a:spcAft>
+                        <a:buClrTx/>
+                        <a:buSzTx/>
+                        <a:buFontTx/>
+                        <a:buNone/>
+                        <a:tabLst/>
+                        <a:defRPr/>
+                      </a:pPr>
+                      <a:r>
+                        <a:rPr lang="fr-FR" sz="1200" b="0" dirty="0">
+                          <a:solidFill>
+                            <a:schemeClr val="tx1"/>
+                          </a:solidFill>
+                        </a:rPr>
+                        <a:t>git</a:t>
+                      </a:r>
+                      <a:r>
+                        <a:rPr lang="ko-KR" altLang="en-US" sz="1200" b="0" dirty="0">
+                          <a:solidFill>
+                            <a:schemeClr val="tx1"/>
+                          </a:solidFill>
+                        </a:rPr>
+                        <a:t>으로 관리하며 작업 할 </a:t>
+                      </a:r>
+                      <a:r>
+                        <a:rPr lang="en-US" altLang="ko-KR" sz="1200" b="0" dirty="0">
+                          <a:solidFill>
+                            <a:schemeClr val="tx1"/>
+                          </a:solidFill>
+                        </a:rPr>
+                        <a:t>Working Directory</a:t>
+                      </a:r>
+                      <a:r>
+                        <a:rPr lang="ko-KR" altLang="en-US" sz="1200" b="0" dirty="0">
+                          <a:solidFill>
+                            <a:schemeClr val="tx1"/>
+                          </a:solidFill>
+                        </a:rPr>
+                        <a:t>를 결정</a:t>
+                      </a:r>
+                      <a:endParaRPr lang="en-US" sz="1200" b="0" dirty="0">
+                        <a:solidFill>
+                          <a:schemeClr val="tx1"/>
+                        </a:solidFill>
+                      </a:endParaRPr>
+                    </a:p>
+                  </a:txBody>
+                  <a:tcPr anchor="ctr"/>
+                </a:tc>
+                <a:extLst>
+                  <a:ext uri="{0D108BD9-81ED-4DB2-BD59-A6C34878D82A}">
+                    <a16:rowId xmlns:a16="http://schemas.microsoft.com/office/drawing/2014/main" val="3465406453"/>
+                  </a:ext>
+                </a:extLst>
+              </a:tr>
+              <a:tr h="461552">
+                <a:tc>
+                  <a:txBody>
+                    <a:bodyPr/>
+                    <a:lstStyle/>
+                    <a:p>
+                      <a:pPr algn="ctr"/>
+                      <a:r>
+                        <a:rPr lang="en-US" sz="1200" dirty="0"/>
+                        <a:t>02</a:t>
+                      </a:r>
+                    </a:p>
+                  </a:txBody>
+                  <a:tcPr anchor="ctr"/>
+                </a:tc>
+                <a:tc>
+                  <a:txBody>
+                    <a:bodyPr/>
+                    <a:lstStyle/>
+                    <a:p>
+                      <a:pPr marL="0" marR="0" lvl="0" indent="0" algn="l" defTabSz="457200" rtl="0" eaLnBrk="1" fontAlgn="auto" latinLnBrk="1" hangingPunct="1">
+                        <a:lnSpc>
+                          <a:spcPct val="100000"/>
+                        </a:lnSpc>
+                        <a:spcBef>
+                          <a:spcPts val="0"/>
+                        </a:spcBef>
+                        <a:spcAft>
+                          <a:spcPts val="0"/>
+                        </a:spcAft>
+                        <a:buClrTx/>
+                        <a:buSzTx/>
+                        <a:buFontTx/>
+                        <a:buNone/>
+                        <a:tabLst/>
+                        <a:defRPr/>
+                      </a:pPr>
+                      <a:r>
+                        <a:rPr lang="en-US" sz="1400" b="1" dirty="0">
+                          <a:solidFill>
+                            <a:srgbClr val="FFFF00"/>
+                          </a:solidFill>
+                        </a:rPr>
+                        <a:t>git  </a:t>
+                      </a:r>
+                      <a:r>
+                        <a:rPr lang="en-US" sz="1400" b="1" dirty="0" err="1">
+                          <a:solidFill>
+                            <a:srgbClr val="FFFF00"/>
+                          </a:solidFill>
+                        </a:rPr>
+                        <a:t>init</a:t>
+                      </a:r>
+                      <a:endParaRPr lang="en-US" sz="1400" b="1" dirty="0">
+                        <a:solidFill>
+                          <a:srgbClr val="FFFF00"/>
+                        </a:solidFill>
+                      </a:endParaRPr>
+                    </a:p>
+                  </a:txBody>
+                  <a:tcPr anchor="ctr"/>
+                </a:tc>
+                <a:tc>
+                  <a:txBody>
+                    <a:bodyPr/>
+                    <a:lstStyle/>
+                    <a:p>
+                      <a:pPr algn="l"/>
+                      <a:r>
+                        <a:rPr lang="en-US" sz="1200" dirty="0"/>
+                        <a:t>Local</a:t>
+                      </a:r>
+                      <a:r>
+                        <a:rPr lang="ko-KR" altLang="en-US" sz="1200" dirty="0"/>
+                        <a:t> </a:t>
+                      </a:r>
+                      <a:r>
+                        <a:rPr lang="en-US" altLang="ko-KR" sz="1200" dirty="0"/>
+                        <a:t>Repository(</a:t>
+                      </a:r>
+                      <a:r>
+                        <a:rPr lang="ko-KR" altLang="en-US" sz="1200" dirty="0"/>
+                        <a:t>로컬 저장소</a:t>
+                      </a:r>
+                      <a:r>
+                        <a:rPr lang="en-US" altLang="ko-KR" sz="1200" dirty="0"/>
+                        <a:t>)</a:t>
+                      </a:r>
+                      <a:r>
+                        <a:rPr lang="ko-KR" altLang="en-US" sz="1200" dirty="0"/>
+                        <a:t>를 생성</a:t>
+                      </a:r>
+                      <a:endParaRPr lang="en-US" sz="1200" dirty="0"/>
+                    </a:p>
+                  </a:txBody>
+                  <a:tcPr anchor="ctr"/>
+                </a:tc>
+                <a:extLst>
+                  <a:ext uri="{0D108BD9-81ED-4DB2-BD59-A6C34878D82A}">
+                    <a16:rowId xmlns:a16="http://schemas.microsoft.com/office/drawing/2014/main" val="578593786"/>
+                  </a:ext>
+                </a:extLst>
+              </a:tr>
+              <a:tr h="461552">
+                <a:tc>
+                  <a:txBody>
+                    <a:bodyPr/>
+                    <a:lstStyle/>
+                    <a:p>
+                      <a:pPr algn="ctr"/>
+                      <a:r>
+                        <a:rPr lang="en-US" sz="1200" dirty="0"/>
+                        <a:t>03</a:t>
+                      </a:r>
+                    </a:p>
+                  </a:txBody>
+                  <a:tcPr anchor="ctr"/>
+                </a:tc>
+                <a:tc>
+                  <a:txBody>
+                    <a:bodyPr/>
+                    <a:lstStyle/>
+                    <a:p>
+                      <a:pPr marL="0" marR="0" lvl="0" indent="0" algn="l" defTabSz="457200" rtl="0" eaLnBrk="1" fontAlgn="auto" latinLnBrk="1" hangingPunct="1">
+                        <a:lnSpc>
+                          <a:spcPct val="100000"/>
+                        </a:lnSpc>
+                        <a:spcBef>
+                          <a:spcPts val="0"/>
+                        </a:spcBef>
+                        <a:spcAft>
+                          <a:spcPts val="0"/>
+                        </a:spcAft>
+                        <a:buClrTx/>
+                        <a:buSzTx/>
+                        <a:buFontTx/>
+                        <a:buNone/>
+                        <a:tabLst/>
+                        <a:defRPr/>
+                      </a:pPr>
+                      <a:r>
+                        <a:rPr lang="en-US" sz="1400" b="1" dirty="0">
+                          <a:solidFill>
+                            <a:srgbClr val="FFFF00"/>
+                          </a:solidFill>
+                        </a:rPr>
+                        <a:t>git  config  --local  user.name  “</a:t>
+                      </a:r>
+                      <a:r>
+                        <a:rPr lang="ko-KR" altLang="en-US" sz="1400" b="1" dirty="0">
+                          <a:solidFill>
+                            <a:srgbClr val="FFFF00"/>
+                          </a:solidFill>
+                        </a:rPr>
+                        <a:t>각자 명칭</a:t>
+                      </a:r>
+                      <a:r>
+                        <a:rPr lang="en-US" altLang="ko-KR" sz="1400" b="1" dirty="0">
+                          <a:solidFill>
+                            <a:srgbClr val="FFFF00"/>
+                          </a:solidFill>
+                        </a:rPr>
+                        <a:t>(</a:t>
+                      </a:r>
+                      <a:r>
+                        <a:rPr lang="ko-KR" altLang="en-US" sz="1400" b="1" dirty="0">
+                          <a:solidFill>
+                            <a:srgbClr val="FFFF00"/>
+                          </a:solidFill>
+                        </a:rPr>
+                        <a:t>영문</a:t>
+                      </a:r>
+                      <a:r>
+                        <a:rPr lang="en-US" altLang="ko-KR" sz="1400" b="1" dirty="0">
+                          <a:solidFill>
+                            <a:srgbClr val="FFFF00"/>
+                          </a:solidFill>
+                        </a:rPr>
+                        <a:t>)＂</a:t>
+                      </a:r>
+                      <a:endParaRPr lang="en-US" sz="1400" b="1" dirty="0">
+                        <a:solidFill>
+                          <a:srgbClr val="FFFF00"/>
+                        </a:solidFill>
+                      </a:endParaRPr>
+                    </a:p>
+                  </a:txBody>
+                  <a:tcPr anchor="ctr"/>
+                </a:tc>
+                <a:tc>
+                  <a:txBody>
+                    <a:bodyPr/>
+                    <a:lstStyle/>
+                    <a:p>
+                      <a:pPr algn="l"/>
+                      <a:r>
+                        <a:rPr lang="ko-KR" altLang="en-US" sz="1200" dirty="0"/>
+                        <a:t>로컬 저장소에 기록하는 사람</a:t>
+                      </a:r>
+                      <a:r>
+                        <a:rPr lang="en-US" altLang="ko-KR" sz="1200" dirty="0"/>
+                        <a:t>(</a:t>
+                      </a:r>
+                      <a:r>
+                        <a:rPr lang="ko-KR" altLang="en-US" sz="1200" dirty="0"/>
+                        <a:t>저자명</a:t>
+                      </a:r>
+                      <a:r>
+                        <a:rPr lang="en-US" altLang="ko-KR" sz="1200" dirty="0"/>
+                        <a:t>, Author) </a:t>
+                      </a:r>
+                      <a:r>
+                        <a:rPr lang="ko-KR" altLang="en-US" sz="1200" dirty="0"/>
+                        <a:t>등록</a:t>
+                      </a:r>
+                      <a:endParaRPr lang="en-US" sz="1200" dirty="0"/>
+                    </a:p>
+                  </a:txBody>
+                  <a:tcPr anchor="ctr"/>
+                </a:tc>
+                <a:extLst>
+                  <a:ext uri="{0D108BD9-81ED-4DB2-BD59-A6C34878D82A}">
+                    <a16:rowId xmlns:a16="http://schemas.microsoft.com/office/drawing/2014/main" val="712909094"/>
+                  </a:ext>
+                </a:extLst>
+              </a:tr>
+              <a:tr h="461552">
+                <a:tc>
+                  <a:txBody>
+                    <a:bodyPr/>
+                    <a:lstStyle/>
+                    <a:p>
+                      <a:pPr algn="ctr"/>
+                      <a:r>
+                        <a:rPr lang="en-US" sz="1200" dirty="0"/>
+                        <a:t>04</a:t>
+                      </a:r>
+                    </a:p>
+                  </a:txBody>
+                  <a:tcPr anchor="ctr"/>
+                </a:tc>
+                <a:tc>
+                  <a:txBody>
+                    <a:bodyPr/>
+                    <a:lstStyle/>
+                    <a:p>
+                      <a:pPr marL="0" marR="0" lvl="0" indent="0" algn="l" defTabSz="457200" rtl="0" eaLnBrk="1" fontAlgn="auto" latinLnBrk="1" hangingPunct="1">
+                        <a:lnSpc>
+                          <a:spcPct val="100000"/>
+                        </a:lnSpc>
+                        <a:spcBef>
+                          <a:spcPts val="0"/>
+                        </a:spcBef>
+                        <a:spcAft>
+                          <a:spcPts val="0"/>
+                        </a:spcAft>
+                        <a:buClrTx/>
+                        <a:buSzTx/>
+                        <a:buFontTx/>
+                        <a:buNone/>
+                        <a:tabLst/>
+                        <a:defRPr/>
+                      </a:pPr>
+                      <a:r>
+                        <a:rPr lang="en-US" sz="1400" b="1" dirty="0">
+                          <a:solidFill>
+                            <a:srgbClr val="FFFF00"/>
+                          </a:solidFill>
+                        </a:rPr>
+                        <a:t>git  config  --local  </a:t>
+                      </a:r>
+                      <a:r>
+                        <a:rPr lang="en-US" sz="1400" b="1" dirty="0" err="1">
+                          <a:solidFill>
+                            <a:srgbClr val="FFFF00"/>
+                          </a:solidFill>
+                        </a:rPr>
+                        <a:t>user.email</a:t>
+                      </a:r>
+                      <a:r>
+                        <a:rPr lang="en-US" sz="1400" b="1" dirty="0">
+                          <a:solidFill>
+                            <a:srgbClr val="FFFF00"/>
+                          </a:solidFill>
+                        </a:rPr>
+                        <a:t>  “</a:t>
+                      </a:r>
+                      <a:r>
+                        <a:rPr lang="ko-KR" altLang="en-US" sz="1400" b="1" dirty="0">
+                          <a:solidFill>
+                            <a:srgbClr val="FFFF00"/>
+                          </a:solidFill>
+                        </a:rPr>
+                        <a:t>각자 이메일</a:t>
+                      </a:r>
+                      <a:r>
+                        <a:rPr lang="en-US" altLang="ko-KR" sz="1400" b="1" dirty="0">
+                          <a:solidFill>
+                            <a:srgbClr val="FFFF00"/>
+                          </a:solidFill>
+                        </a:rPr>
+                        <a:t>＂</a:t>
+                      </a:r>
+                      <a:endParaRPr lang="en-US" sz="1400" b="1" dirty="0">
+                        <a:solidFill>
+                          <a:srgbClr val="FFFF00"/>
+                        </a:solidFill>
+                      </a:endParaRPr>
+                    </a:p>
+                  </a:txBody>
+                  <a:tcPr anchor="ctr"/>
+                </a:tc>
+                <a:tc>
+                  <a:txBody>
+                    <a:bodyPr/>
+                    <a:lstStyle/>
+                    <a:p>
+                      <a:pPr algn="l"/>
+                      <a:r>
+                        <a:rPr lang="ko-KR" altLang="en-US" sz="1200" dirty="0"/>
+                        <a:t>로컬 저장소에 기록하는 사람의 이메일</a:t>
+                      </a:r>
+                      <a:r>
+                        <a:rPr lang="en-US" altLang="ko-KR" sz="1200" dirty="0"/>
+                        <a:t> </a:t>
+                      </a:r>
+                      <a:r>
+                        <a:rPr lang="ko-KR" altLang="en-US" sz="1200" dirty="0"/>
+                        <a:t>등록</a:t>
+                      </a:r>
+                      <a:endParaRPr lang="en-US" sz="1200" dirty="0"/>
+                    </a:p>
+                  </a:txBody>
+                  <a:tcPr anchor="ctr"/>
+                </a:tc>
+                <a:extLst>
+                  <a:ext uri="{0D108BD9-81ED-4DB2-BD59-A6C34878D82A}">
+                    <a16:rowId xmlns:a16="http://schemas.microsoft.com/office/drawing/2014/main" val="15814836"/>
+                  </a:ext>
+                </a:extLst>
+              </a:tr>
+              <a:tr h="461552">
+                <a:tc>
+                  <a:txBody>
+                    <a:bodyPr/>
+                    <a:lstStyle/>
+                    <a:p>
+                      <a:pPr algn="ctr"/>
+                      <a:r>
+                        <a:rPr lang="en-US" sz="1200" dirty="0"/>
+                        <a:t>05</a:t>
+                      </a:r>
+                    </a:p>
+                  </a:txBody>
+                  <a:tcPr anchor="ctr"/>
+                </a:tc>
+                <a:tc>
+                  <a:txBody>
+                    <a:bodyPr/>
+                    <a:lstStyle/>
+                    <a:p>
+                      <a:pPr marL="0" marR="0" lvl="0" indent="0" algn="l" defTabSz="457200" rtl="0" eaLnBrk="1" fontAlgn="auto" latinLnBrk="1" hangingPunct="1">
+                        <a:lnSpc>
+                          <a:spcPct val="100000"/>
+                        </a:lnSpc>
+                        <a:spcBef>
+                          <a:spcPts val="0"/>
+                        </a:spcBef>
+                        <a:spcAft>
+                          <a:spcPts val="0"/>
+                        </a:spcAft>
+                        <a:buClrTx/>
+                        <a:buSzTx/>
+                        <a:buFontTx/>
+                        <a:buNone/>
+                        <a:tabLst/>
+                        <a:defRPr/>
+                      </a:pPr>
+                      <a:r>
+                        <a:rPr lang="en-US" sz="1400" b="1" dirty="0">
+                          <a:solidFill>
+                            <a:srgbClr val="FFFF00"/>
+                          </a:solidFill>
+                        </a:rPr>
+                        <a:t>git  add  .</a:t>
+                      </a:r>
+                    </a:p>
+                  </a:txBody>
+                  <a:tcPr anchor="ctr"/>
+                </a:tc>
+                <a:tc>
+                  <a:txBody>
+                    <a:bodyPr/>
+                    <a:lstStyle/>
+                    <a:p>
+                      <a:pPr algn="l"/>
+                      <a:r>
+                        <a:rPr lang="ko-KR" altLang="en-US" sz="1200" dirty="0"/>
+                        <a:t>현재 </a:t>
+                      </a:r>
+                      <a:r>
+                        <a:rPr lang="en-US" altLang="ko-KR" sz="1200" dirty="0"/>
+                        <a:t>Working Directory </a:t>
+                      </a:r>
+                      <a:r>
+                        <a:rPr lang="ko-KR" altLang="en-US" sz="1200" dirty="0"/>
+                        <a:t>밑에 있는 모든 파일들을 </a:t>
+                      </a:r>
+                      <a:r>
+                        <a:rPr lang="en-US" altLang="ko-KR" sz="1200" dirty="0"/>
+                        <a:t>Staging</a:t>
+                      </a:r>
+                      <a:endParaRPr lang="en-US" sz="1200" dirty="0"/>
+                    </a:p>
+                  </a:txBody>
+                  <a:tcPr anchor="ctr"/>
+                </a:tc>
+                <a:extLst>
+                  <a:ext uri="{0D108BD9-81ED-4DB2-BD59-A6C34878D82A}">
+                    <a16:rowId xmlns:a16="http://schemas.microsoft.com/office/drawing/2014/main" val="4066760391"/>
+                  </a:ext>
+                </a:extLst>
+              </a:tr>
+              <a:tr h="461552">
+                <a:tc>
+                  <a:txBody>
+                    <a:bodyPr/>
+                    <a:lstStyle/>
+                    <a:p>
+                      <a:pPr algn="ctr"/>
+                      <a:r>
+                        <a:rPr lang="en-US" sz="1200" dirty="0"/>
+                        <a:t>06</a:t>
+                      </a:r>
+                    </a:p>
+                  </a:txBody>
+                  <a:tcPr anchor="ctr"/>
+                </a:tc>
+                <a:tc>
+                  <a:txBody>
+                    <a:bodyPr/>
+                    <a:lstStyle/>
+                    <a:p>
+                      <a:pPr marL="0" marR="0" lvl="0" indent="0" algn="l" defTabSz="457200" rtl="0" eaLnBrk="1" fontAlgn="auto" latinLnBrk="1" hangingPunct="1">
+                        <a:lnSpc>
+                          <a:spcPct val="100000"/>
+                        </a:lnSpc>
+                        <a:spcBef>
+                          <a:spcPts val="0"/>
+                        </a:spcBef>
+                        <a:spcAft>
+                          <a:spcPts val="0"/>
+                        </a:spcAft>
+                        <a:buClrTx/>
+                        <a:buSzTx/>
+                        <a:buFontTx/>
+                        <a:buNone/>
+                        <a:tabLst/>
+                        <a:defRPr/>
+                      </a:pPr>
+                      <a:r>
+                        <a:rPr lang="en-US" sz="1400" b="1" dirty="0">
+                          <a:solidFill>
+                            <a:srgbClr val="FFFF00"/>
+                          </a:solidFill>
+                        </a:rPr>
+                        <a:t>git  status</a:t>
+                      </a:r>
+                    </a:p>
+                  </a:txBody>
+                  <a:tcPr anchor="ctr"/>
+                </a:tc>
+                <a:tc>
+                  <a:txBody>
+                    <a:bodyPr/>
+                    <a:lstStyle/>
+                    <a:p>
+                      <a:pPr algn="l"/>
+                      <a:r>
+                        <a:rPr lang="en-US" sz="1200" dirty="0"/>
+                        <a:t>Staging(Tracked Files)</a:t>
+                      </a:r>
+                      <a:r>
+                        <a:rPr lang="ko-KR" altLang="en-US" sz="1200" dirty="0"/>
+                        <a:t>와 </a:t>
+                      </a:r>
+                      <a:r>
+                        <a:rPr lang="en-US" altLang="ko-KR" sz="1200" dirty="0"/>
+                        <a:t>Untracked Files</a:t>
+                      </a:r>
+                      <a:r>
+                        <a:rPr lang="ko-KR" altLang="en-US" sz="1200" dirty="0"/>
+                        <a:t>이 없는지 확인</a:t>
+                      </a:r>
+                      <a:endParaRPr lang="en-US" sz="1200" dirty="0"/>
+                    </a:p>
+                  </a:txBody>
+                  <a:tcPr anchor="ctr"/>
+                </a:tc>
+                <a:extLst>
+                  <a:ext uri="{0D108BD9-81ED-4DB2-BD59-A6C34878D82A}">
+                    <a16:rowId xmlns:a16="http://schemas.microsoft.com/office/drawing/2014/main" val="2819101057"/>
+                  </a:ext>
+                </a:extLst>
+              </a:tr>
+              <a:tr h="461552">
+                <a:tc>
+                  <a:txBody>
+                    <a:bodyPr/>
+                    <a:lstStyle/>
+                    <a:p>
+                      <a:pPr algn="ctr"/>
+                      <a:r>
+                        <a:rPr lang="en-US" sz="1200" dirty="0"/>
+                        <a:t>07</a:t>
+                      </a:r>
+                    </a:p>
+                  </a:txBody>
+                  <a:tcPr anchor="ctr"/>
+                </a:tc>
+                <a:tc>
+                  <a:txBody>
+                    <a:bodyPr/>
+                    <a:lstStyle/>
+                    <a:p>
+                      <a:pPr marL="0" marR="0" lvl="0" indent="0" algn="l" defTabSz="457200" rtl="0" eaLnBrk="1" fontAlgn="auto" latinLnBrk="1" hangingPunct="1">
+                        <a:lnSpc>
+                          <a:spcPct val="100000"/>
+                        </a:lnSpc>
+                        <a:spcBef>
+                          <a:spcPts val="0"/>
+                        </a:spcBef>
+                        <a:spcAft>
+                          <a:spcPts val="0"/>
+                        </a:spcAft>
+                        <a:buClrTx/>
+                        <a:buSzTx/>
+                        <a:buFontTx/>
+                        <a:buNone/>
+                        <a:tabLst/>
+                        <a:defRPr/>
+                      </a:pPr>
+                      <a:r>
+                        <a:rPr lang="en-US" sz="1400" b="1" dirty="0">
+                          <a:solidFill>
+                            <a:srgbClr val="FFFF00"/>
+                          </a:solidFill>
+                        </a:rPr>
+                        <a:t>git  commit  -m  “commit </a:t>
+                      </a:r>
+                      <a:r>
+                        <a:rPr lang="ko-KR" altLang="en-US" sz="1400" b="1" dirty="0">
+                          <a:solidFill>
+                            <a:srgbClr val="FFFF00"/>
+                          </a:solidFill>
+                        </a:rPr>
+                        <a:t>명칭</a:t>
+                      </a:r>
+                      <a:r>
+                        <a:rPr lang="en-US" altLang="ko-KR" sz="1400" b="1" dirty="0">
+                          <a:solidFill>
+                            <a:srgbClr val="FFFF00"/>
+                          </a:solidFill>
+                        </a:rPr>
+                        <a:t>(</a:t>
+                      </a:r>
+                      <a:r>
+                        <a:rPr lang="ko-KR" altLang="en-US" sz="1400" b="1" dirty="0">
+                          <a:solidFill>
+                            <a:srgbClr val="FFFF00"/>
+                          </a:solidFill>
+                        </a:rPr>
+                        <a:t>예</a:t>
+                      </a:r>
+                      <a:r>
+                        <a:rPr lang="en-US" altLang="ko-KR" sz="1400" b="1" dirty="0">
+                          <a:solidFill>
+                            <a:srgbClr val="FFFF00"/>
+                          </a:solidFill>
+                        </a:rPr>
+                        <a:t>: v1)”</a:t>
+                      </a:r>
+                      <a:endParaRPr lang="en-US" sz="1400" b="1" dirty="0">
+                        <a:solidFill>
+                          <a:srgbClr val="FFFF00"/>
+                        </a:solidFill>
+                      </a:endParaRPr>
+                    </a:p>
+                  </a:txBody>
+                  <a:tcPr anchor="ctr"/>
+                </a:tc>
+                <a:tc>
+                  <a:txBody>
+                    <a:bodyPr/>
+                    <a:lstStyle/>
+                    <a:p>
+                      <a:pPr algn="l"/>
+                      <a:r>
+                        <a:rPr lang="en-US" sz="1200" dirty="0"/>
+                        <a:t>Staging</a:t>
+                      </a:r>
+                      <a:r>
+                        <a:rPr lang="ko-KR" altLang="en-US" sz="1200" dirty="0"/>
+                        <a:t>된 파일들을 </a:t>
+                      </a:r>
+                      <a:r>
+                        <a:rPr lang="en-US" altLang="ko-KR" sz="1200" dirty="0"/>
+                        <a:t>commit </a:t>
+                      </a:r>
+                      <a:r>
+                        <a:rPr lang="ko-KR" altLang="en-US" sz="1200" dirty="0"/>
+                        <a:t>하여 로컬저장소에 저장</a:t>
+                      </a:r>
+                      <a:endParaRPr lang="en-US" sz="1200" dirty="0"/>
+                    </a:p>
+                  </a:txBody>
+                  <a:tcPr anchor="ctr"/>
+                </a:tc>
+                <a:extLst>
+                  <a:ext uri="{0D108BD9-81ED-4DB2-BD59-A6C34878D82A}">
+                    <a16:rowId xmlns:a16="http://schemas.microsoft.com/office/drawing/2014/main" val="1544369737"/>
+                  </a:ext>
+                </a:extLst>
+              </a:tr>
+              <a:tr h="461552">
+                <a:tc>
+                  <a:txBody>
+                    <a:bodyPr/>
+                    <a:lstStyle/>
+                    <a:p>
+                      <a:pPr algn="ctr"/>
+                      <a:r>
+                        <a:rPr lang="en-US" sz="1200" dirty="0"/>
+                        <a:t>08</a:t>
+                      </a:r>
+                    </a:p>
+                  </a:txBody>
+                  <a:tcPr anchor="ctr"/>
+                </a:tc>
+                <a:tc>
+                  <a:txBody>
+                    <a:bodyPr/>
+                    <a:lstStyle/>
+                    <a:p>
+                      <a:pPr marL="0" marR="0" lvl="0" indent="0" algn="l" defTabSz="457200" rtl="0" eaLnBrk="1" fontAlgn="auto" latinLnBrk="1" hangingPunct="1">
+                        <a:lnSpc>
+                          <a:spcPct val="100000"/>
+                        </a:lnSpc>
+                        <a:spcBef>
+                          <a:spcPts val="0"/>
+                        </a:spcBef>
+                        <a:spcAft>
+                          <a:spcPts val="0"/>
+                        </a:spcAft>
+                        <a:buClrTx/>
+                        <a:buSzTx/>
+                        <a:buFontTx/>
+                        <a:buNone/>
+                        <a:tabLst/>
+                        <a:defRPr/>
+                      </a:pPr>
+                      <a:r>
+                        <a:rPr lang="en-US" sz="1400" b="1" dirty="0">
+                          <a:solidFill>
+                            <a:srgbClr val="FFFF00"/>
+                          </a:solidFill>
+                        </a:rPr>
+                        <a:t>git  log</a:t>
+                      </a:r>
+                    </a:p>
+                  </a:txBody>
+                  <a:tcPr anchor="ctr"/>
+                </a:tc>
+                <a:tc>
+                  <a:txBody>
+                    <a:bodyPr/>
+                    <a:lstStyle/>
+                    <a:p>
+                      <a:pPr algn="l"/>
+                      <a:r>
+                        <a:rPr lang="ko-KR" altLang="en-US" sz="1200" dirty="0"/>
+                        <a:t>로컬 저장소에 기록된 </a:t>
+                      </a:r>
+                      <a:r>
+                        <a:rPr lang="en-US" altLang="ko-KR" sz="1200" dirty="0"/>
+                        <a:t>commit</a:t>
+                      </a:r>
+                      <a:r>
+                        <a:rPr lang="ko-KR" altLang="en-US" sz="1200" dirty="0"/>
+                        <a:t>을 확인</a:t>
+                      </a:r>
+                      <a:endParaRPr lang="en-US" sz="1200" dirty="0"/>
+                    </a:p>
+                  </a:txBody>
+                  <a:tcPr anchor="ctr"/>
+                </a:tc>
+                <a:extLst>
+                  <a:ext uri="{0D108BD9-81ED-4DB2-BD59-A6C34878D82A}">
+                    <a16:rowId xmlns:a16="http://schemas.microsoft.com/office/drawing/2014/main" val="940421791"/>
+                  </a:ext>
+                </a:extLst>
+              </a:tr>
+              <a:tr h="461552">
+                <a:tc>
+                  <a:txBody>
+                    <a:bodyPr/>
+                    <a:lstStyle/>
+                    <a:p>
+                      <a:pPr algn="ctr"/>
+                      <a:r>
+                        <a:rPr lang="en-US" sz="1200" dirty="0"/>
+                        <a:t>09</a:t>
+                      </a:r>
+                    </a:p>
+                  </a:txBody>
+                  <a:tcPr anchor="ctr"/>
+                </a:tc>
+                <a:tc>
+                  <a:txBody>
+                    <a:bodyPr/>
+                    <a:lstStyle/>
+                    <a:p>
+                      <a:pPr marL="0" marR="0" lvl="0" indent="0" algn="l" defTabSz="457200" rtl="0" eaLnBrk="1" fontAlgn="auto" latinLnBrk="1" hangingPunct="1">
+                        <a:lnSpc>
+                          <a:spcPct val="100000"/>
+                        </a:lnSpc>
+                        <a:spcBef>
+                          <a:spcPts val="0"/>
+                        </a:spcBef>
+                        <a:spcAft>
+                          <a:spcPts val="0"/>
+                        </a:spcAft>
+                        <a:buClrTx/>
+                        <a:buSzTx/>
+                        <a:buFontTx/>
+                        <a:buNone/>
+                        <a:tabLst/>
+                        <a:defRPr/>
+                      </a:pPr>
+                      <a:r>
+                        <a:rPr lang="ko-KR" altLang="en-US" sz="1400" b="1" dirty="0">
+                          <a:solidFill>
+                            <a:srgbClr val="FFFF00"/>
+                          </a:solidFill>
+                        </a:rPr>
+                        <a:t>이후 본인의 작업에 따라 파일들을 생성</a:t>
+                      </a:r>
+                      <a:r>
+                        <a:rPr lang="en-US" altLang="ko-KR" sz="1400" b="1" dirty="0">
+                          <a:solidFill>
+                            <a:srgbClr val="FFFF00"/>
+                          </a:solidFill>
+                        </a:rPr>
+                        <a:t>, </a:t>
+                      </a:r>
+                      <a:r>
+                        <a:rPr lang="ko-KR" altLang="en-US" sz="1400" b="1" dirty="0">
+                          <a:solidFill>
+                            <a:srgbClr val="FFFF00"/>
+                          </a:solidFill>
+                        </a:rPr>
+                        <a:t>수정</a:t>
+                      </a:r>
+                      <a:r>
+                        <a:rPr lang="en-US" altLang="ko-KR" sz="1400" b="1" dirty="0">
+                          <a:solidFill>
+                            <a:srgbClr val="FFFF00"/>
+                          </a:solidFill>
+                        </a:rPr>
+                        <a:t>, </a:t>
+                      </a:r>
+                      <a:r>
+                        <a:rPr lang="ko-KR" altLang="en-US" sz="1400" b="1" dirty="0">
+                          <a:solidFill>
+                            <a:srgbClr val="FFFF00"/>
+                          </a:solidFill>
+                        </a:rPr>
+                        <a:t>삭제 등을 수행</a:t>
+                      </a:r>
+                      <a:endParaRPr lang="en-US" sz="1400" b="1" dirty="0">
+                        <a:solidFill>
+                          <a:srgbClr val="FFFF00"/>
+                        </a:solidFill>
+                      </a:endParaRPr>
+                    </a:p>
+                  </a:txBody>
+                  <a:tcPr anchor="ctr"/>
+                </a:tc>
+                <a:tc>
+                  <a:txBody>
+                    <a:bodyPr/>
+                    <a:lstStyle/>
+                    <a:p>
+                      <a:pPr algn="l"/>
+                      <a:endParaRPr lang="en-US" sz="1200" dirty="0"/>
+                    </a:p>
+                  </a:txBody>
+                  <a:tcPr anchor="ctr"/>
+                </a:tc>
+                <a:extLst>
+                  <a:ext uri="{0D108BD9-81ED-4DB2-BD59-A6C34878D82A}">
+                    <a16:rowId xmlns:a16="http://schemas.microsoft.com/office/drawing/2014/main" val="4167257711"/>
+                  </a:ext>
+                </a:extLst>
+              </a:tr>
+              <a:tr h="569036">
+                <a:tc>
+                  <a:txBody>
+                    <a:bodyPr/>
+                    <a:lstStyle/>
+                    <a:p>
+                      <a:pPr algn="ctr"/>
+                      <a:r>
+                        <a:rPr lang="en-US" sz="1200" dirty="0"/>
+                        <a:t>10</a:t>
+                      </a:r>
+                    </a:p>
+                  </a:txBody>
+                  <a:tcPr anchor="ctr"/>
+                </a:tc>
+                <a:tc>
+                  <a:txBody>
+                    <a:bodyPr/>
+                    <a:lstStyle/>
+                    <a:p>
+                      <a:pPr marL="0" marR="0" lvl="0" indent="0" algn="l" defTabSz="457200" rtl="0" eaLnBrk="1" fontAlgn="auto" latinLnBrk="1" hangingPunct="1">
+                        <a:lnSpc>
+                          <a:spcPct val="100000"/>
+                        </a:lnSpc>
+                        <a:spcBef>
+                          <a:spcPts val="0"/>
+                        </a:spcBef>
+                        <a:spcAft>
+                          <a:spcPts val="0"/>
+                        </a:spcAft>
+                        <a:buClrTx/>
+                        <a:buSzTx/>
+                        <a:buFontTx/>
+                        <a:buNone/>
+                        <a:tabLst/>
+                        <a:defRPr/>
+                      </a:pPr>
+                      <a:r>
+                        <a:rPr lang="en-US" sz="1400" b="1" dirty="0">
+                          <a:solidFill>
+                            <a:srgbClr val="FFFF00"/>
+                          </a:solidFill>
+                        </a:rPr>
+                        <a:t>05</a:t>
+                      </a:r>
+                      <a:r>
+                        <a:rPr lang="ko-KR" altLang="en-US" sz="1400" b="1" dirty="0">
+                          <a:solidFill>
+                            <a:srgbClr val="FFFF00"/>
+                          </a:solidFill>
+                        </a:rPr>
+                        <a:t>번 </a:t>
+                      </a:r>
+                      <a:r>
+                        <a:rPr lang="en-US" altLang="ko-KR" sz="1400" b="1" dirty="0">
+                          <a:solidFill>
+                            <a:srgbClr val="FFFF00"/>
+                          </a:solidFill>
+                        </a:rPr>
+                        <a:t>~ 08</a:t>
+                      </a:r>
+                      <a:r>
+                        <a:rPr lang="ko-KR" altLang="en-US" sz="1400" b="1" dirty="0">
+                          <a:solidFill>
+                            <a:srgbClr val="FFFF00"/>
+                          </a:solidFill>
+                        </a:rPr>
+                        <a:t>번 까지 수행</a:t>
+                      </a:r>
+                      <a:endParaRPr lang="en-US" sz="1400" b="1" dirty="0">
+                        <a:solidFill>
+                          <a:srgbClr val="FFFF00"/>
+                        </a:solidFill>
+                      </a:endParaRPr>
+                    </a:p>
+                  </a:txBody>
+                  <a:tcPr anchor="ctr"/>
+                </a:tc>
+                <a:tc>
+                  <a:txBody>
+                    <a:bodyPr/>
+                    <a:lstStyle/>
+                    <a:p>
+                      <a:pPr algn="l"/>
+                      <a:r>
+                        <a:rPr lang="ko-KR" altLang="en-US" sz="1200" dirty="0"/>
+                        <a:t>파일에 어떤 변경을 줄 때 마다 하기 보다는 일정 단위 작업이 완료된 후 한번씩 수행하거나 하루 일과를 종료할 때 한 번 하는 것이 효율적</a:t>
+                      </a:r>
+                      <a:r>
+                        <a:rPr lang="en-US" altLang="ko-KR" sz="1200" dirty="0"/>
+                        <a:t>.</a:t>
+                      </a:r>
+                      <a:endParaRPr lang="en-US" sz="1200" dirty="0"/>
+                    </a:p>
+                  </a:txBody>
+                  <a:tcPr anchor="ctr"/>
+                </a:tc>
+                <a:extLst>
+                  <a:ext uri="{0D108BD9-81ED-4DB2-BD59-A6C34878D82A}">
+                    <a16:rowId xmlns:a16="http://schemas.microsoft.com/office/drawing/2014/main" val="2391925733"/>
+                  </a:ext>
+                </a:extLst>
+              </a:tr>
+            </a:tbl>
+          </a:graphicData>
+        </a:graphic>
+      </p:graphicFrame>
+    </p:spTree>
+    <p:extLst>
+      <p:ext uri="{BB962C8B-B14F-4D97-AF65-F5344CB8AC3E}">
+        <p14:creationId xmlns:p14="http://schemas.microsoft.com/office/powerpoint/2010/main" val="2264556329"/>
+      </p:ext>
+    </p:extLst>
+  </p:cSld>
+  <p:clrMapOvr>
+    <a:masterClrMapping/>
+  </p:clrMapOvr>
+</p:sld>
+</file>
+
+<file path=ppt/slides/slide11.xml><?xml version="1.0" encoding="utf-8"?>
+<p:sld xmlns:a="http://schemas.openxmlformats.org/drawingml/2006/main" xmlns:r="http://schemas.openxmlformats.org/officeDocument/2006/relationships" xmlns:p="http://schemas.openxmlformats.org/presentationml/2006/main">
+  <p:cSld>
+    <p:spTree>
+      <p:nvGrpSpPr>
+        <p:cNvPr id="1" name=""/>
+        <p:cNvGrpSpPr/>
+        <p:nvPr/>
+      </p:nvGrpSpPr>
+      <p:grpSpPr>
+        <a:xfrm>
+          <a:off x="0" y="0"/>
+          <a:ext cx="0" cy="0"/>
+          <a:chOff x="0" y="0"/>
+          <a:chExt cx="0" cy="0"/>
+        </a:xfrm>
+      </p:grpSpPr>
+      <p:sp>
+        <p:nvSpPr>
+          <p:cNvPr id="2" name="제목 1">
+            <a:extLst>
+              <a:ext uri="{FF2B5EF4-FFF2-40B4-BE49-F238E27FC236}">
+                <a16:creationId xmlns:a16="http://schemas.microsoft.com/office/drawing/2014/main" id="{E2871850-CF09-45E5-B263-C7D69F92B878}"/>
+              </a:ext>
+            </a:extLst>
+          </p:cNvPr>
+          <p:cNvSpPr>
+            <a:spLocks noGrp="1"/>
+          </p:cNvSpPr>
+          <p:nvPr>
+            <p:ph type="title"/>
+          </p:nvPr>
+        </p:nvSpPr>
+        <p:spPr>
+          <a:xfrm>
+            <a:off x="645130" y="389107"/>
+            <a:ext cx="9404723" cy="899004"/>
+          </a:xfrm>
+        </p:spPr>
+        <p:txBody>
+          <a:bodyPr anchor="ctr" anchorCtr="0"/>
+          <a:lstStyle/>
+          <a:p>
+            <a:r>
+              <a:rPr lang="en-US" altLang="ko-KR" sz="3600" dirty="0"/>
               <a:t>git  reset</a:t>
             </a:r>
             <a:endParaRPr lang="ko-KR" altLang="en-US" sz="3600" dirty="0"/>
@@ -9893,547 +11082,6 @@
 </p:sld>
 </file>
 
-<file path=ppt/slides/slide11.xml><?xml version="1.0" encoding="utf-8"?>
-<p:sld xmlns:a="http://schemas.openxmlformats.org/drawingml/2006/main" xmlns:r="http://schemas.openxmlformats.org/officeDocument/2006/relationships" xmlns:p="http://schemas.openxmlformats.org/presentationml/2006/main">
-  <p:cSld>
-    <p:spTree>
-      <p:nvGrpSpPr>
-        <p:cNvPr id="1" name=""/>
-        <p:cNvGrpSpPr/>
-        <p:nvPr/>
-      </p:nvGrpSpPr>
-      <p:grpSpPr>
-        <a:xfrm>
-          <a:off x="0" y="0"/>
-          <a:ext cx="0" cy="0"/>
-          <a:chOff x="0" y="0"/>
-          <a:chExt cx="0" cy="0"/>
-        </a:xfrm>
-      </p:grpSpPr>
-      <p:sp>
-        <p:nvSpPr>
-          <p:cNvPr id="2" name="제목 1">
-            <a:extLst>
-              <a:ext uri="{FF2B5EF4-FFF2-40B4-BE49-F238E27FC236}">
-                <a16:creationId xmlns:a16="http://schemas.microsoft.com/office/drawing/2014/main" id="{E2871850-CF09-45E5-B263-C7D69F92B878}"/>
-              </a:ext>
-            </a:extLst>
-          </p:cNvPr>
-          <p:cNvSpPr>
-            <a:spLocks noGrp="1"/>
-          </p:cNvSpPr>
-          <p:nvPr>
-            <p:ph type="title"/>
-          </p:nvPr>
-        </p:nvSpPr>
-        <p:spPr>
-          <a:xfrm>
-            <a:off x="645130" y="389107"/>
-            <a:ext cx="9404723" cy="899004"/>
-          </a:xfrm>
-        </p:spPr>
-        <p:txBody>
-          <a:bodyPr anchor="ctr" anchorCtr="0"/>
-          <a:lstStyle/>
-          <a:p>
-            <a:r>
-              <a:rPr lang="en-US" altLang="ko-KR" sz="3600" dirty="0"/>
-              <a:t>git  log</a:t>
-            </a:r>
-            <a:endParaRPr lang="ko-KR" altLang="en-US" sz="3600" dirty="0"/>
-          </a:p>
-        </p:txBody>
-      </p:sp>
-      <p:sp>
-        <p:nvSpPr>
-          <p:cNvPr id="3" name="내용 개체 틀 2">
-            <a:extLst>
-              <a:ext uri="{FF2B5EF4-FFF2-40B4-BE49-F238E27FC236}">
-                <a16:creationId xmlns:a16="http://schemas.microsoft.com/office/drawing/2014/main" id="{07429EB3-8B4E-466C-8ACA-0242AC361BE1}"/>
-              </a:ext>
-            </a:extLst>
-          </p:cNvPr>
-          <p:cNvSpPr>
-            <a:spLocks noGrp="1"/>
-          </p:cNvSpPr>
-          <p:nvPr>
-            <p:ph idx="1"/>
-          </p:nvPr>
-        </p:nvSpPr>
-        <p:spPr>
-          <a:xfrm>
-            <a:off x="645130" y="1474238"/>
-            <a:ext cx="11260731" cy="4774162"/>
-          </a:xfrm>
-        </p:spPr>
-        <p:txBody>
-          <a:bodyPr>
-            <a:normAutofit/>
-          </a:bodyPr>
-          <a:lstStyle/>
-          <a:p>
-            <a:pPr marL="0" indent="0">
-              <a:buNone/>
-            </a:pPr>
-            <a:r>
-              <a:rPr lang="en-US" altLang="ko-KR" sz="1600" dirty="0"/>
-              <a:t>commit log</a:t>
-            </a:r>
-            <a:endParaRPr lang="en-US" altLang="ko-KR" sz="1200" dirty="0"/>
-          </a:p>
-          <a:p>
-            <a:pPr marL="0" indent="0">
-              <a:buNone/>
-            </a:pPr>
-            <a:r>
-              <a:rPr lang="en-US" altLang="ko-KR" sz="1400" b="1" dirty="0">
-                <a:solidFill>
-                  <a:srgbClr val="FFFF00"/>
-                </a:solidFill>
-              </a:rPr>
-              <a:t>$ git log </a:t>
-            </a:r>
-            <a:r>
-              <a:rPr lang="en-US" altLang="ko-KR" sz="1400" b="1" dirty="0">
-                <a:solidFill>
-                  <a:schemeClr val="accent2">
-                    <a:lumMod val="40000"/>
-                    <a:lumOff val="60000"/>
-                  </a:schemeClr>
-                </a:solidFill>
-              </a:rPr>
-              <a:t>: </a:t>
-            </a:r>
-            <a:r>
-              <a:rPr lang="en-US" altLang="ko-KR" sz="1400" dirty="0"/>
-              <a:t> commit log </a:t>
-            </a:r>
-            <a:r>
-              <a:rPr lang="ko-KR" altLang="en-US" sz="1400" dirty="0"/>
-              <a:t>보여 줌</a:t>
-            </a:r>
-            <a:endParaRPr lang="en-US" altLang="ko-KR" sz="1400" dirty="0"/>
-          </a:p>
-          <a:p>
-            <a:pPr marL="0" indent="0">
-              <a:buNone/>
-            </a:pPr>
-            <a:r>
-              <a:rPr lang="en-US" altLang="ko-KR" sz="1400" b="1" dirty="0">
-                <a:solidFill>
-                  <a:srgbClr val="FFFF00"/>
-                </a:solidFill>
-              </a:rPr>
-              <a:t>$ git log -p </a:t>
-            </a:r>
-            <a:r>
-              <a:rPr lang="en-US" altLang="ko-KR" sz="1400" b="1" dirty="0">
-                <a:solidFill>
-                  <a:schemeClr val="accent2">
-                    <a:lumMod val="40000"/>
-                    <a:lumOff val="60000"/>
-                  </a:schemeClr>
-                </a:solidFill>
-              </a:rPr>
-              <a:t>: </a:t>
-            </a:r>
-            <a:r>
-              <a:rPr lang="en-US" altLang="ko-KR" sz="1400" dirty="0"/>
-              <a:t> </a:t>
-            </a:r>
-            <a:r>
-              <a:rPr lang="ko-KR" altLang="en-US" sz="1400" dirty="0"/>
-              <a:t>각 </a:t>
-            </a:r>
-            <a:r>
-              <a:rPr lang="en-US" altLang="ko-KR" sz="1400" dirty="0"/>
-              <a:t>commit</a:t>
-            </a:r>
-            <a:r>
-              <a:rPr lang="ko-KR" altLang="en-US" sz="1400" dirty="0"/>
-              <a:t>의 </a:t>
-            </a:r>
-            <a:r>
-              <a:rPr lang="en-US" altLang="ko-KR" sz="1400" dirty="0"/>
-              <a:t>diff </a:t>
-            </a:r>
-            <a:r>
-              <a:rPr lang="ko-KR" altLang="en-US" sz="1400" dirty="0"/>
-              <a:t>결과를 줄 단위로 보여줌</a:t>
-            </a:r>
-            <a:endParaRPr lang="en-US" altLang="ko-KR" sz="1400" dirty="0"/>
-          </a:p>
-          <a:p>
-            <a:pPr marL="0" indent="0">
-              <a:buNone/>
-            </a:pPr>
-            <a:r>
-              <a:rPr lang="en-US" altLang="ko-KR" sz="1400" b="1" dirty="0">
-                <a:solidFill>
-                  <a:srgbClr val="FFFF00"/>
-                </a:solidFill>
-              </a:rPr>
-              <a:t>$ git log -2 </a:t>
-            </a:r>
-            <a:r>
-              <a:rPr lang="en-US" altLang="ko-KR" sz="1400" b="1" dirty="0">
-                <a:solidFill>
-                  <a:schemeClr val="accent2">
-                    <a:lumMod val="40000"/>
-                    <a:lumOff val="60000"/>
-                  </a:schemeClr>
-                </a:solidFill>
-              </a:rPr>
-              <a:t>: </a:t>
-            </a:r>
-            <a:r>
-              <a:rPr lang="en-US" altLang="ko-KR" sz="1400" dirty="0"/>
-              <a:t> </a:t>
-            </a:r>
-            <a:r>
-              <a:rPr lang="ko-KR" altLang="en-US" sz="1400" dirty="0"/>
-              <a:t>최근에 </a:t>
-            </a:r>
-            <a:r>
-              <a:rPr lang="en-US" altLang="ko-KR" sz="1400" dirty="0"/>
-              <a:t>commit </a:t>
-            </a:r>
-            <a:r>
-              <a:rPr lang="ko-KR" altLang="en-US" sz="1400" dirty="0"/>
-              <a:t>된 </a:t>
-            </a:r>
-            <a:r>
-              <a:rPr lang="en-US" altLang="ko-KR" sz="1400" dirty="0"/>
-              <a:t>2</a:t>
-            </a:r>
-            <a:r>
-              <a:rPr lang="ko-KR" altLang="en-US" sz="1400" dirty="0"/>
-              <a:t>건에 대한 </a:t>
-            </a:r>
-            <a:r>
-              <a:rPr lang="en-US" altLang="ko-KR" sz="1400" dirty="0"/>
-              <a:t>log </a:t>
-            </a:r>
-            <a:r>
-              <a:rPr lang="ko-KR" altLang="en-US" sz="1400" dirty="0"/>
-              <a:t>보여 줌</a:t>
-            </a:r>
-            <a:endParaRPr lang="en-US" altLang="ko-KR" sz="1400" dirty="0"/>
-          </a:p>
-          <a:p>
-            <a:pPr marL="0" indent="0">
-              <a:buNone/>
-            </a:pPr>
-            <a:r>
-              <a:rPr lang="en-US" altLang="ko-KR" sz="1400" b="1" dirty="0">
-                <a:solidFill>
-                  <a:srgbClr val="FFFF00"/>
-                </a:solidFill>
-              </a:rPr>
-              <a:t>$ git log  -3  --pretty=</a:t>
-            </a:r>
-            <a:r>
-              <a:rPr lang="en-US" altLang="ko-KR" sz="1400" b="1" dirty="0" err="1">
-                <a:solidFill>
-                  <a:srgbClr val="FFFF00"/>
-                </a:solidFill>
-              </a:rPr>
-              <a:t>oneline</a:t>
-            </a:r>
-            <a:r>
-              <a:rPr lang="en-US" altLang="ko-KR" sz="1400" b="1" dirty="0">
-                <a:solidFill>
-                  <a:srgbClr val="FFFF00"/>
-                </a:solidFill>
-              </a:rPr>
-              <a:t> </a:t>
-            </a:r>
-            <a:r>
-              <a:rPr lang="en-US" altLang="ko-KR" sz="1400" b="1" dirty="0">
-                <a:solidFill>
-                  <a:schemeClr val="accent2">
-                    <a:lumMod val="40000"/>
-                    <a:lumOff val="60000"/>
-                  </a:schemeClr>
-                </a:solidFill>
-              </a:rPr>
-              <a:t>:  </a:t>
-            </a:r>
-            <a:r>
-              <a:rPr lang="ko-KR" altLang="en-US" sz="1400" dirty="0"/>
-              <a:t>최근에 </a:t>
-            </a:r>
-            <a:r>
-              <a:rPr lang="en-US" altLang="ko-KR" sz="1400" dirty="0"/>
-              <a:t>commit </a:t>
-            </a:r>
-            <a:r>
-              <a:rPr lang="ko-KR" altLang="en-US" sz="1400" dirty="0"/>
-              <a:t>된 </a:t>
-            </a:r>
-            <a:r>
-              <a:rPr lang="en-US" altLang="ko-KR" sz="1400" dirty="0"/>
-              <a:t>3</a:t>
-            </a:r>
-            <a:r>
-              <a:rPr lang="ko-KR" altLang="en-US" sz="1400" dirty="0"/>
-              <a:t>건에 대한 </a:t>
-            </a:r>
-            <a:r>
-              <a:rPr lang="en-US" altLang="ko-KR" sz="1400" dirty="0"/>
-              <a:t>log</a:t>
-            </a:r>
-            <a:r>
-              <a:rPr lang="ko-KR" altLang="en-US" sz="1400" dirty="0"/>
-              <a:t>를 한 줄로 축약해서 보여줌</a:t>
-            </a:r>
-            <a:endParaRPr lang="en-US" altLang="ko-KR" sz="1400" dirty="0"/>
-          </a:p>
-          <a:p>
-            <a:pPr marL="0" indent="0">
-              <a:buNone/>
-            </a:pPr>
-            <a:r>
-              <a:rPr lang="fr-FR" altLang="ko-KR" sz="1400" b="1" dirty="0">
-                <a:solidFill>
-                  <a:srgbClr val="FFFF00"/>
-                </a:solidFill>
-              </a:rPr>
-              <a:t>$ git log  --since= 2021-01-05 </a:t>
-            </a:r>
-            <a:r>
-              <a:rPr lang="fr-FR" altLang="ko-KR" sz="1400" b="1" dirty="0">
-                <a:solidFill>
-                  <a:schemeClr val="accent2">
-                    <a:lumMod val="40000"/>
-                    <a:lumOff val="60000"/>
-                  </a:schemeClr>
-                </a:solidFill>
-              </a:rPr>
-              <a:t>:  </a:t>
-            </a:r>
-            <a:r>
-              <a:rPr lang="en-US" altLang="ko-KR" sz="1400" dirty="0"/>
-              <a:t>2021</a:t>
-            </a:r>
-            <a:r>
-              <a:rPr lang="ko-KR" altLang="en-US" sz="1400" dirty="0"/>
-              <a:t>년 </a:t>
-            </a:r>
-            <a:r>
-              <a:rPr lang="en-US" altLang="ko-KR" sz="1400" dirty="0"/>
-              <a:t>1</a:t>
-            </a:r>
-            <a:r>
-              <a:rPr lang="ko-KR" altLang="en-US" sz="1400" dirty="0"/>
-              <a:t>월 </a:t>
-            </a:r>
-            <a:r>
-              <a:rPr lang="en-US" altLang="ko-KR" sz="1400" dirty="0"/>
-              <a:t>5</a:t>
-            </a:r>
-            <a:r>
-              <a:rPr lang="ko-KR" altLang="en-US" sz="1400" dirty="0"/>
-              <a:t>일 이후 </a:t>
-            </a:r>
-            <a:r>
-              <a:rPr lang="en-US" altLang="ko-KR" sz="1400" dirty="0"/>
-              <a:t>commit</a:t>
-            </a:r>
-            <a:r>
-              <a:rPr lang="ko-KR" altLang="en-US" sz="1400" dirty="0"/>
-              <a:t>된 </a:t>
-            </a:r>
-            <a:r>
-              <a:rPr lang="en-US" altLang="ko-KR" sz="1400" dirty="0"/>
-              <a:t>log </a:t>
-            </a:r>
-            <a:r>
-              <a:rPr lang="ko-KR" altLang="en-US" sz="1400" dirty="0"/>
-              <a:t>보여줌 </a:t>
-            </a:r>
-            <a:r>
-              <a:rPr lang="en-US" altLang="ko-KR" sz="1400" dirty="0"/>
-              <a:t>(after, before, until)</a:t>
-            </a:r>
-          </a:p>
-          <a:p>
-            <a:pPr marL="0" indent="0">
-              <a:buNone/>
-            </a:pPr>
-            <a:r>
-              <a:rPr lang="fr-FR" altLang="ko-KR" sz="1400" b="1" dirty="0">
-                <a:solidFill>
-                  <a:srgbClr val="FFFF00"/>
-                </a:solidFill>
-              </a:rPr>
-              <a:t>$ git log  --author=username </a:t>
-            </a:r>
-            <a:r>
-              <a:rPr lang="fr-FR" altLang="ko-KR" sz="1400" b="1" dirty="0">
-                <a:solidFill>
-                  <a:schemeClr val="accent2">
-                    <a:lumMod val="40000"/>
-                    <a:lumOff val="60000"/>
-                  </a:schemeClr>
-                </a:solidFill>
-              </a:rPr>
-              <a:t>:  </a:t>
-            </a:r>
-            <a:r>
-              <a:rPr lang="en-US" altLang="ko-KR" sz="1400" dirty="0"/>
-              <a:t>2021</a:t>
-            </a:r>
-            <a:r>
-              <a:rPr lang="ko-KR" altLang="en-US" sz="1400" dirty="0"/>
-              <a:t>년 </a:t>
-            </a:r>
-            <a:r>
-              <a:rPr lang="en-US" altLang="ko-KR" sz="1400" dirty="0"/>
-              <a:t>1</a:t>
-            </a:r>
-            <a:r>
-              <a:rPr lang="ko-KR" altLang="en-US" sz="1400" dirty="0"/>
-              <a:t>월 </a:t>
-            </a:r>
-            <a:r>
-              <a:rPr lang="en-US" altLang="ko-KR" sz="1400" dirty="0"/>
-              <a:t>5</a:t>
-            </a:r>
-            <a:r>
-              <a:rPr lang="ko-KR" altLang="en-US" sz="1400" dirty="0"/>
-              <a:t>일 이후 </a:t>
-            </a:r>
-            <a:r>
-              <a:rPr lang="en-US" altLang="ko-KR" sz="1400" dirty="0"/>
-              <a:t>commit</a:t>
-            </a:r>
-            <a:r>
-              <a:rPr lang="ko-KR" altLang="en-US" sz="1400" dirty="0"/>
-              <a:t>된 </a:t>
-            </a:r>
-            <a:r>
-              <a:rPr lang="en-US" altLang="ko-KR" sz="1400" dirty="0"/>
-              <a:t>log </a:t>
-            </a:r>
-            <a:r>
-              <a:rPr lang="ko-KR" altLang="en-US" sz="1400" dirty="0"/>
-              <a:t>보여줌 </a:t>
-            </a:r>
-            <a:r>
-              <a:rPr lang="en-US" altLang="ko-KR" sz="1400" dirty="0"/>
-              <a:t>(after, before, until)</a:t>
-            </a:r>
-          </a:p>
-          <a:p>
-            <a:pPr marL="0" indent="0">
-              <a:buNone/>
-            </a:pPr>
-            <a:r>
-              <a:rPr lang="fr-FR" altLang="ko-KR" sz="1400" b="1" dirty="0">
-                <a:solidFill>
-                  <a:srgbClr val="FFFF00"/>
-                </a:solidFill>
-              </a:rPr>
-              <a:t>$ git log  ./1.txt  ./2.txt </a:t>
-            </a:r>
-            <a:r>
-              <a:rPr lang="fr-FR" altLang="ko-KR" sz="1400" b="1" dirty="0">
-                <a:solidFill>
-                  <a:schemeClr val="accent2">
-                    <a:lumMod val="40000"/>
-                    <a:lumOff val="60000"/>
-                  </a:schemeClr>
-                </a:solidFill>
-              </a:rPr>
-              <a:t>:  </a:t>
-            </a:r>
-            <a:r>
-              <a:rPr lang="en-US" altLang="ko-KR" sz="1400" dirty="0"/>
-              <a:t>1.html</a:t>
-            </a:r>
-            <a:r>
-              <a:rPr lang="ko-KR" altLang="en-US" sz="1400" dirty="0"/>
-              <a:t>과 </a:t>
-            </a:r>
-            <a:r>
-              <a:rPr lang="en-US" altLang="ko-KR" sz="1400" dirty="0"/>
-              <a:t>2.html</a:t>
-            </a:r>
-            <a:r>
-              <a:rPr lang="ko-KR" altLang="en-US" sz="1400" dirty="0"/>
-              <a:t>을 포함한 </a:t>
-            </a:r>
-            <a:r>
-              <a:rPr lang="en-US" altLang="ko-KR" sz="1400" dirty="0"/>
-              <a:t>commit log</a:t>
-            </a:r>
-            <a:r>
-              <a:rPr lang="ko-KR" altLang="en-US" sz="1400" dirty="0"/>
-              <a:t>를 보여줌</a:t>
-            </a:r>
-            <a:endParaRPr lang="en-US" altLang="ko-KR" sz="1400" dirty="0"/>
-          </a:p>
-          <a:p>
-            <a:pPr marL="0" indent="0">
-              <a:buNone/>
-            </a:pPr>
-            <a:endParaRPr lang="en-US" altLang="ko-KR" sz="1200" dirty="0"/>
-          </a:p>
-          <a:p>
-            <a:pPr marL="0" indent="0">
-              <a:buNone/>
-            </a:pPr>
-            <a:endParaRPr lang="fr-FR" altLang="ko-KR" sz="1400" b="1" dirty="0">
-              <a:solidFill>
-                <a:srgbClr val="FFFF00"/>
-              </a:solidFill>
-            </a:endParaRPr>
-          </a:p>
-        </p:txBody>
-      </p:sp>
-      <p:sp>
-        <p:nvSpPr>
-          <p:cNvPr id="4" name="슬라이드 번호 개체 틀 3">
-            <a:extLst>
-              <a:ext uri="{FF2B5EF4-FFF2-40B4-BE49-F238E27FC236}">
-                <a16:creationId xmlns:a16="http://schemas.microsoft.com/office/drawing/2014/main" id="{2E5A3943-7F72-CDF6-A8E1-33AE08D84FAF}"/>
-              </a:ext>
-            </a:extLst>
-          </p:cNvPr>
-          <p:cNvSpPr>
-            <a:spLocks noGrp="1"/>
-          </p:cNvSpPr>
-          <p:nvPr>
-            <p:ph type="sldNum" sz="quarter" idx="12"/>
-          </p:nvPr>
-        </p:nvSpPr>
-        <p:spPr/>
-        <p:txBody>
-          <a:bodyPr/>
-          <a:lstStyle/>
-          <a:p>
-            <a:fld id="{D57F1E4F-1CFF-5643-939E-02111984F565}" type="slidenum">
-              <a:rPr lang="en-US" smtClean="0"/>
-              <a:t>11</a:t>
-            </a:fld>
-            <a:endParaRPr lang="en-US" dirty="0"/>
-          </a:p>
-        </p:txBody>
-      </p:sp>
-    </p:spTree>
-    <p:extLst>
-      <p:ext uri="{BB962C8B-B14F-4D97-AF65-F5344CB8AC3E}">
-        <p14:creationId xmlns:p14="http://schemas.microsoft.com/office/powerpoint/2010/main" val="381880285"/>
-      </p:ext>
-    </p:extLst>
-  </p:cSld>
-  <p:clrMapOvr>
-    <a:masterClrMapping/>
-  </p:clrMapOvr>
-</p:sld>
-</file>
-
 <file path=ppt/slides/slide12.xml><?xml version="1.0" encoding="utf-8"?>
 <p:sld xmlns:a="http://schemas.openxmlformats.org/drawingml/2006/main" xmlns:r="http://schemas.openxmlformats.org/officeDocument/2006/relationships" xmlns:p="http://schemas.openxmlformats.org/presentationml/2006/main">
   <p:cSld>
@@ -10479,7 +11127,7 @@
           <a:p>
             <a:r>
               <a:rPr lang="en-US" altLang="ko-KR" sz="3600" dirty="0"/>
-              <a:t>Scenario 1-1</a:t>
+              <a:t>git  log</a:t>
             </a:r>
             <a:endParaRPr lang="ko-KR" altLang="en-US" sz="3600" dirty="0"/>
           </a:p>
@@ -10504,7 +11152,7 @@
         <p:spPr>
           <a:xfrm>
             <a:off x="645130" y="1474238"/>
-            <a:ext cx="11008805" cy="4774162"/>
+            <a:ext cx="11260731" cy="4774162"/>
           </a:xfrm>
         </p:spPr>
         <p:txBody>
@@ -10513,40 +11161,173 @@
           </a:bodyPr>
           <a:lstStyle/>
           <a:p>
-            <a:pPr marL="0" indent="0" fontAlgn="base">
+            <a:pPr marL="0" indent="0">
               <a:buNone/>
             </a:pPr>
             <a:r>
+              <a:rPr lang="en-US" altLang="ko-KR" sz="1600" dirty="0"/>
+              <a:t>commit log</a:t>
+            </a:r>
+            <a:endParaRPr lang="en-US" altLang="ko-KR" sz="1200" dirty="0"/>
+          </a:p>
+          <a:p>
+            <a:pPr marL="0" indent="0">
+              <a:buNone/>
+            </a:pPr>
+            <a:r>
               <a:rPr lang="en-US" altLang="ko-KR" sz="1400" b="1" dirty="0">
                 <a:solidFill>
                   <a:srgbClr val="FFFF00"/>
                 </a:solidFill>
               </a:rPr>
-              <a:t>** </a:t>
-            </a:r>
-            <a:r>
-              <a:rPr lang="ko-KR" altLang="en-US" sz="1400" b="1" dirty="0">
+              <a:t>$ git log </a:t>
+            </a:r>
+            <a:r>
+              <a:rPr lang="en-US" altLang="ko-KR" sz="1400" b="1" dirty="0">
+                <a:solidFill>
+                  <a:schemeClr val="accent2">
+                    <a:lumMod val="40000"/>
+                    <a:lumOff val="60000"/>
+                  </a:schemeClr>
+                </a:solidFill>
+              </a:rPr>
+              <a:t>: </a:t>
+            </a:r>
+            <a:r>
+              <a:rPr lang="en-US" altLang="ko-KR" sz="1400" dirty="0"/>
+              <a:t> commit log </a:t>
+            </a:r>
+            <a:r>
+              <a:rPr lang="ko-KR" altLang="en-US" sz="1400" dirty="0"/>
+              <a:t>보여 줌</a:t>
+            </a:r>
+            <a:endParaRPr lang="en-US" altLang="ko-KR" sz="1400" dirty="0"/>
+          </a:p>
+          <a:p>
+            <a:pPr marL="0" indent="0">
+              <a:buNone/>
+            </a:pPr>
+            <a:r>
+              <a:rPr lang="en-US" altLang="ko-KR" sz="1400" b="1" dirty="0">
                 <a:solidFill>
                   <a:srgbClr val="FFFF00"/>
                 </a:solidFill>
               </a:rPr>
-              <a:t>각 시나리오에서 스텝별로 </a:t>
+              <a:t>$ git log -p </a:t>
             </a:r>
             <a:r>
               <a:rPr lang="en-US" altLang="ko-KR" sz="1400" b="1" dirty="0">
                 <a:solidFill>
+                  <a:schemeClr val="accent2">
+                    <a:lumMod val="40000"/>
+                    <a:lumOff val="60000"/>
+                  </a:schemeClr>
+                </a:solidFill>
+              </a:rPr>
+              <a:t>: </a:t>
+            </a:r>
+            <a:r>
+              <a:rPr lang="en-US" altLang="ko-KR" sz="1400" dirty="0"/>
+              <a:t> </a:t>
+            </a:r>
+            <a:r>
+              <a:rPr lang="ko-KR" altLang="en-US" sz="1400" dirty="0"/>
+              <a:t>각 </a:t>
+            </a:r>
+            <a:r>
+              <a:rPr lang="en-US" altLang="ko-KR" sz="1400" dirty="0"/>
+              <a:t>commit</a:t>
+            </a:r>
+            <a:r>
+              <a:rPr lang="ko-KR" altLang="en-US" sz="1400" dirty="0"/>
+              <a:t>의 </a:t>
+            </a:r>
+            <a:r>
+              <a:rPr lang="en-US" altLang="ko-KR" sz="1400" dirty="0"/>
+              <a:t>diff </a:t>
+            </a:r>
+            <a:r>
+              <a:rPr lang="ko-KR" altLang="en-US" sz="1400" dirty="0"/>
+              <a:t>결과를 줄 단위로 보여줌</a:t>
+            </a:r>
+            <a:endParaRPr lang="en-US" altLang="ko-KR" sz="1400" dirty="0"/>
+          </a:p>
+          <a:p>
+            <a:pPr marL="0" indent="0">
+              <a:buNone/>
+            </a:pPr>
+            <a:r>
+              <a:rPr lang="en-US" altLang="ko-KR" sz="1400" b="1" dirty="0">
+                <a:solidFill>
                   <a:srgbClr val="FFFF00"/>
                 </a:solidFill>
               </a:rPr>
-              <a:t>git status, git log, git show, git tag </a:t>
-            </a:r>
-            <a:r>
-              <a:rPr lang="ko-KR" altLang="en-US" sz="1400" b="1" dirty="0">
+              <a:t>$ git log -2 </a:t>
+            </a:r>
+            <a:r>
+              <a:rPr lang="en-US" altLang="ko-KR" sz="1400" b="1" dirty="0">
+                <a:solidFill>
+                  <a:schemeClr val="accent2">
+                    <a:lumMod val="40000"/>
+                    <a:lumOff val="60000"/>
+                  </a:schemeClr>
+                </a:solidFill>
+              </a:rPr>
+              <a:t>: </a:t>
+            </a:r>
+            <a:r>
+              <a:rPr lang="en-US" altLang="ko-KR" sz="1400" dirty="0"/>
+              <a:t> </a:t>
+            </a:r>
+            <a:r>
+              <a:rPr lang="ko-KR" altLang="en-US" sz="1400" dirty="0"/>
+              <a:t>최근에 </a:t>
+            </a:r>
+            <a:r>
+              <a:rPr lang="en-US" altLang="ko-KR" sz="1400" dirty="0"/>
+              <a:t>commit </a:t>
+            </a:r>
+            <a:r>
+              <a:rPr lang="ko-KR" altLang="en-US" sz="1400" dirty="0"/>
+              <a:t>된 </a:t>
+            </a:r>
+            <a:r>
+              <a:rPr lang="en-US" altLang="ko-KR" sz="1400" dirty="0"/>
+              <a:t>2</a:t>
+            </a:r>
+            <a:r>
+              <a:rPr lang="ko-KR" altLang="en-US" sz="1400" dirty="0"/>
+              <a:t>건에 대한 </a:t>
+            </a:r>
+            <a:r>
+              <a:rPr lang="en-US" altLang="ko-KR" sz="1400" dirty="0"/>
+              <a:t>log </a:t>
+            </a:r>
+            <a:r>
+              <a:rPr lang="ko-KR" altLang="en-US" sz="1400" dirty="0"/>
+              <a:t>보여 줌</a:t>
+            </a:r>
+            <a:endParaRPr lang="en-US" altLang="ko-KR" sz="1400" dirty="0"/>
+          </a:p>
+          <a:p>
+            <a:pPr marL="0" indent="0">
+              <a:buNone/>
+            </a:pPr>
+            <a:r>
+              <a:rPr lang="en-US" altLang="ko-KR" sz="1400" b="1" dirty="0">
                 <a:solidFill>
                   <a:srgbClr val="FFFF00"/>
                 </a:solidFill>
               </a:rPr>
-              <a:t>등 수행하여 내용 확인하며 진행 요망</a:t>
+              <a:t>$ git log  -3  --pretty=</a:t>
+            </a:r>
+            <a:r>
+              <a:rPr lang="en-US" altLang="ko-KR" sz="1400" b="1" dirty="0" err="1">
+                <a:solidFill>
+                  <a:srgbClr val="FFFF00"/>
+                </a:solidFill>
+              </a:rPr>
+              <a:t>oneline</a:t>
             </a:r>
             <a:r>
               <a:rPr lang="en-US" altLang="ko-KR" sz="1400" b="1" dirty="0">
@@ -10554,395 +11335,250 @@
                   <a:srgbClr val="FFFF00"/>
                 </a:solidFill>
               </a:rPr>
-              <a:t>.</a:t>
-            </a:r>
-            <a:r>
-              <a:rPr lang="ko-KR" altLang="en-US" sz="1400" b="1" dirty="0">
+              <a:t> </a:t>
+            </a:r>
+            <a:r>
+              <a:rPr lang="en-US" altLang="ko-KR" sz="1400" b="1" dirty="0">
+                <a:solidFill>
+                  <a:schemeClr val="accent2">
+                    <a:lumMod val="40000"/>
+                    <a:lumOff val="60000"/>
+                  </a:schemeClr>
+                </a:solidFill>
+              </a:rPr>
+              <a:t>:  </a:t>
+            </a:r>
+            <a:r>
+              <a:rPr lang="ko-KR" altLang="en-US" sz="1400" dirty="0"/>
+              <a:t>최근에 </a:t>
+            </a:r>
+            <a:r>
+              <a:rPr lang="en-US" altLang="ko-KR" sz="1400" dirty="0"/>
+              <a:t>commit </a:t>
+            </a:r>
+            <a:r>
+              <a:rPr lang="ko-KR" altLang="en-US" sz="1400" dirty="0"/>
+              <a:t>된 </a:t>
+            </a:r>
+            <a:r>
+              <a:rPr lang="en-US" altLang="ko-KR" sz="1400" dirty="0"/>
+              <a:t>3</a:t>
+            </a:r>
+            <a:r>
+              <a:rPr lang="ko-KR" altLang="en-US" sz="1400" dirty="0"/>
+              <a:t>건에 대한 </a:t>
+            </a:r>
+            <a:r>
+              <a:rPr lang="en-US" altLang="ko-KR" sz="1400" dirty="0"/>
+              <a:t>log</a:t>
+            </a:r>
+            <a:r>
+              <a:rPr lang="ko-KR" altLang="en-US" sz="1400" dirty="0"/>
+              <a:t>를 한 줄로 축약해서 보여줌</a:t>
+            </a:r>
+            <a:endParaRPr lang="en-US" altLang="ko-KR" sz="1400" dirty="0"/>
+          </a:p>
+          <a:p>
+            <a:pPr marL="0" indent="0">
+              <a:buNone/>
+            </a:pPr>
+            <a:r>
+              <a:rPr lang="fr-FR" altLang="ko-KR" sz="1400" b="1" dirty="0">
                 <a:solidFill>
                   <a:srgbClr val="FFFF00"/>
                 </a:solidFill>
               </a:rPr>
-              <a:t> </a:t>
-            </a:r>
-            <a:endParaRPr lang="en-US" altLang="ko-KR" sz="1400" b="1" dirty="0">
+              <a:t>$ git log  --since= 2021-01-05 </a:t>
+            </a:r>
+            <a:r>
+              <a:rPr lang="fr-FR" altLang="ko-KR" sz="1400" b="1" dirty="0">
+                <a:solidFill>
+                  <a:schemeClr val="accent2">
+                    <a:lumMod val="40000"/>
+                    <a:lumOff val="60000"/>
+                  </a:schemeClr>
+                </a:solidFill>
+              </a:rPr>
+              <a:t>:  </a:t>
+            </a:r>
+            <a:r>
+              <a:rPr lang="en-US" altLang="ko-KR" sz="1400" dirty="0"/>
+              <a:t>2021</a:t>
+            </a:r>
+            <a:r>
+              <a:rPr lang="ko-KR" altLang="en-US" sz="1400" dirty="0"/>
+              <a:t>년 </a:t>
+            </a:r>
+            <a:r>
+              <a:rPr lang="en-US" altLang="ko-KR" sz="1400" dirty="0"/>
+              <a:t>1</a:t>
+            </a:r>
+            <a:r>
+              <a:rPr lang="ko-KR" altLang="en-US" sz="1400" dirty="0"/>
+              <a:t>월 </a:t>
+            </a:r>
+            <a:r>
+              <a:rPr lang="en-US" altLang="ko-KR" sz="1400" dirty="0"/>
+              <a:t>5</a:t>
+            </a:r>
+            <a:r>
+              <a:rPr lang="ko-KR" altLang="en-US" sz="1400" dirty="0"/>
+              <a:t>일 이후 </a:t>
+            </a:r>
+            <a:r>
+              <a:rPr lang="en-US" altLang="ko-KR" sz="1400" dirty="0"/>
+              <a:t>commit</a:t>
+            </a:r>
+            <a:r>
+              <a:rPr lang="ko-KR" altLang="en-US" sz="1400" dirty="0"/>
+              <a:t>된 </a:t>
+            </a:r>
+            <a:r>
+              <a:rPr lang="en-US" altLang="ko-KR" sz="1400" dirty="0"/>
+              <a:t>log </a:t>
+            </a:r>
+            <a:r>
+              <a:rPr lang="ko-KR" altLang="en-US" sz="1400" dirty="0"/>
+              <a:t>보여줌 </a:t>
+            </a:r>
+            <a:r>
+              <a:rPr lang="en-US" altLang="ko-KR" sz="1400" dirty="0"/>
+              <a:t>(after, before, until)</a:t>
+            </a:r>
+          </a:p>
+          <a:p>
+            <a:pPr marL="0" indent="0">
+              <a:buNone/>
+            </a:pPr>
+            <a:r>
+              <a:rPr lang="fr-FR" altLang="ko-KR" sz="1400" b="1" dirty="0">
+                <a:solidFill>
+                  <a:srgbClr val="FFFF00"/>
+                </a:solidFill>
+              </a:rPr>
+              <a:t>$ git log  --author=username </a:t>
+            </a:r>
+            <a:r>
+              <a:rPr lang="fr-FR" altLang="ko-KR" sz="1400" b="1" dirty="0">
+                <a:solidFill>
+                  <a:schemeClr val="accent2">
+                    <a:lumMod val="40000"/>
+                    <a:lumOff val="60000"/>
+                  </a:schemeClr>
+                </a:solidFill>
+              </a:rPr>
+              <a:t>:  </a:t>
+            </a:r>
+            <a:r>
+              <a:rPr lang="en-US" altLang="ko-KR" sz="1400" dirty="0"/>
+              <a:t>2021</a:t>
+            </a:r>
+            <a:r>
+              <a:rPr lang="ko-KR" altLang="en-US" sz="1400" dirty="0"/>
+              <a:t>년 </a:t>
+            </a:r>
+            <a:r>
+              <a:rPr lang="en-US" altLang="ko-KR" sz="1400" dirty="0"/>
+              <a:t>1</a:t>
+            </a:r>
+            <a:r>
+              <a:rPr lang="ko-KR" altLang="en-US" sz="1400" dirty="0"/>
+              <a:t>월 </a:t>
+            </a:r>
+            <a:r>
+              <a:rPr lang="en-US" altLang="ko-KR" sz="1400" dirty="0"/>
+              <a:t>5</a:t>
+            </a:r>
+            <a:r>
+              <a:rPr lang="ko-KR" altLang="en-US" sz="1400" dirty="0"/>
+              <a:t>일 이후 </a:t>
+            </a:r>
+            <a:r>
+              <a:rPr lang="en-US" altLang="ko-KR" sz="1400" dirty="0"/>
+              <a:t>commit</a:t>
+            </a:r>
+            <a:r>
+              <a:rPr lang="ko-KR" altLang="en-US" sz="1400" dirty="0"/>
+              <a:t>된 </a:t>
+            </a:r>
+            <a:r>
+              <a:rPr lang="en-US" altLang="ko-KR" sz="1400" dirty="0"/>
+              <a:t>log </a:t>
+            </a:r>
+            <a:r>
+              <a:rPr lang="ko-KR" altLang="en-US" sz="1400" dirty="0"/>
+              <a:t>보여줌 </a:t>
+            </a:r>
+            <a:r>
+              <a:rPr lang="en-US" altLang="ko-KR" sz="1400" dirty="0"/>
+              <a:t>(after, before, until)</a:t>
+            </a:r>
+          </a:p>
+          <a:p>
+            <a:pPr marL="0" indent="0">
+              <a:buNone/>
+            </a:pPr>
+            <a:r>
+              <a:rPr lang="fr-FR" altLang="ko-KR" sz="1400" b="1" dirty="0">
+                <a:solidFill>
+                  <a:srgbClr val="FFFF00"/>
+                </a:solidFill>
+              </a:rPr>
+              <a:t>$ git log  ./1.txt  ./2.txt </a:t>
+            </a:r>
+            <a:r>
+              <a:rPr lang="fr-FR" altLang="ko-KR" sz="1400" b="1" dirty="0">
+                <a:solidFill>
+                  <a:schemeClr val="accent2">
+                    <a:lumMod val="40000"/>
+                    <a:lumOff val="60000"/>
+                  </a:schemeClr>
+                </a:solidFill>
+              </a:rPr>
+              <a:t>:  </a:t>
+            </a:r>
+            <a:r>
+              <a:rPr lang="en-US" altLang="ko-KR" sz="1400" dirty="0"/>
+              <a:t>1.html</a:t>
+            </a:r>
+            <a:r>
+              <a:rPr lang="ko-KR" altLang="en-US" sz="1400" dirty="0"/>
+              <a:t>과 </a:t>
+            </a:r>
+            <a:r>
+              <a:rPr lang="en-US" altLang="ko-KR" sz="1400" dirty="0"/>
+              <a:t>2.html</a:t>
+            </a:r>
+            <a:r>
+              <a:rPr lang="ko-KR" altLang="en-US" sz="1400" dirty="0"/>
+              <a:t>을 포함한 </a:t>
+            </a:r>
+            <a:r>
+              <a:rPr lang="en-US" altLang="ko-KR" sz="1400" dirty="0"/>
+              <a:t>commit log</a:t>
+            </a:r>
+            <a:r>
+              <a:rPr lang="ko-KR" altLang="en-US" sz="1400" dirty="0"/>
+              <a:t>를 보여줌</a:t>
+            </a:r>
+            <a:endParaRPr lang="en-US" altLang="ko-KR" sz="1400" dirty="0"/>
+          </a:p>
+          <a:p>
+            <a:pPr marL="0" indent="0">
+              <a:buNone/>
+            </a:pPr>
+            <a:endParaRPr lang="en-US" altLang="ko-KR" sz="1200" dirty="0"/>
+          </a:p>
+          <a:p>
+            <a:pPr marL="0" indent="0">
+              <a:buNone/>
+            </a:pPr>
+            <a:endParaRPr lang="fr-FR" altLang="ko-KR" sz="1400" b="1" dirty="0">
               <a:solidFill>
                 <a:srgbClr val="FFFF00"/>
               </a:solidFill>
             </a:endParaRPr>
           </a:p>
-          <a:p>
-            <a:pPr fontAlgn="base">
-              <a:buFont typeface="+mj-lt"/>
-              <a:buAutoNum type="arabicPeriod"/>
-            </a:pPr>
-            <a:r>
-              <a:rPr lang="ko-KR" altLang="en-US" sz="1400" b="1" dirty="0"/>
-              <a:t>본인이 테스트 할 적당한 위치에 </a:t>
-            </a:r>
-            <a:r>
-              <a:rPr lang="en-US" altLang="ko-KR" sz="1400" b="1" dirty="0" err="1"/>
-              <a:t>gitTest</a:t>
-            </a:r>
-            <a:r>
-              <a:rPr lang="en-US" altLang="ko-KR" sz="1400" b="1" dirty="0"/>
-              <a:t> </a:t>
-            </a:r>
-            <a:r>
-              <a:rPr lang="ko-KR" altLang="en-US" sz="1400" b="1" dirty="0"/>
-              <a:t>이라는 폴더를 생성한다</a:t>
-            </a:r>
-            <a:endParaRPr lang="en-US" altLang="ko-KR" sz="1400" b="1" dirty="0"/>
-          </a:p>
-          <a:p>
-            <a:pPr fontAlgn="base">
-              <a:buFont typeface="+mj-lt"/>
-              <a:buAutoNum type="arabicPeriod"/>
-            </a:pPr>
-            <a:r>
-              <a:rPr lang="en-US" altLang="ko-KR" sz="1400" b="1" dirty="0"/>
-              <a:t>$ git </a:t>
-            </a:r>
-            <a:r>
-              <a:rPr lang="en-US" altLang="ko-KR" sz="1400" b="1" dirty="0" err="1"/>
-              <a:t>init</a:t>
-            </a:r>
-            <a:r>
-              <a:rPr lang="ko-KR" altLang="en-US" sz="1400" b="1" dirty="0"/>
-              <a:t>으로 새로운 저장소와 </a:t>
-            </a:r>
-            <a:r>
-              <a:rPr lang="en-US" altLang="ko-KR" sz="1400" b="1" dirty="0"/>
-              <a:t>main Branch</a:t>
-            </a:r>
-            <a:r>
-              <a:rPr lang="ko-KR" altLang="en-US" sz="1400" b="1" dirty="0"/>
-              <a:t>를 생성한다</a:t>
-            </a:r>
-            <a:r>
-              <a:rPr lang="en-US" altLang="ko-KR" sz="1400" b="1" dirty="0"/>
-              <a:t>. (</a:t>
-            </a:r>
-            <a:r>
-              <a:rPr lang="ko-KR" altLang="en-US" sz="1400" b="1" dirty="0"/>
-              <a:t>만약 기본 </a:t>
-            </a:r>
-            <a:r>
-              <a:rPr lang="en-US" altLang="ko-KR" sz="1400" b="1" dirty="0"/>
-              <a:t>Branch</a:t>
-            </a:r>
-            <a:r>
-              <a:rPr lang="ko-KR" altLang="en-US" sz="1400" b="1" dirty="0"/>
-              <a:t>가 </a:t>
-            </a:r>
-            <a:r>
-              <a:rPr lang="en-US" altLang="ko-KR" sz="1400" b="1" dirty="0"/>
-              <a:t>“master” </a:t>
-            </a:r>
-            <a:r>
-              <a:rPr lang="ko-KR" altLang="en-US" sz="1400" b="1" dirty="0"/>
-              <a:t>이면 </a:t>
-            </a:r>
-            <a:r>
-              <a:rPr lang="en-US" altLang="ko-KR" sz="1400" b="1" dirty="0"/>
-              <a:t>“main”</a:t>
-            </a:r>
-            <a:r>
-              <a:rPr lang="ko-KR" altLang="en-US" sz="1400" b="1" dirty="0"/>
-              <a:t>으로 변경할 것</a:t>
-            </a:r>
-            <a:r>
-              <a:rPr lang="en-US" altLang="ko-KR" sz="1400" b="1" dirty="0"/>
-              <a:t>)</a:t>
-            </a:r>
-          </a:p>
-          <a:p>
-            <a:pPr fontAlgn="base">
-              <a:buFont typeface="+mj-lt"/>
-              <a:buAutoNum type="arabicPeriod"/>
-            </a:pPr>
-            <a:r>
-              <a:rPr lang="ko-KR" altLang="en-US" sz="1400" b="1" dirty="0"/>
-              <a:t>최초 </a:t>
-            </a:r>
-            <a:r>
-              <a:rPr lang="en-US" altLang="ko-KR" sz="1400" b="1" dirty="0"/>
-              <a:t>Local </a:t>
-            </a:r>
-            <a:r>
-              <a:rPr lang="ko-KR" altLang="en-US" sz="1400" b="1" dirty="0"/>
-              <a:t>파일 </a:t>
-            </a:r>
-            <a:r>
-              <a:rPr lang="en-US" altLang="ko-KR" sz="1400" b="1" dirty="0"/>
-              <a:t>1</a:t>
-            </a:r>
-            <a:r>
-              <a:rPr lang="ko-KR" altLang="en-US" sz="1400" b="1" dirty="0"/>
-              <a:t>개 작성</a:t>
-            </a:r>
-            <a:r>
-              <a:rPr lang="en-US" altLang="ko-KR" sz="1400" b="1" dirty="0"/>
-              <a:t>(racos.txt)</a:t>
-            </a:r>
-            <a:r>
-              <a:rPr lang="ko-KR" altLang="en-US" sz="1400" b="1" dirty="0"/>
-              <a:t>하여 </a:t>
-            </a:r>
-            <a:r>
-              <a:rPr lang="en-US" altLang="ko-KR" sz="1400" b="1" dirty="0" err="1"/>
-              <a:t>gitTest</a:t>
-            </a:r>
-            <a:r>
-              <a:rPr lang="en-US" altLang="ko-KR" sz="1400" b="1" dirty="0"/>
-              <a:t> </a:t>
-            </a:r>
-            <a:r>
-              <a:rPr lang="ko-KR" altLang="en-US" sz="1400" b="1" dirty="0"/>
-              <a:t>폴더에 복사한다</a:t>
-            </a:r>
-            <a:r>
-              <a:rPr lang="en-US" altLang="ko-KR" sz="1400" b="1" dirty="0"/>
-              <a:t>.</a:t>
-            </a:r>
-          </a:p>
-          <a:p>
-            <a:pPr fontAlgn="base">
-              <a:buFont typeface="+mj-lt"/>
-              <a:buAutoNum type="arabicPeriod"/>
-            </a:pPr>
-            <a:r>
-              <a:rPr lang="en-US" altLang="ko-KR" sz="1400" b="1" dirty="0"/>
-              <a:t>$ git status </a:t>
-            </a:r>
-            <a:r>
-              <a:rPr lang="ko-KR" altLang="en-US" sz="1400" b="1" dirty="0"/>
-              <a:t>명령으로 </a:t>
-            </a:r>
-            <a:r>
-              <a:rPr lang="en-US" altLang="ko-KR" sz="1400" b="1" dirty="0"/>
-              <a:t>racos.txt </a:t>
-            </a:r>
-            <a:r>
-              <a:rPr lang="ko-KR" altLang="en-US" sz="1400" b="1" dirty="0"/>
-              <a:t>파일이 </a:t>
-            </a:r>
-            <a:r>
-              <a:rPr lang="en-US" altLang="ko-KR" sz="1400" b="1" dirty="0"/>
-              <a:t>Untracked file </a:t>
-            </a:r>
-            <a:r>
-              <a:rPr lang="ko-KR" altLang="en-US" sz="1400" b="1" dirty="0"/>
-              <a:t>인 것을 확인하고 </a:t>
-            </a:r>
-            <a:r>
-              <a:rPr lang="en-US" altLang="ko-KR" sz="1400" b="1" dirty="0"/>
-              <a:t>Untracked file</a:t>
-            </a:r>
-            <a:r>
-              <a:rPr lang="ko-KR" altLang="en-US" sz="1400" b="1" dirty="0"/>
-              <a:t>의 의미를 이해한다</a:t>
-            </a:r>
-            <a:r>
-              <a:rPr lang="en-US" altLang="ko-KR" sz="1400" b="1" dirty="0"/>
-              <a:t>.</a:t>
-            </a:r>
-          </a:p>
-          <a:p>
-            <a:pPr fontAlgn="base">
-              <a:buFont typeface="+mj-lt"/>
-              <a:buAutoNum type="arabicPeriod"/>
-            </a:pPr>
-            <a:r>
-              <a:rPr lang="en-US" altLang="ko-KR" sz="1400" b="1" dirty="0"/>
-              <a:t>racos.txt </a:t>
-            </a:r>
-            <a:r>
-              <a:rPr lang="ko-KR" altLang="en-US" sz="1400" b="1" dirty="0"/>
-              <a:t>파일의 첫번째 줄 내용을 </a:t>
-            </a:r>
-            <a:r>
-              <a:rPr lang="en-US" altLang="ko-KR" sz="1400" b="1" dirty="0"/>
-              <a:t>“1-1”</a:t>
-            </a:r>
-            <a:r>
-              <a:rPr lang="ko-KR" altLang="en-US" sz="1400" b="1" dirty="0"/>
-              <a:t>으로 수정하고 저장한다</a:t>
-            </a:r>
-            <a:r>
-              <a:rPr lang="en-US" altLang="ko-KR" sz="1400" b="1" dirty="0"/>
-              <a:t>.</a:t>
-            </a:r>
-          </a:p>
-          <a:p>
-            <a:pPr fontAlgn="base">
-              <a:buFont typeface="+mj-lt"/>
-              <a:buAutoNum type="arabicPeriod"/>
-            </a:pPr>
-            <a:r>
-              <a:rPr lang="en-US" altLang="ko-KR" sz="1400" b="1" dirty="0"/>
-              <a:t>$ git add racos.txt </a:t>
-            </a:r>
-            <a:r>
-              <a:rPr lang="ko-KR" altLang="en-US" sz="1400" b="1" dirty="0"/>
-              <a:t>명령으로 </a:t>
-            </a:r>
-            <a:r>
-              <a:rPr lang="en-US" altLang="ko-KR" sz="1400" b="1" dirty="0"/>
-              <a:t>racos.txt </a:t>
-            </a:r>
-            <a:r>
-              <a:rPr lang="ko-KR" altLang="en-US" sz="1400" b="1" dirty="0"/>
-              <a:t>파일을 </a:t>
-            </a:r>
-            <a:r>
-              <a:rPr lang="en-US" altLang="ko-KR" sz="1400" b="1" dirty="0"/>
-              <a:t>staging(index</a:t>
-            </a:r>
-            <a:r>
-              <a:rPr lang="ko-KR" altLang="en-US" sz="1400" b="1" dirty="0"/>
-              <a:t>에 등록</a:t>
-            </a:r>
-            <a:r>
-              <a:rPr lang="en-US" altLang="ko-KR" sz="1400" b="1" dirty="0"/>
-              <a:t>) </a:t>
-            </a:r>
-            <a:r>
-              <a:rPr lang="ko-KR" altLang="en-US" sz="1400" b="1" dirty="0"/>
-              <a:t>한다</a:t>
-            </a:r>
-            <a:r>
-              <a:rPr lang="en-US" altLang="ko-KR" sz="1400" b="1" dirty="0"/>
-              <a:t>.</a:t>
-            </a:r>
-          </a:p>
-          <a:p>
-            <a:pPr fontAlgn="base">
-              <a:buFont typeface="+mj-lt"/>
-              <a:buAutoNum type="arabicPeriod"/>
-            </a:pPr>
-            <a:r>
-              <a:rPr lang="en-US" altLang="ko-KR" sz="1400" b="1" dirty="0"/>
-              <a:t>$ git status </a:t>
-            </a:r>
-            <a:r>
-              <a:rPr lang="ko-KR" altLang="en-US" sz="1400" b="1" dirty="0"/>
-              <a:t>명령으로 </a:t>
-            </a:r>
-            <a:r>
-              <a:rPr lang="en-US" altLang="ko-KR" sz="1400" b="1" dirty="0"/>
-              <a:t>staging </a:t>
-            </a:r>
-            <a:r>
-              <a:rPr lang="ko-KR" altLang="en-US" sz="1400" b="1" dirty="0"/>
-              <a:t>된 것을 확인한다</a:t>
-            </a:r>
-            <a:r>
-              <a:rPr lang="en-US" altLang="ko-KR" sz="1400" b="1" dirty="0"/>
-              <a:t>.</a:t>
-            </a:r>
-          </a:p>
-          <a:p>
-            <a:pPr fontAlgn="base">
-              <a:buFont typeface="+mj-lt"/>
-              <a:buAutoNum type="arabicPeriod"/>
-            </a:pPr>
-            <a:r>
-              <a:rPr lang="en-US" altLang="ko-KR" sz="1400" b="1" dirty="0"/>
-              <a:t>$ git commit –m “</a:t>
-            </a:r>
-            <a:r>
-              <a:rPr lang="ko-KR" altLang="en-US" sz="1400" b="1" dirty="0"/>
-              <a:t>이것은 </a:t>
-            </a:r>
-            <a:r>
-              <a:rPr lang="en-US" altLang="ko-KR" sz="1400" b="1" dirty="0"/>
-              <a:t>1-1</a:t>
-            </a:r>
-            <a:r>
-              <a:rPr lang="ko-KR" altLang="en-US" sz="1400" b="1" dirty="0"/>
-              <a:t>이고 첫번째줄 수정했음</a:t>
-            </a:r>
-            <a:r>
-              <a:rPr lang="en-US" altLang="ko-KR" sz="1400" b="1" dirty="0"/>
-              <a:t>” </a:t>
-            </a:r>
-            <a:r>
-              <a:rPr lang="ko-KR" altLang="en-US" sz="1400" b="1" dirty="0"/>
-              <a:t>명령으로 </a:t>
-            </a:r>
-            <a:r>
-              <a:rPr lang="en-US" altLang="ko-KR" sz="1400" b="1" dirty="0"/>
-              <a:t>commit </a:t>
-            </a:r>
-            <a:r>
-              <a:rPr lang="ko-KR" altLang="en-US" sz="1400" b="1" dirty="0"/>
-              <a:t>한다</a:t>
-            </a:r>
-            <a:r>
-              <a:rPr lang="en-US" altLang="ko-KR" sz="1400" b="1" dirty="0"/>
-              <a:t>.</a:t>
-            </a:r>
-          </a:p>
-          <a:p>
-            <a:pPr fontAlgn="base">
-              <a:buFont typeface="+mj-lt"/>
-              <a:buAutoNum type="arabicPeriod"/>
-            </a:pPr>
-            <a:r>
-              <a:rPr lang="en-US" altLang="ko-KR" sz="1400" b="1" dirty="0"/>
-              <a:t>$ git status </a:t>
-            </a:r>
-            <a:r>
-              <a:rPr lang="ko-KR" altLang="en-US" sz="1400" b="1" dirty="0"/>
-              <a:t>명령으로 </a:t>
-            </a:r>
-            <a:r>
-              <a:rPr lang="en-US" altLang="ko-KR" sz="1400" b="1" dirty="0"/>
-              <a:t>racos.txt </a:t>
-            </a:r>
-            <a:r>
-              <a:rPr lang="ko-KR" altLang="en-US" sz="1400" b="1" dirty="0"/>
-              <a:t>이 </a:t>
-            </a:r>
-            <a:r>
-              <a:rPr lang="en-US" altLang="ko-KR" sz="1400" b="1" dirty="0"/>
-              <a:t>commit </a:t>
-            </a:r>
-            <a:r>
-              <a:rPr lang="ko-KR" altLang="en-US" sz="1400" b="1" dirty="0"/>
-              <a:t>된 것을 확인한다</a:t>
-            </a:r>
-            <a:r>
-              <a:rPr lang="en-US" altLang="ko-KR" sz="1400" b="1" dirty="0"/>
-              <a:t>.</a:t>
-            </a:r>
-          </a:p>
-          <a:p>
-            <a:pPr fontAlgn="base">
-              <a:buFont typeface="+mj-lt"/>
-              <a:buAutoNum type="arabicPeriod"/>
-            </a:pPr>
-            <a:r>
-              <a:rPr lang="en-US" altLang="ko-KR" sz="1400" b="1" dirty="0"/>
-              <a:t>$ git log </a:t>
-            </a:r>
-            <a:r>
-              <a:rPr lang="ko-KR" altLang="en-US" sz="1400" b="1" dirty="0"/>
-              <a:t>명령으로 전체 </a:t>
-            </a:r>
-            <a:r>
-              <a:rPr lang="en-US" altLang="ko-KR" sz="1400" b="1" dirty="0"/>
-              <a:t>commit </a:t>
-            </a:r>
-            <a:r>
-              <a:rPr lang="ko-KR" altLang="en-US" sz="1400" b="1" dirty="0"/>
-              <a:t>된 로그를 확인한다</a:t>
-            </a:r>
-            <a:r>
-              <a:rPr lang="en-US" altLang="ko-KR" sz="1400" b="1" dirty="0"/>
-              <a:t>.</a:t>
-            </a:r>
-          </a:p>
         </p:txBody>
       </p:sp>
       <p:sp>
@@ -10950,7 +11586,7 @@
           <p:cNvPr id="4" name="슬라이드 번호 개체 틀 3">
             <a:extLst>
               <a:ext uri="{FF2B5EF4-FFF2-40B4-BE49-F238E27FC236}">
-                <a16:creationId xmlns:a16="http://schemas.microsoft.com/office/drawing/2014/main" id="{BE8A4EB2-5396-5B31-9538-DC3374136214}"/>
+                <a16:creationId xmlns:a16="http://schemas.microsoft.com/office/drawing/2014/main" id="{2E5A3943-7F72-CDF6-A8E1-33AE08D84FAF}"/>
               </a:ext>
             </a:extLst>
           </p:cNvPr>
@@ -10968,7 +11604,7 @@
           <a:p>
             <a:fld id="{D57F1E4F-1CFF-5643-939E-02111984F565}" type="slidenum">
               <a:rPr lang="en-US" smtClean="0"/>
-              <a:t>12</a:t>
+              <a:t>11</a:t>
             </a:fld>
             <a:endParaRPr lang="en-US" dirty="0"/>
           </a:p>
@@ -10977,7 +11613,7 @@
     </p:spTree>
     <p:extLst>
       <p:ext uri="{BB962C8B-B14F-4D97-AF65-F5344CB8AC3E}">
-        <p14:creationId xmlns:p14="http://schemas.microsoft.com/office/powerpoint/2010/main" val="3491415827"/>
+        <p14:creationId xmlns:p14="http://schemas.microsoft.com/office/powerpoint/2010/main" val="381880285"/>
       </p:ext>
     </p:extLst>
   </p:cSld>
@@ -11032,7 +11668,7 @@
           <a:p>
             <a:r>
               <a:rPr lang="en-US" altLang="ko-KR" sz="3600" dirty="0"/>
-              <a:t>Scenario 1-2</a:t>
+              <a:t>Scenario 1-1</a:t>
             </a:r>
             <a:endParaRPr lang="ko-KR" altLang="en-US" sz="3600" dirty="0"/>
           </a:p>
@@ -11130,28 +11766,21 @@
             </a:pPr>
             <a:r>
               <a:rPr lang="ko-KR" altLang="en-US" sz="1400" b="1" dirty="0"/>
-              <a:t>다시 </a:t>
+              <a:t>본인이 테스트 할 적당한 위치에 </a:t>
+            </a:r>
+            <a:r>
+              <a:rPr lang="en-US" altLang="ko-KR" sz="1400" b="1" dirty="0" err="1"/>
+              <a:t>gitTest</a:t>
             </a:r>
             <a:r>
               <a:rPr lang="en-US" altLang="ko-KR" sz="1400" b="1" dirty="0"/>
-              <a:t>racos.txt </a:t>
+              <a:t> </a:t>
             </a:r>
             <a:r>
               <a:rPr lang="ko-KR" altLang="en-US" sz="1400" b="1" dirty="0"/>
-              <a:t>에 대해 이전과 동일한 부분을 이번에는 </a:t>
-            </a:r>
-            <a:r>
-              <a:rPr lang="en-US" altLang="ko-KR" sz="1400" b="1" dirty="0"/>
-              <a:t>“1-2”</a:t>
-            </a:r>
-            <a:r>
-              <a:rPr lang="ko-KR" altLang="en-US" sz="1400" b="1" dirty="0"/>
-              <a:t>로 수정하고 저장한다</a:t>
-            </a:r>
-            <a:r>
-              <a:rPr lang="en-US" altLang="ko-KR" sz="1400" b="1" dirty="0"/>
-              <a:t>.</a:t>
-            </a:r>
+              <a:t>이라는 폴더를 생성한다</a:t>
+            </a:r>
+            <a:endParaRPr lang="en-US" altLang="ko-KR" sz="1400" b="1" dirty="0"/>
           </a:p>
           <a:p>
             <a:pPr fontAlgn="base">
@@ -11160,15 +11789,59 @@
             </a:pPr>
             <a:r>
               <a:rPr lang="en-US" altLang="ko-KR" sz="1400" b="1" dirty="0"/>
-              <a:t>$ git status </a:t>
+              <a:t>$ git </a:t>
+            </a:r>
+            <a:r>
+              <a:rPr lang="en-US" altLang="ko-KR" sz="1400" b="1" dirty="0" err="1"/>
+              <a:t>init</a:t>
             </a:r>
             <a:r>
               <a:rPr lang="ko-KR" altLang="en-US" sz="1400" b="1" dirty="0"/>
-              <a:t>명령으로 상태를 확인하고 어떤 의미인지 이해한다</a:t>
+              <a:t>으로 새로운 저장소와 </a:t>
             </a:r>
             <a:r>
               <a:rPr lang="en-US" altLang="ko-KR" sz="1400" b="1" dirty="0"/>
-              <a:t>.</a:t>
+              <a:t>main Branch</a:t>
+            </a:r>
+            <a:r>
+              <a:rPr lang="ko-KR" altLang="en-US" sz="1400" b="1" dirty="0"/>
+              <a:t>를 생성한다</a:t>
+            </a:r>
+            <a:r>
+              <a:rPr lang="en-US" altLang="ko-KR" sz="1400" b="1" dirty="0"/>
+              <a:t>. (</a:t>
+            </a:r>
+            <a:r>
+              <a:rPr lang="ko-KR" altLang="en-US" sz="1400" b="1" dirty="0"/>
+              <a:t>만약 기본 </a:t>
+            </a:r>
+            <a:r>
+              <a:rPr lang="en-US" altLang="ko-KR" sz="1400" b="1" dirty="0"/>
+              <a:t>Branch</a:t>
+            </a:r>
+            <a:r>
+              <a:rPr lang="ko-KR" altLang="en-US" sz="1400" b="1" dirty="0"/>
+              <a:t>가 </a:t>
+            </a:r>
+            <a:r>
+              <a:rPr lang="en-US" altLang="ko-KR" sz="1400" b="1" dirty="0"/>
+              <a:t>“master” </a:t>
+            </a:r>
+            <a:r>
+              <a:rPr lang="ko-KR" altLang="en-US" sz="1400" b="1" dirty="0"/>
+              <a:t>이면 </a:t>
+            </a:r>
+            <a:r>
+              <a:rPr lang="en-US" altLang="ko-KR" sz="1400" b="1" dirty="0"/>
+              <a:t>“main”</a:t>
+            </a:r>
+            <a:r>
+              <a:rPr lang="ko-KR" altLang="en-US" sz="1400" b="1" dirty="0"/>
+              <a:t>으로 변경할 것</a:t>
+            </a:r>
+            <a:r>
+              <a:rPr lang="en-US" altLang="ko-KR" sz="1400" b="1" dirty="0"/>
+              <a:t>)</a:t>
             </a:r>
           </a:p>
           <a:p>
@@ -11177,20 +11850,44 @@
               <a:buAutoNum type="arabicPeriod"/>
             </a:pPr>
             <a:r>
+              <a:rPr lang="ko-KR" altLang="en-US" sz="1400" b="1" dirty="0"/>
+              <a:t>최초 </a:t>
+            </a:r>
+            <a:r>
               <a:rPr lang="en-US" altLang="ko-KR" sz="1400" b="1" dirty="0"/>
-              <a:t>$ git add racos.txt </a:t>
+              <a:t>Local </a:t>
             </a:r>
             <a:r>
               <a:rPr lang="ko-KR" altLang="en-US" sz="1400" b="1" dirty="0"/>
-              <a:t>명령으로 </a:t>
+              <a:t>파일 </a:t>
             </a:r>
             <a:r>
               <a:rPr lang="en-US" altLang="ko-KR" sz="1400" b="1" dirty="0"/>
-              <a:t>staging </a:t>
+              <a:t>1</a:t>
             </a:r>
             <a:r>
               <a:rPr lang="ko-KR" altLang="en-US" sz="1400" b="1" dirty="0"/>
-              <a:t>한다</a:t>
+              <a:t>개 작성</a:t>
+            </a:r>
+            <a:r>
+              <a:rPr lang="en-US" altLang="ko-KR" sz="1400" b="1" dirty="0"/>
+              <a:t>(racos.txt)</a:t>
+            </a:r>
+            <a:r>
+              <a:rPr lang="ko-KR" altLang="en-US" sz="1400" b="1" dirty="0"/>
+              <a:t>하여 </a:t>
+            </a:r>
+            <a:r>
+              <a:rPr lang="en-US" altLang="ko-KR" sz="1400" b="1" dirty="0" err="1"/>
+              <a:t>gitTest</a:t>
+            </a:r>
+            <a:r>
+              <a:rPr lang="en-US" altLang="ko-KR" sz="1400" b="1" dirty="0"/>
+              <a:t> </a:t>
+            </a:r>
+            <a:r>
+              <a:rPr lang="ko-KR" altLang="en-US" sz="1400" b="1" dirty="0"/>
+              <a:t>폴더에 복사한다</a:t>
             </a:r>
             <a:r>
               <a:rPr lang="en-US" altLang="ko-KR" sz="1400" b="1" dirty="0"/>
@@ -11208,7 +11905,31 @@
             </a:r>
             <a:r>
               <a:rPr lang="ko-KR" altLang="en-US" sz="1400" b="1" dirty="0"/>
-              <a:t>명령으로 상태를 확인하고 어떤 의미인지 이해한다</a:t>
+              <a:t>명령으로 </a:t>
+            </a:r>
+            <a:r>
+              <a:rPr lang="en-US" altLang="ko-KR" sz="1400" b="1" dirty="0"/>
+              <a:t>racos.txt </a:t>
+            </a:r>
+            <a:r>
+              <a:rPr lang="ko-KR" altLang="en-US" sz="1400" b="1" dirty="0"/>
+              <a:t>파일이 </a:t>
+            </a:r>
+            <a:r>
+              <a:rPr lang="en-US" altLang="ko-KR" sz="1400" b="1" dirty="0"/>
+              <a:t>Untracked file </a:t>
+            </a:r>
+            <a:r>
+              <a:rPr lang="ko-KR" altLang="en-US" sz="1400" b="1" dirty="0"/>
+              <a:t>인 것을 확인하고 </a:t>
+            </a:r>
+            <a:r>
+              <a:rPr lang="en-US" altLang="ko-KR" sz="1400" b="1" dirty="0"/>
+              <a:t>Untracked file</a:t>
+            </a:r>
+            <a:r>
+              <a:rPr lang="ko-KR" altLang="en-US" sz="1400" b="1" dirty="0"/>
+              <a:t>의 의미를 이해한다</a:t>
             </a:r>
             <a:r>
               <a:rPr lang="en-US" altLang="ko-KR" sz="1400" b="1" dirty="0"/>
@@ -11221,24 +11942,20 @@
               <a:buAutoNum type="arabicPeriod"/>
             </a:pPr>
             <a:r>
+              <a:rPr lang="en-US" altLang="ko-KR" sz="1400" b="1" dirty="0"/>
+              <a:t>racos.txt </a:t>
+            </a:r>
+            <a:r>
               <a:rPr lang="ko-KR" altLang="en-US" sz="1400" b="1" dirty="0"/>
-              <a:t>이 때 </a:t>
+              <a:t>파일의 첫번째 줄 내용을 </a:t>
             </a:r>
             <a:r>
               <a:rPr lang="en-US" altLang="ko-KR" sz="1400" b="1" dirty="0"/>
-              <a:t>Working Dir</a:t>
+              <a:t>“1-1”</a:t>
             </a:r>
             <a:r>
               <a:rPr lang="ko-KR" altLang="en-US" sz="1400" b="1" dirty="0"/>
-              <a:t>과 </a:t>
-            </a:r>
-            <a:r>
-              <a:rPr lang="en-US" altLang="ko-KR" sz="1400" b="1" dirty="0"/>
-              <a:t>Index, Head</a:t>
-            </a:r>
-            <a:r>
-              <a:rPr lang="ko-KR" altLang="en-US" sz="1400" b="1" dirty="0"/>
-              <a:t>는 어떤 정보들을 가지고 있는지 이해한다</a:t>
+              <a:t>으로 수정하고 저장한다</a:t>
             </a:r>
             <a:r>
               <a:rPr lang="en-US" altLang="ko-KR" sz="1400" b="1" dirty="0"/>
@@ -11252,23 +11969,39 @@
             </a:pPr>
             <a:r>
               <a:rPr lang="en-US" altLang="ko-KR" sz="1400" b="1" dirty="0"/>
-              <a:t>$ git commit –m “</a:t>
+              <a:t>$ git add racos.txt </a:t>
             </a:r>
             <a:r>
               <a:rPr lang="ko-KR" altLang="en-US" sz="1400" b="1" dirty="0"/>
-              <a:t>이번에는 </a:t>
+              <a:t>명령으로 </a:t>
             </a:r>
             <a:r>
               <a:rPr lang="en-US" altLang="ko-KR" sz="1400" b="1" dirty="0"/>
-              <a:t>1-2</a:t>
+              <a:t>racos.txt </a:t>
             </a:r>
             <a:r>
               <a:rPr lang="ko-KR" altLang="en-US" sz="1400" b="1" dirty="0"/>
-              <a:t>이며 첫번째 줄 추가 수정</a:t>
+              <a:t>파일을 </a:t>
             </a:r>
             <a:r>
               <a:rPr lang="en-US" altLang="ko-KR" sz="1400" b="1" dirty="0"/>
-              <a:t>”</a:t>
+              <a:t>staging(index</a:t>
+            </a:r>
+            <a:r>
+              <a:rPr lang="ko-KR" altLang="en-US" sz="1400" b="1" dirty="0"/>
+              <a:t>에 등록</a:t>
+            </a:r>
+            <a:r>
+              <a:rPr lang="en-US" altLang="ko-KR" sz="1400" b="1" dirty="0"/>
+              <a:t>) </a:t>
+            </a:r>
+            <a:r>
+              <a:rPr lang="ko-KR" altLang="en-US" sz="1400" b="1" dirty="0"/>
+              <a:t>한다</a:t>
+            </a:r>
+            <a:r>
+              <a:rPr lang="en-US" altLang="ko-KR" sz="1400" b="1" dirty="0"/>
+              <a:t>.</a:t>
             </a:r>
           </a:p>
           <a:p>
@@ -11282,7 +12015,15 @@
             </a:r>
             <a:r>
               <a:rPr lang="ko-KR" altLang="en-US" sz="1400" b="1" dirty="0"/>
-              <a:t>명령으로 상태를 확인하고 어떤 의미인지 이해한다</a:t>
+              <a:t>명령으로 </a:t>
+            </a:r>
+            <a:r>
+              <a:rPr lang="en-US" altLang="ko-KR" sz="1400" b="1" dirty="0"/>
+              <a:t>staging </a:t>
+            </a:r>
+            <a:r>
+              <a:rPr lang="ko-KR" altLang="en-US" sz="1400" b="1" dirty="0"/>
+              <a:t>된 것을 확인한다</a:t>
             </a:r>
             <a:r>
               <a:rPr lang="en-US" altLang="ko-KR" sz="1400" b="1" dirty="0"/>
@@ -11296,7 +12037,23 @@
             </a:pPr>
             <a:r>
               <a:rPr lang="en-US" altLang="ko-KR" sz="1400" b="1" dirty="0"/>
-              <a:t>$ git log </a:t>
+              <a:t>$ git commit –m “</a:t>
+            </a:r>
+            <a:r>
+              <a:rPr lang="ko-KR" altLang="en-US" sz="1400" b="1" dirty="0"/>
+              <a:t>이것은 </a:t>
+            </a:r>
+            <a:r>
+              <a:rPr lang="en-US" altLang="ko-KR" sz="1400" b="1" dirty="0"/>
+              <a:t>1-1</a:t>
+            </a:r>
+            <a:r>
+              <a:rPr lang="ko-KR" altLang="en-US" sz="1400" b="1" dirty="0"/>
+              <a:t>이고 첫번째줄 수정했음</a:t>
+            </a:r>
+            <a:r>
+              <a:rPr lang="en-US" altLang="ko-KR" sz="1400" b="1" dirty="0"/>
+              <a:t>” </a:t>
             </a:r>
             <a:r>
               <a:rPr lang="ko-KR" altLang="en-US" sz="1400" b="1" dirty="0"/>
@@ -11308,7 +12065,7 @@
             </a:r>
             <a:r>
               <a:rPr lang="ko-KR" altLang="en-US" sz="1400" b="1" dirty="0"/>
-              <a:t>내역 확인한다</a:t>
+              <a:t>한다</a:t>
             </a:r>
             <a:r>
               <a:rPr lang="en-US" altLang="ko-KR" sz="1400" b="1" dirty="0"/>
@@ -11320,7 +12077,60 @@
               <a:buFont typeface="+mj-lt"/>
               <a:buAutoNum type="arabicPeriod"/>
             </a:pPr>
-            <a:endParaRPr lang="en-US" altLang="ko-KR" sz="1400" b="1" dirty="0"/>
+            <a:r>
+              <a:rPr lang="en-US" altLang="ko-KR" sz="1400" b="1" dirty="0"/>
+              <a:t>$ git status </a:t>
+            </a:r>
+            <a:r>
+              <a:rPr lang="ko-KR" altLang="en-US" sz="1400" b="1" dirty="0"/>
+              <a:t>명령으로 </a:t>
+            </a:r>
+            <a:r>
+              <a:rPr lang="en-US" altLang="ko-KR" sz="1400" b="1" dirty="0"/>
+              <a:t>racos.txt </a:t>
+            </a:r>
+            <a:r>
+              <a:rPr lang="ko-KR" altLang="en-US" sz="1400" b="1" dirty="0"/>
+              <a:t>이 </a:t>
+            </a:r>
+            <a:r>
+              <a:rPr lang="en-US" altLang="ko-KR" sz="1400" b="1" dirty="0"/>
+              <a:t>commit </a:t>
+            </a:r>
+            <a:r>
+              <a:rPr lang="ko-KR" altLang="en-US" sz="1400" b="1" dirty="0"/>
+              <a:t>된 것을 확인한다</a:t>
+            </a:r>
+            <a:r>
+              <a:rPr lang="en-US" altLang="ko-KR" sz="1400" b="1" dirty="0"/>
+              <a:t>.</a:t>
+            </a:r>
+          </a:p>
+          <a:p>
+            <a:pPr fontAlgn="base">
+              <a:buFont typeface="+mj-lt"/>
+              <a:buAutoNum type="arabicPeriod"/>
+            </a:pPr>
+            <a:r>
+              <a:rPr lang="en-US" altLang="ko-KR" sz="1400" b="1" dirty="0"/>
+              <a:t>$ git log </a:t>
+            </a:r>
+            <a:r>
+              <a:rPr lang="ko-KR" altLang="en-US" sz="1400" b="1" dirty="0"/>
+              <a:t>명령으로 전체 </a:t>
+            </a:r>
+            <a:r>
+              <a:rPr lang="en-US" altLang="ko-KR" sz="1400" b="1" dirty="0"/>
+              <a:t>commit </a:t>
+            </a:r>
+            <a:r>
+              <a:rPr lang="ko-KR" altLang="en-US" sz="1400" b="1" dirty="0"/>
+              <a:t>된 로그를 확인한다</a:t>
+            </a:r>
+            <a:r>
+              <a:rPr lang="en-US" altLang="ko-KR" sz="1400" b="1" dirty="0"/>
+              <a:t>.</a:t>
+            </a:r>
           </a:p>
         </p:txBody>
       </p:sp>
@@ -11329,7 +12139,7 @@
           <p:cNvPr id="4" name="슬라이드 번호 개체 틀 3">
             <a:extLst>
               <a:ext uri="{FF2B5EF4-FFF2-40B4-BE49-F238E27FC236}">
-                <a16:creationId xmlns:a16="http://schemas.microsoft.com/office/drawing/2014/main" id="{CDB4932C-DECF-2A28-263A-C7CE00F35DD0}"/>
+                <a16:creationId xmlns:a16="http://schemas.microsoft.com/office/drawing/2014/main" id="{BE8A4EB2-5396-5B31-9538-DC3374136214}"/>
               </a:ext>
             </a:extLst>
           </p:cNvPr>
@@ -11347,7 +12157,7 @@
           <a:p>
             <a:fld id="{D57F1E4F-1CFF-5643-939E-02111984F565}" type="slidenum">
               <a:rPr lang="en-US" smtClean="0"/>
-              <a:t>13</a:t>
+              <a:t>12</a:t>
             </a:fld>
             <a:endParaRPr lang="en-US" dirty="0"/>
           </a:p>
@@ -11356,7 +12166,7 @@
     </p:spTree>
     <p:extLst>
       <p:ext uri="{BB962C8B-B14F-4D97-AF65-F5344CB8AC3E}">
-        <p14:creationId xmlns:p14="http://schemas.microsoft.com/office/powerpoint/2010/main" val="1275241941"/>
+        <p14:creationId xmlns:p14="http://schemas.microsoft.com/office/powerpoint/2010/main" val="3491415827"/>
       </p:ext>
     </p:extLst>
   </p:cSld>
@@ -11411,7 +12221,7 @@
           <a:p>
             <a:r>
               <a:rPr lang="en-US" altLang="ko-KR" sz="3600" dirty="0"/>
-              <a:t>Scenario 1-3</a:t>
+              <a:t>Scenario 1-2</a:t>
             </a:r>
             <a:endParaRPr lang="ko-KR" altLang="en-US" sz="3600" dirty="0"/>
           </a:p>
@@ -11521,6 +12331,385 @@
             </a:r>
             <a:r>
               <a:rPr lang="en-US" altLang="ko-KR" sz="1400" b="1" dirty="0"/>
+              <a:t>“1-2”</a:t>
+            </a:r>
+            <a:r>
+              <a:rPr lang="ko-KR" altLang="en-US" sz="1400" b="1" dirty="0"/>
+              <a:t>로 수정하고 저장한다</a:t>
+            </a:r>
+            <a:r>
+              <a:rPr lang="en-US" altLang="ko-KR" sz="1400" b="1" dirty="0"/>
+              <a:t>.</a:t>
+            </a:r>
+          </a:p>
+          <a:p>
+            <a:pPr fontAlgn="base">
+              <a:buFont typeface="+mj-lt"/>
+              <a:buAutoNum type="arabicPeriod"/>
+            </a:pPr>
+            <a:r>
+              <a:rPr lang="en-US" altLang="ko-KR" sz="1400" b="1" dirty="0"/>
+              <a:t>$ git status </a:t>
+            </a:r>
+            <a:r>
+              <a:rPr lang="ko-KR" altLang="en-US" sz="1400" b="1" dirty="0"/>
+              <a:t>명령으로 상태를 확인하고 어떤 의미인지 이해한다</a:t>
+            </a:r>
+            <a:r>
+              <a:rPr lang="en-US" altLang="ko-KR" sz="1400" b="1" dirty="0"/>
+              <a:t>.</a:t>
+            </a:r>
+          </a:p>
+          <a:p>
+            <a:pPr fontAlgn="base">
+              <a:buFont typeface="+mj-lt"/>
+              <a:buAutoNum type="arabicPeriod"/>
+            </a:pPr>
+            <a:r>
+              <a:rPr lang="en-US" altLang="ko-KR" sz="1400" b="1" dirty="0"/>
+              <a:t>$ git add racos.txt </a:t>
+            </a:r>
+            <a:r>
+              <a:rPr lang="ko-KR" altLang="en-US" sz="1400" b="1" dirty="0"/>
+              <a:t>명령으로 </a:t>
+            </a:r>
+            <a:r>
+              <a:rPr lang="en-US" altLang="ko-KR" sz="1400" b="1" dirty="0"/>
+              <a:t>staging </a:t>
+            </a:r>
+            <a:r>
+              <a:rPr lang="ko-KR" altLang="en-US" sz="1400" b="1" dirty="0"/>
+              <a:t>한다</a:t>
+            </a:r>
+            <a:r>
+              <a:rPr lang="en-US" altLang="ko-KR" sz="1400" b="1" dirty="0"/>
+              <a:t>.</a:t>
+            </a:r>
+          </a:p>
+          <a:p>
+            <a:pPr fontAlgn="base">
+              <a:buFont typeface="+mj-lt"/>
+              <a:buAutoNum type="arabicPeriod"/>
+            </a:pPr>
+            <a:r>
+              <a:rPr lang="en-US" altLang="ko-KR" sz="1400" b="1" dirty="0"/>
+              <a:t>$ git status </a:t>
+            </a:r>
+            <a:r>
+              <a:rPr lang="ko-KR" altLang="en-US" sz="1400" b="1" dirty="0"/>
+              <a:t>명령으로 상태를 확인하고 어떤 의미인지 이해한다</a:t>
+            </a:r>
+            <a:r>
+              <a:rPr lang="en-US" altLang="ko-KR" sz="1400" b="1" dirty="0"/>
+              <a:t>.</a:t>
+            </a:r>
+          </a:p>
+          <a:p>
+            <a:pPr fontAlgn="base">
+              <a:buFont typeface="+mj-lt"/>
+              <a:buAutoNum type="arabicPeriod"/>
+            </a:pPr>
+            <a:r>
+              <a:rPr lang="ko-KR" altLang="en-US" sz="1400" b="1" dirty="0"/>
+              <a:t>이 때 </a:t>
+            </a:r>
+            <a:r>
+              <a:rPr lang="en-US" altLang="ko-KR" sz="1400" b="1" dirty="0"/>
+              <a:t>Working Dir</a:t>
+            </a:r>
+            <a:r>
+              <a:rPr lang="ko-KR" altLang="en-US" sz="1400" b="1" dirty="0"/>
+              <a:t>과 </a:t>
+            </a:r>
+            <a:r>
+              <a:rPr lang="en-US" altLang="ko-KR" sz="1400" b="1" dirty="0"/>
+              <a:t>Index, Head</a:t>
+            </a:r>
+            <a:r>
+              <a:rPr lang="ko-KR" altLang="en-US" sz="1400" b="1" dirty="0"/>
+              <a:t>는 어떤 정보들을 가지고 있는지 이해한다</a:t>
+            </a:r>
+            <a:r>
+              <a:rPr lang="en-US" altLang="ko-KR" sz="1400" b="1" dirty="0"/>
+              <a:t>.</a:t>
+            </a:r>
+          </a:p>
+          <a:p>
+            <a:pPr fontAlgn="base">
+              <a:buFont typeface="+mj-lt"/>
+              <a:buAutoNum type="arabicPeriod"/>
+            </a:pPr>
+            <a:r>
+              <a:rPr lang="en-US" altLang="ko-KR" sz="1400" b="1" dirty="0"/>
+              <a:t>$ git commit –m “</a:t>
+            </a:r>
+            <a:r>
+              <a:rPr lang="ko-KR" altLang="en-US" sz="1400" b="1" dirty="0"/>
+              <a:t>이번에는 </a:t>
+            </a:r>
+            <a:r>
+              <a:rPr lang="en-US" altLang="ko-KR" sz="1400" b="1" dirty="0"/>
+              <a:t>1-2</a:t>
+            </a:r>
+            <a:r>
+              <a:rPr lang="ko-KR" altLang="en-US" sz="1400" b="1" dirty="0"/>
+              <a:t>이며 첫번째 줄 추가 수정</a:t>
+            </a:r>
+            <a:r>
+              <a:rPr lang="en-US" altLang="ko-KR" sz="1400" b="1" dirty="0"/>
+              <a:t>”</a:t>
+            </a:r>
+          </a:p>
+          <a:p>
+            <a:pPr fontAlgn="base">
+              <a:buFont typeface="+mj-lt"/>
+              <a:buAutoNum type="arabicPeriod"/>
+            </a:pPr>
+            <a:r>
+              <a:rPr lang="en-US" altLang="ko-KR" sz="1400" b="1" dirty="0"/>
+              <a:t>$ git status </a:t>
+            </a:r>
+            <a:r>
+              <a:rPr lang="ko-KR" altLang="en-US" sz="1400" b="1" dirty="0"/>
+              <a:t>명령으로 상태를 확인하고 어떤 의미인지 이해한다</a:t>
+            </a:r>
+            <a:r>
+              <a:rPr lang="en-US" altLang="ko-KR" sz="1400" b="1" dirty="0"/>
+              <a:t>.</a:t>
+            </a:r>
+          </a:p>
+          <a:p>
+            <a:pPr fontAlgn="base">
+              <a:buFont typeface="+mj-lt"/>
+              <a:buAutoNum type="arabicPeriod"/>
+            </a:pPr>
+            <a:r>
+              <a:rPr lang="en-US" altLang="ko-KR" sz="1400" b="1" dirty="0"/>
+              <a:t>$ git log </a:t>
+            </a:r>
+            <a:r>
+              <a:rPr lang="ko-KR" altLang="en-US" sz="1400" b="1" dirty="0"/>
+              <a:t>명령으로 </a:t>
+            </a:r>
+            <a:r>
+              <a:rPr lang="en-US" altLang="ko-KR" sz="1400" b="1" dirty="0"/>
+              <a:t>commit </a:t>
+            </a:r>
+            <a:r>
+              <a:rPr lang="ko-KR" altLang="en-US" sz="1400" b="1" dirty="0"/>
+              <a:t>내역 확인한다</a:t>
+            </a:r>
+            <a:r>
+              <a:rPr lang="en-US" altLang="ko-KR" sz="1400" b="1" dirty="0"/>
+              <a:t>.</a:t>
+            </a:r>
+          </a:p>
+          <a:p>
+            <a:pPr fontAlgn="base">
+              <a:buFont typeface="+mj-lt"/>
+              <a:buAutoNum type="arabicPeriod"/>
+            </a:pPr>
+            <a:endParaRPr lang="en-US" altLang="ko-KR" sz="1400" b="1" dirty="0"/>
+          </a:p>
+        </p:txBody>
+      </p:sp>
+      <p:sp>
+        <p:nvSpPr>
+          <p:cNvPr id="4" name="슬라이드 번호 개체 틀 3">
+            <a:extLst>
+              <a:ext uri="{FF2B5EF4-FFF2-40B4-BE49-F238E27FC236}">
+                <a16:creationId xmlns:a16="http://schemas.microsoft.com/office/drawing/2014/main" id="{CDB4932C-DECF-2A28-263A-C7CE00F35DD0}"/>
+              </a:ext>
+            </a:extLst>
+          </p:cNvPr>
+          <p:cNvSpPr>
+            <a:spLocks noGrp="1"/>
+          </p:cNvSpPr>
+          <p:nvPr>
+            <p:ph type="sldNum" sz="quarter" idx="12"/>
+          </p:nvPr>
+        </p:nvSpPr>
+        <p:spPr/>
+        <p:txBody>
+          <a:bodyPr/>
+          <a:lstStyle/>
+          <a:p>
+            <a:fld id="{D57F1E4F-1CFF-5643-939E-02111984F565}" type="slidenum">
+              <a:rPr lang="en-US" smtClean="0"/>
+              <a:t>13</a:t>
+            </a:fld>
+            <a:endParaRPr lang="en-US" dirty="0"/>
+          </a:p>
+        </p:txBody>
+      </p:sp>
+    </p:spTree>
+    <p:extLst>
+      <p:ext uri="{BB962C8B-B14F-4D97-AF65-F5344CB8AC3E}">
+        <p14:creationId xmlns:p14="http://schemas.microsoft.com/office/powerpoint/2010/main" val="1275241941"/>
+      </p:ext>
+    </p:extLst>
+  </p:cSld>
+  <p:clrMapOvr>
+    <a:masterClrMapping/>
+  </p:clrMapOvr>
+</p:sld>
+</file>
+
+<file path=ppt/slides/slide15.xml><?xml version="1.0" encoding="utf-8"?>
+<p:sld xmlns:a="http://schemas.openxmlformats.org/drawingml/2006/main" xmlns:r="http://schemas.openxmlformats.org/officeDocument/2006/relationships" xmlns:p="http://schemas.openxmlformats.org/presentationml/2006/main">
+  <p:cSld>
+    <p:spTree>
+      <p:nvGrpSpPr>
+        <p:cNvPr id="1" name=""/>
+        <p:cNvGrpSpPr/>
+        <p:nvPr/>
+      </p:nvGrpSpPr>
+      <p:grpSpPr>
+        <a:xfrm>
+          <a:off x="0" y="0"/>
+          <a:ext cx="0" cy="0"/>
+          <a:chOff x="0" y="0"/>
+          <a:chExt cx="0" cy="0"/>
+        </a:xfrm>
+      </p:grpSpPr>
+      <p:sp>
+        <p:nvSpPr>
+          <p:cNvPr id="2" name="제목 1">
+            <a:extLst>
+              <a:ext uri="{FF2B5EF4-FFF2-40B4-BE49-F238E27FC236}">
+                <a16:creationId xmlns:a16="http://schemas.microsoft.com/office/drawing/2014/main" id="{E2871850-CF09-45E5-B263-C7D69F92B878}"/>
+              </a:ext>
+            </a:extLst>
+          </p:cNvPr>
+          <p:cNvSpPr>
+            <a:spLocks noGrp="1"/>
+          </p:cNvSpPr>
+          <p:nvPr>
+            <p:ph type="title"/>
+          </p:nvPr>
+        </p:nvSpPr>
+        <p:spPr>
+          <a:xfrm>
+            <a:off x="645130" y="389107"/>
+            <a:ext cx="9404723" cy="899004"/>
+          </a:xfrm>
+        </p:spPr>
+        <p:txBody>
+          <a:bodyPr anchor="ctr" anchorCtr="0"/>
+          <a:lstStyle/>
+          <a:p>
+            <a:r>
+              <a:rPr lang="en-US" altLang="ko-KR" sz="3600" dirty="0"/>
+              <a:t>Scenario 1-3</a:t>
+            </a:r>
+            <a:endParaRPr lang="ko-KR" altLang="en-US" sz="3600" dirty="0"/>
+          </a:p>
+        </p:txBody>
+      </p:sp>
+      <p:sp>
+        <p:nvSpPr>
+          <p:cNvPr id="3" name="내용 개체 틀 2">
+            <a:extLst>
+              <a:ext uri="{FF2B5EF4-FFF2-40B4-BE49-F238E27FC236}">
+                <a16:creationId xmlns:a16="http://schemas.microsoft.com/office/drawing/2014/main" id="{07429EB3-8B4E-466C-8ACA-0242AC361BE1}"/>
+              </a:ext>
+            </a:extLst>
+          </p:cNvPr>
+          <p:cNvSpPr>
+            <a:spLocks noGrp="1"/>
+          </p:cNvSpPr>
+          <p:nvPr>
+            <p:ph idx="1"/>
+          </p:nvPr>
+        </p:nvSpPr>
+        <p:spPr>
+          <a:xfrm>
+            <a:off x="645130" y="1474238"/>
+            <a:ext cx="11008805" cy="4774162"/>
+          </a:xfrm>
+        </p:spPr>
+        <p:txBody>
+          <a:bodyPr>
+            <a:normAutofit/>
+          </a:bodyPr>
+          <a:lstStyle/>
+          <a:p>
+            <a:pPr marL="0" indent="0" fontAlgn="base">
+              <a:buNone/>
+            </a:pPr>
+            <a:r>
+              <a:rPr lang="en-US" altLang="ko-KR" sz="1400" b="1" dirty="0">
+                <a:solidFill>
+                  <a:srgbClr val="FFFF00"/>
+                </a:solidFill>
+              </a:rPr>
+              <a:t>** </a:t>
+            </a:r>
+            <a:r>
+              <a:rPr lang="ko-KR" altLang="en-US" sz="1400" b="1" dirty="0">
+                <a:solidFill>
+                  <a:srgbClr val="FFFF00"/>
+                </a:solidFill>
+              </a:rPr>
+              <a:t>각 시나리오에서 스텝별로 </a:t>
+            </a:r>
+            <a:r>
+              <a:rPr lang="en-US" altLang="ko-KR" sz="1400" b="1" dirty="0">
+                <a:solidFill>
+                  <a:srgbClr val="FFFF00"/>
+                </a:solidFill>
+              </a:rPr>
+              <a:t>git status, git log, git show, git tag </a:t>
+            </a:r>
+            <a:r>
+              <a:rPr lang="ko-KR" altLang="en-US" sz="1400" b="1" dirty="0">
+                <a:solidFill>
+                  <a:srgbClr val="FFFF00"/>
+                </a:solidFill>
+              </a:rPr>
+              <a:t>등 수행하여 내용 확인하며 진행 요망</a:t>
+            </a:r>
+            <a:r>
+              <a:rPr lang="en-US" altLang="ko-KR" sz="1400" b="1" dirty="0">
+                <a:solidFill>
+                  <a:srgbClr val="FFFF00"/>
+                </a:solidFill>
+              </a:rPr>
+              <a:t>.</a:t>
+            </a:r>
+            <a:r>
+              <a:rPr lang="ko-KR" altLang="en-US" sz="1400" b="1" dirty="0">
+                <a:solidFill>
+                  <a:srgbClr val="FFFF00"/>
+                </a:solidFill>
+              </a:rPr>
+              <a:t> </a:t>
+            </a:r>
+            <a:endParaRPr lang="en-US" altLang="ko-KR" sz="1400" b="1" dirty="0">
+              <a:solidFill>
+                <a:srgbClr val="FFFF00"/>
+              </a:solidFill>
+            </a:endParaRPr>
+          </a:p>
+          <a:p>
+            <a:pPr fontAlgn="base">
+              <a:buFont typeface="+mj-lt"/>
+              <a:buAutoNum type="arabicPeriod"/>
+            </a:pPr>
+            <a:r>
+              <a:rPr lang="ko-KR" altLang="en-US" sz="1400" b="1" dirty="0"/>
+              <a:t>다시 </a:t>
+            </a:r>
+            <a:r>
+              <a:rPr lang="en-US" altLang="ko-KR" sz="1400" b="1" dirty="0"/>
+              <a:t>racos.txt </a:t>
+            </a:r>
+            <a:r>
+              <a:rPr lang="ko-KR" altLang="en-US" sz="1400" b="1" dirty="0"/>
+              <a:t>에 대해 이전과 동일한 부분을 이번에는 </a:t>
+            </a:r>
+            <a:r>
+              <a:rPr lang="en-US" altLang="ko-KR" sz="1400" b="1" dirty="0"/>
               <a:t>“1-3”</a:t>
             </a:r>
             <a:r>
@@ -11790,7 +12979,7 @@
 </p:sld>
 </file>
 
-<file path=ppt/slides/slide15.xml><?xml version="1.0" encoding="utf-8"?>
+<file path=ppt/slides/slide16.xml><?xml version="1.0" encoding="utf-8"?>
 <p:sld xmlns:a="http://schemas.openxmlformats.org/drawingml/2006/main" xmlns:r="http://schemas.openxmlformats.org/officeDocument/2006/relationships" xmlns:p="http://schemas.openxmlformats.org/presentationml/2006/main">
   <p:cSld>
     <p:spTree>
@@ -12888,383 +14077,6 @@
 </p:sld>
 </file>
 
-<file path=ppt/slides/slide16.xml><?xml version="1.0" encoding="utf-8"?>
-<p:sld xmlns:a="http://schemas.openxmlformats.org/drawingml/2006/main" xmlns:r="http://schemas.openxmlformats.org/officeDocument/2006/relationships" xmlns:p="http://schemas.openxmlformats.org/presentationml/2006/main">
-  <p:cSld>
-    <p:spTree>
-      <p:nvGrpSpPr>
-        <p:cNvPr id="1" name=""/>
-        <p:cNvGrpSpPr/>
-        <p:nvPr/>
-      </p:nvGrpSpPr>
-      <p:grpSpPr>
-        <a:xfrm>
-          <a:off x="0" y="0"/>
-          <a:ext cx="0" cy="0"/>
-          <a:chOff x="0" y="0"/>
-          <a:chExt cx="0" cy="0"/>
-        </a:xfrm>
-      </p:grpSpPr>
-      <p:sp>
-        <p:nvSpPr>
-          <p:cNvPr id="2" name="제목 1">
-            <a:extLst>
-              <a:ext uri="{FF2B5EF4-FFF2-40B4-BE49-F238E27FC236}">
-                <a16:creationId xmlns:a16="http://schemas.microsoft.com/office/drawing/2014/main" id="{E2871850-CF09-45E5-B263-C7D69F92B878}"/>
-              </a:ext>
-            </a:extLst>
-          </p:cNvPr>
-          <p:cNvSpPr>
-            <a:spLocks noGrp="1"/>
-          </p:cNvSpPr>
-          <p:nvPr>
-            <p:ph type="title"/>
-          </p:nvPr>
-        </p:nvSpPr>
-        <p:spPr>
-          <a:xfrm>
-            <a:off x="645130" y="389107"/>
-            <a:ext cx="9404723" cy="899004"/>
-          </a:xfrm>
-        </p:spPr>
-        <p:txBody>
-          <a:bodyPr anchor="ctr" anchorCtr="0"/>
-          <a:lstStyle/>
-          <a:p>
-            <a:r>
-              <a:rPr lang="en-US" altLang="ko-KR" sz="3600" dirty="0"/>
-              <a:t>git  push</a:t>
-            </a:r>
-            <a:endParaRPr lang="ko-KR" altLang="en-US" sz="3600" dirty="0"/>
-          </a:p>
-        </p:txBody>
-      </p:sp>
-      <p:sp>
-        <p:nvSpPr>
-          <p:cNvPr id="3" name="내용 개체 틀 2">
-            <a:extLst>
-              <a:ext uri="{FF2B5EF4-FFF2-40B4-BE49-F238E27FC236}">
-                <a16:creationId xmlns:a16="http://schemas.microsoft.com/office/drawing/2014/main" id="{07429EB3-8B4E-466C-8ACA-0242AC361BE1}"/>
-              </a:ext>
-            </a:extLst>
-          </p:cNvPr>
-          <p:cNvSpPr>
-            <a:spLocks noGrp="1"/>
-          </p:cNvSpPr>
-          <p:nvPr>
-            <p:ph idx="1"/>
-          </p:nvPr>
-        </p:nvSpPr>
-        <p:spPr>
-          <a:xfrm>
-            <a:off x="645130" y="1474238"/>
-            <a:ext cx="11260731" cy="4774162"/>
-          </a:xfrm>
-        </p:spPr>
-        <p:txBody>
-          <a:bodyPr>
-            <a:normAutofit/>
-          </a:bodyPr>
-          <a:lstStyle/>
-          <a:p>
-            <a:pPr marL="0" indent="0">
-              <a:buNone/>
-            </a:pPr>
-            <a:r>
-              <a:rPr lang="en-US" altLang="ko-KR" sz="1200" b="1" dirty="0">
-                <a:solidFill>
-                  <a:srgbClr val="FFFF00"/>
-                </a:solidFill>
-              </a:rPr>
-              <a:t>$ git  push  &lt;</a:t>
-            </a:r>
-            <a:r>
-              <a:rPr lang="ko-KR" altLang="en-US" sz="1200" b="1" dirty="0">
-                <a:solidFill>
-                  <a:srgbClr val="FFFF00"/>
-                </a:solidFill>
-              </a:rPr>
-              <a:t>원격저장소 이름</a:t>
-            </a:r>
-            <a:r>
-              <a:rPr lang="en-US" altLang="ko-KR" sz="1200" b="1" dirty="0">
-                <a:solidFill>
-                  <a:srgbClr val="FFFF00"/>
-                </a:solidFill>
-              </a:rPr>
-              <a:t>: origin&gt;   &lt;Branch </a:t>
-            </a:r>
-            <a:r>
-              <a:rPr lang="ko-KR" altLang="en-US" sz="1200" b="1" dirty="0">
-                <a:solidFill>
-                  <a:srgbClr val="FFFF00"/>
-                </a:solidFill>
-              </a:rPr>
-              <a:t>이름</a:t>
-            </a:r>
-            <a:r>
-              <a:rPr lang="en-US" altLang="ko-KR" sz="1200" b="1" dirty="0">
-                <a:solidFill>
-                  <a:srgbClr val="FFFF00"/>
-                </a:solidFill>
-              </a:rPr>
-              <a:t>: main&gt;  </a:t>
-            </a:r>
-            <a:r>
-              <a:rPr lang="en-US" altLang="ko-KR" sz="1200" dirty="0"/>
-              <a:t>// </a:t>
-            </a:r>
-            <a:r>
-              <a:rPr lang="ko-KR" altLang="en-US" sz="1200" dirty="0"/>
-              <a:t>로컬저장소 데이터를 원격저장소로 </a:t>
-            </a:r>
-            <a:r>
-              <a:rPr lang="en-US" altLang="ko-KR" sz="1200" dirty="0"/>
-              <a:t>push</a:t>
-            </a:r>
-          </a:p>
-          <a:p>
-            <a:pPr marL="0" indent="0">
-              <a:buNone/>
-            </a:pPr>
-            <a:endParaRPr lang="en-US" altLang="ko-KR" sz="1200" b="1" dirty="0">
-              <a:solidFill>
-                <a:srgbClr val="FFFF00"/>
-              </a:solidFill>
-            </a:endParaRPr>
-          </a:p>
-          <a:p>
-            <a:pPr marL="0" indent="0">
-              <a:buNone/>
-            </a:pPr>
-            <a:r>
-              <a:rPr lang="en-US" altLang="ko-KR" sz="1200" b="1" dirty="0">
-                <a:solidFill>
-                  <a:srgbClr val="FFFF00"/>
-                </a:solidFill>
-              </a:rPr>
-              <a:t>$ git</a:t>
-            </a:r>
-            <a:r>
-              <a:rPr lang="ko-KR" altLang="en-US" sz="1200" b="1" dirty="0">
-                <a:solidFill>
-                  <a:srgbClr val="FFFF00"/>
-                </a:solidFill>
-              </a:rPr>
-              <a:t>  </a:t>
-            </a:r>
-            <a:r>
-              <a:rPr lang="en-US" altLang="ko-KR" sz="1200" b="1" dirty="0">
-                <a:solidFill>
-                  <a:srgbClr val="FFFF00"/>
-                </a:solidFill>
-              </a:rPr>
-              <a:t>push  origin  main   </a:t>
-            </a:r>
-            <a:r>
-              <a:rPr lang="en-US" altLang="ko-KR" sz="1200" dirty="0"/>
-              <a:t>// </a:t>
-            </a:r>
-            <a:r>
-              <a:rPr lang="ko-KR" altLang="en-US" sz="1200" dirty="0"/>
-              <a:t>로컬 저장소에 </a:t>
-            </a:r>
-            <a:r>
-              <a:rPr lang="en-US" altLang="ko-KR" sz="1200" dirty="0"/>
-              <a:t>commit</a:t>
-            </a:r>
-            <a:r>
-              <a:rPr lang="ko-KR" altLang="en-US" sz="1200" dirty="0"/>
-              <a:t>된 파일들을 원격저장소에 업로드</a:t>
-            </a:r>
-            <a:r>
-              <a:rPr lang="en-US" altLang="ko-KR" sz="1200" dirty="0"/>
-              <a:t>.</a:t>
-            </a:r>
-          </a:p>
-          <a:p>
-            <a:pPr marL="0" indent="0">
-              <a:buNone/>
-            </a:pPr>
-            <a:r>
-              <a:rPr lang="en-US" altLang="ko-KR" sz="1200" b="1" dirty="0">
-                <a:solidFill>
-                  <a:srgbClr val="FFFF00"/>
-                </a:solidFill>
-              </a:rPr>
-              <a:t>$ git  status  (-s </a:t>
-            </a:r>
-            <a:r>
-              <a:rPr lang="ko-KR" altLang="en-US" sz="1200" b="1" dirty="0">
-                <a:solidFill>
-                  <a:srgbClr val="FFFF00"/>
-                </a:solidFill>
-              </a:rPr>
-              <a:t>또는</a:t>
-            </a:r>
-            <a:r>
-              <a:rPr lang="en-US" altLang="ko-KR" sz="1200" b="1" dirty="0">
-                <a:solidFill>
-                  <a:srgbClr val="FFFF00"/>
-                </a:solidFill>
-              </a:rPr>
-              <a:t> –short)                                                 </a:t>
-            </a:r>
-            <a:r>
-              <a:rPr lang="en-US" altLang="ko-KR" sz="1200" dirty="0"/>
-              <a:t>// </a:t>
-            </a:r>
-            <a:r>
-              <a:rPr lang="ko-KR" altLang="en-US" sz="1200" dirty="0"/>
-              <a:t>파일의 상태 확인</a:t>
-            </a:r>
-            <a:endParaRPr lang="en-US" altLang="ko-KR" sz="1200" dirty="0"/>
-          </a:p>
-          <a:p>
-            <a:pPr marL="0" indent="0">
-              <a:buNone/>
-            </a:pPr>
-            <a:br>
-              <a:rPr lang="en-US" altLang="ko-KR" sz="1200" dirty="0"/>
-            </a:br>
-            <a:r>
-              <a:rPr lang="ko-KR" altLang="en-US" sz="1200" dirty="0"/>
-              <a:t>원격 저장소와 로컬 저장소의 같은 </a:t>
-            </a:r>
-            <a:r>
-              <a:rPr lang="en-US" altLang="ko-KR" sz="1200" dirty="0"/>
-              <a:t>Branch</a:t>
-            </a:r>
-            <a:r>
-              <a:rPr lang="ko-KR" altLang="en-US" sz="1200" dirty="0"/>
-              <a:t>가 다른 </a:t>
-            </a:r>
-            <a:r>
-              <a:rPr lang="en-US" altLang="ko-KR" sz="1200" dirty="0"/>
-              <a:t>commit</a:t>
-            </a:r>
-            <a:r>
-              <a:rPr lang="ko-KR" altLang="en-US" sz="1200" dirty="0"/>
-              <a:t>을 가지고 있는 경우 </a:t>
-            </a:r>
-            <a:r>
-              <a:rPr lang="en-US" altLang="ko-KR" sz="1200" dirty="0"/>
-              <a:t>push</a:t>
-            </a:r>
-            <a:r>
-              <a:rPr lang="ko-KR" altLang="en-US" sz="1200" dirty="0"/>
-              <a:t>는 </a:t>
-            </a:r>
-            <a:r>
-              <a:rPr lang="en-US" altLang="ko-KR" sz="1200" dirty="0"/>
-              <a:t>“reject” </a:t>
-            </a:r>
-            <a:r>
-              <a:rPr lang="ko-KR" altLang="en-US" sz="1200" dirty="0"/>
-              <a:t>된다</a:t>
-            </a:r>
-            <a:r>
-              <a:rPr lang="en-US" altLang="ko-KR" sz="1200" dirty="0"/>
-              <a:t>.</a:t>
-            </a:r>
-          </a:p>
-          <a:p>
-            <a:pPr marL="0" indent="0">
-              <a:buNone/>
-            </a:pPr>
-            <a:r>
-              <a:rPr lang="ko-KR" altLang="en-US" sz="1200" dirty="0"/>
-              <a:t>이런 경우에는 먼저 </a:t>
-            </a:r>
-            <a:r>
-              <a:rPr lang="en-US" altLang="ko-KR" sz="1200" dirty="0"/>
-              <a:t>pull</a:t>
-            </a:r>
-            <a:r>
-              <a:rPr lang="ko-KR" altLang="en-US" sz="1200" dirty="0"/>
-              <a:t>을 하거나 </a:t>
-            </a:r>
-            <a:r>
-              <a:rPr lang="en-US" altLang="ko-KR" sz="1200" dirty="0"/>
-              <a:t>fetch</a:t>
-            </a:r>
-            <a:r>
-              <a:rPr lang="ko-KR" altLang="en-US" sz="1200" dirty="0"/>
-              <a:t>를 통해 </a:t>
-            </a:r>
-            <a:r>
-              <a:rPr lang="en-US" altLang="ko-KR" sz="1200" dirty="0"/>
-              <a:t>(</a:t>
-            </a:r>
-            <a:r>
-              <a:rPr lang="ko-KR" altLang="en-US" sz="1200" dirty="0"/>
-              <a:t>로컬저장소 </a:t>
-            </a:r>
-            <a:r>
-              <a:rPr lang="en-US" altLang="ko-KR" sz="1200" dirty="0"/>
-              <a:t>commit = </a:t>
-            </a:r>
-            <a:r>
-              <a:rPr lang="ko-KR" altLang="en-US" sz="1200" dirty="0"/>
-              <a:t>원격저장소 </a:t>
-            </a:r>
-            <a:r>
-              <a:rPr lang="en-US" altLang="ko-KR" sz="1200" dirty="0"/>
-              <a:t>commit)</a:t>
-            </a:r>
-            <a:r>
-              <a:rPr lang="ko-KR" altLang="en-US" sz="1200" dirty="0"/>
-              <a:t>을 맞추어 주어야 한다</a:t>
-            </a:r>
-            <a:r>
-              <a:rPr lang="en-US" altLang="ko-KR" sz="1200" dirty="0"/>
-              <a:t>.</a:t>
-            </a:r>
-          </a:p>
-        </p:txBody>
-      </p:sp>
-      <p:sp>
-        <p:nvSpPr>
-          <p:cNvPr id="4" name="슬라이드 번호 개체 틀 3">
-            <a:extLst>
-              <a:ext uri="{FF2B5EF4-FFF2-40B4-BE49-F238E27FC236}">
-                <a16:creationId xmlns:a16="http://schemas.microsoft.com/office/drawing/2014/main" id="{D4B2A3CB-9F8F-FD2C-6F77-70FAB4B0A753}"/>
-              </a:ext>
-            </a:extLst>
-          </p:cNvPr>
-          <p:cNvSpPr>
-            <a:spLocks noGrp="1"/>
-          </p:cNvSpPr>
-          <p:nvPr>
-            <p:ph type="sldNum" sz="quarter" idx="12"/>
-          </p:nvPr>
-        </p:nvSpPr>
-        <p:spPr/>
-        <p:txBody>
-          <a:bodyPr/>
-          <a:lstStyle/>
-          <a:p>
-            <a:fld id="{D57F1E4F-1CFF-5643-939E-02111984F565}" type="slidenum">
-              <a:rPr lang="en-US" smtClean="0"/>
-              <a:t>16</a:t>
-            </a:fld>
-            <a:endParaRPr lang="en-US" dirty="0"/>
-          </a:p>
-        </p:txBody>
-      </p:sp>
-    </p:spTree>
-    <p:extLst>
-      <p:ext uri="{BB962C8B-B14F-4D97-AF65-F5344CB8AC3E}">
-        <p14:creationId xmlns:p14="http://schemas.microsoft.com/office/powerpoint/2010/main" val="194136713"/>
-      </p:ext>
-    </p:extLst>
-  </p:cSld>
-  <p:clrMapOvr>
-    <a:masterClrMapping/>
-  </p:clrMapOvr>
-</p:sld>
-</file>
-
 <file path=ppt/slides/slide17.xml><?xml version="1.0" encoding="utf-8"?>
 <p:sld xmlns:a="http://schemas.openxmlformats.org/drawingml/2006/main" xmlns:r="http://schemas.openxmlformats.org/officeDocument/2006/relationships" xmlns:p="http://schemas.openxmlformats.org/presentationml/2006/main">
   <p:cSld>
@@ -13310,7 +14122,7 @@
           <a:p>
             <a:r>
               <a:rPr lang="en-US" altLang="ko-KR" sz="3600" dirty="0"/>
-              <a:t>git  pull</a:t>
+              <a:t>git  push</a:t>
             </a:r>
             <a:endParaRPr lang="ko-KR" altLang="en-US" sz="3600" dirty="0"/>
           </a:p>
@@ -13353,6 +14165,73 @@
                   <a:srgbClr val="FFFF00"/>
                 </a:solidFill>
               </a:rPr>
+              <a:t>$ git  push  &lt;</a:t>
+            </a:r>
+            <a:r>
+              <a:rPr lang="ko-KR" altLang="en-US" sz="1200" b="1" dirty="0">
+                <a:solidFill>
+                  <a:srgbClr val="FFFF00"/>
+                </a:solidFill>
+              </a:rPr>
+              <a:t>원격저장소 이름</a:t>
+            </a:r>
+            <a:r>
+              <a:rPr lang="en-US" altLang="ko-KR" sz="1200" b="1" dirty="0">
+                <a:solidFill>
+                  <a:srgbClr val="FFFF00"/>
+                </a:solidFill>
+              </a:rPr>
+              <a:t>: origin&gt;   &lt;Branch </a:t>
+            </a:r>
+            <a:r>
+              <a:rPr lang="ko-KR" altLang="en-US" sz="1200" b="1" dirty="0">
+                <a:solidFill>
+                  <a:srgbClr val="FFFF00"/>
+                </a:solidFill>
+              </a:rPr>
+              <a:t>이름</a:t>
+            </a:r>
+            <a:r>
+              <a:rPr lang="en-US" altLang="ko-KR" sz="1200" b="1" dirty="0">
+                <a:solidFill>
+                  <a:srgbClr val="FFFF00"/>
+                </a:solidFill>
+              </a:rPr>
+              <a:t>: main&gt;  </a:t>
+            </a:r>
+            <a:r>
+              <a:rPr lang="en-US" altLang="ko-KR" sz="1200" dirty="0"/>
+              <a:t>// </a:t>
+            </a:r>
+            <a:r>
+              <a:rPr lang="ko-KR" altLang="en-US" sz="1200" dirty="0"/>
+              <a:t>로컬저장소 데이터를 원격저장소로 </a:t>
+            </a:r>
+            <a:r>
+              <a:rPr lang="en-US" altLang="ko-KR" sz="1200" dirty="0"/>
+              <a:t>push</a:t>
+            </a:r>
+          </a:p>
+          <a:p>
+            <a:pPr marL="0" indent="0">
+              <a:buNone/>
+            </a:pPr>
+            <a:endParaRPr lang="en-US" altLang="ko-KR" sz="1200" b="1" dirty="0">
+              <a:solidFill>
+                <a:srgbClr val="FFFF00"/>
+              </a:solidFill>
+            </a:endParaRPr>
+          </a:p>
+          <a:p>
+            <a:pPr marL="0" indent="0">
+              <a:buNone/>
+            </a:pPr>
+            <a:r>
+              <a:rPr lang="en-US" altLang="ko-KR" sz="1200" b="1" dirty="0">
+                <a:solidFill>
+                  <a:srgbClr val="FFFF00"/>
+                </a:solidFill>
+              </a:rPr>
               <a:t>$ git</a:t>
             </a:r>
             <a:r>
@@ -13369,23 +14248,23 @@
                   <a:srgbClr val="FFFF00"/>
                 </a:solidFill>
               </a:rPr>
-              <a:t>pull  origin  main   </a:t>
+              <a:t>push  origin  main   </a:t>
             </a:r>
             <a:r>
               <a:rPr lang="en-US" altLang="ko-KR" sz="1200" dirty="0"/>
-              <a:t>//git pull </a:t>
+              <a:t>// </a:t>
             </a:r>
             <a:r>
               <a:rPr lang="ko-KR" altLang="en-US" sz="1200" dirty="0"/>
-              <a:t>명령 실행한 폴더에 파일 다운로드됨</a:t>
+              <a:t>로컬 저장소에 </a:t>
             </a:r>
             <a:r>
               <a:rPr lang="en-US" altLang="ko-KR" sz="1200" dirty="0"/>
-              <a:t>. </a:t>
+              <a:t>commit</a:t>
             </a:r>
             <a:r>
               <a:rPr lang="ko-KR" altLang="en-US" sz="1200" dirty="0"/>
-              <a:t>이미 존재해도 에러 없이 병합함</a:t>
+              <a:t>된 파일들을 원격저장소에 업로드</a:t>
             </a:r>
             <a:r>
               <a:rPr lang="en-US" altLang="ko-KR" sz="1200" dirty="0"/>
@@ -13418,7 +14297,7 @@
                   <a:srgbClr val="FFFF00"/>
                 </a:solidFill>
               </a:rPr>
-              <a:t> --short)                                                 </a:t>
+              <a:t> –short)                                                 </a:t>
             </a:r>
             <a:r>
               <a:rPr lang="en-US" altLang="ko-KR" sz="1200" dirty="0"/>
@@ -13434,23 +14313,44 @@
             <a:pPr marL="0" indent="0">
               <a:buNone/>
             </a:pPr>
-            <a:endParaRPr lang="en-US" altLang="ko-KR" sz="1200" dirty="0"/>
-          </a:p>
-          <a:p>
-            <a:pPr marL="0" indent="0">
-              <a:buNone/>
-            </a:pPr>
+            <a:br>
+              <a:rPr lang="en-US" altLang="ko-KR" sz="1200" dirty="0"/>
+            </a:br>
             <a:r>
               <a:rPr lang="ko-KR" altLang="en-US" sz="1200" dirty="0"/>
-              <a:t>아래와 같은 경우 소스 충돌</a:t>
+              <a:t>원격 저장소와 로컬 저장소의 같은 </a:t>
             </a:r>
             <a:r>
               <a:rPr lang="en-US" altLang="ko-KR" sz="1200" dirty="0"/>
-              <a:t>(Conflict)</a:t>
+              <a:t>Branch</a:t>
             </a:r>
             <a:r>
               <a:rPr lang="ko-KR" altLang="en-US" sz="1200" dirty="0"/>
-              <a:t>가 발생한다</a:t>
+              <a:t>가 다른 </a:t>
+            </a:r>
+            <a:r>
+              <a:rPr lang="en-US" altLang="ko-KR" sz="1200" dirty="0"/>
+              <a:t>commit</a:t>
+            </a:r>
+            <a:r>
+              <a:rPr lang="ko-KR" altLang="en-US" sz="1200" dirty="0"/>
+              <a:t>을 가지고 있는 경우 </a:t>
+            </a:r>
+            <a:r>
+              <a:rPr lang="en-US" altLang="ko-KR" sz="1200" dirty="0"/>
+              <a:t>push</a:t>
+            </a:r>
+            <a:r>
+              <a:rPr lang="ko-KR" altLang="en-US" sz="1200" dirty="0"/>
+              <a:t>는 </a:t>
+            </a:r>
+            <a:r>
+              <a:rPr lang="en-US" altLang="ko-KR" sz="1200" dirty="0"/>
+              <a:t>“reject” </a:t>
+            </a:r>
+            <a:r>
+              <a:rPr lang="ko-KR" altLang="en-US" sz="1200" dirty="0"/>
+              <a:t>된다</a:t>
             </a:r>
             <a:r>
               <a:rPr lang="en-US" altLang="ko-KR" sz="1200" dirty="0"/>
@@ -13458,146 +14358,52 @@
             </a:r>
           </a:p>
           <a:p>
-            <a:pPr marL="228600" indent="-228600">
-              <a:buAutoNum type="arabicPeriod"/>
+            <a:pPr marL="0" indent="0">
+              <a:buNone/>
             </a:pPr>
             <a:r>
               <a:rPr lang="ko-KR" altLang="en-US" sz="1200" dirty="0"/>
-              <a:t>사용자 </a:t>
+              <a:t>이런 경우에는 먼저 </a:t>
             </a:r>
             <a:r>
               <a:rPr lang="en-US" altLang="ko-KR" sz="1200" dirty="0"/>
-              <a:t>A</a:t>
+              <a:t>pull</a:t>
             </a:r>
             <a:r>
               <a:rPr lang="ko-KR" altLang="en-US" sz="1200" dirty="0"/>
-              <a:t>가 파일을 수정하고 </a:t>
+              <a:t>을 하거나 </a:t>
             </a:r>
             <a:r>
               <a:rPr lang="en-US" altLang="ko-KR" sz="1200" dirty="0"/>
-              <a:t>commit </a:t>
+              <a:t>fetch</a:t>
             </a:r>
             <a:r>
               <a:rPr lang="ko-KR" altLang="en-US" sz="1200" dirty="0"/>
-              <a:t>한 후 </a:t>
+              <a:t>를 통해 </a:t>
             </a:r>
             <a:r>
               <a:rPr lang="en-US" altLang="ko-KR" sz="1200" dirty="0"/>
-              <a:t>push </a:t>
+              <a:t>(</a:t>
             </a:r>
             <a:r>
               <a:rPr lang="ko-KR" altLang="en-US" sz="1200" dirty="0"/>
-              <a:t>하여 원격저장소에 반영</a:t>
-            </a:r>
-            <a:endParaRPr lang="en-US" altLang="ko-KR" sz="1200" dirty="0"/>
-          </a:p>
-          <a:p>
-            <a:pPr marL="228600" indent="-228600">
-              <a:buAutoNum type="arabicPeriod"/>
-            </a:pPr>
+              <a:t>로컬저장소 </a:t>
+            </a:r>
+            <a:r>
+              <a:rPr lang="en-US" altLang="ko-KR" sz="1200" dirty="0"/>
+              <a:t>commit = </a:t>
+            </a:r>
             <a:r>
               <a:rPr lang="ko-KR" altLang="en-US" sz="1200" dirty="0"/>
-              <a:t>사용자 </a:t>
+              <a:t>원격저장소 </a:t>
             </a:r>
             <a:r>
               <a:rPr lang="en-US" altLang="ko-KR" sz="1200" dirty="0"/>
-              <a:t>B</a:t>
+              <a:t>commit)</a:t>
             </a:r>
             <a:r>
               <a:rPr lang="ko-KR" altLang="en-US" sz="1200" dirty="0"/>
-              <a:t>는 </a:t>
-            </a:r>
-            <a:r>
-              <a:rPr lang="en-US" altLang="ko-KR" sz="1200" dirty="0"/>
-              <a:t>pull </a:t>
-            </a:r>
-            <a:r>
-              <a:rPr lang="ko-KR" altLang="en-US" sz="1200" dirty="0"/>
-              <a:t>하지 않은 상태에서 사용자</a:t>
-            </a:r>
-            <a:r>
-              <a:rPr lang="en-US" altLang="ko-KR" sz="1200" dirty="0"/>
-              <a:t>B</a:t>
-            </a:r>
-            <a:r>
-              <a:rPr lang="ko-KR" altLang="en-US" sz="1200" dirty="0"/>
-              <a:t>의 로컬저장소에 저장되어 있는</a:t>
-            </a:r>
-            <a:r>
-              <a:rPr lang="en-US" altLang="ko-KR" sz="1200" dirty="0"/>
-              <a:t>,</a:t>
-            </a:r>
-            <a:r>
-              <a:rPr lang="ko-KR" altLang="en-US" sz="1200" dirty="0"/>
-              <a:t> 사용자 </a:t>
-            </a:r>
-            <a:r>
-              <a:rPr lang="en-US" altLang="ko-KR" sz="1200" dirty="0"/>
-              <a:t>A</a:t>
-            </a:r>
-            <a:r>
-              <a:rPr lang="ko-KR" altLang="en-US" sz="1200" dirty="0"/>
-              <a:t>가 수정한 부분과 동일한 파일의 동일한 부분을 수정</a:t>
-            </a:r>
-            <a:endParaRPr lang="en-US" altLang="ko-KR" sz="1200" dirty="0"/>
-          </a:p>
-          <a:p>
-            <a:pPr marL="228600" indent="-228600">
-              <a:buAutoNum type="arabicPeriod"/>
-            </a:pPr>
-            <a:r>
-              <a:rPr lang="ko-KR" altLang="en-US" sz="1200" dirty="0"/>
-              <a:t>사용자 </a:t>
-            </a:r>
-            <a:r>
-              <a:rPr lang="en-US" altLang="ko-KR" sz="1200" dirty="0"/>
-              <a:t>B</a:t>
-            </a:r>
-            <a:r>
-              <a:rPr lang="ko-KR" altLang="en-US" sz="1200" dirty="0"/>
-              <a:t>가 </a:t>
-            </a:r>
-            <a:r>
-              <a:rPr lang="en-US" altLang="ko-KR" sz="1200" dirty="0"/>
-              <a:t>pull </a:t>
-            </a:r>
-            <a:r>
-              <a:rPr lang="ko-KR" altLang="en-US" sz="1200" dirty="0"/>
-              <a:t>하면 </a:t>
-            </a:r>
-            <a:r>
-              <a:rPr lang="en-US" altLang="ko-KR" sz="1200" dirty="0"/>
-              <a:t>Conflict </a:t>
-            </a:r>
-            <a:r>
-              <a:rPr lang="ko-KR" altLang="en-US" sz="1200" dirty="0"/>
-              <a:t>발생</a:t>
-            </a:r>
-            <a:endParaRPr lang="en-US" altLang="ko-KR" sz="1200" dirty="0"/>
-          </a:p>
-          <a:p>
-            <a:pPr marL="228600" indent="-228600">
-              <a:buAutoNum type="arabicPeriod"/>
-            </a:pPr>
-            <a:r>
-              <a:rPr lang="ko-KR" altLang="en-US" sz="1200" dirty="0"/>
-              <a:t>충돌 난 파일을 오픈하면 파일에 원격저장소의 내용과 본인이 수정한 내용이 모두 확인할 수 있으며</a:t>
-            </a:r>
-            <a:r>
-              <a:rPr lang="en-US" altLang="ko-KR" sz="1200" dirty="0"/>
-              <a:t>, </a:t>
-            </a:r>
-            <a:r>
-              <a:rPr lang="ko-KR" altLang="en-US" sz="1200" dirty="0"/>
-              <a:t>이를 기반으로 판단하여 옳은 코드로 수정은 </a:t>
-            </a:r>
-            <a:r>
-              <a:rPr lang="en-US" altLang="ko-KR" sz="1200" dirty="0"/>
-              <a:t>push </a:t>
-            </a:r>
-            <a:r>
-              <a:rPr lang="ko-KR" altLang="en-US" sz="1200" dirty="0"/>
-              <a:t>한다</a:t>
+              <a:t>을 맞추어 주어야 한다</a:t>
             </a:r>
             <a:r>
               <a:rPr lang="en-US" altLang="ko-KR" sz="1200" dirty="0"/>
@@ -13611,7 +14417,7 @@
           <p:cNvPr id="4" name="슬라이드 번호 개체 틀 3">
             <a:extLst>
               <a:ext uri="{FF2B5EF4-FFF2-40B4-BE49-F238E27FC236}">
-                <a16:creationId xmlns:a16="http://schemas.microsoft.com/office/drawing/2014/main" id="{96ACCF4C-7220-558E-2575-1F219828BA4E}"/>
+                <a16:creationId xmlns:a16="http://schemas.microsoft.com/office/drawing/2014/main" id="{D4B2A3CB-9F8F-FD2C-6F77-70FAB4B0A753}"/>
               </a:ext>
             </a:extLst>
           </p:cNvPr>
@@ -13629,7 +14435,7 @@
           <a:p>
             <a:fld id="{D57F1E4F-1CFF-5643-939E-02111984F565}" type="slidenum">
               <a:rPr lang="en-US" smtClean="0"/>
-              <a:t>17</a:t>
+              <a:t>16</a:t>
             </a:fld>
             <a:endParaRPr lang="en-US" dirty="0"/>
           </a:p>
@@ -13638,7 +14444,7 @@
     </p:spTree>
     <p:extLst>
       <p:ext uri="{BB962C8B-B14F-4D97-AF65-F5344CB8AC3E}">
-        <p14:creationId xmlns:p14="http://schemas.microsoft.com/office/powerpoint/2010/main" val="696800962"/>
+        <p14:creationId xmlns:p14="http://schemas.microsoft.com/office/powerpoint/2010/main" val="194136713"/>
       </p:ext>
     </p:extLst>
   </p:cSld>
@@ -13693,31 +14499,7 @@
           <a:p>
             <a:r>
               <a:rPr lang="en-US" altLang="ko-KR" sz="3600" dirty="0"/>
-              <a:t>git  fetch</a:t>
-            </a:r>
-            <a:r>
-              <a:rPr lang="ko-KR" altLang="en-US" sz="3600" dirty="0"/>
-              <a:t>  </a:t>
-            </a:r>
-            <a:r>
-              <a:rPr lang="en-US" altLang="ko-KR" sz="3600" dirty="0"/>
-              <a:t>&amp;</a:t>
-            </a:r>
-            <a:r>
-              <a:rPr lang="ko-KR" altLang="en-US" sz="3600" dirty="0"/>
-              <a:t>  </a:t>
-            </a:r>
-            <a:r>
-              <a:rPr lang="en-US" altLang="ko-KR" sz="3600" dirty="0"/>
-              <a:t>git</a:t>
-            </a:r>
-            <a:r>
-              <a:rPr lang="ko-KR" altLang="en-US" sz="3600" dirty="0"/>
-              <a:t>  </a:t>
-            </a:r>
-            <a:r>
-              <a:rPr lang="en-US" altLang="ko-KR" sz="3600" dirty="0"/>
-              <a:t>merge</a:t>
+              <a:t>git  pull</a:t>
             </a:r>
             <a:endParaRPr lang="ko-KR" altLang="en-US" sz="3600" dirty="0"/>
           </a:p>
@@ -13751,27 +14533,184 @@
           </a:bodyPr>
           <a:lstStyle/>
           <a:p>
-            <a:pPr>
-              <a:buFont typeface="Arial" panose="020B0604020202020204" pitchFamily="34" charset="0"/>
-              <a:buChar char="•"/>
+            <a:pPr marL="0" indent="0">
+              <a:buNone/>
             </a:pPr>
             <a:r>
+              <a:rPr lang="en-US" altLang="ko-KR" sz="1200" b="1" dirty="0">
+                <a:solidFill>
+                  <a:srgbClr val="FFFF00"/>
+                </a:solidFill>
+              </a:rPr>
+              <a:t>$ git</a:t>
+            </a:r>
+            <a:r>
+              <a:rPr lang="ko-KR" altLang="en-US" sz="1200" b="1" dirty="0">
+                <a:solidFill>
+                  <a:srgbClr val="FFFF00"/>
+                </a:solidFill>
+              </a:rPr>
+              <a:t>  </a:t>
+            </a:r>
+            <a:r>
+              <a:rPr lang="en-US" altLang="ko-KR" sz="1200" b="1" dirty="0">
+                <a:solidFill>
+                  <a:srgbClr val="FFFF00"/>
+                </a:solidFill>
+              </a:rPr>
+              <a:t>pull  origin  main   </a:t>
+            </a:r>
+            <a:r>
+              <a:rPr lang="en-US" altLang="ko-KR" sz="1200" dirty="0"/>
+              <a:t>//git pull </a:t>
+            </a:r>
+            <a:r>
               <a:rPr lang="ko-KR" altLang="en-US" sz="1200" dirty="0"/>
-              <a:t>원격 저장소를 이용하다 보면 다른 누군가 커밋할 경우가 있다</a:t>
+              <a:t>명령 실행한 폴더에 파일 다운로드됨</a:t>
             </a:r>
             <a:r>
               <a:rPr lang="en-US" altLang="ko-KR" sz="1200" dirty="0"/>
               <a:t>. </a:t>
             </a:r>
-          </a:p>
-          <a:p>
-            <a:pPr>
-              <a:buFont typeface="Arial" panose="020B0604020202020204" pitchFamily="34" charset="0"/>
-              <a:buChar char="•"/>
+            <a:r>
+              <a:rPr lang="ko-KR" altLang="en-US" sz="1200" dirty="0"/>
+              <a:t>이미 존재해도 에러 없이 병합함</a:t>
+            </a:r>
+            <a:r>
+              <a:rPr lang="en-US" altLang="ko-KR" sz="1200" dirty="0"/>
+              <a:t>.</a:t>
+            </a:r>
+          </a:p>
+          <a:p>
+            <a:pPr marL="0" indent="0">
+              <a:buNone/>
             </a:pPr>
             <a:r>
+              <a:rPr lang="en-US" altLang="ko-KR" sz="1200" b="1" dirty="0">
+                <a:solidFill>
+                  <a:srgbClr val="FFFF00"/>
+                </a:solidFill>
+              </a:rPr>
+              <a:t>$ git  status  (-s </a:t>
+            </a:r>
+            <a:r>
+              <a:rPr lang="ko-KR" altLang="en-US" sz="1200" b="1" dirty="0">
+                <a:solidFill>
+                  <a:srgbClr val="FFFF00"/>
+                </a:solidFill>
+              </a:rPr>
+              <a:t>또는</a:t>
+            </a:r>
+            <a:r>
+              <a:rPr lang="en-US" altLang="ko-KR" sz="1200" b="1" dirty="0">
+                <a:solidFill>
+                  <a:srgbClr val="FFFF00"/>
+                </a:solidFill>
+              </a:rPr>
+              <a:t> --short)                                                 </a:t>
+            </a:r>
+            <a:r>
+              <a:rPr lang="en-US" altLang="ko-KR" sz="1200" dirty="0"/>
+              <a:t>// </a:t>
+            </a:r>
+            <a:r>
               <a:rPr lang="ko-KR" altLang="en-US" sz="1200" dirty="0"/>
-              <a:t>예를 들어</a:t>
+              <a:t>파일의 상태 확인</a:t>
+            </a:r>
+            <a:endParaRPr lang="en-US" altLang="ko-KR" sz="1200" dirty="0"/>
+          </a:p>
+          <a:p>
+            <a:pPr marL="0" indent="0">
+              <a:buNone/>
+            </a:pPr>
+            <a:endParaRPr lang="en-US" altLang="ko-KR" sz="1200" dirty="0"/>
+          </a:p>
+          <a:p>
+            <a:pPr marL="0" indent="0">
+              <a:buNone/>
+            </a:pPr>
+            <a:r>
+              <a:rPr lang="ko-KR" altLang="en-US" sz="1200" dirty="0"/>
+              <a:t>아래와 같은 경우 소스 충돌</a:t>
+            </a:r>
+            <a:r>
+              <a:rPr lang="en-US" altLang="ko-KR" sz="1200" dirty="0"/>
+              <a:t>(Conflict)</a:t>
+            </a:r>
+            <a:r>
+              <a:rPr lang="ko-KR" altLang="en-US" sz="1200" dirty="0"/>
+              <a:t>가 발생한다</a:t>
+            </a:r>
+            <a:r>
+              <a:rPr lang="en-US" altLang="ko-KR" sz="1200" dirty="0"/>
+              <a:t>.</a:t>
+            </a:r>
+          </a:p>
+          <a:p>
+            <a:pPr marL="228600" indent="-228600">
+              <a:buAutoNum type="arabicPeriod"/>
+            </a:pPr>
+            <a:r>
+              <a:rPr lang="ko-KR" altLang="en-US" sz="1200" dirty="0"/>
+              <a:t>사용자 </a:t>
+            </a:r>
+            <a:r>
+              <a:rPr lang="en-US" altLang="ko-KR" sz="1200" dirty="0"/>
+              <a:t>A</a:t>
+            </a:r>
+            <a:r>
+              <a:rPr lang="ko-KR" altLang="en-US" sz="1200" dirty="0"/>
+              <a:t>가 파일을 수정하고 </a:t>
+            </a:r>
+            <a:r>
+              <a:rPr lang="en-US" altLang="ko-KR" sz="1200" dirty="0"/>
+              <a:t>commit </a:t>
+            </a:r>
+            <a:r>
+              <a:rPr lang="ko-KR" altLang="en-US" sz="1200" dirty="0"/>
+              <a:t>한 후 </a:t>
+            </a:r>
+            <a:r>
+              <a:rPr lang="en-US" altLang="ko-KR" sz="1200" dirty="0"/>
+              <a:t>push </a:t>
+            </a:r>
+            <a:r>
+              <a:rPr lang="ko-KR" altLang="en-US" sz="1200" dirty="0"/>
+              <a:t>하여 원격저장소에 반영</a:t>
+            </a:r>
+            <a:endParaRPr lang="en-US" altLang="ko-KR" sz="1200" dirty="0"/>
+          </a:p>
+          <a:p>
+            <a:pPr marL="228600" indent="-228600">
+              <a:buAutoNum type="arabicPeriod"/>
+            </a:pPr>
+            <a:r>
+              <a:rPr lang="ko-KR" altLang="en-US" sz="1200" dirty="0"/>
+              <a:t>사용자 </a:t>
+            </a:r>
+            <a:r>
+              <a:rPr lang="en-US" altLang="ko-KR" sz="1200" dirty="0"/>
+              <a:t>B</a:t>
+            </a:r>
+            <a:r>
+              <a:rPr lang="ko-KR" altLang="en-US" sz="1200" dirty="0"/>
+              <a:t>는 </a:t>
+            </a:r>
+            <a:r>
+              <a:rPr lang="en-US" altLang="ko-KR" sz="1200" dirty="0"/>
+              <a:t>pull </a:t>
+            </a:r>
+            <a:r>
+              <a:rPr lang="ko-KR" altLang="en-US" sz="1200" dirty="0"/>
+              <a:t>하지 않은 상태에서 사용자</a:t>
+            </a:r>
+            <a:r>
+              <a:rPr lang="en-US" altLang="ko-KR" sz="1200" dirty="0"/>
+              <a:t>B</a:t>
+            </a:r>
+            <a:r>
+              <a:rPr lang="ko-KR" altLang="en-US" sz="1200" dirty="0"/>
+              <a:t>의 로컬저장소에 저장되어 있는</a:t>
             </a:r>
             <a:r>
               <a:rPr lang="en-US" altLang="ko-KR" sz="1200" dirty="0"/>
@@ -13779,365 +14718,80 @@
             </a:r>
             <a:r>
               <a:rPr lang="ko-KR" altLang="en-US" sz="1200" dirty="0"/>
-              <a:t> 내가 로컬 저장소에서 작업하는 도중 다른 협업자가 원격 저장소를 먼저 변경 할 수 있다</a:t>
+              <a:t> 사용자 </a:t>
             </a:r>
             <a:r>
               <a:rPr lang="en-US" altLang="ko-KR" sz="1200" dirty="0"/>
-              <a:t>. </a:t>
-            </a:r>
-          </a:p>
-          <a:p>
-            <a:pPr>
-              <a:buFont typeface="Arial" panose="020B0604020202020204" pitchFamily="34" charset="0"/>
-              <a:buChar char="•"/>
+              <a:t>A</a:t>
+            </a:r>
+            <a:r>
+              <a:rPr lang="ko-KR" altLang="en-US" sz="1200" dirty="0"/>
+              <a:t>가 수정한 부분과 동일한 파일의 동일한 부분을 수정</a:t>
+            </a:r>
+            <a:endParaRPr lang="en-US" altLang="ko-KR" sz="1200" dirty="0"/>
+          </a:p>
+          <a:p>
+            <a:pPr marL="228600" indent="-228600">
+              <a:buAutoNum type="arabicPeriod"/>
             </a:pPr>
             <a:r>
               <a:rPr lang="ko-KR" altLang="en-US" sz="1200" dirty="0"/>
-              <a:t>이런 경우 </a:t>
+              <a:t>사용자 </a:t>
             </a:r>
             <a:r>
               <a:rPr lang="en-US" altLang="ko-KR" sz="1200" dirty="0"/>
-              <a:t>git</a:t>
+              <a:t>B</a:t>
             </a:r>
             <a:r>
               <a:rPr lang="ko-KR" altLang="en-US" sz="1200" dirty="0"/>
-              <a:t>은 </a:t>
+              <a:t>가 </a:t>
             </a:r>
             <a:r>
               <a:rPr lang="en-US" altLang="ko-KR" sz="1200" dirty="0"/>
-              <a:t>push</a:t>
+              <a:t>pull </a:t>
             </a:r>
             <a:r>
               <a:rPr lang="ko-KR" altLang="en-US" sz="1200" dirty="0"/>
-              <a:t>를 허용하지 않는데 </a:t>
+              <a:t>하면 </a:t>
             </a:r>
             <a:r>
               <a:rPr lang="en-US" altLang="ko-KR" sz="1200" dirty="0"/>
-              <a:t>fetch </a:t>
+              <a:t>Conflict </a:t>
             </a:r>
             <a:r>
               <a:rPr lang="ko-KR" altLang="en-US" sz="1200" dirty="0"/>
-              <a:t>명령어를 사용하여 로컬 저장소의 </a:t>
+              <a:t>발생</a:t>
+            </a:r>
+            <a:endParaRPr lang="en-US" altLang="ko-KR" sz="1200" dirty="0"/>
+          </a:p>
+          <a:p>
+            <a:pPr marL="228600" indent="-228600">
+              <a:buAutoNum type="arabicPeriod"/>
+            </a:pPr>
+            <a:r>
+              <a:rPr lang="ko-KR" altLang="en-US" sz="1200" dirty="0"/>
+              <a:t>충돌 난 파일을 오픈하면 파일에 원격저장소의 내용과 본인이 수정한 내용이 모두 확인할 수 있으며</a:t>
             </a:r>
             <a:r>
               <a:rPr lang="en-US" altLang="ko-KR" sz="1200" dirty="0"/>
-              <a:t>commit</a:t>
+              <a:t>, </a:t>
             </a:r>
             <a:r>
               <a:rPr lang="ko-KR" altLang="en-US" sz="1200" dirty="0"/>
-              <a:t>들을 원격 저장소와 맞춰야 한다</a:t>
+              <a:t>이를 기반으로 판단하여 옳은 코드로 수정은 </a:t>
             </a:r>
             <a:r>
               <a:rPr lang="en-US" altLang="ko-KR" sz="1200" dirty="0"/>
-              <a:t>.  </a:t>
-            </a:r>
-          </a:p>
-          <a:p>
-            <a:pPr>
-              <a:buFont typeface="Arial" panose="020B0604020202020204" pitchFamily="34" charset="0"/>
-              <a:buChar char="•"/>
-            </a:pPr>
-            <a:r>
-              <a:rPr lang="en-US" altLang="ko-KR" sz="1200" dirty="0"/>
-              <a:t>fetch</a:t>
+              <a:t>push </a:t>
             </a:r>
             <a:r>
               <a:rPr lang="ko-KR" altLang="en-US" sz="1200" dirty="0"/>
-              <a:t>는 원격 저장소의 </a:t>
-            </a:r>
-            <a:r>
-              <a:rPr lang="en-US" altLang="ko-KR" sz="1200" dirty="0"/>
-              <a:t>commit</a:t>
-            </a:r>
-            <a:r>
-              <a:rPr lang="ko-KR" altLang="en-US" sz="1200" dirty="0"/>
-              <a:t>들을 로컬 저장소로 가져온다</a:t>
-            </a:r>
-            <a:r>
-              <a:rPr lang="en-US" altLang="ko-KR" sz="1200" dirty="0"/>
-              <a:t>. </a:t>
-            </a:r>
-          </a:p>
-          <a:p>
-            <a:pPr>
-              <a:buFont typeface="Arial" panose="020B0604020202020204" pitchFamily="34" charset="0"/>
-              <a:buChar char="•"/>
-            </a:pPr>
-            <a:r>
-              <a:rPr lang="ko-KR" altLang="en-US" sz="1200" dirty="0"/>
-              <a:t>이후 </a:t>
-            </a:r>
-            <a:r>
-              <a:rPr lang="en-US" altLang="ko-KR" sz="1200" dirty="0"/>
-              <a:t>git log, git status </a:t>
-            </a:r>
-            <a:r>
-              <a:rPr lang="ko-KR" altLang="en-US" sz="1200" dirty="0"/>
-              <a:t>명령으로 원격저장소의 </a:t>
-            </a:r>
-            <a:r>
-              <a:rPr lang="en-US" altLang="ko-KR" sz="1200" dirty="0"/>
-              <a:t>commit</a:t>
-            </a:r>
-            <a:r>
-              <a:rPr lang="ko-KR" altLang="en-US" sz="1200" dirty="0"/>
-              <a:t>과 로컬저장소의 </a:t>
-            </a:r>
-            <a:r>
-              <a:rPr lang="en-US" altLang="ko-KR" sz="1200" dirty="0"/>
-              <a:t>commit</a:t>
-            </a:r>
-            <a:r>
-              <a:rPr lang="ko-KR" altLang="en-US" sz="1200" dirty="0"/>
-              <a:t>을 확인한 후 </a:t>
-            </a:r>
-            <a:r>
-              <a:rPr lang="en-US" altLang="ko-KR" sz="1200" dirty="0"/>
-              <a:t>git merge</a:t>
-            </a:r>
-            <a:r>
-              <a:rPr lang="ko-KR" altLang="en-US" sz="1200" dirty="0"/>
-              <a:t>를 통해 병합할 수 있다</a:t>
-            </a:r>
-            <a:r>
-              <a:rPr lang="en-US" altLang="ko-KR" sz="1200" dirty="0"/>
-              <a:t>. </a:t>
-            </a:r>
-          </a:p>
-          <a:p>
-            <a:pPr>
-              <a:buFont typeface="Arial" panose="020B0604020202020204" pitchFamily="34" charset="0"/>
-              <a:buChar char="•"/>
-            </a:pPr>
-            <a:r>
-              <a:rPr lang="en-US" altLang="ko-KR" sz="1200" dirty="0"/>
-              <a:t>git pull </a:t>
-            </a:r>
-            <a:r>
-              <a:rPr lang="ko-KR" altLang="en-US" sz="1200" dirty="0"/>
-              <a:t>보다 신중한 진행이 가능하다</a:t>
+              <a:t>한다</a:t>
             </a:r>
             <a:r>
               <a:rPr lang="en-US" altLang="ko-KR" sz="1200" dirty="0"/>
               <a:t>.</a:t>
             </a:r>
-          </a:p>
-          <a:p>
-            <a:pPr marL="0" indent="0">
-              <a:buNone/>
-            </a:pPr>
-            <a:endParaRPr lang="en-US" altLang="ko-KR" sz="1200" dirty="0"/>
-          </a:p>
-          <a:p>
-            <a:pPr marL="0" indent="0">
-              <a:buNone/>
-            </a:pPr>
-            <a:r>
-              <a:rPr lang="en-US" altLang="ko-KR" sz="1200" b="1" dirty="0">
-                <a:solidFill>
-                  <a:srgbClr val="FFFF00"/>
-                </a:solidFill>
-              </a:rPr>
-              <a:t>$ git  fetch            </a:t>
-            </a:r>
-            <a:r>
-              <a:rPr lang="en-US" altLang="ko-KR" sz="1200" dirty="0"/>
-              <a:t>// </a:t>
-            </a:r>
-            <a:r>
-              <a:rPr lang="ko-KR" altLang="en-US" sz="1200" dirty="0"/>
-              <a:t>원격 저장소의 </a:t>
-            </a:r>
-            <a:r>
-              <a:rPr lang="en-US" altLang="ko-KR" sz="1200" dirty="0"/>
-              <a:t>commit </a:t>
-            </a:r>
-            <a:r>
-              <a:rPr lang="ko-KR" altLang="en-US" sz="1200" dirty="0"/>
-              <a:t>내용만 가져오고 반영하지 않는다</a:t>
-            </a:r>
-            <a:r>
-              <a:rPr lang="en-US" altLang="ko-KR" sz="1200" dirty="0"/>
-              <a:t>.  </a:t>
-            </a:r>
-            <a:r>
-              <a:rPr lang="ko-KR" altLang="en-US" sz="1200" dirty="0"/>
-              <a:t>이 경우 </a:t>
-            </a:r>
-            <a:r>
-              <a:rPr lang="en-US" altLang="ko-KR" sz="1200" dirty="0"/>
-              <a:t>URL </a:t>
-            </a:r>
-            <a:r>
-              <a:rPr lang="ko-KR" altLang="en-US" sz="1200" dirty="0"/>
-              <a:t>쓰지 않고 </a:t>
-            </a:r>
-            <a:r>
-              <a:rPr lang="en-US" altLang="ko-KR" sz="1200" dirty="0"/>
-              <a:t>“</a:t>
-            </a:r>
-            <a:r>
-              <a:rPr lang="ko-KR" altLang="en-US" sz="1200" dirty="0"/>
-              <a:t>원격저장소 이름</a:t>
-            </a:r>
-            <a:r>
-              <a:rPr lang="en-US" altLang="ko-KR" sz="1200" dirty="0"/>
-              <a:t>”</a:t>
-            </a:r>
-            <a:r>
-              <a:rPr lang="ko-KR" altLang="en-US" sz="1200" dirty="0"/>
-              <a:t> 써도 된다</a:t>
-            </a:r>
-            <a:r>
-              <a:rPr lang="en-US" altLang="ko-KR" sz="1200" dirty="0"/>
-              <a:t>. ($ git fetch origin)</a:t>
-            </a:r>
-          </a:p>
-          <a:p>
-            <a:pPr marL="0" indent="0">
-              <a:buNone/>
-            </a:pPr>
-            <a:r>
-              <a:rPr lang="en-US" altLang="ko-KR" sz="1200" b="1" dirty="0">
-                <a:solidFill>
-                  <a:srgbClr val="FFFF00"/>
-                </a:solidFill>
-              </a:rPr>
-              <a:t>$ git  log                </a:t>
-            </a:r>
-            <a:r>
-              <a:rPr lang="en-US" altLang="ko-KR" sz="1200" dirty="0"/>
-              <a:t>// HEAD -&gt; main, origin/main</a:t>
-            </a:r>
-            <a:r>
-              <a:rPr lang="ko-KR" altLang="en-US" sz="1200" dirty="0"/>
-              <a:t> 있는지 확인하여 </a:t>
-            </a:r>
-            <a:endParaRPr lang="en-US" altLang="ko-KR" sz="1200" dirty="0"/>
-          </a:p>
-          <a:p>
-            <a:pPr marL="0" indent="0">
-              <a:buNone/>
-            </a:pPr>
-            <a:r>
-              <a:rPr lang="en-US" altLang="ko-KR" sz="1200" b="1" dirty="0">
-                <a:solidFill>
-                  <a:srgbClr val="FFFF00"/>
-                </a:solidFill>
-              </a:rPr>
-              <a:t>$ git  status           </a:t>
-            </a:r>
-            <a:r>
-              <a:rPr lang="en-US" altLang="ko-KR" sz="1200" b="1" dirty="0"/>
-              <a:t> </a:t>
-            </a:r>
-            <a:r>
-              <a:rPr lang="en-US" altLang="ko-KR" sz="1200" dirty="0"/>
-              <a:t>// </a:t>
-            </a:r>
-            <a:r>
-              <a:rPr lang="ko-KR" altLang="en-US" sz="1200" dirty="0"/>
-              <a:t>로컬</a:t>
-            </a:r>
-            <a:r>
-              <a:rPr lang="en-US" altLang="ko-KR" sz="1200" dirty="0"/>
-              <a:t> </a:t>
-            </a:r>
-            <a:r>
-              <a:rPr lang="ko-KR" altLang="en-US" sz="1200" dirty="0"/>
-              <a:t>저장소의 </a:t>
-            </a:r>
-            <a:r>
-              <a:rPr lang="en-US" altLang="ko-KR" sz="1200" dirty="0"/>
-              <a:t>commit</a:t>
-            </a:r>
-            <a:r>
-              <a:rPr lang="ko-KR" altLang="en-US" sz="1200" dirty="0"/>
-              <a:t>과 원격저장소의 </a:t>
-            </a:r>
-            <a:r>
-              <a:rPr lang="en-US" altLang="ko-KR" sz="1200" dirty="0"/>
-              <a:t>commit</a:t>
-            </a:r>
-            <a:r>
-              <a:rPr lang="ko-KR" altLang="en-US" sz="1200" dirty="0"/>
-              <a:t>의 차이를 확인할 수 있다</a:t>
-            </a:r>
-            <a:r>
-              <a:rPr lang="en-US" altLang="ko-KR" sz="1200" dirty="0"/>
-              <a:t>.</a:t>
-            </a:r>
-          </a:p>
-          <a:p>
-            <a:pPr marL="0" indent="0">
-              <a:buNone/>
-            </a:pPr>
-            <a:r>
-              <a:rPr lang="en-US" altLang="ko-KR" sz="1200" b="1" dirty="0">
-                <a:solidFill>
-                  <a:srgbClr val="FFFF00"/>
-                </a:solidFill>
-              </a:rPr>
-              <a:t>$ git</a:t>
-            </a:r>
-            <a:r>
-              <a:rPr lang="ko-KR" altLang="en-US" sz="1200" b="1" dirty="0">
-                <a:solidFill>
-                  <a:srgbClr val="FFFF00"/>
-                </a:solidFill>
-              </a:rPr>
-              <a:t>  </a:t>
-            </a:r>
-            <a:r>
-              <a:rPr lang="en-US" altLang="ko-KR" sz="1200" b="1" dirty="0">
-                <a:solidFill>
-                  <a:srgbClr val="FFFF00"/>
-                </a:solidFill>
-              </a:rPr>
-              <a:t>merge</a:t>
-            </a:r>
-            <a:r>
-              <a:rPr lang="ko-KR" altLang="en-US" sz="1200" b="1" dirty="0">
-                <a:solidFill>
-                  <a:srgbClr val="FFFF00"/>
-                </a:solidFill>
-              </a:rPr>
-              <a:t>          </a:t>
-            </a:r>
-            <a:r>
-              <a:rPr lang="en-US" altLang="ko-KR" sz="1200" dirty="0"/>
-              <a:t>// git fetch</a:t>
-            </a:r>
-            <a:r>
-              <a:rPr lang="ko-KR" altLang="en-US" sz="1200" dirty="0"/>
-              <a:t> </a:t>
-            </a:r>
-            <a:r>
-              <a:rPr lang="en-US" altLang="ko-KR" sz="1200" dirty="0"/>
-              <a:t>+</a:t>
-            </a:r>
-            <a:r>
-              <a:rPr lang="ko-KR" altLang="en-US" sz="1200" dirty="0"/>
-              <a:t> </a:t>
-            </a:r>
-            <a:r>
-              <a:rPr lang="en-US" altLang="ko-KR" sz="1200" dirty="0"/>
-              <a:t>git merge = git pull,  !!!  merge </a:t>
-            </a:r>
-            <a:r>
-              <a:rPr lang="ko-KR" altLang="en-US" sz="1200" dirty="0"/>
-              <a:t>할 때 앞 페이지의 충돌 조건과 같은 상황이 발생할 수 있다</a:t>
-            </a:r>
-            <a:r>
-              <a:rPr lang="en-US" altLang="ko-KR" sz="1200" dirty="0"/>
-              <a:t>.</a:t>
-            </a:r>
-          </a:p>
-          <a:p>
-            <a:pPr marL="0" indent="0">
-              <a:buNone/>
-            </a:pPr>
-            <a:endParaRPr lang="en-US" altLang="ko-KR" sz="1200" dirty="0"/>
           </a:p>
         </p:txBody>
       </p:sp>
@@ -14146,7 +14800,7 @@
           <p:cNvPr id="4" name="슬라이드 번호 개체 틀 3">
             <a:extLst>
               <a:ext uri="{FF2B5EF4-FFF2-40B4-BE49-F238E27FC236}">
-                <a16:creationId xmlns:a16="http://schemas.microsoft.com/office/drawing/2014/main" id="{0E9AE45D-5CEC-D93A-BFDE-2057A799CDD3}"/>
+                <a16:creationId xmlns:a16="http://schemas.microsoft.com/office/drawing/2014/main" id="{96ACCF4C-7220-558E-2575-1F219828BA4E}"/>
               </a:ext>
             </a:extLst>
           </p:cNvPr>
@@ -14164,7 +14818,7 @@
           <a:p>
             <a:fld id="{D57F1E4F-1CFF-5643-939E-02111984F565}" type="slidenum">
               <a:rPr lang="en-US" smtClean="0"/>
-              <a:t>18</a:t>
+              <a:t>17</a:t>
             </a:fld>
             <a:endParaRPr lang="en-US" dirty="0"/>
           </a:p>
@@ -14173,7 +14827,7 @@
     </p:spTree>
     <p:extLst>
       <p:ext uri="{BB962C8B-B14F-4D97-AF65-F5344CB8AC3E}">
-        <p14:creationId xmlns:p14="http://schemas.microsoft.com/office/powerpoint/2010/main" val="3279209308"/>
+        <p14:creationId xmlns:p14="http://schemas.microsoft.com/office/powerpoint/2010/main" val="696800962"/>
       </p:ext>
     </p:extLst>
   </p:cSld>
@@ -14228,7 +14882,31 @@
           <a:p>
             <a:r>
               <a:rPr lang="en-US" altLang="ko-KR" sz="3600" dirty="0"/>
-              <a:t>Scenario 2-1</a:t>
+              <a:t>git  fetch</a:t>
+            </a:r>
+            <a:r>
+              <a:rPr lang="ko-KR" altLang="en-US" sz="3600" dirty="0"/>
+              <a:t>  </a:t>
+            </a:r>
+            <a:r>
+              <a:rPr lang="en-US" altLang="ko-KR" sz="3600" dirty="0"/>
+              <a:t>&amp;</a:t>
+            </a:r>
+            <a:r>
+              <a:rPr lang="ko-KR" altLang="en-US" sz="3600" dirty="0"/>
+              <a:t>  </a:t>
+            </a:r>
+            <a:r>
+              <a:rPr lang="en-US" altLang="ko-KR" sz="3600" dirty="0"/>
+              <a:t>git</a:t>
+            </a:r>
+            <a:r>
+              <a:rPr lang="ko-KR" altLang="en-US" sz="3600" dirty="0"/>
+              <a:t>  </a:t>
+            </a:r>
+            <a:r>
+              <a:rPr lang="en-US" altLang="ko-KR" sz="3600" dirty="0"/>
+              <a:t>merge</a:t>
             </a:r>
             <a:endParaRPr lang="ko-KR" altLang="en-US" sz="3600" dirty="0"/>
           </a:p>
@@ -14253,7 +14931,7 @@
         <p:spPr>
           <a:xfrm>
             <a:off x="645130" y="1474238"/>
-            <a:ext cx="11008805" cy="4774162"/>
+            <a:ext cx="11260731" cy="4774162"/>
           </a:xfrm>
         </p:spPr>
         <p:txBody>
@@ -14262,461 +14940,393 @@
           </a:bodyPr>
           <a:lstStyle/>
           <a:p>
-            <a:pPr marL="0" indent="0" fontAlgn="base">
-              <a:buNone/>
+            <a:pPr>
+              <a:buFont typeface="Arial" panose="020B0604020202020204" pitchFamily="34" charset="0"/>
+              <a:buChar char="•"/>
             </a:pPr>
             <a:r>
-              <a:rPr lang="en-US" altLang="ko-KR" sz="1400" b="1" dirty="0">
+              <a:rPr lang="ko-KR" altLang="en-US" sz="1200" dirty="0"/>
+              <a:t>원격 저장소를 이용하다 보면 다른 누군가 커밋할 경우가 있다</a:t>
+            </a:r>
+            <a:r>
+              <a:rPr lang="en-US" altLang="ko-KR" sz="1200" dirty="0"/>
+              <a:t>. </a:t>
+            </a:r>
+          </a:p>
+          <a:p>
+            <a:pPr>
+              <a:buFont typeface="Arial" panose="020B0604020202020204" pitchFamily="34" charset="0"/>
+              <a:buChar char="•"/>
+            </a:pPr>
+            <a:r>
+              <a:rPr lang="ko-KR" altLang="en-US" sz="1200" dirty="0"/>
+              <a:t>예를 들어</a:t>
+            </a:r>
+            <a:r>
+              <a:rPr lang="en-US" altLang="ko-KR" sz="1200" dirty="0"/>
+              <a:t>,</a:t>
+            </a:r>
+            <a:r>
+              <a:rPr lang="ko-KR" altLang="en-US" sz="1200" dirty="0"/>
+              <a:t> 내가 로컬 저장소에서 작업하는 도중 다른 협업자가 원격 저장소를 먼저 변경 할 수 있다</a:t>
+            </a:r>
+            <a:r>
+              <a:rPr lang="en-US" altLang="ko-KR" sz="1200" dirty="0"/>
+              <a:t>. </a:t>
+            </a:r>
+          </a:p>
+          <a:p>
+            <a:pPr>
+              <a:buFont typeface="Arial" panose="020B0604020202020204" pitchFamily="34" charset="0"/>
+              <a:buChar char="•"/>
+            </a:pPr>
+            <a:r>
+              <a:rPr lang="ko-KR" altLang="en-US" sz="1200" dirty="0"/>
+              <a:t>이런 경우 </a:t>
+            </a:r>
+            <a:r>
+              <a:rPr lang="en-US" altLang="ko-KR" sz="1200" dirty="0"/>
+              <a:t>git</a:t>
+            </a:r>
+            <a:r>
+              <a:rPr lang="ko-KR" altLang="en-US" sz="1200" dirty="0"/>
+              <a:t>은 </a:t>
+            </a:r>
+            <a:r>
+              <a:rPr lang="en-US" altLang="ko-KR" sz="1200" dirty="0"/>
+              <a:t>push</a:t>
+            </a:r>
+            <a:r>
+              <a:rPr lang="ko-KR" altLang="en-US" sz="1200" dirty="0"/>
+              <a:t>를 허용하지 않는데 </a:t>
+            </a:r>
+            <a:r>
+              <a:rPr lang="en-US" altLang="ko-KR" sz="1200" dirty="0"/>
+              <a:t>fetch </a:t>
+            </a:r>
+            <a:r>
+              <a:rPr lang="ko-KR" altLang="en-US" sz="1200" dirty="0"/>
+              <a:t>명령어를 사용하여 로컬 저장소의 </a:t>
+            </a:r>
+            <a:r>
+              <a:rPr lang="en-US" altLang="ko-KR" sz="1200" dirty="0"/>
+              <a:t>commit</a:t>
+            </a:r>
+            <a:r>
+              <a:rPr lang="ko-KR" altLang="en-US" sz="1200" dirty="0"/>
+              <a:t>들을 원격 저장소와 맞춰야 한다</a:t>
+            </a:r>
+            <a:r>
+              <a:rPr lang="en-US" altLang="ko-KR" sz="1200" dirty="0"/>
+              <a:t>.  </a:t>
+            </a:r>
+          </a:p>
+          <a:p>
+            <a:pPr>
+              <a:buFont typeface="Arial" panose="020B0604020202020204" pitchFamily="34" charset="0"/>
+              <a:buChar char="•"/>
+            </a:pPr>
+            <a:r>
+              <a:rPr lang="en-US" altLang="ko-KR" sz="1200" dirty="0"/>
+              <a:t>fetch</a:t>
+            </a:r>
+            <a:r>
+              <a:rPr lang="ko-KR" altLang="en-US" sz="1200" dirty="0"/>
+              <a:t>는 원격 저장소의 </a:t>
+            </a:r>
+            <a:r>
+              <a:rPr lang="en-US" altLang="ko-KR" sz="1200" dirty="0"/>
+              <a:t>commit</a:t>
+            </a:r>
+            <a:r>
+              <a:rPr lang="ko-KR" altLang="en-US" sz="1200" dirty="0"/>
+              <a:t>들을 로컬 저장소로 가져온다</a:t>
+            </a:r>
+            <a:r>
+              <a:rPr lang="en-US" altLang="ko-KR" sz="1200" dirty="0"/>
+              <a:t>. </a:t>
+            </a:r>
+          </a:p>
+          <a:p>
+            <a:pPr>
+              <a:buFont typeface="Arial" panose="020B0604020202020204" pitchFamily="34" charset="0"/>
+              <a:buChar char="•"/>
+            </a:pPr>
+            <a:r>
+              <a:rPr lang="ko-KR" altLang="en-US" sz="1200" dirty="0"/>
+              <a:t>이후 </a:t>
+            </a:r>
+            <a:r>
+              <a:rPr lang="en-US" altLang="ko-KR" sz="1200" dirty="0"/>
+              <a:t>git log, git status </a:t>
+            </a:r>
+            <a:r>
+              <a:rPr lang="ko-KR" altLang="en-US" sz="1200" dirty="0"/>
+              <a:t>명령으로 원격저장소의 </a:t>
+            </a:r>
+            <a:r>
+              <a:rPr lang="en-US" altLang="ko-KR" sz="1200" dirty="0"/>
+              <a:t>commit</a:t>
+            </a:r>
+            <a:r>
+              <a:rPr lang="ko-KR" altLang="en-US" sz="1200" dirty="0"/>
+              <a:t>과 로컬저장소의 </a:t>
+            </a:r>
+            <a:r>
+              <a:rPr lang="en-US" altLang="ko-KR" sz="1200" dirty="0"/>
+              <a:t>commit</a:t>
+            </a:r>
+            <a:r>
+              <a:rPr lang="ko-KR" altLang="en-US" sz="1200" dirty="0"/>
+              <a:t>을 확인한 후 </a:t>
+            </a:r>
+            <a:r>
+              <a:rPr lang="en-US" altLang="ko-KR" sz="1200" dirty="0"/>
+              <a:t>git merge</a:t>
+            </a:r>
+            <a:r>
+              <a:rPr lang="ko-KR" altLang="en-US" sz="1200" dirty="0"/>
+              <a:t>를 통해 병합할 수 있다</a:t>
+            </a:r>
+            <a:r>
+              <a:rPr lang="en-US" altLang="ko-KR" sz="1200" dirty="0"/>
+              <a:t>. </a:t>
+            </a:r>
+          </a:p>
+          <a:p>
+            <a:pPr>
+              <a:buFont typeface="Arial" panose="020B0604020202020204" pitchFamily="34" charset="0"/>
+              <a:buChar char="•"/>
+            </a:pPr>
+            <a:r>
+              <a:rPr lang="en-US" altLang="ko-KR" sz="1200" dirty="0"/>
+              <a:t>git pull </a:t>
+            </a:r>
+            <a:r>
+              <a:rPr lang="ko-KR" altLang="en-US" sz="1200" dirty="0"/>
+              <a:t>보다 신중한 진행이 가능하다</a:t>
+            </a:r>
+            <a:r>
+              <a:rPr lang="en-US" altLang="ko-KR" sz="1200" dirty="0"/>
+              <a:t>.</a:t>
+            </a:r>
+          </a:p>
+          <a:p>
+            <a:pPr marL="0" indent="0">
+              <a:buNone/>
+            </a:pPr>
+            <a:endParaRPr lang="en-US" altLang="ko-KR" sz="1200" dirty="0"/>
+          </a:p>
+          <a:p>
+            <a:pPr marL="0" indent="0">
+              <a:buNone/>
+            </a:pPr>
+            <a:r>
+              <a:rPr lang="en-US" altLang="ko-KR" sz="1200" b="1" dirty="0">
                 <a:solidFill>
                   <a:srgbClr val="FFFF00"/>
                 </a:solidFill>
               </a:rPr>
-              <a:t>** </a:t>
-            </a:r>
-            <a:r>
-              <a:rPr lang="ko-KR" altLang="en-US" sz="1400" b="1" dirty="0">
+              <a:t>$ git  fetch            </a:t>
+            </a:r>
+            <a:r>
+              <a:rPr lang="en-US" altLang="ko-KR" sz="1200" dirty="0"/>
+              <a:t>// </a:t>
+            </a:r>
+            <a:r>
+              <a:rPr lang="ko-KR" altLang="en-US" sz="1200" dirty="0"/>
+              <a:t>원격 저장소의 </a:t>
+            </a:r>
+            <a:r>
+              <a:rPr lang="en-US" altLang="ko-KR" sz="1200" dirty="0"/>
+              <a:t>commit </a:t>
+            </a:r>
+            <a:r>
+              <a:rPr lang="ko-KR" altLang="en-US" sz="1200" dirty="0"/>
+              <a:t>내용만 가져오고 반영하지 않는다</a:t>
+            </a:r>
+            <a:r>
+              <a:rPr lang="en-US" altLang="ko-KR" sz="1200" dirty="0"/>
+              <a:t>.  </a:t>
+            </a:r>
+            <a:r>
+              <a:rPr lang="ko-KR" altLang="en-US" sz="1200" dirty="0"/>
+              <a:t>이 경우 </a:t>
+            </a:r>
+            <a:r>
+              <a:rPr lang="en-US" altLang="ko-KR" sz="1200" dirty="0"/>
+              <a:t>URL </a:t>
+            </a:r>
+            <a:r>
+              <a:rPr lang="ko-KR" altLang="en-US" sz="1200" dirty="0"/>
+              <a:t>쓰지 않고 </a:t>
+            </a:r>
+            <a:r>
+              <a:rPr lang="en-US" altLang="ko-KR" sz="1200" dirty="0"/>
+              <a:t>“</a:t>
+            </a:r>
+            <a:r>
+              <a:rPr lang="ko-KR" altLang="en-US" sz="1200" dirty="0"/>
+              <a:t>원격저장소 이름</a:t>
+            </a:r>
+            <a:r>
+              <a:rPr lang="en-US" altLang="ko-KR" sz="1200" dirty="0"/>
+              <a:t>”</a:t>
+            </a:r>
+            <a:r>
+              <a:rPr lang="ko-KR" altLang="en-US" sz="1200" dirty="0"/>
+              <a:t> 써도 된다</a:t>
+            </a:r>
+            <a:r>
+              <a:rPr lang="en-US" altLang="ko-KR" sz="1200" dirty="0"/>
+              <a:t>. ($ git fetch origin)</a:t>
+            </a:r>
+          </a:p>
+          <a:p>
+            <a:pPr marL="0" indent="0">
+              <a:buNone/>
+            </a:pPr>
+            <a:r>
+              <a:rPr lang="en-US" altLang="ko-KR" sz="1200" b="1" dirty="0">
                 <a:solidFill>
                   <a:srgbClr val="FFFF00"/>
                 </a:solidFill>
               </a:rPr>
-              <a:t>각 시나리오에서 스텝별로 </a:t>
-            </a:r>
-            <a:r>
-              <a:rPr lang="en-US" altLang="ko-KR" sz="1400" b="1" dirty="0">
+              <a:t>$ git  log                </a:t>
+            </a:r>
+            <a:r>
+              <a:rPr lang="en-US" altLang="ko-KR" sz="1200" dirty="0"/>
+              <a:t>// HEAD -&gt; main, origin/main</a:t>
+            </a:r>
+            <a:r>
+              <a:rPr lang="ko-KR" altLang="en-US" sz="1200" dirty="0"/>
+              <a:t> 있는지 확인하여 </a:t>
+            </a:r>
+            <a:endParaRPr lang="en-US" altLang="ko-KR" sz="1200" dirty="0"/>
+          </a:p>
+          <a:p>
+            <a:pPr marL="0" indent="0">
+              <a:buNone/>
+            </a:pPr>
+            <a:r>
+              <a:rPr lang="en-US" altLang="ko-KR" sz="1200" b="1" dirty="0">
                 <a:solidFill>
                   <a:srgbClr val="FFFF00"/>
                 </a:solidFill>
               </a:rPr>
-              <a:t>git status, git log, git show, git tag </a:t>
-            </a:r>
-            <a:r>
-              <a:rPr lang="ko-KR" altLang="en-US" sz="1400" b="1" dirty="0">
+              <a:t>$ git  status           </a:t>
+            </a:r>
+            <a:r>
+              <a:rPr lang="en-US" altLang="ko-KR" sz="1200" b="1" dirty="0"/>
+              <a:t> </a:t>
+            </a:r>
+            <a:r>
+              <a:rPr lang="en-US" altLang="ko-KR" sz="1200" dirty="0"/>
+              <a:t>// </a:t>
+            </a:r>
+            <a:r>
+              <a:rPr lang="ko-KR" altLang="en-US" sz="1200" dirty="0"/>
+              <a:t>로컬</a:t>
+            </a:r>
+            <a:r>
+              <a:rPr lang="en-US" altLang="ko-KR" sz="1200" dirty="0"/>
+              <a:t> </a:t>
+            </a:r>
+            <a:r>
+              <a:rPr lang="ko-KR" altLang="en-US" sz="1200" dirty="0"/>
+              <a:t>저장소의 </a:t>
+            </a:r>
+            <a:r>
+              <a:rPr lang="en-US" altLang="ko-KR" sz="1200" dirty="0"/>
+              <a:t>commit</a:t>
+            </a:r>
+            <a:r>
+              <a:rPr lang="ko-KR" altLang="en-US" sz="1200" dirty="0"/>
+              <a:t>과 원격저장소의 </a:t>
+            </a:r>
+            <a:r>
+              <a:rPr lang="en-US" altLang="ko-KR" sz="1200" dirty="0"/>
+              <a:t>commit</a:t>
+            </a:r>
+            <a:r>
+              <a:rPr lang="ko-KR" altLang="en-US" sz="1200" dirty="0"/>
+              <a:t>의 차이를 확인할 수 있다</a:t>
+            </a:r>
+            <a:r>
+              <a:rPr lang="en-US" altLang="ko-KR" sz="1200" dirty="0"/>
+              <a:t>.</a:t>
+            </a:r>
+          </a:p>
+          <a:p>
+            <a:pPr marL="0" indent="0">
+              <a:buNone/>
+            </a:pPr>
+            <a:r>
+              <a:rPr lang="en-US" altLang="ko-KR" sz="1200" b="1" dirty="0">
                 <a:solidFill>
                   <a:srgbClr val="FFFF00"/>
                 </a:solidFill>
               </a:rPr>
-              <a:t>등 수행하여 내용 확인하며 진행 요망</a:t>
-            </a:r>
-            <a:r>
-              <a:rPr lang="en-US" altLang="ko-KR" sz="1400" b="1" dirty="0">
+              <a:t>$ git</a:t>
+            </a:r>
+            <a:r>
+              <a:rPr lang="ko-KR" altLang="en-US" sz="1200" b="1" dirty="0">
                 <a:solidFill>
                   <a:srgbClr val="FFFF00"/>
                 </a:solidFill>
               </a:rPr>
+              <a:t>  </a:t>
+            </a:r>
+            <a:r>
+              <a:rPr lang="en-US" altLang="ko-KR" sz="1200" b="1" dirty="0">
+                <a:solidFill>
+                  <a:srgbClr val="FFFF00"/>
+                </a:solidFill>
+              </a:rPr>
+              <a:t>merge</a:t>
+            </a:r>
+            <a:r>
+              <a:rPr lang="ko-KR" altLang="en-US" sz="1200" b="1" dirty="0">
+                <a:solidFill>
+                  <a:srgbClr val="FFFF00"/>
+                </a:solidFill>
+              </a:rPr>
+              <a:t>          </a:t>
+            </a:r>
+            <a:r>
+              <a:rPr lang="en-US" altLang="ko-KR" sz="1200" dirty="0"/>
+              <a:t>// git fetch</a:t>
+            </a:r>
+            <a:r>
+              <a:rPr lang="ko-KR" altLang="en-US" sz="1200" dirty="0"/>
+              <a:t> </a:t>
+            </a:r>
+            <a:r>
+              <a:rPr lang="en-US" altLang="ko-KR" sz="1200" dirty="0"/>
+              <a:t>+</a:t>
+            </a:r>
+            <a:r>
+              <a:rPr lang="ko-KR" altLang="en-US" sz="1200" dirty="0"/>
+              <a:t> </a:t>
+            </a:r>
+            <a:r>
+              <a:rPr lang="en-US" altLang="ko-KR" sz="1200" dirty="0"/>
+              <a:t>git merge = git pull,  !!!  merge </a:t>
+            </a:r>
+            <a:r>
+              <a:rPr lang="ko-KR" altLang="en-US" sz="1200" dirty="0"/>
+              <a:t>할 때 앞 페이지의 충돌 조건과 같은 상황이 발생할 수 있다</a:t>
+            </a:r>
+            <a:r>
+              <a:rPr lang="en-US" altLang="ko-KR" sz="1200" dirty="0"/>
               <a:t>.</a:t>
             </a:r>
-            <a:r>
-              <a:rPr lang="ko-KR" altLang="en-US" sz="1400" b="1" dirty="0">
-                <a:solidFill>
-                  <a:srgbClr val="FFFF00"/>
-                </a:solidFill>
-              </a:rPr>
-              <a:t> </a:t>
-            </a:r>
-            <a:endParaRPr lang="en-US" altLang="ko-KR" sz="1400" b="1" dirty="0">
-              <a:solidFill>
-                <a:srgbClr val="FFFF00"/>
-              </a:solidFill>
-            </a:endParaRPr>
-          </a:p>
-          <a:p>
-            <a:pPr fontAlgn="base">
-              <a:buFont typeface="+mj-lt"/>
-              <a:buAutoNum type="arabicPeriod"/>
+          </a:p>
+          <a:p>
+            <a:pPr marL="0" indent="0">
+              <a:buNone/>
             </a:pPr>
-            <a:r>
-              <a:rPr lang="ko-KR" altLang="en-US" sz="1400" b="1" dirty="0"/>
-              <a:t>앞선 실습에서 만든 </a:t>
-            </a:r>
-            <a:r>
-              <a:rPr lang="en-US" altLang="ko-KR" sz="1400" b="1" dirty="0"/>
-              <a:t>gitTest01</a:t>
-            </a:r>
-            <a:r>
-              <a:rPr lang="ko-KR" altLang="en-US" sz="1400" b="1" dirty="0"/>
-              <a:t>과 같은 레벨에 </a:t>
-            </a:r>
-            <a:r>
-              <a:rPr lang="en-US" altLang="ko-KR" sz="1400" b="1" dirty="0"/>
-              <a:t>gitTest02 </a:t>
-            </a:r>
-            <a:r>
-              <a:rPr lang="ko-KR" altLang="en-US" sz="1400" b="1" dirty="0"/>
-              <a:t>폴더를 생성한다</a:t>
-            </a:r>
-            <a:r>
-              <a:rPr lang="en-US" altLang="ko-KR" sz="1400" b="1" dirty="0"/>
-              <a:t>.</a:t>
-            </a:r>
-          </a:p>
-          <a:p>
-            <a:pPr fontAlgn="base">
-              <a:buFont typeface="+mj-lt"/>
-              <a:buAutoNum type="arabicPeriod"/>
-            </a:pPr>
-            <a:r>
-              <a:rPr lang="en-US" altLang="ko-KR" sz="1400" b="1" dirty="0"/>
-              <a:t>$ git </a:t>
-            </a:r>
-            <a:r>
-              <a:rPr lang="en-US" altLang="ko-KR" sz="1400" b="1" dirty="0" err="1"/>
-              <a:t>init</a:t>
-            </a:r>
-            <a:r>
-              <a:rPr lang="ko-KR" altLang="en-US" sz="1400" b="1" dirty="0"/>
-              <a:t>으로 새로운 저장소와 </a:t>
-            </a:r>
-            <a:r>
-              <a:rPr lang="en-US" altLang="ko-KR" sz="1400" b="1" dirty="0"/>
-              <a:t>main Branch</a:t>
-            </a:r>
-            <a:r>
-              <a:rPr lang="ko-KR" altLang="en-US" sz="1400" b="1" dirty="0"/>
-              <a:t>를 생성한다</a:t>
-            </a:r>
-            <a:r>
-              <a:rPr lang="en-US" altLang="ko-KR" sz="1400" b="1" dirty="0"/>
-              <a:t>.</a:t>
-            </a:r>
-          </a:p>
-          <a:p>
-            <a:pPr fontAlgn="base">
-              <a:buFont typeface="+mj-lt"/>
-              <a:buAutoNum type="arabicPeriod"/>
-            </a:pPr>
-            <a:r>
-              <a:rPr lang="en-US" altLang="ko-KR" sz="1400" b="1" dirty="0"/>
-              <a:t>$</a:t>
-            </a:r>
-            <a:r>
-              <a:rPr lang="ko-KR" altLang="en-US" sz="1400" b="1" dirty="0"/>
-              <a:t> </a:t>
-            </a:r>
-            <a:r>
-              <a:rPr lang="en-US" altLang="ko-KR" sz="1400" b="1" dirty="0"/>
-              <a:t>git</a:t>
-            </a:r>
-            <a:r>
-              <a:rPr lang="ko-KR" altLang="en-US" sz="1400" b="1" dirty="0"/>
-              <a:t> </a:t>
-            </a:r>
-            <a:r>
-              <a:rPr lang="en-US" altLang="ko-KR" sz="1400" b="1" dirty="0"/>
-              <a:t>clone &lt;</a:t>
-            </a:r>
-            <a:r>
-              <a:rPr lang="ko-KR" altLang="en-US" sz="1400" b="1" dirty="0"/>
-              <a:t>원격저장소 </a:t>
-            </a:r>
-            <a:r>
-              <a:rPr lang="en-US" altLang="ko-KR" sz="1400" b="1" dirty="0"/>
-              <a:t>URL&gt; </a:t>
-            </a:r>
-            <a:r>
-              <a:rPr lang="ko-KR" altLang="en-US" sz="1400" b="1" dirty="0"/>
-              <a:t>명령으로 원격저장소에 저장된 파일들을 새로 만든 로컬 저장소 즉</a:t>
-            </a:r>
-            <a:r>
-              <a:rPr lang="en-US" altLang="ko-KR" sz="1400" b="1" dirty="0"/>
-              <a:t>, gitTest02</a:t>
-            </a:r>
-            <a:r>
-              <a:rPr lang="ko-KR" altLang="en-US" sz="1400" b="1" dirty="0"/>
-              <a:t>로 복제한다</a:t>
-            </a:r>
-            <a:r>
-              <a:rPr lang="en-US" altLang="ko-KR" sz="1400" b="1" dirty="0"/>
-              <a:t>.</a:t>
-            </a:r>
-          </a:p>
-          <a:p>
-            <a:pPr fontAlgn="base">
-              <a:buFont typeface="+mj-lt"/>
-              <a:buAutoNum type="arabicPeriod"/>
-            </a:pPr>
-            <a:r>
-              <a:rPr lang="ko-KR" altLang="en-US" sz="1400" b="1" dirty="0"/>
-              <a:t>이제 로컬 저장소는 </a:t>
-            </a:r>
-            <a:r>
-              <a:rPr lang="en-US" altLang="ko-KR" sz="1400" b="1" dirty="0"/>
-              <a:t>2</a:t>
-            </a:r>
-            <a:r>
-              <a:rPr lang="ko-KR" altLang="en-US" sz="1400" b="1" dirty="0"/>
-              <a:t>개로 </a:t>
-            </a:r>
-            <a:r>
-              <a:rPr lang="en-US" altLang="ko-KR" sz="1400" b="1" dirty="0"/>
-              <a:t>gitTest01</a:t>
-            </a:r>
-            <a:r>
-              <a:rPr lang="ko-KR" altLang="en-US" sz="1400" b="1" dirty="0"/>
-              <a:t>과 </a:t>
-            </a:r>
-            <a:r>
-              <a:rPr lang="en-US" altLang="ko-KR" sz="1400" b="1" dirty="0"/>
-              <a:t>gitTest02</a:t>
-            </a:r>
-            <a:r>
-              <a:rPr lang="ko-KR" altLang="en-US" sz="1400" b="1" dirty="0"/>
-              <a:t>가 자신의 </a:t>
-            </a:r>
-            <a:r>
-              <a:rPr lang="en-US" altLang="ko-KR" sz="1400" b="1" dirty="0"/>
-              <a:t>PC</a:t>
-            </a:r>
-            <a:r>
-              <a:rPr lang="ko-KR" altLang="en-US" sz="1400" b="1" dirty="0"/>
-              <a:t>에 저장되어 있는 것을 이해한다</a:t>
-            </a:r>
-            <a:r>
-              <a:rPr lang="en-US" altLang="ko-KR" sz="1400" b="1" dirty="0"/>
-              <a:t>.</a:t>
-            </a:r>
-          </a:p>
-          <a:p>
-            <a:pPr fontAlgn="base">
-              <a:buFont typeface="+mj-lt"/>
-              <a:buAutoNum type="arabicPeriod"/>
-            </a:pPr>
-            <a:r>
-              <a:rPr lang="en-US" altLang="ko-KR" sz="1400" b="1" dirty="0"/>
-              <a:t>gitTest02 </a:t>
-            </a:r>
-            <a:r>
-              <a:rPr lang="ko-KR" altLang="en-US" sz="1400" b="1" dirty="0"/>
-              <a:t>폴더에 있는 저장소에서 </a:t>
-            </a:r>
-            <a:r>
-              <a:rPr lang="en-US" altLang="ko-KR" sz="1400" b="1" dirty="0"/>
-              <a:t>racos.txt </a:t>
-            </a:r>
-            <a:r>
-              <a:rPr lang="ko-KR" altLang="en-US" sz="1400" b="1" dirty="0"/>
-              <a:t>파일의 내용을 </a:t>
-            </a:r>
-            <a:r>
-              <a:rPr lang="en-US" altLang="ko-KR" sz="1400" b="1" dirty="0"/>
-              <a:t>“1-4”</a:t>
-            </a:r>
-            <a:r>
-              <a:rPr lang="ko-KR" altLang="en-US" sz="1400" b="1" dirty="0"/>
-              <a:t>로 수정하고 저장한다</a:t>
-            </a:r>
-            <a:r>
-              <a:rPr lang="en-US" altLang="ko-KR" sz="1400" b="1" dirty="0"/>
-              <a:t>.</a:t>
-            </a:r>
-          </a:p>
-          <a:p>
-            <a:pPr fontAlgn="base">
-              <a:buFont typeface="+mj-lt"/>
-              <a:buAutoNum type="arabicPeriod"/>
-            </a:pPr>
-            <a:r>
-              <a:rPr lang="en-US" altLang="ko-KR" sz="1400" b="1" dirty="0"/>
-              <a:t>$ git</a:t>
-            </a:r>
-            <a:r>
-              <a:rPr lang="ko-KR" altLang="en-US" sz="1400" b="1" dirty="0"/>
-              <a:t> </a:t>
-            </a:r>
-            <a:r>
-              <a:rPr lang="en-US" altLang="ko-KR" sz="1400" b="1" dirty="0"/>
-              <a:t>add</a:t>
-            </a:r>
-            <a:r>
-              <a:rPr lang="ko-KR" altLang="en-US" sz="1400" b="1" dirty="0"/>
-              <a:t> </a:t>
-            </a:r>
-            <a:r>
-              <a:rPr lang="en-US" altLang="ko-KR" sz="1400" b="1" dirty="0"/>
-              <a:t>racos.txt  -&gt;  $ git</a:t>
-            </a:r>
-            <a:r>
-              <a:rPr lang="ko-KR" altLang="en-US" sz="1400" b="1" dirty="0"/>
-              <a:t> </a:t>
-            </a:r>
-            <a:r>
-              <a:rPr lang="en-US" altLang="ko-KR" sz="1400" b="1" dirty="0"/>
-              <a:t>commit</a:t>
-            </a:r>
-            <a:r>
-              <a:rPr lang="ko-KR" altLang="en-US" sz="1400" b="1" dirty="0"/>
-              <a:t> </a:t>
-            </a:r>
-            <a:r>
-              <a:rPr lang="en-US" altLang="ko-KR" sz="1400" b="1" dirty="0"/>
-              <a:t>–m</a:t>
-            </a:r>
-            <a:r>
-              <a:rPr lang="ko-KR" altLang="en-US" sz="1400" b="1" dirty="0"/>
-              <a:t> </a:t>
-            </a:r>
-            <a:r>
-              <a:rPr lang="en-US" altLang="ko-KR" sz="1400" b="1" dirty="0"/>
-              <a:t>“</a:t>
-            </a:r>
-            <a:r>
-              <a:rPr lang="ko-KR" altLang="en-US" sz="1400" b="1" dirty="0"/>
-              <a:t>이것은 </a:t>
-            </a:r>
-            <a:r>
-              <a:rPr lang="en-US" altLang="ko-KR" sz="1400" b="1" dirty="0"/>
-              <a:t>gitTest02</a:t>
-            </a:r>
-            <a:r>
-              <a:rPr lang="ko-KR" altLang="en-US" sz="1400" b="1" dirty="0"/>
-              <a:t>에서 </a:t>
-            </a:r>
-            <a:r>
-              <a:rPr lang="en-US" altLang="ko-KR" sz="1400" b="1" dirty="0"/>
-              <a:t>commit</a:t>
-            </a:r>
-            <a:r>
-              <a:rPr lang="ko-KR" altLang="en-US" sz="1400" b="1" dirty="0"/>
-              <a:t>한 </a:t>
-            </a:r>
-            <a:r>
-              <a:rPr lang="en-US" altLang="ko-KR" sz="1400" b="1" dirty="0"/>
-              <a:t>1-4 </a:t>
-            </a:r>
-            <a:r>
-              <a:rPr lang="ko-KR" altLang="en-US" sz="1400" b="1" dirty="0"/>
-              <a:t>입니다</a:t>
-            </a:r>
-            <a:r>
-              <a:rPr lang="en-US" altLang="ko-KR" sz="1400" b="1" dirty="0"/>
-              <a:t>” -&gt; $ git push origin main</a:t>
-            </a:r>
-          </a:p>
-          <a:p>
-            <a:pPr fontAlgn="base">
-              <a:buFont typeface="+mj-lt"/>
-              <a:buAutoNum type="arabicPeriod"/>
-            </a:pPr>
-            <a:r>
-              <a:rPr lang="en-US" altLang="ko-KR" sz="1400" b="1" dirty="0"/>
-              <a:t>$ git log </a:t>
-            </a:r>
-            <a:r>
-              <a:rPr lang="ko-KR" altLang="en-US" sz="1400" b="1" dirty="0"/>
-              <a:t>명령으로 전체 </a:t>
-            </a:r>
-            <a:r>
-              <a:rPr lang="en-US" altLang="ko-KR" sz="1400" b="1" dirty="0"/>
-              <a:t>commit </a:t>
-            </a:r>
-            <a:r>
-              <a:rPr lang="ko-KR" altLang="en-US" sz="1400" b="1" dirty="0"/>
-              <a:t>된 로그를 확인한다</a:t>
-            </a:r>
-            <a:r>
-              <a:rPr lang="en-US" altLang="ko-KR" sz="1400" b="1" dirty="0"/>
-              <a:t>.</a:t>
-            </a:r>
-          </a:p>
-          <a:p>
-            <a:pPr fontAlgn="base">
-              <a:buFont typeface="+mj-lt"/>
-              <a:buAutoNum type="arabicPeriod"/>
-            </a:pPr>
-            <a:r>
-              <a:rPr lang="en-US" altLang="ko-KR" sz="1400" b="1" dirty="0"/>
-              <a:t>gitTest01 </a:t>
-            </a:r>
-            <a:r>
-              <a:rPr lang="ko-KR" altLang="en-US" sz="1400" b="1" dirty="0"/>
-              <a:t>폴더로 이동</a:t>
-            </a:r>
-            <a:r>
-              <a:rPr lang="en-US" altLang="ko-KR" sz="1400" b="1" dirty="0"/>
-              <a:t>(</a:t>
-            </a:r>
-            <a:r>
-              <a:rPr lang="ko-KR" altLang="en-US" sz="1400" b="1" dirty="0"/>
-              <a:t>저장소 변경</a:t>
-            </a:r>
-            <a:r>
-              <a:rPr lang="en-US" altLang="ko-KR" sz="1400" b="1" dirty="0"/>
-              <a:t>)</a:t>
-            </a:r>
-            <a:r>
-              <a:rPr lang="ko-KR" altLang="en-US" sz="1400" b="1" dirty="0"/>
-              <a:t>한다</a:t>
-            </a:r>
-            <a:r>
-              <a:rPr lang="en-US" altLang="ko-KR" sz="1400" b="1" dirty="0"/>
-              <a:t>.</a:t>
-            </a:r>
-          </a:p>
-          <a:p>
-            <a:pPr fontAlgn="base">
-              <a:buFont typeface="+mj-lt"/>
-              <a:buAutoNum type="arabicPeriod"/>
-            </a:pPr>
-            <a:r>
-              <a:rPr lang="en-US" altLang="ko-KR" sz="1400" b="1" dirty="0"/>
-              <a:t>$ git pull origin main </a:t>
-            </a:r>
-            <a:r>
-              <a:rPr lang="ko-KR" altLang="en-US" sz="1400" b="1" dirty="0"/>
-              <a:t>명령으로 원격저장소 파일을 로컬저장소로 </a:t>
-            </a:r>
-            <a:r>
-              <a:rPr lang="en-US" altLang="ko-KR" sz="1400" b="1" dirty="0"/>
-              <a:t>fetch</a:t>
-            </a:r>
-            <a:r>
-              <a:rPr lang="ko-KR" altLang="en-US" sz="1400" b="1" dirty="0"/>
-              <a:t> 및 </a:t>
-            </a:r>
-            <a:r>
-              <a:rPr lang="en-US" altLang="ko-KR" sz="1400" b="1" dirty="0"/>
-              <a:t>merge</a:t>
-            </a:r>
-            <a:r>
-              <a:rPr lang="ko-KR" altLang="en-US" sz="1400" b="1" dirty="0"/>
-              <a:t>한다</a:t>
-            </a:r>
-            <a:r>
-              <a:rPr lang="en-US" altLang="ko-KR" sz="1400" b="1" dirty="0"/>
-              <a:t>.</a:t>
-            </a:r>
-          </a:p>
-          <a:p>
-            <a:pPr fontAlgn="base">
-              <a:buFont typeface="+mj-lt"/>
-              <a:buAutoNum type="arabicPeriod"/>
-            </a:pPr>
-            <a:r>
-              <a:rPr lang="en-US" altLang="ko-KR" sz="1400" b="1" dirty="0"/>
-              <a:t>racos.txt </a:t>
-            </a:r>
-            <a:r>
-              <a:rPr lang="ko-KR" altLang="en-US" sz="1400" b="1" dirty="0"/>
-              <a:t>파일의 첫번재 줄</a:t>
-            </a:r>
-            <a:r>
-              <a:rPr lang="en-US" altLang="ko-KR" sz="1400" b="1" dirty="0"/>
-              <a:t> </a:t>
-            </a:r>
-            <a:r>
-              <a:rPr lang="ko-KR" altLang="en-US" sz="1400" b="1" dirty="0"/>
-              <a:t>부분에 저장되어 있는 내용은 무엇인가</a:t>
-            </a:r>
-            <a:r>
-              <a:rPr lang="en-US" altLang="ko-KR" sz="1400" b="1" dirty="0"/>
-              <a:t>?</a:t>
-            </a:r>
-          </a:p>
-          <a:p>
-            <a:pPr fontAlgn="base">
-              <a:buFont typeface="+mj-lt"/>
-              <a:buAutoNum type="arabicPeriod"/>
-            </a:pPr>
-            <a:endParaRPr lang="en-US" altLang="ko-KR" sz="1400" b="1" dirty="0"/>
+            <a:endParaRPr lang="en-US" altLang="ko-KR" sz="1200" dirty="0"/>
           </a:p>
         </p:txBody>
       </p:sp>
@@ -14725,7 +15335,7 @@
           <p:cNvPr id="4" name="슬라이드 번호 개체 틀 3">
             <a:extLst>
               <a:ext uri="{FF2B5EF4-FFF2-40B4-BE49-F238E27FC236}">
-                <a16:creationId xmlns:a16="http://schemas.microsoft.com/office/drawing/2014/main" id="{9AE2D432-D735-54A6-A34B-5928BD992072}"/>
+                <a16:creationId xmlns:a16="http://schemas.microsoft.com/office/drawing/2014/main" id="{0E9AE45D-5CEC-D93A-BFDE-2057A799CDD3}"/>
               </a:ext>
             </a:extLst>
           </p:cNvPr>
@@ -14743,7 +15353,7 @@
           <a:p>
             <a:fld id="{D57F1E4F-1CFF-5643-939E-02111984F565}" type="slidenum">
               <a:rPr lang="en-US" smtClean="0"/>
-              <a:t>19</a:t>
+              <a:t>18</a:t>
             </a:fld>
             <a:endParaRPr lang="en-US" dirty="0"/>
           </a:p>
@@ -14752,7 +15362,7 @@
     </p:spTree>
     <p:extLst>
       <p:ext uri="{BB962C8B-B14F-4D97-AF65-F5344CB8AC3E}">
-        <p14:creationId xmlns:p14="http://schemas.microsoft.com/office/powerpoint/2010/main" val="382339229"/>
+        <p14:creationId xmlns:p14="http://schemas.microsoft.com/office/powerpoint/2010/main" val="3279209308"/>
       </p:ext>
     </p:extLst>
   </p:cSld>
@@ -15091,7 +15701,7 @@
           <a:p>
             <a:fld id="{D57F1E4F-1CFF-5643-939E-02111984F565}" type="slidenum">
               <a:rPr lang="en-US" smtClean="0"/>
-              <a:t>2</a:t>
+              <a:t>1</a:t>
             </a:fld>
             <a:endParaRPr lang="en-US" dirty="0"/>
           </a:p>
@@ -15155,7 +15765,7 @@
           <a:p>
             <a:r>
               <a:rPr lang="en-US" altLang="ko-KR" sz="3600" dirty="0"/>
-              <a:t>Scenario 2-2</a:t>
+              <a:t>Scenario 2-1</a:t>
             </a:r>
             <a:endParaRPr lang="ko-KR" altLang="en-US" sz="3600" dirty="0"/>
           </a:p>
@@ -15252,28 +15862,24 @@
               <a:buAutoNum type="arabicPeriod"/>
             </a:pPr>
             <a:r>
+              <a:rPr lang="ko-KR" altLang="en-US" sz="1400" b="1" dirty="0"/>
+              <a:t>앞선 실습에서 만든 </a:t>
+            </a:r>
+            <a:r>
+              <a:rPr lang="en-US" altLang="ko-KR" sz="1400" b="1" dirty="0"/>
+              <a:t>gitTest01</a:t>
+            </a:r>
+            <a:r>
+              <a:rPr lang="ko-KR" altLang="en-US" sz="1400" b="1" dirty="0"/>
+              <a:t>과 같은 레벨에 </a:t>
+            </a:r>
+            <a:r>
               <a:rPr lang="en-US" altLang="ko-KR" sz="1400" b="1" dirty="0"/>
               <a:t>gitTest02 </a:t>
             </a:r>
             <a:r>
               <a:rPr lang="ko-KR" altLang="en-US" sz="1400" b="1" dirty="0"/>
-              <a:t>폴더에 있는 저장소에서 </a:t>
-            </a:r>
-            <a:r>
-              <a:rPr lang="en-US" altLang="ko-KR" sz="1400" b="1" dirty="0"/>
-              <a:t>racos.txt </a:t>
-            </a:r>
-            <a:r>
-              <a:rPr lang="ko-KR" altLang="en-US" sz="1400" b="1" dirty="0"/>
-              <a:t>파일의 내용을 </a:t>
-            </a:r>
-            <a:r>
-              <a:rPr lang="en-US" altLang="ko-KR" sz="1400" b="1" dirty="0"/>
-              <a:t>“1-5”</a:t>
-            </a:r>
-            <a:r>
-              <a:rPr lang="ko-KR" altLang="en-US" sz="1400" b="1" dirty="0"/>
-              <a:t>로 수정하고 저장한다</a:t>
+              <a:t>폴더를 생성한다</a:t>
             </a:r>
             <a:r>
               <a:rPr lang="en-US" altLang="ko-KR" sz="1400" b="1" dirty="0"/>
@@ -15287,79 +15893,27 @@
             </a:pPr>
             <a:r>
               <a:rPr lang="en-US" altLang="ko-KR" sz="1400" b="1" dirty="0"/>
-              <a:t>$ git</a:t>
+              <a:t>$ git </a:t>
+            </a:r>
+            <a:r>
+              <a:rPr lang="en-US" altLang="ko-KR" sz="1400" b="1" dirty="0" err="1"/>
+              <a:t>init</a:t>
             </a:r>
             <a:r>
               <a:rPr lang="ko-KR" altLang="en-US" sz="1400" b="1" dirty="0"/>
-              <a:t> </a:t>
+              <a:t>으로 새로운 저장소와 </a:t>
             </a:r>
             <a:r>
               <a:rPr lang="en-US" altLang="ko-KR" sz="1400" b="1" dirty="0"/>
-              <a:t>add</a:t>
+              <a:t>main Branch</a:t>
             </a:r>
             <a:r>
               <a:rPr lang="ko-KR" altLang="en-US" sz="1400" b="1" dirty="0"/>
-              <a:t> </a:t>
+              <a:t>를 생성한다</a:t>
             </a:r>
             <a:r>
               <a:rPr lang="en-US" altLang="ko-KR" sz="1400" b="1" dirty="0"/>
-              <a:t>racos.txt  -&gt;  $ git</a:t>
-            </a:r>
-            <a:r>
-              <a:rPr lang="ko-KR" altLang="en-US" sz="1400" b="1" dirty="0"/>
-              <a:t> </a:t>
-            </a:r>
-            <a:r>
-              <a:rPr lang="en-US" altLang="ko-KR" sz="1400" b="1" dirty="0"/>
-              <a:t>commit</a:t>
-            </a:r>
-            <a:r>
-              <a:rPr lang="ko-KR" altLang="en-US" sz="1400" b="1" dirty="0"/>
-              <a:t> </a:t>
-            </a:r>
-            <a:r>
-              <a:rPr lang="en-US" altLang="ko-KR" sz="1400" b="1" dirty="0"/>
-              <a:t>–m</a:t>
-            </a:r>
-            <a:r>
-              <a:rPr lang="ko-KR" altLang="en-US" sz="1400" b="1" dirty="0"/>
-              <a:t> </a:t>
-            </a:r>
-            <a:r>
-              <a:rPr lang="en-US" altLang="ko-KR" sz="1400" b="1" dirty="0"/>
-              <a:t>“</a:t>
-            </a:r>
-            <a:r>
-              <a:rPr lang="ko-KR" altLang="en-US" sz="1400" b="1" dirty="0"/>
-              <a:t>이것은 </a:t>
-            </a:r>
-            <a:r>
-              <a:rPr lang="en-US" altLang="ko-KR" sz="1400" b="1" dirty="0"/>
-              <a:t>gitTest02</a:t>
-            </a:r>
-            <a:r>
-              <a:rPr lang="ko-KR" altLang="en-US" sz="1400" b="1" dirty="0"/>
-              <a:t>에서 </a:t>
-            </a:r>
-            <a:r>
-              <a:rPr lang="en-US" altLang="ko-KR" sz="1400" b="1" dirty="0"/>
-              <a:t>commit</a:t>
-            </a:r>
-            <a:r>
-              <a:rPr lang="ko-KR" altLang="en-US" sz="1400" b="1" dirty="0"/>
-              <a:t>한 </a:t>
-            </a:r>
-            <a:r>
-              <a:rPr lang="en-US" altLang="ko-KR" sz="1400" b="1" dirty="0"/>
-              <a:t>1-5 </a:t>
-            </a:r>
-            <a:r>
-              <a:rPr lang="ko-KR" altLang="en-US" sz="1400" b="1" dirty="0"/>
-              <a:t>입니다</a:t>
-            </a:r>
-            <a:r>
-              <a:rPr lang="en-US" altLang="ko-KR" sz="1400" b="1" dirty="0"/>
-              <a:t>” -&gt; $ git push origin main</a:t>
+              <a:t>.</a:t>
             </a:r>
           </a:p>
           <a:p>
@@ -15369,19 +15923,43 @@
             </a:pPr>
             <a:r>
               <a:rPr lang="en-US" altLang="ko-KR" sz="1400" b="1" dirty="0"/>
-              <a:t>$ git log </a:t>
+              <a:t>$</a:t>
             </a:r>
             <a:r>
               <a:rPr lang="ko-KR" altLang="en-US" sz="1400" b="1" dirty="0"/>
-              <a:t>명령으로 전체 </a:t>
+              <a:t> </a:t>
             </a:r>
             <a:r>
               <a:rPr lang="en-US" altLang="ko-KR" sz="1400" b="1" dirty="0"/>
-              <a:t>commit </a:t>
+              <a:t>git</a:t>
             </a:r>
             <a:r>
               <a:rPr lang="ko-KR" altLang="en-US" sz="1400" b="1" dirty="0"/>
-              <a:t>된 로그를 확인한다</a:t>
+              <a:t> </a:t>
+            </a:r>
+            <a:r>
+              <a:rPr lang="en-US" altLang="ko-KR" sz="1400" b="1" dirty="0"/>
+              <a:t>clone &lt;</a:t>
+            </a:r>
+            <a:r>
+              <a:rPr lang="ko-KR" altLang="en-US" sz="1400" b="1" dirty="0"/>
+              <a:t>원격저장소 </a:t>
+            </a:r>
+            <a:r>
+              <a:rPr lang="en-US" altLang="ko-KR" sz="1400" b="1" dirty="0"/>
+              <a:t>URL&gt; </a:t>
+            </a:r>
+            <a:r>
+              <a:rPr lang="ko-KR" altLang="en-US" sz="1400" b="1" dirty="0"/>
+              <a:t>명령으로 원격저장소에 저장된 파일들을 새로 만든 로컬 저장소 즉</a:t>
+            </a:r>
+            <a:r>
+              <a:rPr lang="en-US" altLang="ko-KR" sz="1400" b="1" dirty="0"/>
+              <a:t>, gitTest02</a:t>
+            </a:r>
+            <a:r>
+              <a:rPr lang="ko-KR" altLang="en-US" sz="1400" b="1" dirty="0"/>
+              <a:t>로 복제한다</a:t>
             </a:r>
             <a:r>
               <a:rPr lang="en-US" altLang="ko-KR" sz="1400" b="1" dirty="0"/>
@@ -15394,28 +15972,40 @@
               <a:buAutoNum type="arabicPeriod"/>
             </a:pPr>
             <a:r>
+              <a:rPr lang="ko-KR" altLang="en-US" sz="1400" b="1" dirty="0"/>
+              <a:t>이제 로컬 저장소는 </a:t>
+            </a:r>
+            <a:r>
               <a:rPr lang="en-US" altLang="ko-KR" sz="1400" b="1" dirty="0"/>
-              <a:t>gitTest01 </a:t>
+              <a:t>2</a:t>
             </a:r>
             <a:r>
               <a:rPr lang="ko-KR" altLang="en-US" sz="1400" b="1" dirty="0"/>
-              <a:t>폴더로 이동</a:t>
+              <a:t>개로 </a:t>
             </a:r>
             <a:r>
               <a:rPr lang="en-US" altLang="ko-KR" sz="1400" b="1" dirty="0"/>
-              <a:t>(</a:t>
+              <a:t>gitTest01</a:t>
             </a:r>
             <a:r>
               <a:rPr lang="ko-KR" altLang="en-US" sz="1400" b="1" dirty="0"/>
-              <a:t>저장소 변경</a:t>
+              <a:t>과 </a:t>
             </a:r>
             <a:r>
               <a:rPr lang="en-US" altLang="ko-KR" sz="1400" b="1" dirty="0"/>
-              <a:t>)</a:t>
+              <a:t>gitTest02</a:t>
             </a:r>
             <a:r>
               <a:rPr lang="ko-KR" altLang="en-US" sz="1400" b="1" dirty="0"/>
-              <a:t>한다</a:t>
+              <a:t>가 자신의 </a:t>
+            </a:r>
+            <a:r>
+              <a:rPr lang="en-US" altLang="ko-KR" sz="1400" b="1" dirty="0"/>
+              <a:t>PC</a:t>
+            </a:r>
+            <a:r>
+              <a:rPr lang="ko-KR" altLang="en-US" sz="1400" b="1" dirty="0"/>
+              <a:t>에 저장되어 있는 것을 이해한다</a:t>
             </a:r>
             <a:r>
               <a:rPr lang="en-US" altLang="ko-KR" sz="1400" b="1" dirty="0"/>
@@ -15429,11 +16019,11 @@
             </a:pPr>
             <a:r>
               <a:rPr lang="en-US" altLang="ko-KR" sz="1400" b="1" dirty="0"/>
-              <a:t>gitTest01 </a:t>
+              <a:t>gitTest02 </a:t>
             </a:r>
             <a:r>
               <a:rPr lang="ko-KR" altLang="en-US" sz="1400" b="1" dirty="0"/>
-              <a:t>폴더에 있는 </a:t>
+              <a:t>폴더에 있는 저장소에서 </a:t>
             </a:r>
             <a:r>
               <a:rPr lang="en-US" altLang="ko-KR" sz="1400" b="1" dirty="0"/>
@@ -15441,17 +16031,20 @@
             </a:r>
             <a:r>
               <a:rPr lang="ko-KR" altLang="en-US" sz="1400" b="1" dirty="0"/>
-              <a:t>파일을 </a:t>
+              <a:t>파일의 내용을 </a:t>
             </a:r>
             <a:r>
               <a:rPr lang="en-US" altLang="ko-KR" sz="1400" b="1" dirty="0"/>
-              <a:t>“1-6”</a:t>
+              <a:t>“1-4”</a:t>
             </a:r>
             <a:r>
               <a:rPr lang="ko-KR" altLang="en-US" sz="1400" b="1" dirty="0"/>
-              <a:t>로 수정한다</a:t>
-            </a:r>
-            <a:endParaRPr lang="en-US" altLang="ko-KR" sz="1400" b="1" dirty="0"/>
+              <a:t>로 수정하고 저장한다</a:t>
+            </a:r>
+            <a:r>
+              <a:rPr lang="en-US" altLang="ko-KR" sz="1400" b="1" dirty="0"/>
+              <a:t>.</a:t>
+            </a:r>
           </a:p>
           <a:p>
             <a:pPr fontAlgn="base">
@@ -15508,7 +16101,7 @@
             </a:r>
             <a:r>
               <a:rPr lang="en-US" altLang="ko-KR" sz="1400" b="1" dirty="0"/>
-              <a:t>gitTest01</a:t>
+              <a:t>gitTest02</a:t>
             </a:r>
             <a:r>
               <a:rPr lang="ko-KR" altLang="en-US" sz="1400" b="1" dirty="0"/>
@@ -15524,7 +16117,7 @@
             </a:r>
             <a:r>
               <a:rPr lang="en-US" altLang="ko-KR" sz="1400" b="1" dirty="0"/>
-              <a:t>1-6 </a:t>
+              <a:t>1-4 </a:t>
             </a:r>
             <a:r>
               <a:rPr lang="ko-KR" altLang="en-US" sz="1400" b="1" dirty="0"/>
@@ -15541,12 +16134,24 @@
               <a:buAutoNum type="arabicPeriod"/>
             </a:pPr>
             <a:r>
+              <a:rPr lang="en-US" altLang="ko-KR" sz="1400" b="1" dirty="0"/>
+              <a:t>$ git log </a:t>
+            </a:r>
+            <a:r>
               <a:rPr lang="ko-KR" altLang="en-US" sz="1400" b="1" dirty="0"/>
-              <a:t>어떠한 일이 발생하는가</a:t>
+              <a:t>명령으로 전체 </a:t>
             </a:r>
             <a:r>
               <a:rPr lang="en-US" altLang="ko-KR" sz="1400" b="1" dirty="0"/>
-              <a:t>?</a:t>
+              <a:t>commit </a:t>
+            </a:r>
+            <a:r>
+              <a:rPr lang="ko-KR" altLang="en-US" sz="1400" b="1" dirty="0"/>
+              <a:t>된 로그를 확인한다</a:t>
+            </a:r>
+            <a:r>
+              <a:rPr lang="en-US" altLang="ko-KR" sz="1400" b="1" dirty="0"/>
+              <a:t>.</a:t>
             </a:r>
           </a:p>
           <a:p>
@@ -15556,23 +16161,23 @@
             </a:pPr>
             <a:r>
               <a:rPr lang="en-US" altLang="ko-KR" sz="1400" b="1" dirty="0"/>
-              <a:t>$ git pull origin main </a:t>
+              <a:t>gitTest01 </a:t>
             </a:r>
             <a:r>
               <a:rPr lang="ko-KR" altLang="en-US" sz="1400" b="1" dirty="0"/>
-              <a:t>명령으로 원격저장소 파일을 로컬저장소로 </a:t>
+              <a:t>폴더로 이동</a:t>
             </a:r>
             <a:r>
               <a:rPr lang="en-US" altLang="ko-KR" sz="1400" b="1" dirty="0"/>
-              <a:t>fetch</a:t>
+              <a:t>(</a:t>
             </a:r>
             <a:r>
               <a:rPr lang="ko-KR" altLang="en-US" sz="1400" b="1" dirty="0"/>
-              <a:t> 및 </a:t>
+              <a:t>저장소 변경</a:t>
             </a:r>
             <a:r>
               <a:rPr lang="en-US" altLang="ko-KR" sz="1400" b="1" dirty="0"/>
-              <a:t>merge</a:t>
+              <a:t>)</a:t>
             </a:r>
             <a:r>
               <a:rPr lang="ko-KR" altLang="en-US" sz="1400" b="1" dirty="0"/>
@@ -15589,12 +16194,32 @@
               <a:buAutoNum type="arabicPeriod"/>
             </a:pPr>
             <a:r>
+              <a:rPr lang="en-US" altLang="ko-KR" sz="1400" b="1" dirty="0"/>
+              <a:t>$ git pull origin main </a:t>
+            </a:r>
+            <a:r>
               <a:rPr lang="ko-KR" altLang="en-US" sz="1400" b="1" dirty="0"/>
-              <a:t>어떠한 메시지가 보여지는가</a:t>
+              <a:t>명령으로 원격저장소 파일을 로컬저장소로 </a:t>
             </a:r>
             <a:r>
               <a:rPr lang="en-US" altLang="ko-KR" sz="1400" b="1" dirty="0"/>
-              <a:t>?</a:t>
+              <a:t>fetch</a:t>
+            </a:r>
+            <a:r>
+              <a:rPr lang="ko-KR" altLang="en-US" sz="1400" b="1" dirty="0"/>
+              <a:t> 및 </a:t>
+            </a:r>
+            <a:r>
+              <a:rPr lang="en-US" altLang="ko-KR" sz="1400" b="1" dirty="0"/>
+              <a:t>merge</a:t>
+            </a:r>
+            <a:r>
+              <a:rPr lang="ko-KR" altLang="en-US" sz="1400" b="1" dirty="0"/>
+              <a:t>한다</a:t>
+            </a:r>
+            <a:r>
+              <a:rPr lang="en-US" altLang="ko-KR" sz="1400" b="1" dirty="0"/>
+              <a:t>.</a:t>
             </a:r>
           </a:p>
           <a:p>
@@ -15604,19 +16229,19 @@
             </a:pPr>
             <a:r>
               <a:rPr lang="en-US" altLang="ko-KR" sz="1400" b="1" dirty="0"/>
-              <a:t>gitTest01 </a:t>
+              <a:t>racos.txt </a:t>
             </a:r>
             <a:r>
               <a:rPr lang="ko-KR" altLang="en-US" sz="1400" b="1" dirty="0"/>
-              <a:t>폴더의 </a:t>
+              <a:t>파일의 첫번재 줄</a:t>
             </a:r>
             <a:r>
               <a:rPr lang="en-US" altLang="ko-KR" sz="1400" b="1" dirty="0"/>
-              <a:t>racos.txt </a:t>
+              <a:t> </a:t>
             </a:r>
             <a:r>
               <a:rPr lang="ko-KR" altLang="en-US" sz="1400" b="1" dirty="0"/>
-              <a:t>파일의 첫번째 줄 부분에 저장되어 있는 내용은 무엇인가</a:t>
+              <a:t>부분에 저장되어 있는 내용은 무엇인가</a:t>
             </a:r>
             <a:r>
               <a:rPr lang="en-US" altLang="ko-KR" sz="1400" b="1" dirty="0"/>
@@ -15637,7 +16262,7 @@
           <p:cNvPr id="4" name="슬라이드 번호 개체 틀 3">
             <a:extLst>
               <a:ext uri="{FF2B5EF4-FFF2-40B4-BE49-F238E27FC236}">
-                <a16:creationId xmlns:a16="http://schemas.microsoft.com/office/drawing/2014/main" id="{CD2D3616-2E69-5ACE-9BDC-C66268042148}"/>
+                <a16:creationId xmlns:a16="http://schemas.microsoft.com/office/drawing/2014/main" id="{9AE2D432-D735-54A6-A34B-5928BD992072}"/>
               </a:ext>
             </a:extLst>
           </p:cNvPr>
@@ -15655,7 +16280,7 @@
           <a:p>
             <a:fld id="{D57F1E4F-1CFF-5643-939E-02111984F565}" type="slidenum">
               <a:rPr lang="en-US" smtClean="0"/>
-              <a:t>20</a:t>
+              <a:t>19</a:t>
             </a:fld>
             <a:endParaRPr lang="en-US" dirty="0"/>
           </a:p>
@@ -15664,7 +16289,7 @@
     </p:spTree>
     <p:extLst>
       <p:ext uri="{BB962C8B-B14F-4D97-AF65-F5344CB8AC3E}">
-        <p14:creationId xmlns:p14="http://schemas.microsoft.com/office/powerpoint/2010/main" val="3352631163"/>
+        <p14:creationId xmlns:p14="http://schemas.microsoft.com/office/powerpoint/2010/main" val="382339229"/>
       </p:ext>
     </p:extLst>
   </p:cSld>
@@ -15718,9 +16343,10 @@
           <a:lstStyle/>
           <a:p>
             <a:r>
-              <a:rPr lang="ko-KR" altLang="en-US" sz="3600" dirty="0"/>
-              <a:t>추가 명령어 정리</a:t>
-            </a:r>
+              <a:rPr lang="en-US" altLang="ko-KR" sz="3600" dirty="0"/>
+              <a:t>Scenario 2-2</a:t>
+            </a:r>
+            <a:endParaRPr lang="ko-KR" altLang="en-US" sz="3600" dirty="0"/>
           </a:p>
         </p:txBody>
       </p:sp>
@@ -15752,306 +16378,446 @@
           </a:bodyPr>
           <a:lstStyle/>
           <a:p>
-            <a:pPr marL="0" indent="0">
+            <a:pPr marL="0" indent="0" fontAlgn="base">
               <a:buNone/>
             </a:pPr>
             <a:r>
-              <a:rPr lang="en-US" altLang="ko-KR" sz="1200" b="1" dirty="0">
+              <a:rPr lang="en-US" altLang="ko-KR" sz="1400" b="1" dirty="0">
                 <a:solidFill>
                   <a:srgbClr val="FFFF00"/>
                 </a:solidFill>
               </a:rPr>
-              <a:t>$ git  remote  show &lt;</a:t>
-            </a:r>
-            <a:r>
-              <a:rPr lang="ko-KR" altLang="en-US" sz="1200" b="1" dirty="0">
+              <a:t>** </a:t>
+            </a:r>
+            <a:r>
+              <a:rPr lang="ko-KR" altLang="en-US" sz="1400" b="1" dirty="0">
                 <a:solidFill>
                   <a:srgbClr val="FFFF00"/>
                 </a:solidFill>
               </a:rPr>
-              <a:t>원격저장소 이름</a:t>
-            </a:r>
-            <a:r>
-              <a:rPr lang="en-US" altLang="ko-KR" sz="1200" b="1" dirty="0">
+              <a:t>각 시나리오에서 스텝별로 </a:t>
+            </a:r>
+            <a:r>
+              <a:rPr lang="en-US" altLang="ko-KR" sz="1400" b="1" dirty="0">
                 <a:solidFill>
                   <a:srgbClr val="FFFF00"/>
                 </a:solidFill>
               </a:rPr>
-              <a:t>&gt;</a:t>
-            </a:r>
-          </a:p>
-          <a:p>
-            <a:pPr marL="0" indent="0">
-              <a:buNone/>
+              <a:t>git status, git log, git show, git tag </a:t>
+            </a:r>
+            <a:r>
+              <a:rPr lang="ko-KR" altLang="en-US" sz="1400" b="1" dirty="0">
+                <a:solidFill>
+                  <a:srgbClr val="FFFF00"/>
+                </a:solidFill>
+              </a:rPr>
+              <a:t>등 수행하여 내용 확인하며 진행 요망</a:t>
+            </a:r>
+            <a:r>
+              <a:rPr lang="en-US" altLang="ko-KR" sz="1400" b="1" dirty="0">
+                <a:solidFill>
+                  <a:srgbClr val="FFFF00"/>
+                </a:solidFill>
+              </a:rPr>
+              <a:t>.</a:t>
+            </a:r>
+            <a:r>
+              <a:rPr lang="ko-KR" altLang="en-US" sz="1400" b="1" dirty="0">
+                <a:solidFill>
+                  <a:srgbClr val="FFFF00"/>
+                </a:solidFill>
+              </a:rPr>
+              <a:t> </a:t>
+            </a:r>
+            <a:endParaRPr lang="en-US" altLang="ko-KR" sz="1400" b="1" dirty="0">
+              <a:solidFill>
+                <a:srgbClr val="FFFF00"/>
+              </a:solidFill>
+            </a:endParaRPr>
+          </a:p>
+          <a:p>
+            <a:pPr fontAlgn="base">
+              <a:buFont typeface="+mj-lt"/>
+              <a:buAutoNum type="arabicPeriod"/>
             </a:pPr>
             <a:r>
-              <a:rPr lang="en-US" altLang="ko-KR" sz="1200" b="1" dirty="0">
-                <a:solidFill>
-                  <a:srgbClr val="FFFF00"/>
-                </a:solidFill>
-              </a:rPr>
-              <a:t>$ git  remote  rename  &lt;Old Name&gt;  &lt;New Name&gt;   </a:t>
-            </a:r>
-            <a:r>
-              <a:rPr lang="en-US" altLang="ko-KR" sz="1200" dirty="0"/>
-              <a:t>// </a:t>
-            </a:r>
-            <a:r>
-              <a:rPr lang="ko-KR" altLang="en-US" sz="1200" dirty="0"/>
-              <a:t>원격 저장소 이름 변경</a:t>
-            </a:r>
-            <a:endParaRPr lang="en-US" altLang="ko-KR" sz="1200" dirty="0"/>
-          </a:p>
-          <a:p>
-            <a:pPr marL="0" indent="0">
-              <a:buNone/>
+              <a:rPr lang="en-US" altLang="ko-KR" sz="1400" b="1" dirty="0"/>
+              <a:t>gitTest02 </a:t>
+            </a:r>
+            <a:r>
+              <a:rPr lang="ko-KR" altLang="en-US" sz="1400" b="1" dirty="0"/>
+              <a:t>폴더에 있는 저장소에서 </a:t>
+            </a:r>
+            <a:r>
+              <a:rPr lang="en-US" altLang="ko-KR" sz="1400" b="1" dirty="0"/>
+              <a:t>racos.txt </a:t>
+            </a:r>
+            <a:r>
+              <a:rPr lang="ko-KR" altLang="en-US" sz="1400" b="1" dirty="0"/>
+              <a:t>파일의 내용을 </a:t>
+            </a:r>
+            <a:r>
+              <a:rPr lang="en-US" altLang="ko-KR" sz="1400" b="1" dirty="0"/>
+              <a:t>“1-5”</a:t>
+            </a:r>
+            <a:r>
+              <a:rPr lang="ko-KR" altLang="en-US" sz="1400" b="1" dirty="0"/>
+              <a:t>로 수정하고 저장한다</a:t>
+            </a:r>
+            <a:r>
+              <a:rPr lang="en-US" altLang="ko-KR" sz="1400" b="1" dirty="0"/>
+              <a:t>.</a:t>
+            </a:r>
+          </a:p>
+          <a:p>
+            <a:pPr fontAlgn="base">
+              <a:buFont typeface="+mj-lt"/>
+              <a:buAutoNum type="arabicPeriod"/>
             </a:pPr>
             <a:r>
-              <a:rPr lang="en-US" altLang="ko-KR" sz="1200" b="1" dirty="0">
-                <a:solidFill>
-                  <a:srgbClr val="FFFF00"/>
-                </a:solidFill>
-              </a:rPr>
-              <a:t>$ git  remote  remove &lt;</a:t>
-            </a:r>
-            <a:r>
-              <a:rPr lang="ko-KR" altLang="en-US" sz="1200" b="1" dirty="0">
-                <a:solidFill>
-                  <a:srgbClr val="FFFF00"/>
-                </a:solidFill>
-              </a:rPr>
-              <a:t>원격저장소 이름</a:t>
-            </a:r>
-            <a:r>
-              <a:rPr lang="en-US" altLang="ko-KR" sz="1200" b="1" dirty="0">
-                <a:solidFill>
-                  <a:srgbClr val="FFFF00"/>
-                </a:solidFill>
-              </a:rPr>
-              <a:t>&gt;</a:t>
-            </a:r>
-            <a:r>
-              <a:rPr lang="en-US" altLang="ko-KR" sz="1200" dirty="0"/>
-              <a:t>   =  $ git  remote  rm &lt;</a:t>
-            </a:r>
-            <a:r>
-              <a:rPr lang="ko-KR" altLang="en-US" sz="1200" dirty="0"/>
-              <a:t>원격저장소 이름</a:t>
-            </a:r>
-            <a:r>
-              <a:rPr lang="en-US" altLang="ko-KR" sz="1200" dirty="0"/>
-              <a:t>&gt;  // </a:t>
-            </a:r>
-            <a:r>
-              <a:rPr lang="ko-KR" altLang="en-US" sz="1200" dirty="0"/>
-              <a:t>원격 저장소 삭제</a:t>
-            </a:r>
-            <a:endParaRPr lang="en-US" altLang="ko-KR" sz="1200" dirty="0"/>
-          </a:p>
-          <a:p>
-            <a:pPr marL="0" indent="0">
-              <a:buNone/>
+              <a:rPr lang="en-US" altLang="ko-KR" sz="1400" b="1" dirty="0"/>
+              <a:t>$ git</a:t>
+            </a:r>
+            <a:r>
+              <a:rPr lang="ko-KR" altLang="en-US" sz="1400" b="1" dirty="0"/>
+              <a:t> </a:t>
+            </a:r>
+            <a:r>
+              <a:rPr lang="en-US" altLang="ko-KR" sz="1400" b="1" dirty="0"/>
+              <a:t>add</a:t>
+            </a:r>
+            <a:r>
+              <a:rPr lang="ko-KR" altLang="en-US" sz="1400" b="1" dirty="0"/>
+              <a:t> </a:t>
+            </a:r>
+            <a:r>
+              <a:rPr lang="en-US" altLang="ko-KR" sz="1400" b="1" dirty="0"/>
+              <a:t>racos.txt  -&gt;  $ git</a:t>
+            </a:r>
+            <a:r>
+              <a:rPr lang="ko-KR" altLang="en-US" sz="1400" b="1" dirty="0"/>
+              <a:t> </a:t>
+            </a:r>
+            <a:r>
+              <a:rPr lang="en-US" altLang="ko-KR" sz="1400" b="1" dirty="0"/>
+              <a:t>commit</a:t>
+            </a:r>
+            <a:r>
+              <a:rPr lang="ko-KR" altLang="en-US" sz="1400" b="1" dirty="0"/>
+              <a:t> </a:t>
+            </a:r>
+            <a:r>
+              <a:rPr lang="en-US" altLang="ko-KR" sz="1400" b="1" dirty="0"/>
+              <a:t>–m</a:t>
+            </a:r>
+            <a:r>
+              <a:rPr lang="ko-KR" altLang="en-US" sz="1400" b="1" dirty="0"/>
+              <a:t> </a:t>
+            </a:r>
+            <a:r>
+              <a:rPr lang="en-US" altLang="ko-KR" sz="1400" b="1" dirty="0"/>
+              <a:t>“</a:t>
+            </a:r>
+            <a:r>
+              <a:rPr lang="ko-KR" altLang="en-US" sz="1400" b="1" dirty="0"/>
+              <a:t>이것은 </a:t>
+            </a:r>
+            <a:r>
+              <a:rPr lang="en-US" altLang="ko-KR" sz="1400" b="1" dirty="0"/>
+              <a:t>gitTest02</a:t>
+            </a:r>
+            <a:r>
+              <a:rPr lang="ko-KR" altLang="en-US" sz="1400" b="1" dirty="0"/>
+              <a:t>에서 </a:t>
+            </a:r>
+            <a:r>
+              <a:rPr lang="en-US" altLang="ko-KR" sz="1400" b="1" dirty="0"/>
+              <a:t>commit</a:t>
+            </a:r>
+            <a:r>
+              <a:rPr lang="ko-KR" altLang="en-US" sz="1400" b="1" dirty="0"/>
+              <a:t>한 </a:t>
+            </a:r>
+            <a:r>
+              <a:rPr lang="en-US" altLang="ko-KR" sz="1400" b="1" dirty="0"/>
+              <a:t>1-5 </a:t>
+            </a:r>
+            <a:r>
+              <a:rPr lang="ko-KR" altLang="en-US" sz="1400" b="1" dirty="0"/>
+              <a:t>입니다</a:t>
+            </a:r>
+            <a:r>
+              <a:rPr lang="en-US" altLang="ko-KR" sz="1400" b="1" dirty="0"/>
+              <a:t>” -&gt; $ git push origin main</a:t>
+            </a:r>
+          </a:p>
+          <a:p>
+            <a:pPr fontAlgn="base">
+              <a:buFont typeface="+mj-lt"/>
+              <a:buAutoNum type="arabicPeriod"/>
             </a:pPr>
-            <a:endParaRPr lang="en-US" altLang="ko-KR" sz="1200" dirty="0"/>
-          </a:p>
-          <a:p>
-            <a:pPr marL="0" indent="0">
-              <a:buNone/>
+            <a:r>
+              <a:rPr lang="en-US" altLang="ko-KR" sz="1400" b="1" dirty="0"/>
+              <a:t>$ git log </a:t>
+            </a:r>
+            <a:r>
+              <a:rPr lang="ko-KR" altLang="en-US" sz="1400" b="1" dirty="0"/>
+              <a:t>명령으로 전체 </a:t>
+            </a:r>
+            <a:r>
+              <a:rPr lang="en-US" altLang="ko-KR" sz="1400" b="1" dirty="0"/>
+              <a:t>commit </a:t>
+            </a:r>
+            <a:r>
+              <a:rPr lang="ko-KR" altLang="en-US" sz="1400" b="1" dirty="0"/>
+              <a:t>된 로그를 확인한다</a:t>
+            </a:r>
+            <a:r>
+              <a:rPr lang="en-US" altLang="ko-KR" sz="1400" b="1" dirty="0"/>
+              <a:t>.</a:t>
+            </a:r>
+          </a:p>
+          <a:p>
+            <a:pPr fontAlgn="base">
+              <a:buFont typeface="+mj-lt"/>
+              <a:buAutoNum type="arabicPeriod"/>
             </a:pPr>
             <a:r>
-              <a:rPr lang="en-US" altLang="ko-KR" sz="1200" b="1" dirty="0">
-                <a:solidFill>
-                  <a:srgbClr val="FFFF00"/>
-                </a:solidFill>
-              </a:rPr>
-              <a:t>$ git  tag   </a:t>
-            </a:r>
-            <a:r>
-              <a:rPr lang="en-US" altLang="ko-KR" sz="1200" dirty="0"/>
-              <a:t>// </a:t>
-            </a:r>
-            <a:r>
-              <a:rPr lang="ko-KR" altLang="en-US" sz="1200" dirty="0"/>
-              <a:t>태그 목록 보기</a:t>
-            </a:r>
-            <a:endParaRPr lang="en-US" altLang="ko-KR" sz="1200" dirty="0"/>
-          </a:p>
-          <a:p>
-            <a:pPr marL="0" indent="0">
-              <a:buNone/>
+              <a:rPr lang="en-US" altLang="ko-KR" sz="1400" b="1" dirty="0"/>
+              <a:t>gitTest01 </a:t>
+            </a:r>
+            <a:r>
+              <a:rPr lang="ko-KR" altLang="en-US" sz="1400" b="1" dirty="0"/>
+              <a:t>폴더로 이동</a:t>
+            </a:r>
+            <a:r>
+              <a:rPr lang="en-US" altLang="ko-KR" sz="1400" b="1" dirty="0"/>
+              <a:t>(</a:t>
+            </a:r>
+            <a:r>
+              <a:rPr lang="ko-KR" altLang="en-US" sz="1400" b="1" dirty="0"/>
+              <a:t>저장소 변경</a:t>
+            </a:r>
+            <a:r>
+              <a:rPr lang="en-US" altLang="ko-KR" sz="1400" b="1" dirty="0"/>
+              <a:t>)</a:t>
+            </a:r>
+            <a:r>
+              <a:rPr lang="ko-KR" altLang="en-US" sz="1400" b="1" dirty="0"/>
+              <a:t>한다</a:t>
+            </a:r>
+            <a:r>
+              <a:rPr lang="en-US" altLang="ko-KR" sz="1400" b="1" dirty="0"/>
+              <a:t>.</a:t>
+            </a:r>
+          </a:p>
+          <a:p>
+            <a:pPr fontAlgn="base">
+              <a:buFont typeface="+mj-lt"/>
+              <a:buAutoNum type="arabicPeriod"/>
             </a:pPr>
             <a:r>
-              <a:rPr lang="en-US" altLang="ko-KR" sz="1200" b="1" dirty="0">
-                <a:solidFill>
-                  <a:srgbClr val="FFFF00"/>
-                </a:solidFill>
-              </a:rPr>
-              <a:t>$ git  tag  v1.4    </a:t>
-            </a:r>
-            <a:r>
-              <a:rPr lang="en-US" altLang="ko-KR" sz="1200" dirty="0"/>
-              <a:t>// Lightweight </a:t>
-            </a:r>
-            <a:r>
-              <a:rPr lang="ko-KR" altLang="en-US" sz="1200" dirty="0"/>
-              <a:t>태그 생성</a:t>
-            </a:r>
-            <a:endParaRPr lang="en-US" altLang="ko-KR" sz="1200" dirty="0"/>
-          </a:p>
-          <a:p>
-            <a:pPr marL="0" indent="0">
-              <a:buNone/>
+              <a:rPr lang="en-US" altLang="ko-KR" sz="1400" b="1" dirty="0"/>
+              <a:t>gitTest01 </a:t>
+            </a:r>
+            <a:r>
+              <a:rPr lang="ko-KR" altLang="en-US" sz="1400" b="1" dirty="0"/>
+              <a:t>폴더에 있는 </a:t>
+            </a:r>
+            <a:r>
+              <a:rPr lang="en-US" altLang="ko-KR" sz="1400" b="1" dirty="0"/>
+              <a:t>racos.txt </a:t>
+            </a:r>
+            <a:r>
+              <a:rPr lang="ko-KR" altLang="en-US" sz="1400" b="1" dirty="0"/>
+              <a:t>파일을 </a:t>
+            </a:r>
+            <a:r>
+              <a:rPr lang="en-US" altLang="ko-KR" sz="1400" b="1" dirty="0"/>
+              <a:t>“1-6”</a:t>
+            </a:r>
+            <a:r>
+              <a:rPr lang="ko-KR" altLang="en-US" sz="1400" b="1" dirty="0"/>
+              <a:t>로 수정한다</a:t>
+            </a:r>
+            <a:endParaRPr lang="en-US" altLang="ko-KR" sz="1400" b="1" dirty="0"/>
+          </a:p>
+          <a:p>
+            <a:pPr fontAlgn="base">
+              <a:buFont typeface="+mj-lt"/>
+              <a:buAutoNum type="arabicPeriod"/>
             </a:pPr>
             <a:r>
-              <a:rPr lang="en-US" altLang="ko-KR" sz="1200" b="1" dirty="0">
-                <a:solidFill>
-                  <a:srgbClr val="FFFF00"/>
-                </a:solidFill>
-              </a:rPr>
-              <a:t>$ git  tag  -a  v1.4  -m  “my version 1.4”   </a:t>
-            </a:r>
-            <a:r>
-              <a:rPr lang="en-US" altLang="ko-KR" sz="1200" dirty="0"/>
-              <a:t>// Annotated Tag </a:t>
-            </a:r>
-            <a:r>
-              <a:rPr lang="ko-KR" altLang="en-US" sz="1200" dirty="0"/>
-              <a:t>생성</a:t>
-            </a:r>
-            <a:endParaRPr lang="en-US" altLang="ko-KR" sz="1200" dirty="0"/>
-          </a:p>
-          <a:p>
-            <a:pPr marL="0" indent="0">
-              <a:buNone/>
+              <a:rPr lang="en-US" altLang="ko-KR" sz="1400" b="1" dirty="0"/>
+              <a:t>$ git</a:t>
+            </a:r>
+            <a:r>
+              <a:rPr lang="ko-KR" altLang="en-US" sz="1400" b="1" dirty="0"/>
+              <a:t> </a:t>
+            </a:r>
+            <a:r>
+              <a:rPr lang="en-US" altLang="ko-KR" sz="1400" b="1" dirty="0"/>
+              <a:t>add</a:t>
+            </a:r>
+            <a:r>
+              <a:rPr lang="ko-KR" altLang="en-US" sz="1400" b="1" dirty="0"/>
+              <a:t> </a:t>
+            </a:r>
+            <a:r>
+              <a:rPr lang="en-US" altLang="ko-KR" sz="1400" b="1" dirty="0"/>
+              <a:t>racos.txt  -&gt;  $ git</a:t>
+            </a:r>
+            <a:r>
+              <a:rPr lang="ko-KR" altLang="en-US" sz="1400" b="1" dirty="0"/>
+              <a:t> </a:t>
+            </a:r>
+            <a:r>
+              <a:rPr lang="en-US" altLang="ko-KR" sz="1400" b="1" dirty="0"/>
+              <a:t>commit</a:t>
+            </a:r>
+            <a:r>
+              <a:rPr lang="ko-KR" altLang="en-US" sz="1400" b="1" dirty="0"/>
+              <a:t> </a:t>
+            </a:r>
+            <a:r>
+              <a:rPr lang="en-US" altLang="ko-KR" sz="1400" b="1" dirty="0"/>
+              <a:t>–m</a:t>
+            </a:r>
+            <a:r>
+              <a:rPr lang="ko-KR" altLang="en-US" sz="1400" b="1" dirty="0"/>
+              <a:t> </a:t>
+            </a:r>
+            <a:r>
+              <a:rPr lang="en-US" altLang="ko-KR" sz="1400" b="1" dirty="0"/>
+              <a:t>“</a:t>
+            </a:r>
+            <a:r>
+              <a:rPr lang="ko-KR" altLang="en-US" sz="1400" b="1" dirty="0"/>
+              <a:t>이것은 </a:t>
+            </a:r>
+            <a:r>
+              <a:rPr lang="en-US" altLang="ko-KR" sz="1400" b="1" dirty="0"/>
+              <a:t>gitTest01</a:t>
+            </a:r>
+            <a:r>
+              <a:rPr lang="ko-KR" altLang="en-US" sz="1400" b="1" dirty="0"/>
+              <a:t>에서 </a:t>
+            </a:r>
+            <a:r>
+              <a:rPr lang="en-US" altLang="ko-KR" sz="1400" b="1" dirty="0"/>
+              <a:t>commit</a:t>
+            </a:r>
+            <a:r>
+              <a:rPr lang="ko-KR" altLang="en-US" sz="1400" b="1" dirty="0"/>
+              <a:t>한 </a:t>
+            </a:r>
+            <a:r>
+              <a:rPr lang="en-US" altLang="ko-KR" sz="1400" b="1" dirty="0"/>
+              <a:t>1-6 </a:t>
+            </a:r>
+            <a:r>
+              <a:rPr lang="ko-KR" altLang="en-US" sz="1400" b="1" dirty="0"/>
+              <a:t>입니다</a:t>
+            </a:r>
+            <a:r>
+              <a:rPr lang="en-US" altLang="ko-KR" sz="1400" b="1" dirty="0"/>
+              <a:t>” -&gt; $ git push origin main</a:t>
+            </a:r>
+          </a:p>
+          <a:p>
+            <a:pPr fontAlgn="base">
+              <a:buFont typeface="+mj-lt"/>
+              <a:buAutoNum type="arabicPeriod"/>
             </a:pPr>
             <a:r>
-              <a:rPr lang="en-US" altLang="ko-KR" sz="1200" b="1" dirty="0">
-                <a:solidFill>
-                  <a:srgbClr val="FFFF00"/>
-                </a:solidFill>
-              </a:rPr>
-              <a:t>$ git  show  v1.4      </a:t>
-            </a:r>
-            <a:r>
-              <a:rPr lang="en-US" altLang="ko-KR" sz="1200" dirty="0"/>
-              <a:t>//</a:t>
-            </a:r>
-            <a:r>
-              <a:rPr lang="ko-KR" altLang="en-US" sz="1200" dirty="0"/>
-              <a:t>특정 태그 내용만 조회</a:t>
-            </a:r>
-            <a:r>
-              <a:rPr lang="en-US" altLang="ko-KR" sz="1200" dirty="0"/>
-              <a:t>,  $ git  show </a:t>
-            </a:r>
-            <a:r>
-              <a:rPr lang="ko-KR" altLang="en-US" sz="1200" dirty="0"/>
-              <a:t>는 단순히 </a:t>
-            </a:r>
-            <a:r>
-              <a:rPr lang="ko-KR" altLang="en-US" sz="1200" dirty="0" err="1"/>
-              <a:t>커밋</a:t>
-            </a:r>
-            <a:r>
-              <a:rPr lang="ko-KR" altLang="en-US" sz="1200" dirty="0"/>
-              <a:t> 정보만 보여주기 때문에 뒤에 태그 이름 붙일 것</a:t>
-            </a:r>
-            <a:endParaRPr lang="en-US" altLang="ko-KR" sz="1200" dirty="0"/>
-          </a:p>
-          <a:p>
-            <a:pPr marL="0" indent="0">
-              <a:buNone/>
+              <a:rPr lang="ko-KR" altLang="en-US" sz="1400" b="1" dirty="0"/>
+              <a:t>어떠한 일이 발생하는가</a:t>
+            </a:r>
+            <a:r>
+              <a:rPr lang="en-US" altLang="ko-KR" sz="1400" b="1" dirty="0"/>
+              <a:t>?</a:t>
+            </a:r>
+          </a:p>
+          <a:p>
+            <a:pPr fontAlgn="base">
+              <a:buFont typeface="+mj-lt"/>
+              <a:buAutoNum type="arabicPeriod"/>
             </a:pPr>
             <a:r>
-              <a:rPr lang="en-US" altLang="ko-KR" sz="1200" b="1" dirty="0">
-                <a:solidFill>
-                  <a:srgbClr val="FFFF00"/>
-                </a:solidFill>
-              </a:rPr>
-              <a:t>$ git  push  origin  v1.5   </a:t>
-            </a:r>
-            <a:r>
-              <a:rPr lang="en-US" altLang="ko-KR" sz="1200" dirty="0"/>
-              <a:t>// git push</a:t>
-            </a:r>
-            <a:r>
-              <a:rPr lang="ko-KR" altLang="en-US" sz="1200" dirty="0"/>
-              <a:t>는 자동으로 원격저장소에 태그를 전송하지 않는다</a:t>
-            </a:r>
-            <a:r>
-              <a:rPr lang="en-US" altLang="ko-KR" sz="1200" dirty="0"/>
-              <a:t>. </a:t>
-            </a:r>
-            <a:r>
-              <a:rPr lang="ko-KR" altLang="en-US" sz="1200" dirty="0"/>
-              <a:t>태그를 만들었으면 별도로 </a:t>
-            </a:r>
-            <a:r>
-              <a:rPr lang="en-US" altLang="ko-KR" sz="1200" dirty="0"/>
-              <a:t>push </a:t>
-            </a:r>
-            <a:r>
-              <a:rPr lang="ko-KR" altLang="en-US" sz="1200" dirty="0"/>
-              <a:t>해야 함</a:t>
-            </a:r>
-            <a:r>
-              <a:rPr lang="en-US" altLang="ko-KR" sz="1200" dirty="0"/>
+              <a:rPr lang="en-US" altLang="ko-KR" sz="1400" b="1" dirty="0"/>
+              <a:t>$ git pull origin main </a:t>
+            </a:r>
+            <a:r>
+              <a:rPr lang="ko-KR" altLang="en-US" sz="1400" b="1" dirty="0"/>
+              <a:t>명령으로 원격저장소 파일을 로컬저장소로 </a:t>
+            </a:r>
+            <a:r>
+              <a:rPr lang="en-US" altLang="ko-KR" sz="1400" b="1" dirty="0"/>
+              <a:t>fetch</a:t>
+            </a:r>
+            <a:r>
+              <a:rPr lang="ko-KR" altLang="en-US" sz="1400" b="1" dirty="0"/>
+              <a:t> 및 </a:t>
+            </a:r>
+            <a:r>
+              <a:rPr lang="en-US" altLang="ko-KR" sz="1400" b="1" dirty="0"/>
+              <a:t>merge</a:t>
+            </a:r>
+            <a:r>
+              <a:rPr lang="ko-KR" altLang="en-US" sz="1400" b="1" dirty="0"/>
+              <a:t>한다</a:t>
+            </a:r>
+            <a:r>
+              <a:rPr lang="en-US" altLang="ko-KR" sz="1400" b="1" dirty="0"/>
               <a:t>.</a:t>
             </a:r>
           </a:p>
           <a:p>
-            <a:pPr marL="0" indent="0">
-              <a:buNone/>
+            <a:pPr fontAlgn="base">
+              <a:buFont typeface="+mj-lt"/>
+              <a:buAutoNum type="arabicPeriod"/>
             </a:pPr>
             <a:r>
-              <a:rPr lang="en-US" altLang="ko-KR" sz="1200" b="1" dirty="0">
-                <a:solidFill>
-                  <a:srgbClr val="FFFF00"/>
-                </a:solidFill>
-              </a:rPr>
-              <a:t>$ git  push  origin  --tags   </a:t>
-            </a:r>
-            <a:r>
-              <a:rPr lang="en-US" altLang="ko-KR" sz="1200" dirty="0"/>
-              <a:t>// </a:t>
-            </a:r>
-            <a:r>
-              <a:rPr lang="ko-KR" altLang="en-US" sz="1200" dirty="0"/>
-              <a:t>한 번에 여러 개 태그를 </a:t>
-            </a:r>
-            <a:r>
-              <a:rPr lang="en-US" altLang="ko-KR" sz="1200" dirty="0"/>
-              <a:t>push , clone </a:t>
-            </a:r>
-            <a:r>
-              <a:rPr lang="ko-KR" altLang="en-US" sz="1200" dirty="0"/>
-              <a:t>하거나 </a:t>
-            </a:r>
-            <a:r>
-              <a:rPr lang="en-US" altLang="ko-KR" sz="1200" dirty="0"/>
-              <a:t>pull </a:t>
-            </a:r>
-            <a:r>
-              <a:rPr lang="ko-KR" altLang="en-US" sz="1200" dirty="0"/>
-              <a:t>하면 모든</a:t>
-            </a:r>
-            <a:r>
-              <a:rPr lang="en-US" altLang="ko-KR" sz="1200" dirty="0"/>
-              <a:t> </a:t>
-            </a:r>
-            <a:r>
-              <a:rPr lang="ko-KR" altLang="en-US" sz="1200" dirty="0"/>
-              <a:t>태그</a:t>
-            </a:r>
-            <a:r>
-              <a:rPr lang="en-US" altLang="ko-KR" sz="1200" dirty="0"/>
-              <a:t> </a:t>
-            </a:r>
-            <a:r>
-              <a:rPr lang="ko-KR" altLang="en-US" sz="1200" dirty="0"/>
-              <a:t>정보도 함께 전송</a:t>
-            </a:r>
-            <a:endParaRPr lang="en-US" altLang="ko-KR" sz="1200" dirty="0"/>
+              <a:rPr lang="ko-KR" altLang="en-US" sz="1400" b="1" dirty="0"/>
+              <a:t>어떠한 메시지가 보여지는가</a:t>
+            </a:r>
+            <a:r>
+              <a:rPr lang="en-US" altLang="ko-KR" sz="1400" b="1" dirty="0"/>
+              <a:t>?</a:t>
+            </a:r>
+          </a:p>
+          <a:p>
+            <a:pPr fontAlgn="base">
+              <a:buFont typeface="+mj-lt"/>
+              <a:buAutoNum type="arabicPeriod"/>
+            </a:pPr>
+            <a:r>
+              <a:rPr lang="en-US" altLang="ko-KR" sz="1400" b="1" dirty="0"/>
+              <a:t>gitTest01 </a:t>
+            </a:r>
+            <a:r>
+              <a:rPr lang="ko-KR" altLang="en-US" sz="1400" b="1" dirty="0"/>
+              <a:t>폴더의 </a:t>
+            </a:r>
+            <a:r>
+              <a:rPr lang="en-US" altLang="ko-KR" sz="1400" b="1" dirty="0"/>
+              <a:t>racos.txt </a:t>
+            </a:r>
+            <a:r>
+              <a:rPr lang="ko-KR" altLang="en-US" sz="1400" b="1" dirty="0"/>
+              <a:t>파일의 첫번째 줄 부분에 저장되어 있는 내용은 무엇인가</a:t>
+            </a:r>
+            <a:r>
+              <a:rPr lang="en-US" altLang="ko-KR" sz="1400" b="1" dirty="0"/>
+              <a:t>?</a:t>
+            </a:r>
+          </a:p>
+          <a:p>
+            <a:pPr fontAlgn="base">
+              <a:buFont typeface="+mj-lt"/>
+              <a:buAutoNum type="arabicPeriod"/>
+            </a:pPr>
+            <a:endParaRPr lang="en-US" altLang="ko-KR" sz="1400" b="1" dirty="0"/>
           </a:p>
         </p:txBody>
       </p:sp>
@@ -16060,7 +16826,7 @@
           <p:cNvPr id="4" name="슬라이드 번호 개체 틀 3">
             <a:extLst>
               <a:ext uri="{FF2B5EF4-FFF2-40B4-BE49-F238E27FC236}">
-                <a16:creationId xmlns:a16="http://schemas.microsoft.com/office/drawing/2014/main" id="{4F572D88-086B-4C8E-A72A-BA252552FB78}"/>
+                <a16:creationId xmlns:a16="http://schemas.microsoft.com/office/drawing/2014/main" id="{CD2D3616-2E69-5ACE-9BDC-C66268042148}"/>
               </a:ext>
             </a:extLst>
           </p:cNvPr>
@@ -16078,7 +16844,7 @@
           <a:p>
             <a:fld id="{D57F1E4F-1CFF-5643-939E-02111984F565}" type="slidenum">
               <a:rPr lang="en-US" smtClean="0"/>
-              <a:t>21</a:t>
+              <a:t>20</a:t>
             </a:fld>
             <a:endParaRPr lang="en-US" dirty="0"/>
           </a:p>
@@ -16087,7 +16853,7 @@
     </p:spTree>
     <p:extLst>
       <p:ext uri="{BB962C8B-B14F-4D97-AF65-F5344CB8AC3E}">
-        <p14:creationId xmlns:p14="http://schemas.microsoft.com/office/powerpoint/2010/main" val="2871220523"/>
+        <p14:creationId xmlns:p14="http://schemas.microsoft.com/office/powerpoint/2010/main" val="3352631163"/>
       </p:ext>
     </p:extLst>
   </p:cSld>
@@ -16141,26 +16907,9 @@
           <a:lstStyle/>
           <a:p>
             <a:r>
-              <a:rPr lang="en-US" altLang="ko-KR" sz="3600" dirty="0"/>
-              <a:t>fetch,</a:t>
-            </a:r>
-            <a:r>
               <a:rPr lang="ko-KR" altLang="en-US" sz="3600" dirty="0"/>
-              <a:t> </a:t>
-            </a:r>
-            <a:r>
-              <a:rPr lang="en-US" altLang="ko-KR" sz="3600" dirty="0"/>
-              <a:t>pull</a:t>
-            </a:r>
-            <a:r>
-              <a:rPr lang="ko-KR" altLang="en-US" sz="3600" dirty="0"/>
-              <a:t> 그리고 </a:t>
-            </a:r>
-            <a:r>
-              <a:rPr lang="en-US" altLang="ko-KR" sz="3600" dirty="0"/>
-              <a:t>clone</a:t>
-            </a:r>
-            <a:endParaRPr lang="ko-KR" altLang="en-US" sz="3600" dirty="0"/>
+              <a:t>추가 명령어 정리</a:t>
+            </a:r>
           </a:p>
         </p:txBody>
       </p:sp>
@@ -16192,117 +16941,306 @@
           </a:bodyPr>
           <a:lstStyle/>
           <a:p>
-            <a:pPr>
-              <a:buAutoNum type="arabicPeriod"/>
+            <a:pPr marL="0" indent="0">
+              <a:buNone/>
             </a:pPr>
             <a:r>
-              <a:rPr lang="en-US" altLang="ko-KR" sz="1600" dirty="0"/>
-              <a:t>fetch</a:t>
-            </a:r>
-          </a:p>
-          <a:p>
-            <a:pPr marL="800100" lvl="1" indent="-342900">
-              <a:buFont typeface="+mj-lt"/>
-              <a:buAutoNum type="arabicParenR"/>
+              <a:rPr lang="en-US" altLang="ko-KR" sz="1200" b="1" dirty="0">
+                <a:solidFill>
+                  <a:srgbClr val="FFFF00"/>
+                </a:solidFill>
+              </a:rPr>
+              <a:t>$ git  remote  show &lt;</a:t>
+            </a:r>
+            <a:r>
+              <a:rPr lang="ko-KR" altLang="en-US" sz="1200" b="1" dirty="0">
+                <a:solidFill>
+                  <a:srgbClr val="FFFF00"/>
+                </a:solidFill>
+              </a:rPr>
+              <a:t>원격저장소 이름</a:t>
+            </a:r>
+            <a:r>
+              <a:rPr lang="en-US" altLang="ko-KR" sz="1200" b="1" dirty="0">
+                <a:solidFill>
+                  <a:srgbClr val="FFFF00"/>
+                </a:solidFill>
+              </a:rPr>
+              <a:t>&gt;</a:t>
+            </a:r>
+          </a:p>
+          <a:p>
+            <a:pPr marL="0" indent="0">
+              <a:buNone/>
             </a:pPr>
             <a:r>
-              <a:rPr lang="ko-KR" altLang="en-US" sz="1400" dirty="0"/>
-              <a:t>단순히 원격 저장소의 내용을 확인만 하고 로컬 데이터와 병합은 하고 싶지 않은 경우</a:t>
-            </a:r>
-            <a:endParaRPr lang="en-US" altLang="ko-KR" sz="1400" dirty="0"/>
-          </a:p>
-          <a:p>
-            <a:pPr marL="800100" lvl="1" indent="-342900">
-              <a:buFont typeface="+mj-lt"/>
-              <a:buAutoNum type="arabicParenR"/>
+              <a:rPr lang="en-US" altLang="ko-KR" sz="1200" b="1" dirty="0">
+                <a:solidFill>
+                  <a:srgbClr val="FFFF00"/>
+                </a:solidFill>
+              </a:rPr>
+              <a:t>$ git  remote  rename  &lt;Old Name&gt;  &lt;New Name&gt;   </a:t>
+            </a:r>
+            <a:r>
+              <a:rPr lang="en-US" altLang="ko-KR" sz="1200" dirty="0"/>
+              <a:t>// </a:t>
+            </a:r>
+            <a:r>
+              <a:rPr lang="ko-KR" altLang="en-US" sz="1200" dirty="0"/>
+              <a:t>원격 저장소 이름 변경</a:t>
+            </a:r>
+            <a:endParaRPr lang="en-US" altLang="ko-KR" sz="1200" dirty="0"/>
+          </a:p>
+          <a:p>
+            <a:pPr marL="0" indent="0">
+              <a:buNone/>
             </a:pPr>
             <a:r>
-              <a:rPr lang="ko-KR" altLang="en-US" sz="1400" dirty="0"/>
-              <a:t>원격 저장소의 최신 이력 확인 가능</a:t>
-            </a:r>
-            <a:endParaRPr lang="en-US" altLang="ko-KR" sz="1400" dirty="0"/>
-          </a:p>
-          <a:p>
-            <a:pPr marL="800100" lvl="1" indent="-342900">
-              <a:buFont typeface="+mj-lt"/>
-              <a:buAutoNum type="arabicParenR"/>
+              <a:rPr lang="en-US" altLang="ko-KR" sz="1200" b="1" dirty="0">
+                <a:solidFill>
+                  <a:srgbClr val="FFFF00"/>
+                </a:solidFill>
+              </a:rPr>
+              <a:t>$ git  remote  remove &lt;</a:t>
+            </a:r>
+            <a:r>
+              <a:rPr lang="ko-KR" altLang="en-US" sz="1200" b="1" dirty="0">
+                <a:solidFill>
+                  <a:srgbClr val="FFFF00"/>
+                </a:solidFill>
+              </a:rPr>
+              <a:t>원격저장소 이름</a:t>
+            </a:r>
+            <a:r>
+              <a:rPr lang="en-US" altLang="ko-KR" sz="1200" b="1" dirty="0">
+                <a:solidFill>
+                  <a:srgbClr val="FFFF00"/>
+                </a:solidFill>
+              </a:rPr>
+              <a:t>&gt;</a:t>
+            </a:r>
+            <a:r>
+              <a:rPr lang="en-US" altLang="ko-KR" sz="1200" dirty="0"/>
+              <a:t>   =  $ git  remote  rm &lt;</a:t>
+            </a:r>
+            <a:r>
+              <a:rPr lang="ko-KR" altLang="en-US" sz="1200" dirty="0"/>
+              <a:t>원격저장소 이름</a:t>
+            </a:r>
+            <a:r>
+              <a:rPr lang="en-US" altLang="ko-KR" sz="1200" dirty="0"/>
+              <a:t>&gt;  // </a:t>
+            </a:r>
+            <a:r>
+              <a:rPr lang="ko-KR" altLang="en-US" sz="1200" dirty="0"/>
+              <a:t>원격 저장소 삭제</a:t>
+            </a:r>
+            <a:endParaRPr lang="en-US" altLang="ko-KR" sz="1200" dirty="0"/>
+          </a:p>
+          <a:p>
+            <a:pPr marL="0" indent="0">
+              <a:buNone/>
             </a:pPr>
-            <a:r>
-              <a:rPr lang="ko-KR" altLang="en-US" sz="1400" dirty="0"/>
-              <a:t>원격 저장소의 코드를 받아 와</a:t>
-            </a:r>
-            <a:r>
-              <a:rPr lang="en-US" altLang="ko-KR" sz="1400" dirty="0"/>
-              <a:t>, </a:t>
-            </a:r>
-            <a:r>
-              <a:rPr lang="ko-KR" altLang="en-US" sz="1400" dirty="0"/>
-              <a:t>기존 코드에 더해 줌</a:t>
-            </a:r>
-            <a:r>
-              <a:rPr lang="en-US" altLang="ko-KR" sz="1400" dirty="0"/>
-              <a:t>(merge</a:t>
-            </a:r>
-            <a:r>
-              <a:rPr lang="ko-KR" altLang="en-US" sz="1400" dirty="0"/>
-              <a:t>는 아님</a:t>
-            </a:r>
-            <a:r>
-              <a:rPr lang="en-US" altLang="ko-KR" sz="1400" dirty="0"/>
-              <a:t>)</a:t>
-            </a:r>
-          </a:p>
-          <a:p>
-            <a:pPr>
-              <a:buAutoNum type="arabicPeriod"/>
+            <a:endParaRPr lang="en-US" altLang="ko-KR" sz="1200" dirty="0"/>
+          </a:p>
+          <a:p>
+            <a:pPr marL="0" indent="0">
+              <a:buNone/>
             </a:pPr>
             <a:r>
-              <a:rPr lang="en-US" altLang="ko-KR" sz="1600" dirty="0"/>
-              <a:t>pull</a:t>
-            </a:r>
-          </a:p>
-          <a:p>
-            <a:pPr marL="800100" lvl="1" indent="-342900">
-              <a:buFont typeface="+mj-lt"/>
-              <a:buAutoNum type="arabicParenR"/>
+              <a:rPr lang="en-US" altLang="ko-KR" sz="1200" b="1" dirty="0">
+                <a:solidFill>
+                  <a:srgbClr val="FFFF00"/>
+                </a:solidFill>
+              </a:rPr>
+              <a:t>$ git  tag   </a:t>
+            </a:r>
+            <a:r>
+              <a:rPr lang="en-US" altLang="ko-KR" sz="1200" dirty="0"/>
+              <a:t>// </a:t>
+            </a:r>
+            <a:r>
+              <a:rPr lang="ko-KR" altLang="en-US" sz="1200" dirty="0"/>
+              <a:t>태그 목록 보기</a:t>
+            </a:r>
+            <a:endParaRPr lang="en-US" altLang="ko-KR" sz="1200" dirty="0"/>
+          </a:p>
+          <a:p>
+            <a:pPr marL="0" indent="0">
+              <a:buNone/>
             </a:pPr>
             <a:r>
-              <a:rPr lang="en-US" altLang="ko-KR" sz="1400" dirty="0"/>
-              <a:t>fetch + merge</a:t>
-            </a:r>
-          </a:p>
-          <a:p>
-            <a:pPr>
-              <a:buAutoNum type="arabicPeriod"/>
+              <a:rPr lang="en-US" altLang="ko-KR" sz="1200" b="1" dirty="0">
+                <a:solidFill>
+                  <a:srgbClr val="FFFF00"/>
+                </a:solidFill>
+              </a:rPr>
+              <a:t>$ git  tag  v1.4    </a:t>
+            </a:r>
+            <a:r>
+              <a:rPr lang="en-US" altLang="ko-KR" sz="1200" dirty="0"/>
+              <a:t>// Lightweight </a:t>
+            </a:r>
+            <a:r>
+              <a:rPr lang="ko-KR" altLang="en-US" sz="1200" dirty="0"/>
+              <a:t>태그 생성</a:t>
+            </a:r>
+            <a:endParaRPr lang="en-US" altLang="ko-KR" sz="1200" dirty="0"/>
+          </a:p>
+          <a:p>
+            <a:pPr marL="0" indent="0">
+              <a:buNone/>
             </a:pPr>
             <a:r>
-              <a:rPr lang="en-US" altLang="ko-KR" sz="1600" dirty="0"/>
-              <a:t>clone</a:t>
-            </a:r>
-          </a:p>
-          <a:p>
-            <a:pPr marL="800100" lvl="1" indent="-342900">
-              <a:buFont typeface="+mj-lt"/>
-              <a:buAutoNum type="arabicParenR"/>
+              <a:rPr lang="en-US" altLang="ko-KR" sz="1200" b="1" dirty="0">
+                <a:solidFill>
+                  <a:srgbClr val="FFFF00"/>
+                </a:solidFill>
+              </a:rPr>
+              <a:t>$ git  tag  -a  v1.4  -m  “my version 1.4”   </a:t>
+            </a:r>
+            <a:r>
+              <a:rPr lang="en-US" altLang="ko-KR" sz="1200" dirty="0"/>
+              <a:t>// Annotated Tag </a:t>
+            </a:r>
+            <a:r>
+              <a:rPr lang="ko-KR" altLang="en-US" sz="1200" dirty="0"/>
+              <a:t>생성</a:t>
+            </a:r>
+            <a:endParaRPr lang="en-US" altLang="ko-KR" sz="1200" dirty="0"/>
+          </a:p>
+          <a:p>
+            <a:pPr marL="0" indent="0">
+              <a:buNone/>
             </a:pPr>
             <a:r>
-              <a:rPr lang="en-US" altLang="ko-KR" sz="1400" dirty="0"/>
-              <a:t>pull + git remote add “</a:t>
-            </a:r>
-            <a:r>
-              <a:rPr lang="ko-KR" altLang="en-US" sz="1400" dirty="0"/>
-              <a:t>해당 주소</a:t>
-            </a:r>
-            <a:r>
-              <a:rPr lang="en-US" altLang="ko-KR" sz="1400" dirty="0"/>
-              <a:t>”</a:t>
-            </a:r>
-          </a:p>
-          <a:p>
-            <a:pPr>
-              <a:buAutoNum type="arabicPeriod"/>
+              <a:rPr lang="en-US" altLang="ko-KR" sz="1200" b="1" dirty="0">
+                <a:solidFill>
+                  <a:srgbClr val="FFFF00"/>
+                </a:solidFill>
+              </a:rPr>
+              <a:t>$ git  show  v1.4      </a:t>
+            </a:r>
+            <a:r>
+              <a:rPr lang="en-US" altLang="ko-KR" sz="1200" dirty="0"/>
+              <a:t>//</a:t>
+            </a:r>
+            <a:r>
+              <a:rPr lang="ko-KR" altLang="en-US" sz="1200" dirty="0"/>
+              <a:t>특정 태그 내용만 조회</a:t>
+            </a:r>
+            <a:r>
+              <a:rPr lang="en-US" altLang="ko-KR" sz="1200" dirty="0"/>
+              <a:t>,  $ git  show </a:t>
+            </a:r>
+            <a:r>
+              <a:rPr lang="ko-KR" altLang="en-US" sz="1200" dirty="0"/>
+              <a:t>는 단순히 </a:t>
+            </a:r>
+            <a:r>
+              <a:rPr lang="ko-KR" altLang="en-US" sz="1200" dirty="0" err="1"/>
+              <a:t>커밋</a:t>
+            </a:r>
+            <a:r>
+              <a:rPr lang="ko-KR" altLang="en-US" sz="1200" dirty="0"/>
+              <a:t> 정보만 보여주기 때문에 뒤에 태그 이름 붙일 것</a:t>
+            </a:r>
+            <a:endParaRPr lang="en-US" altLang="ko-KR" sz="1200" dirty="0"/>
+          </a:p>
+          <a:p>
+            <a:pPr marL="0" indent="0">
+              <a:buNone/>
             </a:pPr>
-            <a:endParaRPr lang="en-US" altLang="ko-KR" sz="1600" dirty="0"/>
+            <a:r>
+              <a:rPr lang="en-US" altLang="ko-KR" sz="1200" b="1" dirty="0">
+                <a:solidFill>
+                  <a:srgbClr val="FFFF00"/>
+                </a:solidFill>
+              </a:rPr>
+              <a:t>$ git  push  origin  v1.5   </a:t>
+            </a:r>
+            <a:r>
+              <a:rPr lang="en-US" altLang="ko-KR" sz="1200" dirty="0"/>
+              <a:t>// git push</a:t>
+            </a:r>
+            <a:r>
+              <a:rPr lang="ko-KR" altLang="en-US" sz="1200" dirty="0"/>
+              <a:t>는 자동으로 원격저장소에 태그를 전송하지 않는다</a:t>
+            </a:r>
+            <a:r>
+              <a:rPr lang="en-US" altLang="ko-KR" sz="1200" dirty="0"/>
+              <a:t>. </a:t>
+            </a:r>
+            <a:r>
+              <a:rPr lang="ko-KR" altLang="en-US" sz="1200" dirty="0"/>
+              <a:t>태그를 만들었으면 별도로 </a:t>
+            </a:r>
+            <a:r>
+              <a:rPr lang="en-US" altLang="ko-KR" sz="1200" dirty="0"/>
+              <a:t>push </a:t>
+            </a:r>
+            <a:r>
+              <a:rPr lang="ko-KR" altLang="en-US" sz="1200" dirty="0"/>
+              <a:t>해야 함</a:t>
+            </a:r>
+            <a:r>
+              <a:rPr lang="en-US" altLang="ko-KR" sz="1200" dirty="0"/>
+              <a:t>.</a:t>
+            </a:r>
+          </a:p>
+          <a:p>
+            <a:pPr marL="0" indent="0">
+              <a:buNone/>
+            </a:pPr>
+            <a:r>
+              <a:rPr lang="en-US" altLang="ko-KR" sz="1200" b="1" dirty="0">
+                <a:solidFill>
+                  <a:srgbClr val="FFFF00"/>
+                </a:solidFill>
+              </a:rPr>
+              <a:t>$ git  push  origin  --tags   </a:t>
+            </a:r>
+            <a:r>
+              <a:rPr lang="en-US" altLang="ko-KR" sz="1200" dirty="0"/>
+              <a:t>// </a:t>
+            </a:r>
+            <a:r>
+              <a:rPr lang="ko-KR" altLang="en-US" sz="1200" dirty="0"/>
+              <a:t>한 번에 여러 개 태그를 </a:t>
+            </a:r>
+            <a:r>
+              <a:rPr lang="en-US" altLang="ko-KR" sz="1200" dirty="0"/>
+              <a:t>push , clone </a:t>
+            </a:r>
+            <a:r>
+              <a:rPr lang="ko-KR" altLang="en-US" sz="1200" dirty="0"/>
+              <a:t>하거나 </a:t>
+            </a:r>
+            <a:r>
+              <a:rPr lang="en-US" altLang="ko-KR" sz="1200" dirty="0"/>
+              <a:t>pull </a:t>
+            </a:r>
+            <a:r>
+              <a:rPr lang="ko-KR" altLang="en-US" sz="1200" dirty="0"/>
+              <a:t>하면 모든</a:t>
+            </a:r>
+            <a:r>
+              <a:rPr lang="en-US" altLang="ko-KR" sz="1200" dirty="0"/>
+              <a:t> </a:t>
+            </a:r>
+            <a:r>
+              <a:rPr lang="ko-KR" altLang="en-US" sz="1200" dirty="0"/>
+              <a:t>태그</a:t>
+            </a:r>
+            <a:r>
+              <a:rPr lang="en-US" altLang="ko-KR" sz="1200" dirty="0"/>
+              <a:t> </a:t>
+            </a:r>
+            <a:r>
+              <a:rPr lang="ko-KR" altLang="en-US" sz="1200" dirty="0"/>
+              <a:t>정보도 함께 전송</a:t>
+            </a:r>
+            <a:endParaRPr lang="en-US" altLang="ko-KR" sz="1200" dirty="0"/>
           </a:p>
         </p:txBody>
       </p:sp>
@@ -16311,7 +17249,7 @@
           <p:cNvPr id="4" name="슬라이드 번호 개체 틀 3">
             <a:extLst>
               <a:ext uri="{FF2B5EF4-FFF2-40B4-BE49-F238E27FC236}">
-                <a16:creationId xmlns:a16="http://schemas.microsoft.com/office/drawing/2014/main" id="{D684965C-F18B-ED32-AFD3-CAF6C91EE547}"/>
+                <a16:creationId xmlns:a16="http://schemas.microsoft.com/office/drawing/2014/main" id="{4F572D88-086B-4C8E-A72A-BA252552FB78}"/>
               </a:ext>
             </a:extLst>
           </p:cNvPr>
@@ -16329,7 +17267,7 @@
           <a:p>
             <a:fld id="{D57F1E4F-1CFF-5643-939E-02111984F565}" type="slidenum">
               <a:rPr lang="en-US" smtClean="0"/>
-              <a:t>22</a:t>
+              <a:t>21</a:t>
             </a:fld>
             <a:endParaRPr lang="en-US" dirty="0"/>
           </a:p>
@@ -16338,7 +17276,7 @@
     </p:spTree>
     <p:extLst>
       <p:ext uri="{BB962C8B-B14F-4D97-AF65-F5344CB8AC3E}">
-        <p14:creationId xmlns:p14="http://schemas.microsoft.com/office/powerpoint/2010/main" val="2459264882"/>
+        <p14:creationId xmlns:p14="http://schemas.microsoft.com/office/powerpoint/2010/main" val="2871220523"/>
       </p:ext>
     </p:extLst>
   </p:cSld>
@@ -16393,12 +17331,25 @@
           <a:p>
             <a:r>
               <a:rPr lang="en-US" altLang="ko-KR" sz="3600" dirty="0"/>
-              <a:t>branch </a:t>
+              <a:t>fetch,</a:t>
             </a:r>
             <a:r>
               <a:rPr lang="ko-KR" altLang="en-US" sz="3600" dirty="0"/>
-              <a:t>만들기</a:t>
-            </a:r>
+              <a:t> </a:t>
+            </a:r>
+            <a:r>
+              <a:rPr lang="en-US" altLang="ko-KR" sz="3600" dirty="0"/>
+              <a:t>pull</a:t>
+            </a:r>
+            <a:r>
+              <a:rPr lang="ko-KR" altLang="en-US" sz="3600" dirty="0"/>
+              <a:t> 그리고 </a:t>
+            </a:r>
+            <a:r>
+              <a:rPr lang="en-US" altLang="ko-KR" sz="3600" dirty="0"/>
+              <a:t>clone</a:t>
+            </a:r>
+            <a:endParaRPr lang="ko-KR" altLang="en-US" sz="3600" dirty="0"/>
           </a:p>
         </p:txBody>
       </p:sp>
@@ -16430,40 +17381,44 @@
           </a:bodyPr>
           <a:lstStyle/>
           <a:p>
-            <a:pPr marL="0" indent="0">
-              <a:buNone/>
+            <a:pPr>
+              <a:buAutoNum type="arabicPeriod"/>
             </a:pPr>
             <a:r>
-              <a:rPr lang="en-US" altLang="ko-KR" sz="1400" dirty="0"/>
-              <a:t>Branch</a:t>
-            </a:r>
+              <a:rPr lang="en-US" altLang="ko-KR" sz="1600" dirty="0"/>
+              <a:t>fetch</a:t>
+            </a:r>
+          </a:p>
+          <a:p>
+            <a:pPr marL="800100" lvl="1" indent="-342900">
+              <a:buFont typeface="+mj-lt"/>
+              <a:buAutoNum type="arabicParenR"/>
+            </a:pPr>
             <a:r>
               <a:rPr lang="ko-KR" altLang="en-US" sz="1400" dirty="0"/>
-              <a:t>란 독립적으로 어떤 작업을 진행하기 위한 개념입니다</a:t>
-            </a:r>
-            <a:r>
-              <a:rPr lang="en-US" altLang="ko-KR" sz="1400" dirty="0"/>
-              <a:t>. </a:t>
-            </a:r>
+              <a:t>단순히 원격 저장소의 내용을 확인만 하고 로컬 데이터와 병합은 하고 싶지 않은 경우</a:t>
+            </a:r>
+            <a:endParaRPr lang="en-US" altLang="ko-KR" sz="1400" dirty="0"/>
+          </a:p>
+          <a:p>
+            <a:pPr marL="800100" lvl="1" indent="-342900">
+              <a:buFont typeface="+mj-lt"/>
+              <a:buAutoNum type="arabicParenR"/>
+            </a:pPr>
             <a:r>
               <a:rPr lang="ko-KR" altLang="en-US" sz="1400" dirty="0"/>
-              <a:t>필요에 의해 만들어지는 각각의 </a:t>
-            </a:r>
-            <a:r>
-              <a:rPr lang="en-US" altLang="ko-KR" sz="1400" dirty="0"/>
-              <a:t>Branch</a:t>
-            </a:r>
+              <a:t>원격 저장소의 최신 이력 확인 가능</a:t>
+            </a:r>
+            <a:endParaRPr lang="en-US" altLang="ko-KR" sz="1400" dirty="0"/>
+          </a:p>
+          <a:p>
+            <a:pPr marL="800100" lvl="1" indent="-342900">
+              <a:buFont typeface="+mj-lt"/>
+              <a:buAutoNum type="arabicParenR"/>
+            </a:pPr>
             <a:r>
               <a:rPr lang="ko-KR" altLang="en-US" sz="1400" dirty="0"/>
-              <a:t>는 다른 </a:t>
-            </a:r>
-            <a:r>
-              <a:rPr lang="en-US" altLang="ko-KR" sz="1400" dirty="0"/>
-              <a:t>Branch</a:t>
-            </a:r>
-            <a:r>
-              <a:rPr lang="ko-KR" altLang="en-US" sz="1400" dirty="0"/>
-              <a:t>의 영향을 받지 않기 때문에</a:t>
+              <a:t>원격 저장소의 코드를 받아 와</a:t>
             </a:r>
             <a:r>
               <a:rPr lang="en-US" altLang="ko-KR" sz="1400" dirty="0"/>
@@ -16471,415 +17426,72 @@
             </a:r>
             <a:r>
               <a:rPr lang="ko-KR" altLang="en-US" sz="1400" dirty="0"/>
-              <a:t>여러 작업을 동시에 진행할 수 있습니다</a:t>
+              <a:t>기존 코드에 더해 줌</a:t>
             </a:r>
             <a:r>
               <a:rPr lang="en-US" altLang="ko-KR" sz="1400" dirty="0"/>
-              <a:t>. </a:t>
+              <a:t>(merge</a:t>
             </a:r>
             <a:r>
               <a:rPr lang="ko-KR" altLang="en-US" sz="1400" dirty="0"/>
-              <a:t>또한 이렇게 만들어진 </a:t>
+              <a:t>는 아님</a:t>
             </a:r>
             <a:r>
               <a:rPr lang="en-US" altLang="ko-KR" sz="1400" dirty="0"/>
-              <a:t>Branch</a:t>
+              <a:t>)</a:t>
+            </a:r>
+          </a:p>
+          <a:p>
+            <a:pPr>
+              <a:buAutoNum type="arabicPeriod"/>
+            </a:pPr>
+            <a:r>
+              <a:rPr lang="en-US" altLang="ko-KR" sz="1600" dirty="0"/>
+              <a:t>pull</a:t>
+            </a:r>
+          </a:p>
+          <a:p>
+            <a:pPr marL="800100" lvl="1" indent="-342900">
+              <a:buFont typeface="+mj-lt"/>
+              <a:buAutoNum type="arabicParenR"/>
+            </a:pPr>
+            <a:r>
+              <a:rPr lang="en-US" altLang="ko-KR" sz="1400" dirty="0"/>
+              <a:t>fetch + merge</a:t>
+            </a:r>
+          </a:p>
+          <a:p>
+            <a:pPr>
+              <a:buAutoNum type="arabicPeriod"/>
+            </a:pPr>
+            <a:r>
+              <a:rPr lang="en-US" altLang="ko-KR" sz="1600" dirty="0"/>
+              <a:t>clone</a:t>
+            </a:r>
+          </a:p>
+          <a:p>
+            <a:pPr marL="800100" lvl="1" indent="-342900">
+              <a:buFont typeface="+mj-lt"/>
+              <a:buAutoNum type="arabicParenR"/>
+            </a:pPr>
+            <a:r>
+              <a:rPr lang="en-US" altLang="ko-KR" sz="1400" dirty="0"/>
+              <a:t>pull + git remote add “</a:t>
             </a:r>
             <a:r>
               <a:rPr lang="ko-KR" altLang="en-US" sz="1400" dirty="0"/>
-              <a:t>는 다른 </a:t>
+              <a:t>해당 주소</a:t>
             </a:r>
             <a:r>
               <a:rPr lang="en-US" altLang="ko-KR" sz="1400" dirty="0"/>
-              <a:t>Branch</a:t>
-            </a:r>
-            <a:r>
-              <a:rPr lang="ko-KR" altLang="en-US" sz="1400" dirty="0"/>
-              <a:t>와 병합</a:t>
-            </a:r>
-            <a:r>
-              <a:rPr lang="en-US" altLang="ko-KR" sz="1400" dirty="0"/>
-              <a:t>(Merge)</a:t>
-            </a:r>
-            <a:r>
-              <a:rPr lang="ko-KR" altLang="en-US" sz="1400" dirty="0"/>
-              <a:t>함으로써</a:t>
-            </a:r>
-            <a:r>
-              <a:rPr lang="en-US" altLang="ko-KR" sz="1400" dirty="0"/>
-              <a:t>, </a:t>
-            </a:r>
-            <a:r>
-              <a:rPr lang="ko-KR" altLang="en-US" sz="1400" dirty="0"/>
-              <a:t>작업한 내용을 다시 새로운 하나의 </a:t>
-            </a:r>
-            <a:r>
-              <a:rPr lang="en-US" altLang="ko-KR" sz="1400" dirty="0"/>
-              <a:t>Branch</a:t>
-            </a:r>
-            <a:r>
-              <a:rPr lang="ko-KR" altLang="en-US" sz="1400" dirty="0"/>
-              <a:t>로 모을 수 있습니다</a:t>
-            </a:r>
-            <a:r>
-              <a:rPr lang="en-US" altLang="ko-KR" sz="1400" dirty="0"/>
-              <a:t>.</a:t>
-            </a:r>
-          </a:p>
-          <a:p>
-            <a:pPr marL="0" indent="0">
-              <a:buNone/>
+              <a:t>”</a:t>
+            </a:r>
+          </a:p>
+          <a:p>
+            <a:pPr>
+              <a:buAutoNum type="arabicPeriod"/>
             </a:pPr>
-            <a:r>
-              <a:rPr lang="ko-KR" altLang="en-US" sz="1400" dirty="0"/>
-              <a:t>여러 명이서 동시에 작업을 할 때에 다른 사람의 작업에 영향을 주거나 받지 않도록</a:t>
-            </a:r>
-            <a:r>
-              <a:rPr lang="en-US" altLang="ko-KR" sz="1400" dirty="0"/>
-              <a:t>, </a:t>
-            </a:r>
-            <a:r>
-              <a:rPr lang="ko-KR" altLang="en-US" sz="1400" dirty="0"/>
-              <a:t>먼저 메인 </a:t>
-            </a:r>
-            <a:r>
-              <a:rPr lang="en-US" altLang="ko-KR" sz="1400" dirty="0"/>
-              <a:t>Branch</a:t>
-            </a:r>
-            <a:r>
-              <a:rPr lang="ko-KR" altLang="en-US" sz="1400" dirty="0"/>
-              <a:t>에서 자신의 작업 전용 </a:t>
-            </a:r>
-            <a:r>
-              <a:rPr lang="en-US" altLang="ko-KR" sz="1400" dirty="0"/>
-              <a:t>Branch</a:t>
-            </a:r>
-            <a:r>
-              <a:rPr lang="ko-KR" altLang="en-US" sz="1400" dirty="0"/>
-              <a:t>를 만듭니다</a:t>
-            </a:r>
-            <a:r>
-              <a:rPr lang="en-US" altLang="ko-KR" sz="1400" dirty="0"/>
-              <a:t>. </a:t>
-            </a:r>
-            <a:r>
-              <a:rPr lang="ko-KR" altLang="en-US" sz="1400" dirty="0"/>
-              <a:t>그리고 각자 작업을 진행한 후</a:t>
-            </a:r>
-            <a:r>
-              <a:rPr lang="en-US" altLang="ko-KR" sz="1400" dirty="0"/>
-              <a:t>, </a:t>
-            </a:r>
-            <a:r>
-              <a:rPr lang="ko-KR" altLang="en-US" sz="1400" dirty="0"/>
-              <a:t>작업이 끝난 사람은 메인 </a:t>
-            </a:r>
-            <a:r>
-              <a:rPr lang="en-US" altLang="ko-KR" sz="1400" dirty="0"/>
-              <a:t>Branch</a:t>
-            </a:r>
-            <a:r>
-              <a:rPr lang="ko-KR" altLang="en-US" sz="1400" dirty="0"/>
-              <a:t>에 자신의 </a:t>
-            </a:r>
-            <a:r>
-              <a:rPr lang="en-US" altLang="ko-KR" sz="1400" dirty="0"/>
-              <a:t>Branch</a:t>
-            </a:r>
-            <a:r>
-              <a:rPr lang="ko-KR" altLang="en-US" sz="1400" dirty="0"/>
-              <a:t>의 변경 사항을 적용합니다</a:t>
-            </a:r>
-            <a:r>
-              <a:rPr lang="en-US" altLang="ko-KR" sz="1400" dirty="0"/>
-              <a:t>. </a:t>
-            </a:r>
-            <a:r>
-              <a:rPr lang="ko-KR" altLang="en-US" sz="1400" dirty="0"/>
-              <a:t>이렇게 함으로써 다른 사람의 작업에 영향을 받지 않고 독립적으로 특정 작업을 수행하고 그 결과를 하나로 모아 나가게 됩니다</a:t>
-            </a:r>
-            <a:r>
-              <a:rPr lang="en-US" altLang="ko-KR" sz="1400" dirty="0"/>
-              <a:t>. </a:t>
-            </a:r>
-            <a:r>
-              <a:rPr lang="ko-KR" altLang="en-US" sz="1400" dirty="0"/>
-              <a:t>이러한 방식으로 작업할 경우 </a:t>
-            </a:r>
-            <a:r>
-              <a:rPr lang="en-US" altLang="ko-KR" sz="1400" dirty="0"/>
-              <a:t>'</a:t>
-            </a:r>
-            <a:r>
-              <a:rPr lang="ko-KR" altLang="en-US" sz="1400" dirty="0"/>
-              <a:t>작업 단위</a:t>
-            </a:r>
-            <a:r>
-              <a:rPr lang="en-US" altLang="ko-KR" sz="1400" dirty="0"/>
-              <a:t>', </a:t>
-            </a:r>
-            <a:r>
-              <a:rPr lang="ko-KR" altLang="en-US" sz="1400" dirty="0"/>
-              <a:t>즉 </a:t>
-            </a:r>
-            <a:r>
-              <a:rPr lang="en-US" altLang="ko-KR" sz="1400" dirty="0"/>
-              <a:t>Branch</a:t>
-            </a:r>
-            <a:r>
-              <a:rPr lang="ko-KR" altLang="en-US" sz="1400" dirty="0"/>
-              <a:t>로 그 작업의 기록을 중간 중간에 남기게 되므로 문제가 발생했을 경우 원인이 되는 작업을 찾아내거나 그에 따른 대책을 세우기 쉬워집니다</a:t>
-            </a:r>
-            <a:r>
-              <a:rPr lang="en-US" altLang="ko-KR" sz="1400" dirty="0"/>
-              <a:t>.</a:t>
-            </a:r>
-          </a:p>
-          <a:p>
-            <a:pPr marL="0" indent="0">
-              <a:buNone/>
-            </a:pPr>
-            <a:r>
-              <a:rPr lang="en-US" altLang="ko-KR" sz="1400" dirty="0"/>
-              <a:t>git </a:t>
-            </a:r>
-            <a:r>
-              <a:rPr lang="ko-KR" altLang="en-US" sz="1400" dirty="0"/>
-              <a:t>에서는 작업에 따라 자유롭게 </a:t>
-            </a:r>
-            <a:r>
-              <a:rPr lang="en-US" altLang="ko-KR" sz="1400" dirty="0"/>
-              <a:t>Branch</a:t>
-            </a:r>
-            <a:r>
-              <a:rPr lang="ko-KR" altLang="en-US" sz="1400" dirty="0"/>
-              <a:t>를 만들 수 있습니다</a:t>
-            </a:r>
-            <a:r>
-              <a:rPr lang="en-US" altLang="ko-KR" sz="1400" dirty="0"/>
-              <a:t>. </a:t>
-            </a:r>
-            <a:r>
-              <a:rPr lang="ko-KR" altLang="en-US" sz="1400" dirty="0"/>
-              <a:t>그러나 이것을 효과적으로 관리하려면</a:t>
-            </a:r>
-            <a:r>
-              <a:rPr lang="en-US" altLang="ko-KR" sz="1400" dirty="0"/>
-              <a:t>, </a:t>
-            </a:r>
-            <a:r>
-              <a:rPr lang="ko-KR" altLang="en-US" sz="1400" dirty="0"/>
-              <a:t>먼저 함께 작업할 팀원들과 어떠한 방식으로 </a:t>
-            </a:r>
-            <a:r>
-              <a:rPr lang="en-US" altLang="ko-KR" sz="1400" dirty="0"/>
-              <a:t>Branch</a:t>
-            </a:r>
-            <a:r>
-              <a:rPr lang="ko-KR" altLang="en-US" sz="1400" dirty="0"/>
-              <a:t>를 만들고 통합할 것인지 미리 정해두는 것이 좋습니다</a:t>
-            </a:r>
-            <a:r>
-              <a:rPr lang="en-US" altLang="ko-KR" sz="1400" dirty="0"/>
-              <a:t>. </a:t>
-            </a:r>
-            <a:r>
-              <a:rPr lang="ko-KR" altLang="en-US" sz="1400" dirty="0"/>
-              <a:t>예를 들어 새로운 </a:t>
-            </a:r>
-            <a:r>
-              <a:rPr lang="en-US" altLang="ko-KR" sz="1400" dirty="0"/>
-              <a:t>Branch</a:t>
-            </a:r>
-            <a:r>
-              <a:rPr lang="ko-KR" altLang="en-US" sz="1400" dirty="0"/>
-              <a:t>를 만들 때에 </a:t>
-            </a:r>
-            <a:r>
-              <a:rPr lang="en-US" altLang="ko-KR" sz="1400" dirty="0"/>
-              <a:t>Branch</a:t>
-            </a:r>
-            <a:r>
-              <a:rPr lang="ko-KR" altLang="en-US" sz="1400" dirty="0"/>
-              <a:t> 이름은 어떤 규칙으로 지을 것인지 또는 어떤 상황에서 </a:t>
-            </a:r>
-            <a:r>
-              <a:rPr lang="en-US" altLang="ko-KR" sz="1400" dirty="0"/>
-              <a:t>Branch</a:t>
-            </a:r>
-            <a:r>
-              <a:rPr lang="ko-KR" altLang="en-US" sz="1400" dirty="0"/>
-              <a:t>를 만들 지</a:t>
-            </a:r>
-            <a:r>
-              <a:rPr lang="en-US" altLang="ko-KR" sz="1400" dirty="0"/>
-              <a:t>, </a:t>
-            </a:r>
-            <a:r>
-              <a:rPr lang="ko-KR" altLang="en-US" sz="1400" dirty="0"/>
-              <a:t>어느 시점에 통합할 것인지 등등 규칙은 정하기 나름입니다</a:t>
-            </a:r>
-            <a:r>
-              <a:rPr lang="en-US" altLang="ko-KR" sz="1400" dirty="0"/>
-              <a:t>.</a:t>
-            </a:r>
-          </a:p>
-          <a:p>
-            <a:pPr marL="0" indent="0">
-              <a:buNone/>
-            </a:pPr>
-            <a:endParaRPr lang="en-US" altLang="ko-KR" sz="1400" dirty="0"/>
-          </a:p>
-          <a:p>
-            <a:pPr marL="0" indent="0">
-              <a:buNone/>
-            </a:pPr>
-            <a:r>
-              <a:rPr lang="en-US" altLang="ko-KR" sz="1400" dirty="0"/>
-              <a:t>‘main’ Branch</a:t>
-            </a:r>
-          </a:p>
-          <a:p>
-            <a:pPr marL="0" indent="0" fontAlgn="base">
-              <a:buNone/>
-            </a:pPr>
-            <a:r>
-              <a:rPr lang="ko-KR" altLang="en-US" sz="1400" dirty="0"/>
-              <a:t>저장소를 처음 만들면</a:t>
-            </a:r>
-            <a:r>
-              <a:rPr lang="en-US" altLang="ko-KR" sz="1400" dirty="0"/>
-              <a:t>, git</a:t>
-            </a:r>
-            <a:r>
-              <a:rPr lang="ko-KR" altLang="en-US" sz="1400" dirty="0"/>
-              <a:t>은 바로 </a:t>
-            </a:r>
-            <a:r>
-              <a:rPr lang="en-US" altLang="ko-KR" sz="1400" dirty="0"/>
-              <a:t>‘main'</a:t>
-            </a:r>
-            <a:r>
-              <a:rPr lang="ko-KR" altLang="en-US" sz="1400" dirty="0"/>
-              <a:t>라는 이름의 </a:t>
-            </a:r>
-            <a:r>
-              <a:rPr lang="en-US" altLang="ko-KR" sz="1400" dirty="0"/>
-              <a:t>Branch</a:t>
-            </a:r>
-            <a:r>
-              <a:rPr lang="ko-KR" altLang="en-US" sz="1400" dirty="0"/>
-              <a:t>를 만들어 둡니다</a:t>
-            </a:r>
-            <a:r>
-              <a:rPr lang="en-US" altLang="ko-KR" sz="1400" dirty="0"/>
-              <a:t>. </a:t>
-            </a:r>
-            <a:r>
-              <a:rPr lang="ko-KR" altLang="en-US" sz="1400" dirty="0"/>
-              <a:t>이 새로운 저장소에 새로운 파일을 추가 한다거나 추가한 파일의 내용을 변경하여 그 내용을 </a:t>
-            </a:r>
-            <a:r>
-              <a:rPr lang="en-US" altLang="ko-KR" sz="1400" dirty="0"/>
-              <a:t>Commit </a:t>
-            </a:r>
-            <a:r>
-              <a:rPr lang="ko-KR" altLang="en-US" sz="1400" dirty="0"/>
-              <a:t>하는 것은 모두 </a:t>
-            </a:r>
-            <a:r>
-              <a:rPr lang="en-US" altLang="ko-KR" sz="1400" dirty="0"/>
-              <a:t>‘main' </a:t>
-            </a:r>
-            <a:r>
-              <a:rPr lang="ko-KR" altLang="en-US" sz="1400" dirty="0"/>
-              <a:t>라는 이름의 </a:t>
-            </a:r>
-            <a:r>
-              <a:rPr lang="en-US" altLang="ko-KR" sz="1400" dirty="0"/>
-              <a:t>Branch</a:t>
-            </a:r>
-            <a:r>
-              <a:rPr lang="ko-KR" altLang="en-US" sz="1400" dirty="0"/>
-              <a:t>를 통해 처리할 수 있는 일이 됩니다</a:t>
-            </a:r>
-            <a:r>
-              <a:rPr lang="en-US" altLang="ko-KR" sz="1400" dirty="0"/>
-              <a:t>.</a:t>
-            </a:r>
-          </a:p>
-          <a:p>
-            <a:pPr marL="0" indent="0" fontAlgn="base">
-              <a:buNone/>
-            </a:pPr>
-            <a:r>
-              <a:rPr lang="en-US" altLang="ko-KR" sz="1400" dirty="0"/>
-              <a:t>‘main'</a:t>
-            </a:r>
-            <a:r>
-              <a:rPr lang="ko-KR" altLang="en-US" sz="1400" dirty="0"/>
-              <a:t>가 아닌 또 다른 새로운 </a:t>
-            </a:r>
-            <a:r>
-              <a:rPr lang="en-US" altLang="ko-KR" sz="1400" dirty="0"/>
-              <a:t>Branch</a:t>
-            </a:r>
-            <a:r>
-              <a:rPr lang="ko-KR" altLang="en-US" sz="1400" dirty="0"/>
-              <a:t>를 만들어서 </a:t>
-            </a:r>
-            <a:r>
-              <a:rPr lang="en-US" altLang="ko-KR" sz="1400" dirty="0"/>
-              <a:t>'</a:t>
-            </a:r>
-            <a:r>
-              <a:rPr lang="ko-KR" altLang="en-US" sz="1400" dirty="0"/>
-              <a:t>이제부터 이 </a:t>
-            </a:r>
-            <a:r>
-              <a:rPr lang="en-US" altLang="ko-KR" sz="1400" dirty="0"/>
-              <a:t>Branch</a:t>
-            </a:r>
-            <a:r>
-              <a:rPr lang="ko-KR" altLang="en-US" sz="1400" dirty="0"/>
-              <a:t>를 사용할거야</a:t>
-            </a:r>
-            <a:r>
-              <a:rPr lang="en-US" altLang="ko-KR" sz="1400" dirty="0"/>
-              <a:t>!'</a:t>
-            </a:r>
-            <a:r>
-              <a:rPr lang="ko-KR" altLang="en-US" sz="1400" dirty="0"/>
-              <a:t>라고 선언</a:t>
-            </a:r>
-            <a:r>
-              <a:rPr lang="en-US" altLang="ko-KR" sz="1400" dirty="0"/>
-              <a:t>(checkout)</a:t>
-            </a:r>
-            <a:r>
-              <a:rPr lang="ko-KR" altLang="en-US" sz="1400" dirty="0"/>
-              <a:t>하지 않는 이상</a:t>
-            </a:r>
-            <a:r>
-              <a:rPr lang="en-US" altLang="ko-KR" sz="1400" dirty="0"/>
-              <a:t>, </a:t>
-            </a:r>
-            <a:r>
-              <a:rPr lang="ko-KR" altLang="en-US" sz="1400" dirty="0"/>
-              <a:t>이 때의 모든 작업은 </a:t>
-            </a:r>
-            <a:r>
-              <a:rPr lang="en-US" altLang="ko-KR" sz="1400" dirty="0"/>
-              <a:t>‘main’  Branch</a:t>
-            </a:r>
-            <a:r>
-              <a:rPr lang="ko-KR" altLang="en-US" sz="1400" dirty="0"/>
-              <a:t>에서 이루어 집니다</a:t>
-            </a:r>
-            <a:r>
-              <a:rPr lang="en-US" altLang="ko-KR" sz="1400" dirty="0"/>
-              <a:t>.</a:t>
-            </a:r>
+            <a:endParaRPr lang="en-US" altLang="ko-KR" sz="1600" dirty="0"/>
           </a:p>
         </p:txBody>
       </p:sp>
@@ -16888,7 +17500,7 @@
           <p:cNvPr id="4" name="슬라이드 번호 개체 틀 3">
             <a:extLst>
               <a:ext uri="{FF2B5EF4-FFF2-40B4-BE49-F238E27FC236}">
-                <a16:creationId xmlns:a16="http://schemas.microsoft.com/office/drawing/2014/main" id="{D3893C5D-DD9D-C96E-4FC0-E335435ADAA4}"/>
+                <a16:creationId xmlns:a16="http://schemas.microsoft.com/office/drawing/2014/main" id="{D684965C-F18B-ED32-AFD3-CAF6C91EE547}"/>
               </a:ext>
             </a:extLst>
           </p:cNvPr>
@@ -16906,7 +17518,7 @@
           <a:p>
             <a:fld id="{D57F1E4F-1CFF-5643-939E-02111984F565}" type="slidenum">
               <a:rPr lang="en-US" smtClean="0"/>
-              <a:t>23</a:t>
+              <a:t>22</a:t>
             </a:fld>
             <a:endParaRPr lang="en-US" dirty="0"/>
           </a:p>
@@ -16915,7 +17527,7 @@
     </p:spTree>
     <p:extLst>
       <p:ext uri="{BB962C8B-B14F-4D97-AF65-F5344CB8AC3E}">
-        <p14:creationId xmlns:p14="http://schemas.microsoft.com/office/powerpoint/2010/main" val="3308465932"/>
+        <p14:creationId xmlns:p14="http://schemas.microsoft.com/office/powerpoint/2010/main" val="2459264882"/>
       </p:ext>
     </p:extLst>
   </p:cSld>
@@ -17007,253 +17619,40 @@
           </a:bodyPr>
           <a:lstStyle/>
           <a:p>
-            <a:pPr fontAlgn="base"/>
-            <a:r>
-              <a:rPr lang="en-US" altLang="ko-KR" b="1" dirty="0"/>
-              <a:t>Integration Branch</a:t>
-            </a:r>
-          </a:p>
-          <a:p>
-            <a:pPr marL="0" indent="0" fontAlgn="base">
+            <a:pPr marL="0" indent="0">
               <a:buNone/>
             </a:pPr>
-            <a:r>
-              <a:rPr lang="en-US" altLang="ko-KR" sz="1500" dirty="0"/>
-              <a:t>Integration</a:t>
-            </a:r>
-            <a:r>
-              <a:rPr lang="ko-KR" altLang="en-US" sz="1500" dirty="0"/>
-              <a:t> </a:t>
-            </a:r>
-            <a:r>
-              <a:rPr lang="en-US" altLang="ko-KR" sz="1500" dirty="0"/>
-              <a:t>Branch</a:t>
-            </a:r>
-            <a:r>
-              <a:rPr lang="ko-KR" altLang="en-US" sz="1500" dirty="0"/>
-              <a:t>란 언제든지 배포할 수 있는 버전을 만들 수 있어야 하는 </a:t>
-            </a:r>
-            <a:r>
-              <a:rPr lang="en-US" altLang="ko-KR" sz="1500" dirty="0"/>
-              <a:t>Branch</a:t>
-            </a:r>
-            <a:r>
-              <a:rPr lang="ko-KR" altLang="en-US" sz="1500" dirty="0"/>
-              <a:t> 입니다</a:t>
-            </a:r>
-            <a:r>
-              <a:rPr lang="en-US" altLang="ko-KR" sz="1500" dirty="0"/>
-              <a:t>. </a:t>
-            </a:r>
-            <a:r>
-              <a:rPr lang="ko-KR" altLang="en-US" sz="1500" dirty="0"/>
-              <a:t>그렇기 때문에 늘 안정적인 상태를 유지하는 것이 중요합니다</a:t>
-            </a:r>
-            <a:r>
-              <a:rPr lang="en-US" altLang="ko-KR" sz="1500" dirty="0"/>
-              <a:t>. </a:t>
-            </a:r>
-            <a:r>
-              <a:rPr lang="ko-KR" altLang="en-US" sz="1500" dirty="0"/>
-              <a:t>여기서 </a:t>
-            </a:r>
-            <a:r>
-              <a:rPr lang="en-US" altLang="ko-KR" sz="1500" dirty="0"/>
-              <a:t>'</a:t>
-            </a:r>
-            <a:r>
-              <a:rPr lang="ko-KR" altLang="en-US" sz="1500" dirty="0"/>
-              <a:t>안정적인 상태</a:t>
-            </a:r>
-            <a:r>
-              <a:rPr lang="en-US" altLang="ko-KR" sz="1500" dirty="0"/>
-              <a:t>'</a:t>
-            </a:r>
-            <a:r>
-              <a:rPr lang="ko-KR" altLang="en-US" sz="1500" dirty="0"/>
-              <a:t>란 현재 작업 중인 소스코드가 모바일에서 동작하는 어플리케이션을 개발하기 위한 것이라면</a:t>
-            </a:r>
-            <a:r>
-              <a:rPr lang="en-US" altLang="ko-KR" sz="1500" dirty="0"/>
-              <a:t>, '</a:t>
-            </a:r>
-            <a:r>
-              <a:rPr lang="ko-KR" altLang="en-US" sz="1500" dirty="0"/>
-              <a:t>그 어플리케이션의 모든 기능이 정상적으로 동작하는 상태</a:t>
-            </a:r>
-            <a:r>
-              <a:rPr lang="en-US" altLang="ko-KR" sz="1500" dirty="0"/>
-              <a:t>'</a:t>
-            </a:r>
-            <a:r>
-              <a:rPr lang="ko-KR" altLang="en-US" sz="1500" dirty="0"/>
-              <a:t>를 의미합니다</a:t>
-            </a:r>
-            <a:r>
-              <a:rPr lang="en-US" altLang="ko-KR" sz="1500" dirty="0"/>
-              <a:t>.</a:t>
-            </a:r>
-          </a:p>
-          <a:p>
-            <a:pPr marL="0" indent="0" fontAlgn="base">
-              <a:buNone/>
-            </a:pPr>
-            <a:r>
-              <a:rPr lang="ko-KR" altLang="en-US" sz="1500" dirty="0"/>
-              <a:t>만약 이 어플리케이션에 어떤 문제가 발견되어 그 문제</a:t>
-            </a:r>
-            <a:r>
-              <a:rPr lang="en-US" altLang="ko-KR" sz="1500" dirty="0"/>
-              <a:t>(</a:t>
-            </a:r>
-            <a:r>
-              <a:rPr lang="ko-KR" altLang="en-US" sz="1500" dirty="0"/>
-              <a:t>버그</a:t>
-            </a:r>
-            <a:r>
-              <a:rPr lang="en-US" altLang="ko-KR" sz="1500" dirty="0"/>
-              <a:t>)</a:t>
-            </a:r>
-            <a:r>
-              <a:rPr lang="ko-KR" altLang="en-US" sz="1500" dirty="0"/>
-              <a:t>를 수정하거나 새로운 기능을 추가해야 할 때</a:t>
-            </a:r>
-            <a:r>
-              <a:rPr lang="en-US" altLang="ko-KR" sz="1500" dirty="0"/>
-              <a:t>, </a:t>
-            </a:r>
-            <a:r>
-              <a:rPr lang="ko-KR" altLang="en-US" sz="1500" dirty="0"/>
-              <a:t>바로 </a:t>
-            </a:r>
-            <a:r>
-              <a:rPr lang="en-US" altLang="ko-KR" sz="1500" dirty="0"/>
-              <a:t>‘Topic</a:t>
-            </a:r>
-            <a:r>
-              <a:rPr lang="ko-KR" altLang="en-US" sz="1500" dirty="0"/>
-              <a:t> </a:t>
-            </a:r>
-            <a:r>
-              <a:rPr lang="en-US" altLang="ko-KR" sz="1500" dirty="0"/>
-              <a:t>Branch'</a:t>
-            </a:r>
-            <a:r>
-              <a:rPr lang="ko-KR" altLang="en-US" sz="1500" dirty="0"/>
-              <a:t>를 만들 수 있습니다</a:t>
-            </a:r>
-            <a:r>
-              <a:rPr lang="en-US" altLang="ko-KR" sz="1500" dirty="0"/>
-              <a:t>. </a:t>
-            </a:r>
-            <a:r>
-              <a:rPr lang="ko-KR" altLang="en-US" sz="1500" dirty="0"/>
-              <a:t>처음에는 보통 </a:t>
-            </a:r>
-            <a:r>
-              <a:rPr lang="en-US" altLang="ko-KR" sz="1500" dirty="0"/>
-              <a:t>Integration</a:t>
-            </a:r>
-            <a:r>
-              <a:rPr lang="ko-KR" altLang="en-US" sz="1500" dirty="0"/>
-              <a:t> </a:t>
-            </a:r>
-            <a:r>
-              <a:rPr lang="en-US" altLang="ko-KR" sz="1500" dirty="0"/>
-              <a:t>Branch</a:t>
-            </a:r>
-            <a:r>
-              <a:rPr lang="ko-KR" altLang="en-US" sz="1500" dirty="0"/>
-              <a:t>에서 </a:t>
-            </a:r>
-            <a:r>
-              <a:rPr lang="en-US" altLang="ko-KR" sz="1500" dirty="0"/>
-              <a:t>Topic</a:t>
-            </a:r>
-            <a:r>
-              <a:rPr lang="ko-KR" altLang="en-US" sz="1500" dirty="0"/>
-              <a:t> </a:t>
-            </a:r>
-            <a:r>
-              <a:rPr lang="en-US" altLang="ko-KR" sz="1500" dirty="0"/>
-              <a:t>Branch</a:t>
-            </a:r>
-            <a:r>
-              <a:rPr lang="ko-KR" altLang="en-US" sz="1500" dirty="0"/>
-              <a:t>를 만들어 냅니다</a:t>
-            </a:r>
-            <a:r>
-              <a:rPr lang="en-US" altLang="ko-KR" sz="1500" dirty="0"/>
-              <a:t>.</a:t>
-            </a:r>
-          </a:p>
-          <a:p>
-            <a:pPr marL="0" indent="0" fontAlgn="base">
-              <a:buNone/>
-            </a:pPr>
-            <a:r>
-              <a:rPr lang="ko-KR" altLang="en-US" sz="1500" dirty="0"/>
-              <a:t>일반적으로 저장소를 처음 만들었을 때에 생기는 </a:t>
-            </a:r>
-            <a:r>
-              <a:rPr lang="en-US" altLang="ko-KR" sz="1500" dirty="0"/>
-              <a:t>‘main' Branch</a:t>
-            </a:r>
-            <a:r>
-              <a:rPr lang="ko-KR" altLang="en-US" sz="1500" dirty="0"/>
-              <a:t>를 </a:t>
-            </a:r>
-            <a:r>
-              <a:rPr lang="en-US" altLang="ko-KR" sz="1500" dirty="0"/>
-              <a:t>Integration</a:t>
-            </a:r>
-            <a:r>
-              <a:rPr lang="ko-KR" altLang="en-US" sz="1500" dirty="0"/>
-              <a:t> </a:t>
-            </a:r>
-            <a:r>
-              <a:rPr lang="en-US" altLang="ko-KR" sz="1500" dirty="0"/>
-              <a:t>Branch</a:t>
-            </a:r>
-            <a:r>
-              <a:rPr lang="ko-KR" altLang="en-US" sz="1500" dirty="0"/>
-              <a:t>로 사용합니다</a:t>
-            </a:r>
-            <a:r>
-              <a:rPr lang="en-US" altLang="ko-KR" sz="1500" dirty="0"/>
-              <a:t>.</a:t>
-            </a:r>
-          </a:p>
-          <a:p>
-            <a:pPr fontAlgn="base"/>
-            <a:endParaRPr lang="en-US" altLang="ko-KR" b="1" dirty="0"/>
-          </a:p>
-          <a:p>
-            <a:pPr fontAlgn="base"/>
-            <a:r>
-              <a:rPr lang="en-US" altLang="ko-KR" b="1" dirty="0"/>
-              <a:t>Topic Branch</a:t>
-            </a:r>
-          </a:p>
-          <a:p>
-            <a:pPr marL="0" indent="0" fontAlgn="base">
-              <a:buNone/>
-            </a:pPr>
-            <a:r>
-              <a:rPr lang="en-US" altLang="ko-KR" sz="1400" dirty="0"/>
-              <a:t>Topic</a:t>
-            </a:r>
-            <a:r>
-              <a:rPr lang="ko-KR" altLang="en-US" sz="1400" dirty="0"/>
-              <a:t> </a:t>
-            </a:r>
             <a:r>
               <a:rPr lang="en-US" altLang="ko-KR" sz="1400" dirty="0"/>
               <a:t>Branch</a:t>
             </a:r>
             <a:r>
               <a:rPr lang="ko-KR" altLang="en-US" sz="1400" dirty="0"/>
-              <a:t>란</a:t>
+              <a:t>란 독립적으로 어떤 작업을 진행하기 위한 개념입니다</a:t>
+            </a:r>
+            <a:r>
+              <a:rPr lang="en-US" altLang="ko-KR" sz="1400" dirty="0"/>
+              <a:t>. </a:t>
+            </a:r>
+            <a:r>
+              <a:rPr lang="ko-KR" altLang="en-US" sz="1400" dirty="0"/>
+              <a:t>필요에 의해 만들어지는 각각의 </a:t>
+            </a:r>
+            <a:r>
+              <a:rPr lang="en-US" altLang="ko-KR" sz="1400" dirty="0"/>
+              <a:t>Branch</a:t>
+            </a:r>
+            <a:r>
+              <a:rPr lang="ko-KR" altLang="en-US" sz="1400" dirty="0"/>
+              <a:t>는 다른 </a:t>
+            </a:r>
+            <a:r>
+              <a:rPr lang="en-US" altLang="ko-KR" sz="1400" dirty="0"/>
+              <a:t>Branch</a:t>
+            </a:r>
+            <a:r>
+              <a:rPr lang="ko-KR" altLang="en-US" sz="1400" dirty="0"/>
+              <a:t>의 영향을 받지 않기 때문에</a:t>
             </a:r>
             <a:r>
               <a:rPr lang="en-US" altLang="ko-KR" sz="1400" dirty="0"/>
@@ -17261,7 +17660,15 @@
             </a:r>
             <a:r>
               <a:rPr lang="ko-KR" altLang="en-US" sz="1400" dirty="0"/>
-              <a:t>기능 추가나 버그 수정과 같은 단위 작업을 위한 </a:t>
+              <a:t>여러 작업을 동시에 진행할 수 있습니다</a:t>
+            </a:r>
+            <a:r>
+              <a:rPr lang="en-US" altLang="ko-KR" sz="1400" dirty="0"/>
+              <a:t>. </a:t>
+            </a:r>
+            <a:r>
+              <a:rPr lang="ko-KR" altLang="en-US" sz="1400" dirty="0"/>
+              <a:t>또한 이렇게 만들어진 </a:t>
             </a:r>
             <a:r>
               <a:rPr lang="en-US" altLang="ko-KR" sz="1400" dirty="0"/>
@@ -17269,7 +17676,76 @@
             </a:r>
             <a:r>
               <a:rPr lang="ko-KR" altLang="en-US" sz="1400" dirty="0"/>
-              <a:t> 입니다</a:t>
+              <a:t>는 다른 </a:t>
+            </a:r>
+            <a:r>
+              <a:rPr lang="en-US" altLang="ko-KR" sz="1400" dirty="0"/>
+              <a:t>Branch</a:t>
+            </a:r>
+            <a:r>
+              <a:rPr lang="ko-KR" altLang="en-US" sz="1400" dirty="0"/>
+              <a:t>와 병합</a:t>
+            </a:r>
+            <a:r>
+              <a:rPr lang="en-US" altLang="ko-KR" sz="1400" dirty="0"/>
+              <a:t>(Merge)</a:t>
+            </a:r>
+            <a:r>
+              <a:rPr lang="ko-KR" altLang="en-US" sz="1400" dirty="0"/>
+              <a:t>함으로써</a:t>
+            </a:r>
+            <a:r>
+              <a:rPr lang="en-US" altLang="ko-KR" sz="1400" dirty="0"/>
+              <a:t>, </a:t>
+            </a:r>
+            <a:r>
+              <a:rPr lang="ko-KR" altLang="en-US" sz="1400" dirty="0"/>
+              <a:t>작업한 내용을 다시 새로운 하나의 </a:t>
+            </a:r>
+            <a:r>
+              <a:rPr lang="en-US" altLang="ko-KR" sz="1400" dirty="0"/>
+              <a:t>Branch</a:t>
+            </a:r>
+            <a:r>
+              <a:rPr lang="ko-KR" altLang="en-US" sz="1400" dirty="0"/>
+              <a:t>로 모을 수 있습니다</a:t>
+            </a:r>
+            <a:r>
+              <a:rPr lang="en-US" altLang="ko-KR" sz="1400" dirty="0"/>
+              <a:t>.</a:t>
+            </a:r>
+          </a:p>
+          <a:p>
+            <a:pPr marL="0" indent="0">
+              <a:buNone/>
+            </a:pPr>
+            <a:r>
+              <a:rPr lang="ko-KR" altLang="en-US" sz="1400" dirty="0"/>
+              <a:t>여러 명이서 동시에 작업을 할 때에 다른 사람의 작업에 영향을 주거나 받지 않도록</a:t>
+            </a:r>
+            <a:r>
+              <a:rPr lang="en-US" altLang="ko-KR" sz="1400" dirty="0"/>
+              <a:t>, </a:t>
+            </a:r>
+            <a:r>
+              <a:rPr lang="ko-KR" altLang="en-US" sz="1400" dirty="0"/>
+              <a:t>먼저 메인 </a:t>
+            </a:r>
+            <a:r>
+              <a:rPr lang="en-US" altLang="ko-KR" sz="1400" dirty="0"/>
+              <a:t>Branch</a:t>
+            </a:r>
+            <a:r>
+              <a:rPr lang="ko-KR" altLang="en-US" sz="1400" dirty="0"/>
+              <a:t>에서 자신의 작업 전용 </a:t>
+            </a:r>
+            <a:r>
+              <a:rPr lang="en-US" altLang="ko-KR" sz="1400" dirty="0"/>
+              <a:t>Branch</a:t>
+            </a:r>
+            <a:r>
+              <a:rPr lang="ko-KR" altLang="en-US" sz="1400" dirty="0"/>
+              <a:t>를 만듭니다</a:t>
             </a:r>
             <a:r>
               <a:rPr lang="en-US" altLang="ko-KR" sz="1400" dirty="0"/>
@@ -17277,7 +17753,7 @@
             </a:r>
             <a:r>
               <a:rPr lang="ko-KR" altLang="en-US" sz="1400" dirty="0"/>
-              <a:t>여러 개의 작업을 동시에 진행할 때에는</a:t>
+              <a:t>그리고 각자 작업을 진행한 후</a:t>
             </a:r>
             <a:r>
               <a:rPr lang="en-US" altLang="ko-KR" sz="1400" dirty="0"/>
@@ -17285,15 +17761,7 @@
             </a:r>
             <a:r>
               <a:rPr lang="ko-KR" altLang="en-US" sz="1400" dirty="0"/>
-              <a:t>그 수만큼 </a:t>
-            </a:r>
-            <a:r>
-              <a:rPr lang="en-US" altLang="ko-KR" sz="1400" dirty="0"/>
-              <a:t>Topic</a:t>
-            </a:r>
-            <a:r>
-              <a:rPr lang="ko-KR" altLang="en-US" sz="1400" dirty="0"/>
-              <a:t> </a:t>
+              <a:t>작업이 끝난 사람은 메인 </a:t>
             </a:r>
             <a:r>
               <a:rPr lang="en-US" altLang="ko-KR" sz="1400" dirty="0"/>
@@ -17301,7 +17769,55 @@
             </a:r>
             <a:r>
               <a:rPr lang="ko-KR" altLang="en-US" sz="1400" dirty="0"/>
-              <a:t>를 생성할 수 있습니다</a:t>
+              <a:t>에 자신의 </a:t>
+            </a:r>
+            <a:r>
+              <a:rPr lang="en-US" altLang="ko-KR" sz="1400" dirty="0"/>
+              <a:t>Branch</a:t>
+            </a:r>
+            <a:r>
+              <a:rPr lang="ko-KR" altLang="en-US" sz="1400" dirty="0"/>
+              <a:t>의 변경 사항을 적용합니다</a:t>
+            </a:r>
+            <a:r>
+              <a:rPr lang="en-US" altLang="ko-KR" sz="1400" dirty="0"/>
+              <a:t>. </a:t>
+            </a:r>
+            <a:r>
+              <a:rPr lang="ko-KR" altLang="en-US" sz="1400" dirty="0"/>
+              <a:t>이렇게 함으로써 다른 사람의 작업에 영향을 받지 않고 독립적으로 특정 작업을 수행하고 그 결과를 하나로 모아 나가게 됩니다</a:t>
+            </a:r>
+            <a:r>
+              <a:rPr lang="en-US" altLang="ko-KR" sz="1400" dirty="0"/>
+              <a:t>. </a:t>
+            </a:r>
+            <a:r>
+              <a:rPr lang="ko-KR" altLang="en-US" sz="1400" dirty="0"/>
+              <a:t>이러한 방식으로 작업할 경우 </a:t>
+            </a:r>
+            <a:r>
+              <a:rPr lang="en-US" altLang="ko-KR" sz="1400" dirty="0"/>
+              <a:t>'</a:t>
+            </a:r>
+            <a:r>
+              <a:rPr lang="ko-KR" altLang="en-US" sz="1400" dirty="0"/>
+              <a:t>작업 단위</a:t>
+            </a:r>
+            <a:r>
+              <a:rPr lang="en-US" altLang="ko-KR" sz="1400" dirty="0"/>
+              <a:t>', </a:t>
+            </a:r>
+            <a:r>
+              <a:rPr lang="ko-KR" altLang="en-US" sz="1400" dirty="0"/>
+              <a:t>즉 </a:t>
+            </a:r>
+            <a:r>
+              <a:rPr lang="en-US" altLang="ko-KR" sz="1400" dirty="0"/>
+              <a:t>Branch</a:t>
+            </a:r>
+            <a:r>
+              <a:rPr lang="ko-KR" altLang="en-US" sz="1400" dirty="0"/>
+              <a:t>로 그 작업의 기록을 중간 중간에 남기게 되므로 문제가 발생했을 경우 원인이 되는 작업을 찾아내거나 그에 따른 대책을 세우기 쉬워집니다</a:t>
             </a:r>
             <a:r>
               <a:rPr lang="en-US" altLang="ko-KR" sz="1400" dirty="0"/>
@@ -17309,16 +17825,16 @@
             </a:r>
           </a:p>
           <a:p>
-            <a:pPr marL="0" indent="0" fontAlgn="base">
+            <a:pPr marL="0" indent="0">
               <a:buNone/>
             </a:pPr>
             <a:r>
               <a:rPr lang="en-US" altLang="ko-KR" sz="1400" dirty="0"/>
-              <a:t>Topic</a:t>
+              <a:t>git </a:t>
             </a:r>
             <a:r>
               <a:rPr lang="ko-KR" altLang="en-US" sz="1400" dirty="0"/>
-              <a:t> </a:t>
+              <a:t>에서는 작업에 따라 자유롭게 </a:t>
             </a:r>
             <a:r>
               <a:rPr lang="en-US" altLang="ko-KR" sz="1400" dirty="0"/>
@@ -17326,15 +17842,23 @@
             </a:r>
             <a:r>
               <a:rPr lang="ko-KR" altLang="en-US" sz="1400" dirty="0"/>
-              <a:t>는 보통 </a:t>
+              <a:t>를 만들 수 있습니다</a:t>
             </a:r>
             <a:r>
               <a:rPr lang="en-US" altLang="ko-KR" sz="1400" dirty="0"/>
-              <a:t>Integration</a:t>
+              <a:t>. </a:t>
             </a:r>
             <a:r>
               <a:rPr lang="ko-KR" altLang="en-US" sz="1400" dirty="0"/>
-              <a:t> </a:t>
+              <a:t>그러나 이것을 효과적으로 관리하려면</a:t>
+            </a:r>
+            <a:r>
+              <a:rPr lang="en-US" altLang="ko-KR" sz="1400" dirty="0"/>
+              <a:t>, </a:t>
+            </a:r>
+            <a:r>
+              <a:rPr lang="ko-KR" altLang="en-US" sz="1400" dirty="0"/>
+              <a:t>먼저 함께 작업할 팀원들과 어떠한 방식으로 </a:t>
             </a:r>
             <a:r>
               <a:rPr lang="en-US" altLang="ko-KR" sz="1400" dirty="0"/>
@@ -17342,15 +17866,15 @@
             </a:r>
             <a:r>
               <a:rPr lang="ko-KR" altLang="en-US" sz="1400" dirty="0"/>
-              <a:t>로부터 만들어 내며</a:t>
+              <a:t>를 만들고 통합할 것인지 미리 정해두는 것이 좋습니다</a:t>
             </a:r>
             <a:r>
               <a:rPr lang="en-US" altLang="ko-KR" sz="1400" dirty="0"/>
-              <a:t>, Topic</a:t>
+              <a:t>. </a:t>
             </a:r>
             <a:r>
               <a:rPr lang="ko-KR" altLang="en-US" sz="1400" dirty="0"/>
-              <a:t> </a:t>
+              <a:t>예를 들어 새로운 </a:t>
             </a:r>
             <a:r>
               <a:rPr lang="en-US" altLang="ko-KR" sz="1400" dirty="0"/>
@@ -17358,15 +17882,7 @@
             </a:r>
             <a:r>
               <a:rPr lang="ko-KR" altLang="en-US" sz="1400" dirty="0"/>
-              <a:t>에서 특정 작업이 완료되면 다시 </a:t>
-            </a:r>
-            <a:r>
-              <a:rPr lang="en-US" altLang="ko-KR" sz="1400" dirty="0"/>
-              <a:t>Integration</a:t>
-            </a:r>
-            <a:r>
-              <a:rPr lang="ko-KR" altLang="en-US" sz="1400" dirty="0"/>
-              <a:t> </a:t>
+              <a:t>를 만들 때에 </a:t>
             </a:r>
             <a:r>
               <a:rPr lang="en-US" altLang="ko-KR" sz="1400" dirty="0"/>
@@ -17374,7 +17890,75 @@
             </a:r>
             <a:r>
               <a:rPr lang="ko-KR" altLang="en-US" sz="1400" dirty="0"/>
-              <a:t>에 병합하는 방식으로 진행됩니다</a:t>
+              <a:t> 이름은 어떤 규칙으로 지을 것인지 또는 어떤 상황에서 </a:t>
+            </a:r>
+            <a:r>
+              <a:rPr lang="en-US" altLang="ko-KR" sz="1400" dirty="0"/>
+              <a:t>Branch</a:t>
+            </a:r>
+            <a:r>
+              <a:rPr lang="ko-KR" altLang="en-US" sz="1400" dirty="0"/>
+              <a:t>를 만들 지</a:t>
+            </a:r>
+            <a:r>
+              <a:rPr lang="en-US" altLang="ko-KR" sz="1400" dirty="0"/>
+              <a:t>, </a:t>
+            </a:r>
+            <a:r>
+              <a:rPr lang="ko-KR" altLang="en-US" sz="1400" dirty="0"/>
+              <a:t>어느 시점에 통합할 것인지 등등 규칙은 정하기 나름입니다</a:t>
+            </a:r>
+            <a:r>
+              <a:rPr lang="en-US" altLang="ko-KR" sz="1400" dirty="0"/>
+              <a:t>.</a:t>
+            </a:r>
+          </a:p>
+          <a:p>
+            <a:pPr marL="0" indent="0">
+              <a:buNone/>
+            </a:pPr>
+            <a:endParaRPr lang="en-US" altLang="ko-KR" sz="1400" dirty="0"/>
+          </a:p>
+          <a:p>
+            <a:pPr marL="0" indent="0">
+              <a:buNone/>
+            </a:pPr>
+            <a:r>
+              <a:rPr lang="en-US" altLang="ko-KR" sz="1400" dirty="0"/>
+              <a:t>‘main’ Branch</a:t>
+            </a:r>
+          </a:p>
+          <a:p>
+            <a:pPr marL="0" indent="0" fontAlgn="base">
+              <a:buNone/>
+            </a:pPr>
+            <a:r>
+              <a:rPr lang="ko-KR" altLang="en-US" sz="1400" dirty="0"/>
+              <a:t>저장소를 처음 만들면</a:t>
+            </a:r>
+            <a:r>
+              <a:rPr lang="en-US" altLang="ko-KR" sz="1400" dirty="0"/>
+              <a:t>, git</a:t>
+            </a:r>
+            <a:r>
+              <a:rPr lang="ko-KR" altLang="en-US" sz="1400" dirty="0"/>
+              <a:t>은 바로 </a:t>
+            </a:r>
+            <a:r>
+              <a:rPr lang="en-US" altLang="ko-KR" sz="1400" dirty="0"/>
+              <a:t>‘main'</a:t>
+            </a:r>
+            <a:r>
+              <a:rPr lang="ko-KR" altLang="en-US" sz="1400" dirty="0"/>
+              <a:t>라는 이름의 </a:t>
+            </a:r>
+            <a:r>
+              <a:rPr lang="en-US" altLang="ko-KR" sz="1400" dirty="0"/>
+              <a:t>Branch</a:t>
+            </a:r>
+            <a:r>
+              <a:rPr lang="ko-KR" altLang="en-US" sz="1400" dirty="0"/>
+              <a:t>를 만들어 둡니다</a:t>
             </a:r>
             <a:r>
               <a:rPr lang="en-US" altLang="ko-KR" sz="1400" dirty="0"/>
@@ -17382,15 +17966,23 @@
             </a:r>
             <a:r>
               <a:rPr lang="ko-KR" altLang="en-US" sz="1400" dirty="0"/>
-              <a:t>이러한 </a:t>
+              <a:t>이 새로운 저장소에 새로운 파일을 추가 한다거나 추가한 파일의 내용을 변경하여 그 내용을 </a:t>
             </a:r>
             <a:r>
               <a:rPr lang="en-US" altLang="ko-KR" sz="1400" dirty="0"/>
-              <a:t>Topic</a:t>
+              <a:t>Commit </a:t>
             </a:r>
             <a:r>
               <a:rPr lang="ko-KR" altLang="en-US" sz="1400" dirty="0"/>
-              <a:t> </a:t>
+              <a:t>하는 것은 모두 </a:t>
+            </a:r>
+            <a:r>
+              <a:rPr lang="en-US" altLang="ko-KR" sz="1400" dirty="0"/>
+              <a:t>‘main' </a:t>
+            </a:r>
+            <a:r>
+              <a:rPr lang="ko-KR" altLang="en-US" sz="1400" dirty="0"/>
+              <a:t>라는 이름의 </a:t>
             </a:r>
             <a:r>
               <a:rPr lang="en-US" altLang="ko-KR" sz="1400" dirty="0"/>
@@ -17398,15 +17990,80 @@
             </a:r>
             <a:r>
               <a:rPr lang="ko-KR" altLang="en-US" sz="1400" dirty="0"/>
-              <a:t>는 </a:t>
+              <a:t>를 통해 처리할 수 있는 일이 됩니다</a:t>
             </a:r>
             <a:r>
               <a:rPr lang="en-US" altLang="ko-KR" sz="1400" dirty="0"/>
-              <a:t>'Feature branch' </a:t>
+              <a:t>.</a:t>
+            </a:r>
+          </a:p>
+          <a:p>
+            <a:pPr marL="0" indent="0" fontAlgn="base">
+              <a:buNone/>
+            </a:pPr>
+            <a:r>
+              <a:rPr lang="en-US" altLang="ko-KR" sz="1400" dirty="0"/>
+              <a:t>‘main'</a:t>
             </a:r>
             <a:r>
               <a:rPr lang="ko-KR" altLang="en-US" sz="1400" dirty="0"/>
-              <a:t>라고 부르기도 합니다</a:t>
+              <a:t>가 아닌 또 다른 새로운 </a:t>
+            </a:r>
+            <a:r>
+              <a:rPr lang="en-US" altLang="ko-KR" sz="1400" dirty="0"/>
+              <a:t>Branch</a:t>
+            </a:r>
+            <a:r>
+              <a:rPr lang="ko-KR" altLang="en-US" sz="1400" dirty="0"/>
+              <a:t>를 만들어서 </a:t>
+            </a:r>
+            <a:r>
+              <a:rPr lang="en-US" altLang="ko-KR" sz="1400" dirty="0"/>
+              <a:t>'</a:t>
+            </a:r>
+            <a:r>
+              <a:rPr lang="ko-KR" altLang="en-US" sz="1400" dirty="0"/>
+              <a:t>이제부터 이 </a:t>
+            </a:r>
+            <a:r>
+              <a:rPr lang="en-US" altLang="ko-KR" sz="1400" dirty="0"/>
+              <a:t>Branch</a:t>
+            </a:r>
+            <a:r>
+              <a:rPr lang="ko-KR" altLang="en-US" sz="1400" dirty="0"/>
+              <a:t>를 사용할거야</a:t>
+            </a:r>
+            <a:r>
+              <a:rPr lang="en-US" altLang="ko-KR" sz="1400" dirty="0"/>
+              <a:t>!'</a:t>
+            </a:r>
+            <a:r>
+              <a:rPr lang="ko-KR" altLang="en-US" sz="1400" dirty="0"/>
+              <a:t>라고 선언</a:t>
+            </a:r>
+            <a:r>
+              <a:rPr lang="en-US" altLang="ko-KR" sz="1400" dirty="0"/>
+              <a:t>(checkout)</a:t>
+            </a:r>
+            <a:r>
+              <a:rPr lang="ko-KR" altLang="en-US" sz="1400" dirty="0"/>
+              <a:t>하지 않는 이상</a:t>
+            </a:r>
+            <a:r>
+              <a:rPr lang="en-US" altLang="ko-KR" sz="1400" dirty="0"/>
+              <a:t>, </a:t>
+            </a:r>
+            <a:r>
+              <a:rPr lang="ko-KR" altLang="en-US" sz="1400" dirty="0"/>
+              <a:t>이 때의 모든 작업은 </a:t>
+            </a:r>
+            <a:r>
+              <a:rPr lang="en-US" altLang="ko-KR" sz="1400" dirty="0"/>
+              <a:t>‘main’  Branch</a:t>
+            </a:r>
+            <a:r>
+              <a:rPr lang="ko-KR" altLang="en-US" sz="1400" dirty="0"/>
+              <a:t>에서 이루어 집니다</a:t>
             </a:r>
             <a:r>
               <a:rPr lang="en-US" altLang="ko-KR" sz="1400" dirty="0"/>
@@ -17420,7 +18077,7 @@
           <p:cNvPr id="4" name="슬라이드 번호 개체 틀 3">
             <a:extLst>
               <a:ext uri="{FF2B5EF4-FFF2-40B4-BE49-F238E27FC236}">
-                <a16:creationId xmlns:a16="http://schemas.microsoft.com/office/drawing/2014/main" id="{14593FA8-6714-D423-7DFB-A6BFE685FF06}"/>
+                <a16:creationId xmlns:a16="http://schemas.microsoft.com/office/drawing/2014/main" id="{D3893C5D-DD9D-C96E-4FC0-E335435ADAA4}"/>
               </a:ext>
             </a:extLst>
           </p:cNvPr>
@@ -17438,7 +18095,7 @@
           <a:p>
             <a:fld id="{D57F1E4F-1CFF-5643-939E-02111984F565}" type="slidenum">
               <a:rPr lang="en-US" smtClean="0"/>
-              <a:t>24</a:t>
+              <a:t>23</a:t>
             </a:fld>
             <a:endParaRPr lang="en-US" dirty="0"/>
           </a:p>
@@ -17447,7 +18104,7 @@
     </p:spTree>
     <p:extLst>
       <p:ext uri="{BB962C8B-B14F-4D97-AF65-F5344CB8AC3E}">
-        <p14:creationId xmlns:p14="http://schemas.microsoft.com/office/powerpoint/2010/main" val="2129899096"/>
+        <p14:creationId xmlns:p14="http://schemas.microsoft.com/office/powerpoint/2010/main" val="3308465932"/>
       </p:ext>
     </p:extLst>
   </p:cSld>
@@ -17502,9 +18159,12 @@
           <a:p>
             <a:r>
               <a:rPr lang="en-US" altLang="ko-KR" sz="3600" dirty="0"/>
-              <a:t>git  branch  &amp;  git  checkout</a:t>
-            </a:r>
-            <a:endParaRPr lang="ko-KR" altLang="en-US" sz="3600" dirty="0"/>
+              <a:t>branch </a:t>
+            </a:r>
+            <a:r>
+              <a:rPr lang="ko-KR" altLang="en-US" sz="3600" dirty="0"/>
+              <a:t>만들기</a:t>
+            </a:r>
           </a:p>
         </p:txBody>
       </p:sp>
@@ -17527,6 +18187,535 @@
         <p:spPr>
           <a:xfrm>
             <a:off x="645130" y="1474238"/>
+            <a:ext cx="11008805" cy="4774162"/>
+          </a:xfrm>
+        </p:spPr>
+        <p:txBody>
+          <a:bodyPr>
+            <a:normAutofit/>
+          </a:bodyPr>
+          <a:lstStyle/>
+          <a:p>
+            <a:pPr fontAlgn="base"/>
+            <a:r>
+              <a:rPr lang="en-US" altLang="ko-KR" b="1" dirty="0"/>
+              <a:t>Integration Branch</a:t>
+            </a:r>
+          </a:p>
+          <a:p>
+            <a:pPr marL="0" indent="0" fontAlgn="base">
+              <a:buNone/>
+            </a:pPr>
+            <a:r>
+              <a:rPr lang="en-US" altLang="ko-KR" sz="1500" dirty="0"/>
+              <a:t>Integration</a:t>
+            </a:r>
+            <a:r>
+              <a:rPr lang="ko-KR" altLang="en-US" sz="1500" dirty="0"/>
+              <a:t> </a:t>
+            </a:r>
+            <a:r>
+              <a:rPr lang="en-US" altLang="ko-KR" sz="1500" dirty="0"/>
+              <a:t>Branch</a:t>
+            </a:r>
+            <a:r>
+              <a:rPr lang="ko-KR" altLang="en-US" sz="1500" dirty="0"/>
+              <a:t>란 언제든지 배포할 수 있는 버전을 만들 수 있어야 하는 </a:t>
+            </a:r>
+            <a:r>
+              <a:rPr lang="en-US" altLang="ko-KR" sz="1500" dirty="0"/>
+              <a:t>Branch</a:t>
+            </a:r>
+            <a:r>
+              <a:rPr lang="ko-KR" altLang="en-US" sz="1500" dirty="0"/>
+              <a:t> 입니다</a:t>
+            </a:r>
+            <a:r>
+              <a:rPr lang="en-US" altLang="ko-KR" sz="1500" dirty="0"/>
+              <a:t>. </a:t>
+            </a:r>
+            <a:r>
+              <a:rPr lang="ko-KR" altLang="en-US" sz="1500" dirty="0"/>
+              <a:t>그렇기 때문에 늘 안정적인 상태를 유지하는 것이 중요합니다</a:t>
+            </a:r>
+            <a:r>
+              <a:rPr lang="en-US" altLang="ko-KR" sz="1500" dirty="0"/>
+              <a:t>. </a:t>
+            </a:r>
+            <a:r>
+              <a:rPr lang="ko-KR" altLang="en-US" sz="1500" dirty="0"/>
+              <a:t>여기서 </a:t>
+            </a:r>
+            <a:r>
+              <a:rPr lang="en-US" altLang="ko-KR" sz="1500" dirty="0"/>
+              <a:t>'</a:t>
+            </a:r>
+            <a:r>
+              <a:rPr lang="ko-KR" altLang="en-US" sz="1500" dirty="0"/>
+              <a:t>안정적인 상태</a:t>
+            </a:r>
+            <a:r>
+              <a:rPr lang="en-US" altLang="ko-KR" sz="1500" dirty="0"/>
+              <a:t>'</a:t>
+            </a:r>
+            <a:r>
+              <a:rPr lang="ko-KR" altLang="en-US" sz="1500" dirty="0"/>
+              <a:t>란 현재 작업 중인 소스코드가 모바일에서 동작하는 어플리케이션을 개발하기 위한 것이라면</a:t>
+            </a:r>
+            <a:r>
+              <a:rPr lang="en-US" altLang="ko-KR" sz="1500" dirty="0"/>
+              <a:t>, '</a:t>
+            </a:r>
+            <a:r>
+              <a:rPr lang="ko-KR" altLang="en-US" sz="1500" dirty="0"/>
+              <a:t>그 어플리케이션의 모든 기능이 정상적으로 동작하는 상태</a:t>
+            </a:r>
+            <a:r>
+              <a:rPr lang="en-US" altLang="ko-KR" sz="1500" dirty="0"/>
+              <a:t>'</a:t>
+            </a:r>
+            <a:r>
+              <a:rPr lang="ko-KR" altLang="en-US" sz="1500" dirty="0"/>
+              <a:t>를 의미합니다</a:t>
+            </a:r>
+            <a:r>
+              <a:rPr lang="en-US" altLang="ko-KR" sz="1500" dirty="0"/>
+              <a:t>.</a:t>
+            </a:r>
+          </a:p>
+          <a:p>
+            <a:pPr marL="0" indent="0" fontAlgn="base">
+              <a:buNone/>
+            </a:pPr>
+            <a:r>
+              <a:rPr lang="ko-KR" altLang="en-US" sz="1500" dirty="0"/>
+              <a:t>만약 이 어플리케이션에 어떤 문제가 발견되어 그 문제</a:t>
+            </a:r>
+            <a:r>
+              <a:rPr lang="en-US" altLang="ko-KR" sz="1500" dirty="0"/>
+              <a:t>(</a:t>
+            </a:r>
+            <a:r>
+              <a:rPr lang="ko-KR" altLang="en-US" sz="1500" dirty="0"/>
+              <a:t>버그</a:t>
+            </a:r>
+            <a:r>
+              <a:rPr lang="en-US" altLang="ko-KR" sz="1500" dirty="0"/>
+              <a:t>)</a:t>
+            </a:r>
+            <a:r>
+              <a:rPr lang="ko-KR" altLang="en-US" sz="1500" dirty="0"/>
+              <a:t>를 수정하거나 새로운 기능을 추가해야 할 때</a:t>
+            </a:r>
+            <a:r>
+              <a:rPr lang="en-US" altLang="ko-KR" sz="1500" dirty="0"/>
+              <a:t>, </a:t>
+            </a:r>
+            <a:r>
+              <a:rPr lang="ko-KR" altLang="en-US" sz="1500" dirty="0"/>
+              <a:t>바로 </a:t>
+            </a:r>
+            <a:r>
+              <a:rPr lang="en-US" altLang="ko-KR" sz="1500" dirty="0"/>
+              <a:t>‘Topic</a:t>
+            </a:r>
+            <a:r>
+              <a:rPr lang="ko-KR" altLang="en-US" sz="1500" dirty="0"/>
+              <a:t> </a:t>
+            </a:r>
+            <a:r>
+              <a:rPr lang="en-US" altLang="ko-KR" sz="1500" dirty="0"/>
+              <a:t>Branch'</a:t>
+            </a:r>
+            <a:r>
+              <a:rPr lang="ko-KR" altLang="en-US" sz="1500" dirty="0"/>
+              <a:t>를 만들 수 있습니다</a:t>
+            </a:r>
+            <a:r>
+              <a:rPr lang="en-US" altLang="ko-KR" sz="1500" dirty="0"/>
+              <a:t>. </a:t>
+            </a:r>
+            <a:r>
+              <a:rPr lang="ko-KR" altLang="en-US" sz="1500" dirty="0"/>
+              <a:t>처음에는 보통 </a:t>
+            </a:r>
+            <a:r>
+              <a:rPr lang="en-US" altLang="ko-KR" sz="1500" dirty="0"/>
+              <a:t>Integration</a:t>
+            </a:r>
+            <a:r>
+              <a:rPr lang="ko-KR" altLang="en-US" sz="1500" dirty="0"/>
+              <a:t> </a:t>
+            </a:r>
+            <a:r>
+              <a:rPr lang="en-US" altLang="ko-KR" sz="1500" dirty="0"/>
+              <a:t>Branch</a:t>
+            </a:r>
+            <a:r>
+              <a:rPr lang="ko-KR" altLang="en-US" sz="1500" dirty="0"/>
+              <a:t>에서 </a:t>
+            </a:r>
+            <a:r>
+              <a:rPr lang="en-US" altLang="ko-KR" sz="1500" dirty="0"/>
+              <a:t>Topic</a:t>
+            </a:r>
+            <a:r>
+              <a:rPr lang="ko-KR" altLang="en-US" sz="1500" dirty="0"/>
+              <a:t> </a:t>
+            </a:r>
+            <a:r>
+              <a:rPr lang="en-US" altLang="ko-KR" sz="1500" dirty="0"/>
+              <a:t>Branch</a:t>
+            </a:r>
+            <a:r>
+              <a:rPr lang="ko-KR" altLang="en-US" sz="1500" dirty="0"/>
+              <a:t>를 만들어 냅니다</a:t>
+            </a:r>
+            <a:r>
+              <a:rPr lang="en-US" altLang="ko-KR" sz="1500" dirty="0"/>
+              <a:t>.</a:t>
+            </a:r>
+          </a:p>
+          <a:p>
+            <a:pPr marL="0" indent="0" fontAlgn="base">
+              <a:buNone/>
+            </a:pPr>
+            <a:r>
+              <a:rPr lang="ko-KR" altLang="en-US" sz="1500" dirty="0"/>
+              <a:t>일반적으로 저장소를 처음 만들었을 때에 생기는 </a:t>
+            </a:r>
+            <a:r>
+              <a:rPr lang="en-US" altLang="ko-KR" sz="1500" dirty="0"/>
+              <a:t>‘main' Branch</a:t>
+            </a:r>
+            <a:r>
+              <a:rPr lang="ko-KR" altLang="en-US" sz="1500" dirty="0"/>
+              <a:t>를 </a:t>
+            </a:r>
+            <a:r>
+              <a:rPr lang="en-US" altLang="ko-KR" sz="1500" dirty="0"/>
+              <a:t>Integration</a:t>
+            </a:r>
+            <a:r>
+              <a:rPr lang="ko-KR" altLang="en-US" sz="1500" dirty="0"/>
+              <a:t> </a:t>
+            </a:r>
+            <a:r>
+              <a:rPr lang="en-US" altLang="ko-KR" sz="1500" dirty="0"/>
+              <a:t>Branch</a:t>
+            </a:r>
+            <a:r>
+              <a:rPr lang="ko-KR" altLang="en-US" sz="1500" dirty="0"/>
+              <a:t>로 사용합니다</a:t>
+            </a:r>
+            <a:r>
+              <a:rPr lang="en-US" altLang="ko-KR" sz="1500" dirty="0"/>
+              <a:t>.</a:t>
+            </a:r>
+          </a:p>
+          <a:p>
+            <a:pPr fontAlgn="base"/>
+            <a:endParaRPr lang="en-US" altLang="ko-KR" b="1" dirty="0"/>
+          </a:p>
+          <a:p>
+            <a:pPr fontAlgn="base"/>
+            <a:r>
+              <a:rPr lang="en-US" altLang="ko-KR" b="1" dirty="0"/>
+              <a:t>Topic Branch</a:t>
+            </a:r>
+          </a:p>
+          <a:p>
+            <a:pPr marL="0" indent="0" fontAlgn="base">
+              <a:buNone/>
+            </a:pPr>
+            <a:r>
+              <a:rPr lang="en-US" altLang="ko-KR" sz="1400" dirty="0"/>
+              <a:t>Topic</a:t>
+            </a:r>
+            <a:r>
+              <a:rPr lang="ko-KR" altLang="en-US" sz="1400" dirty="0"/>
+              <a:t> </a:t>
+            </a:r>
+            <a:r>
+              <a:rPr lang="en-US" altLang="ko-KR" sz="1400" dirty="0"/>
+              <a:t>Branch</a:t>
+            </a:r>
+            <a:r>
+              <a:rPr lang="ko-KR" altLang="en-US" sz="1400" dirty="0"/>
+              <a:t>란</a:t>
+            </a:r>
+            <a:r>
+              <a:rPr lang="en-US" altLang="ko-KR" sz="1400" dirty="0"/>
+              <a:t>, </a:t>
+            </a:r>
+            <a:r>
+              <a:rPr lang="ko-KR" altLang="en-US" sz="1400" dirty="0"/>
+              <a:t>기능 추가나 버그 수정과 같은 단위 작업을 위한 </a:t>
+            </a:r>
+            <a:r>
+              <a:rPr lang="en-US" altLang="ko-KR" sz="1400" dirty="0"/>
+              <a:t>Branch</a:t>
+            </a:r>
+            <a:r>
+              <a:rPr lang="ko-KR" altLang="en-US" sz="1400" dirty="0"/>
+              <a:t> 입니다</a:t>
+            </a:r>
+            <a:r>
+              <a:rPr lang="en-US" altLang="ko-KR" sz="1400" dirty="0"/>
+              <a:t>. </a:t>
+            </a:r>
+            <a:r>
+              <a:rPr lang="ko-KR" altLang="en-US" sz="1400" dirty="0"/>
+              <a:t>여러 개의 작업을 동시에 진행할 때에는</a:t>
+            </a:r>
+            <a:r>
+              <a:rPr lang="en-US" altLang="ko-KR" sz="1400" dirty="0"/>
+              <a:t>, </a:t>
+            </a:r>
+            <a:r>
+              <a:rPr lang="ko-KR" altLang="en-US" sz="1400" dirty="0"/>
+              <a:t>그 수만큼 </a:t>
+            </a:r>
+            <a:r>
+              <a:rPr lang="en-US" altLang="ko-KR" sz="1400" dirty="0"/>
+              <a:t>Topic</a:t>
+            </a:r>
+            <a:r>
+              <a:rPr lang="ko-KR" altLang="en-US" sz="1400" dirty="0"/>
+              <a:t> </a:t>
+            </a:r>
+            <a:r>
+              <a:rPr lang="en-US" altLang="ko-KR" sz="1400" dirty="0"/>
+              <a:t>Branch</a:t>
+            </a:r>
+            <a:r>
+              <a:rPr lang="ko-KR" altLang="en-US" sz="1400" dirty="0"/>
+              <a:t>를 생성할 수 있습니다</a:t>
+            </a:r>
+            <a:r>
+              <a:rPr lang="en-US" altLang="ko-KR" sz="1400" dirty="0"/>
+              <a:t>.</a:t>
+            </a:r>
+          </a:p>
+          <a:p>
+            <a:pPr marL="0" indent="0" fontAlgn="base">
+              <a:buNone/>
+            </a:pPr>
+            <a:r>
+              <a:rPr lang="en-US" altLang="ko-KR" sz="1400" dirty="0"/>
+              <a:t>Topic</a:t>
+            </a:r>
+            <a:r>
+              <a:rPr lang="ko-KR" altLang="en-US" sz="1400" dirty="0"/>
+              <a:t> </a:t>
+            </a:r>
+            <a:r>
+              <a:rPr lang="en-US" altLang="ko-KR" sz="1400" dirty="0"/>
+              <a:t>Branch</a:t>
+            </a:r>
+            <a:r>
+              <a:rPr lang="ko-KR" altLang="en-US" sz="1400" dirty="0"/>
+              <a:t>는 보통 </a:t>
+            </a:r>
+            <a:r>
+              <a:rPr lang="en-US" altLang="ko-KR" sz="1400" dirty="0"/>
+              <a:t>Integration</a:t>
+            </a:r>
+            <a:r>
+              <a:rPr lang="ko-KR" altLang="en-US" sz="1400" dirty="0"/>
+              <a:t> </a:t>
+            </a:r>
+            <a:r>
+              <a:rPr lang="en-US" altLang="ko-KR" sz="1400" dirty="0"/>
+              <a:t>Branch</a:t>
+            </a:r>
+            <a:r>
+              <a:rPr lang="ko-KR" altLang="en-US" sz="1400" dirty="0"/>
+              <a:t>로부터 만들어 내며</a:t>
+            </a:r>
+            <a:r>
+              <a:rPr lang="en-US" altLang="ko-KR" sz="1400" dirty="0"/>
+              <a:t>, Topic</a:t>
+            </a:r>
+            <a:r>
+              <a:rPr lang="ko-KR" altLang="en-US" sz="1400" dirty="0"/>
+              <a:t> </a:t>
+            </a:r>
+            <a:r>
+              <a:rPr lang="en-US" altLang="ko-KR" sz="1400" dirty="0"/>
+              <a:t>Branch</a:t>
+            </a:r>
+            <a:r>
+              <a:rPr lang="ko-KR" altLang="en-US" sz="1400" dirty="0"/>
+              <a:t>에서 특정 작업이 완료되면 다시 </a:t>
+            </a:r>
+            <a:r>
+              <a:rPr lang="en-US" altLang="ko-KR" sz="1400" dirty="0"/>
+              <a:t>Integration</a:t>
+            </a:r>
+            <a:r>
+              <a:rPr lang="ko-KR" altLang="en-US" sz="1400" dirty="0"/>
+              <a:t> </a:t>
+            </a:r>
+            <a:r>
+              <a:rPr lang="en-US" altLang="ko-KR" sz="1400" dirty="0"/>
+              <a:t>Branch</a:t>
+            </a:r>
+            <a:r>
+              <a:rPr lang="ko-KR" altLang="en-US" sz="1400" dirty="0"/>
+              <a:t>에 병합하는 방식으로 진행됩니다</a:t>
+            </a:r>
+            <a:r>
+              <a:rPr lang="en-US" altLang="ko-KR" sz="1400" dirty="0"/>
+              <a:t>. </a:t>
+            </a:r>
+            <a:r>
+              <a:rPr lang="ko-KR" altLang="en-US" sz="1400" dirty="0"/>
+              <a:t>이러한 </a:t>
+            </a:r>
+            <a:r>
+              <a:rPr lang="en-US" altLang="ko-KR" sz="1400" dirty="0"/>
+              <a:t>Topic</a:t>
+            </a:r>
+            <a:r>
+              <a:rPr lang="ko-KR" altLang="en-US" sz="1400" dirty="0"/>
+              <a:t> </a:t>
+            </a:r>
+            <a:r>
+              <a:rPr lang="en-US" altLang="ko-KR" sz="1400" dirty="0"/>
+              <a:t>Branch</a:t>
+            </a:r>
+            <a:r>
+              <a:rPr lang="ko-KR" altLang="en-US" sz="1400" dirty="0"/>
+              <a:t>는 </a:t>
+            </a:r>
+            <a:r>
+              <a:rPr lang="en-US" altLang="ko-KR" sz="1400" dirty="0"/>
+              <a:t>'Feature branch' </a:t>
+            </a:r>
+            <a:r>
+              <a:rPr lang="ko-KR" altLang="en-US" sz="1400" dirty="0"/>
+              <a:t>라고 부르기도 합니다</a:t>
+            </a:r>
+            <a:r>
+              <a:rPr lang="en-US" altLang="ko-KR" sz="1400" dirty="0"/>
+              <a:t>.</a:t>
+            </a:r>
+          </a:p>
+        </p:txBody>
+      </p:sp>
+      <p:sp>
+        <p:nvSpPr>
+          <p:cNvPr id="4" name="슬라이드 번호 개체 틀 3">
+            <a:extLst>
+              <a:ext uri="{FF2B5EF4-FFF2-40B4-BE49-F238E27FC236}">
+                <a16:creationId xmlns:a16="http://schemas.microsoft.com/office/drawing/2014/main" id="{14593FA8-6714-D423-7DFB-A6BFE685FF06}"/>
+              </a:ext>
+            </a:extLst>
+          </p:cNvPr>
+          <p:cNvSpPr>
+            <a:spLocks noGrp="1"/>
+          </p:cNvSpPr>
+          <p:nvPr>
+            <p:ph type="sldNum" sz="quarter" idx="12"/>
+          </p:nvPr>
+        </p:nvSpPr>
+        <p:spPr/>
+        <p:txBody>
+          <a:bodyPr/>
+          <a:lstStyle/>
+          <a:p>
+            <a:fld id="{D57F1E4F-1CFF-5643-939E-02111984F565}" type="slidenum">
+              <a:rPr lang="en-US" smtClean="0"/>
+              <a:t>24</a:t>
+            </a:fld>
+            <a:endParaRPr lang="en-US" dirty="0"/>
+          </a:p>
+        </p:txBody>
+      </p:sp>
+    </p:spTree>
+    <p:extLst>
+      <p:ext uri="{BB962C8B-B14F-4D97-AF65-F5344CB8AC3E}">
+        <p14:creationId xmlns:p14="http://schemas.microsoft.com/office/powerpoint/2010/main" val="2129899096"/>
+      </p:ext>
+    </p:extLst>
+  </p:cSld>
+  <p:clrMapOvr>
+    <a:masterClrMapping/>
+  </p:clrMapOvr>
+</p:sld>
+</file>
+
+<file path=ppt/slides/slide26.xml><?xml version="1.0" encoding="utf-8"?>
+<p:sld xmlns:a="http://schemas.openxmlformats.org/drawingml/2006/main" xmlns:r="http://schemas.openxmlformats.org/officeDocument/2006/relationships" xmlns:p="http://schemas.openxmlformats.org/presentationml/2006/main">
+  <p:cSld>
+    <p:spTree>
+      <p:nvGrpSpPr>
+        <p:cNvPr id="1" name=""/>
+        <p:cNvGrpSpPr/>
+        <p:nvPr/>
+      </p:nvGrpSpPr>
+      <p:grpSpPr>
+        <a:xfrm>
+          <a:off x="0" y="0"/>
+          <a:ext cx="0" cy="0"/>
+          <a:chOff x="0" y="0"/>
+          <a:chExt cx="0" cy="0"/>
+        </a:xfrm>
+      </p:grpSpPr>
+      <p:sp>
+        <p:nvSpPr>
+          <p:cNvPr id="2" name="제목 1">
+            <a:extLst>
+              <a:ext uri="{FF2B5EF4-FFF2-40B4-BE49-F238E27FC236}">
+                <a16:creationId xmlns:a16="http://schemas.microsoft.com/office/drawing/2014/main" id="{E2871850-CF09-45E5-B263-C7D69F92B878}"/>
+              </a:ext>
+            </a:extLst>
+          </p:cNvPr>
+          <p:cNvSpPr>
+            <a:spLocks noGrp="1"/>
+          </p:cNvSpPr>
+          <p:nvPr>
+            <p:ph type="title"/>
+          </p:nvPr>
+        </p:nvSpPr>
+        <p:spPr>
+          <a:xfrm>
+            <a:off x="645130" y="389107"/>
+            <a:ext cx="9404723" cy="899004"/>
+          </a:xfrm>
+        </p:spPr>
+        <p:txBody>
+          <a:bodyPr anchor="ctr" anchorCtr="0"/>
+          <a:lstStyle/>
+          <a:p>
+            <a:r>
+              <a:rPr lang="en-US" altLang="ko-KR" sz="3600" dirty="0"/>
+              <a:t>git  branch  &amp;  git  checkout</a:t>
+            </a:r>
+            <a:endParaRPr lang="ko-KR" altLang="en-US" sz="3600" dirty="0"/>
+          </a:p>
+        </p:txBody>
+      </p:sp>
+      <p:sp>
+        <p:nvSpPr>
+          <p:cNvPr id="3" name="내용 개체 틀 2">
+            <a:extLst>
+              <a:ext uri="{FF2B5EF4-FFF2-40B4-BE49-F238E27FC236}">
+                <a16:creationId xmlns:a16="http://schemas.microsoft.com/office/drawing/2014/main" id="{07429EB3-8B4E-466C-8ACA-0242AC361BE1}"/>
+              </a:ext>
+            </a:extLst>
+          </p:cNvPr>
+          <p:cNvSpPr>
+            <a:spLocks noGrp="1"/>
+          </p:cNvSpPr>
+          <p:nvPr>
+            <p:ph idx="1"/>
+          </p:nvPr>
+        </p:nvSpPr>
+        <p:spPr>
+          <a:xfrm>
+            <a:off x="645130" y="1474238"/>
             <a:ext cx="11260731" cy="4774162"/>
           </a:xfrm>
         </p:spPr>
@@ -17838,7 +19027,7 @@
 </p:sld>
 </file>
 
-<file path=ppt/slides/slide26.xml><?xml version="1.0" encoding="utf-8"?>
+<file path=ppt/slides/slide27.xml><?xml version="1.0" encoding="utf-8"?>
 <p:sld xmlns:a="http://schemas.openxmlformats.org/drawingml/2006/main" xmlns:r="http://schemas.openxmlformats.org/officeDocument/2006/relationships" xmlns:p="http://schemas.openxmlformats.org/presentationml/2006/main">
   <p:cSld>
     <p:spTree>
@@ -18967,7 +20156,7 @@
         </p:nvSpPr>
         <p:spPr>
           <a:xfrm>
-            <a:off x="7218784" y="4402121"/>
+            <a:off x="7218784" y="4485245"/>
             <a:ext cx="3141301" cy="585704"/>
           </a:xfrm>
           <a:prstGeom prst="leftArrow">
@@ -19305,13 +20494,13 @@
         </p:nvSpPr>
         <p:spPr>
           <a:xfrm>
-            <a:off x="7310192" y="5805462"/>
-            <a:ext cx="2982560" cy="585704"/>
+            <a:off x="7302478" y="5924655"/>
+            <a:ext cx="3010854" cy="488290"/>
           </a:xfrm>
           <a:prstGeom prst="wedgeRoundRectCallout">
             <a:avLst>
-              <a:gd name="adj1" fmla="val 5006"/>
-              <a:gd name="adj2" fmla="val -84608"/>
+              <a:gd name="adj1" fmla="val 40336"/>
+              <a:gd name="adj2" fmla="val -118715"/>
               <a:gd name="adj3" fmla="val 16667"/>
             </a:avLst>
           </a:prstGeom>
@@ -19344,7 +20533,7 @@
           <a:p>
             <a:r>
               <a:rPr lang="ko-KR" altLang="en-US" sz="900" dirty="0"/>
-              <a:t>원격 저장소의 내용을 통째로 다운로드하는 것</a:t>
+              <a:t>원격 저장소의 내용을 통째로 복사하는 것</a:t>
             </a:r>
             <a:endParaRPr lang="en-US" altLang="ko-KR" sz="900" dirty="0"/>
           </a:p>
@@ -19448,13 +20637,13 @@
         </p:nvSpPr>
         <p:spPr>
           <a:xfrm>
-            <a:off x="4493497" y="4554502"/>
-            <a:ext cx="2483431" cy="510991"/>
+            <a:off x="10656131" y="3983503"/>
+            <a:ext cx="1043658" cy="808348"/>
           </a:xfrm>
           <a:prstGeom prst="wedgeRoundRectCallout">
             <a:avLst>
-              <a:gd name="adj1" fmla="val -767"/>
-              <a:gd name="adj2" fmla="val -76630"/>
+              <a:gd name="adj1" fmla="val -70295"/>
+              <a:gd name="adj2" fmla="val -20969"/>
               <a:gd name="adj3" fmla="val 16667"/>
             </a:avLst>
           </a:prstGeom>
@@ -19516,9 +20705,60 @@
           <a:p>
             <a:fld id="{D57F1E4F-1CFF-5643-939E-02111984F565}" type="slidenum">
               <a:rPr lang="en-US" smtClean="0"/>
-              <a:t>3</a:t>
+              <a:t>2</a:t>
             </a:fld>
             <a:endParaRPr lang="en-US" dirty="0"/>
+          </a:p>
+        </p:txBody>
+      </p:sp>
+      <p:sp>
+        <p:nvSpPr>
+          <p:cNvPr id="12" name="화살표: 왼쪽 45">
+            <a:extLst>
+              <a:ext uri="{FF2B5EF4-FFF2-40B4-BE49-F238E27FC236}">
+                <a16:creationId xmlns:a16="http://schemas.microsoft.com/office/drawing/2014/main" id="{0C0BDD8E-F372-AD0C-011F-7C964E763966}"/>
+              </a:ext>
+            </a:extLst>
+          </p:cNvPr>
+          <p:cNvSpPr/>
+          <p:nvPr/>
+        </p:nvSpPr>
+        <p:spPr>
+          <a:xfrm>
+            <a:off x="1611088" y="4498999"/>
+            <a:ext cx="5607696" cy="585704"/>
+          </a:xfrm>
+          <a:prstGeom prst="leftArrow">
+            <a:avLst>
+              <a:gd name="adj1" fmla="val 50000"/>
+              <a:gd name="adj2" fmla="val 23896"/>
+            </a:avLst>
+          </a:prstGeom>
+        </p:spPr>
+        <p:style>
+          <a:lnRef idx="1">
+            <a:schemeClr val="accent4"/>
+          </a:lnRef>
+          <a:fillRef idx="2">
+            <a:schemeClr val="accent4"/>
+          </a:fillRef>
+          <a:effectRef idx="1">
+            <a:schemeClr val="accent4"/>
+          </a:effectRef>
+          <a:fontRef idx="minor">
+            <a:schemeClr val="dk1"/>
+          </a:fontRef>
+        </p:style>
+        <p:txBody>
+          <a:bodyPr rtlCol="0" anchor="ctr"/>
+          <a:lstStyle/>
+          <a:p>
+            <a:pPr algn="ctr"/>
+            <a:r>
+              <a:rPr lang="en-US" altLang="ko-KR" sz="1400" dirty="0"/>
+              <a:t>merge</a:t>
+            </a:r>
+            <a:endParaRPr lang="ko-KR" altLang="en-US" sz="1400" dirty="0"/>
           </a:p>
         </p:txBody>
       </p:sp>
@@ -19849,7 +21089,7 @@
           <a:p>
             <a:fld id="{D57F1E4F-1CFF-5643-939E-02111984F565}" type="slidenum">
               <a:rPr lang="en-US" smtClean="0"/>
-              <a:t>4</a:t>
+              <a:t>3</a:t>
             </a:fld>
             <a:endParaRPr lang="en-US" dirty="0"/>
           </a:p>
@@ -20451,7 +21691,7 @@
           <a:p>
             <a:fld id="{D57F1E4F-1CFF-5643-939E-02111984F565}" type="slidenum">
               <a:rPr lang="en-US" smtClean="0"/>
-              <a:t>5</a:t>
+              <a:t>4</a:t>
             </a:fld>
             <a:endParaRPr lang="en-US" dirty="0"/>
           </a:p>
@@ -21035,7 +22275,7 @@
           <a:p>
             <a:fld id="{D57F1E4F-1CFF-5643-939E-02111984F565}" type="slidenum">
               <a:rPr lang="en-US" smtClean="0"/>
-              <a:t>6</a:t>
+              <a:t>5</a:t>
             </a:fld>
             <a:endParaRPr lang="en-US" dirty="0"/>
           </a:p>
@@ -21747,7 +22987,7 @@
           <a:p>
             <a:fld id="{D57F1E4F-1CFF-5643-939E-02111984F565}" type="slidenum">
               <a:rPr lang="en-US" smtClean="0"/>
-              <a:t>7</a:t>
+              <a:t>6</a:t>
             </a:fld>
             <a:endParaRPr lang="en-US" dirty="0"/>
           </a:p>
@@ -23120,7 +24360,7 @@
           <a:p>
             <a:fld id="{D57F1E4F-1CFF-5643-939E-02111984F565}" type="slidenum">
               <a:rPr lang="en-US" smtClean="0"/>
-              <a:t>8</a:t>
+              <a:t>7</a:t>
             </a:fld>
             <a:endParaRPr lang="en-US" dirty="0"/>
           </a:p>
@@ -24693,7 +25933,7 @@
           <a:p>
             <a:fld id="{D57F1E4F-1CFF-5643-939E-02111984F565}" type="slidenum">
               <a:rPr lang="en-US" smtClean="0"/>
-              <a:t>9</a:t>
+              <a:t>8</a:t>
             </a:fld>
             <a:endParaRPr lang="en-US" dirty="0"/>
           </a:p>

--- a/Tools/git/git.pptx
+++ b/Tools/git/git.pptx
@@ -225,7 +225,7 @@
           <a:p>
             <a:fld id="{A8024B54-3D20-42B6-A112-BFED72D3BCE0}" type="datetimeFigureOut">
               <a:rPr lang="ko-KR" altLang="en-US" smtClean="0"/>
-              <a:t>2024. 6. 27.</a:t>
+              <a:t>2024. 7. 1.</a:t>
             </a:fld>
             <a:endParaRPr lang="ko-KR" altLang="en-US"/>
           </a:p>
@@ -846,7 +846,7 @@
           <a:p>
             <a:fld id="{EDB9387A-6E2C-B246-B443-8C6807E54A99}" type="datetime1">
               <a:rPr lang="ko-KR" altLang="en-US" smtClean="0"/>
-              <a:t>2024. 6. 27.</a:t>
+              <a:t>2024. 7. 1.</a:t>
             </a:fld>
             <a:endParaRPr lang="en-US" dirty="0"/>
           </a:p>
@@ -1121,7 +1121,7 @@
           <a:p>
             <a:fld id="{FD73072E-9E70-AC41-B766-652E27B91254}" type="datetime1">
               <a:rPr lang="ko-KR" altLang="en-US" smtClean="0"/>
-              <a:t>2024. 6. 27.</a:t>
+              <a:t>2024. 7. 1.</a:t>
             </a:fld>
             <a:endParaRPr lang="en-US" dirty="0"/>
           </a:p>
@@ -1315,7 +1315,7 @@
           <a:p>
             <a:fld id="{287C2908-D02A-724D-B4B8-69C7DBF1E793}" type="datetime1">
               <a:rPr lang="ko-KR" altLang="en-US" smtClean="0"/>
-              <a:t>2024. 6. 27.</a:t>
+              <a:t>2024. 7. 1.</a:t>
             </a:fld>
             <a:endParaRPr lang="en-US" dirty="0"/>
           </a:p>
@@ -1588,7 +1588,7 @@
           <a:p>
             <a:fld id="{BB5F981A-283A-8C41-BA9C-B5A9FB391436}" type="datetime1">
               <a:rPr lang="ko-KR" altLang="en-US" smtClean="0"/>
-              <a:t>2024. 6. 27.</a:t>
+              <a:t>2024. 7. 1.</a:t>
             </a:fld>
             <a:endParaRPr lang="en-US" dirty="0"/>
           </a:p>
@@ -1929,7 +1929,7 @@
           <a:p>
             <a:fld id="{4D0A8110-9C21-A144-9082-289893FA67E4}" type="datetime1">
               <a:rPr lang="ko-KR" altLang="en-US" smtClean="0"/>
-              <a:t>2024. 6. 27.</a:t>
+              <a:t>2024. 7. 1.</a:t>
             </a:fld>
             <a:endParaRPr lang="en-US" dirty="0"/>
           </a:p>
@@ -2552,7 +2552,7 @@
           <a:p>
             <a:fld id="{9B61DE03-EFB5-B249-9D18-C13D44718C0B}" type="datetime1">
               <a:rPr lang="ko-KR" altLang="en-US" smtClean="0"/>
-              <a:t>2024. 6. 27.</a:t>
+              <a:t>2024. 7. 1.</a:t>
             </a:fld>
             <a:endParaRPr lang="en-US" dirty="0"/>
           </a:p>
@@ -3412,7 +3412,7 @@
           <a:p>
             <a:fld id="{B47D6547-F59A-8E43-BD7C-934028311802}" type="datetime1">
               <a:rPr lang="ko-KR" altLang="en-US" smtClean="0"/>
-              <a:t>2024. 6. 27.</a:t>
+              <a:t>2024. 7. 1.</a:t>
             </a:fld>
             <a:endParaRPr lang="en-US" dirty="0"/>
           </a:p>
@@ -3582,7 +3582,7 @@
           <a:p>
             <a:fld id="{5444C532-5981-BC46-8888-85596E3A4FC1}" type="datetime1">
               <a:rPr lang="ko-KR" altLang="en-US" smtClean="0"/>
-              <a:t>2024. 6. 27.</a:t>
+              <a:t>2024. 7. 1.</a:t>
             </a:fld>
             <a:endParaRPr lang="en-US" dirty="0"/>
           </a:p>
@@ -3762,7 +3762,7 @@
           <a:p>
             <a:fld id="{D9C58DF4-D8DB-144A-9701-E27133B386AC}" type="datetime1">
               <a:rPr lang="ko-KR" altLang="en-US" smtClean="0"/>
-              <a:t>2024. 6. 27.</a:t>
+              <a:t>2024. 7. 1.</a:t>
             </a:fld>
             <a:endParaRPr lang="en-US" dirty="0"/>
           </a:p>
@@ -3932,7 +3932,7 @@
           <a:p>
             <a:fld id="{3FC891BF-DD01-4946-9386-7315BD1F9213}" type="datetime1">
               <a:rPr lang="ko-KR" altLang="en-US" smtClean="0"/>
-              <a:t>2024. 6. 27.</a:t>
+              <a:t>2024. 7. 1.</a:t>
             </a:fld>
             <a:endParaRPr lang="en-US" dirty="0"/>
           </a:p>
@@ -4184,7 +4184,7 @@
           <a:p>
             <a:fld id="{A2477A0F-6D41-7B49-B22C-A9F236C52729}" type="datetime1">
               <a:rPr lang="ko-KR" altLang="en-US" smtClean="0"/>
-              <a:t>2024. 6. 27.</a:t>
+              <a:t>2024. 7. 1.</a:t>
             </a:fld>
             <a:endParaRPr lang="en-US" dirty="0"/>
           </a:p>
@@ -4476,7 +4476,7 @@
           <a:p>
             <a:fld id="{E8C8EC8B-BECC-1C46-B381-022BF3F0F7F3}" type="datetime1">
               <a:rPr lang="ko-KR" altLang="en-US" smtClean="0"/>
-              <a:t>2024. 6. 27.</a:t>
+              <a:t>2024. 7. 1.</a:t>
             </a:fld>
             <a:endParaRPr lang="en-US" dirty="0"/>
           </a:p>
@@ -4920,7 +4920,7 @@
           <a:p>
             <a:fld id="{FC59D470-6CCC-F648-970D-2F7FF58DFBDE}" type="datetime1">
               <a:rPr lang="ko-KR" altLang="en-US" smtClean="0"/>
-              <a:t>2024. 6. 27.</a:t>
+              <a:t>2024. 7. 1.</a:t>
             </a:fld>
             <a:endParaRPr lang="en-US" dirty="0"/>
           </a:p>
@@ -5038,7 +5038,7 @@
           <a:p>
             <a:fld id="{37206BBD-4B9A-1B4B-9F55-C0406533B442}" type="datetime1">
               <a:rPr lang="ko-KR" altLang="en-US" smtClean="0"/>
-              <a:t>2024. 6. 27.</a:t>
+              <a:t>2024. 7. 1.</a:t>
             </a:fld>
             <a:endParaRPr lang="en-US" dirty="0"/>
           </a:p>
@@ -5133,7 +5133,7 @@
           <a:p>
             <a:fld id="{ED536FBC-5C13-6A40-9237-5E05BB068118}" type="datetime1">
               <a:rPr lang="ko-KR" altLang="en-US" smtClean="0"/>
-              <a:t>2024. 6. 27.</a:t>
+              <a:t>2024. 7. 1.</a:t>
             </a:fld>
             <a:endParaRPr lang="en-US" dirty="0"/>
           </a:p>
@@ -5412,7 +5412,7 @@
           <a:p>
             <a:fld id="{2F2A25AD-69FB-F644-BB07-54B586E66AF3}" type="datetime1">
               <a:rPr lang="ko-KR" altLang="en-US" smtClean="0"/>
-              <a:t>2024. 6. 27.</a:t>
+              <a:t>2024. 7. 1.</a:t>
             </a:fld>
             <a:endParaRPr lang="en-US" dirty="0"/>
           </a:p>
@@ -5687,7 +5687,7 @@
           <a:p>
             <a:fld id="{0F90D38D-5C38-CF44-9C59-A625202462C2}" type="datetime1">
               <a:rPr lang="ko-KR" altLang="en-US" smtClean="0"/>
-              <a:t>2024. 6. 27.</a:t>
+              <a:t>2024. 7. 1.</a:t>
             </a:fld>
             <a:endParaRPr lang="en-US" dirty="0"/>
           </a:p>
@@ -6116,7 +6116,7 @@
           <a:p>
             <a:fld id="{CBD38A69-533C-AF4E-992D-2B9AC4FB3149}" type="datetime1">
               <a:rPr lang="ko-KR" altLang="en-US" smtClean="0"/>
-              <a:t>2024. 6. 27.</a:t>
+              <a:t>2024. 7. 1.</a:t>
             </a:fld>
             <a:endParaRPr lang="en-US" dirty="0"/>
           </a:p>
@@ -11153,13 +11153,13 @@
         </p:nvSpPr>
         <p:spPr>
           <a:xfrm>
-            <a:off x="645130" y="4037846"/>
-            <a:ext cx="11260731" cy="2210553"/>
+            <a:off x="645130" y="3295462"/>
+            <a:ext cx="10633799" cy="2952938"/>
           </a:xfrm>
         </p:spPr>
         <p:txBody>
           <a:bodyPr>
-            <a:normAutofit/>
+            <a:normAutofit lnSpcReduction="10000"/>
           </a:bodyPr>
           <a:lstStyle/>
           <a:p>
@@ -11230,12 +11230,6 @@
               </a:rPr>
               <a:t> </a:t>
             </a:r>
-            <a:endParaRPr lang="en-US" altLang="ko-KR" sz="1400" dirty="0"/>
-          </a:p>
-          <a:p>
-            <a:pPr marL="0" indent="0">
-              <a:buNone/>
-            </a:pPr>
             <a:endParaRPr lang="en-US" altLang="ko-KR" sz="1400" b="1" dirty="0">
               <a:solidFill>
                 <a:srgbClr val="FFFF00"/>
@@ -11436,6 +11430,185 @@
               </a:rPr>
               <a:t>.</a:t>
             </a:r>
+          </a:p>
+          <a:p>
+            <a:pPr marL="0" indent="0">
+              <a:buNone/>
+            </a:pPr>
+            <a:endParaRPr lang="en-US" altLang="ko-KR" sz="1400" dirty="0"/>
+          </a:p>
+          <a:p>
+            <a:pPr marL="0" indent="0">
+              <a:buNone/>
+            </a:pPr>
+            <a:r>
+              <a:rPr lang="en-US" altLang="ko-KR" sz="1400" dirty="0"/>
+              <a:t>1.</a:t>
+            </a:r>
+            <a:r>
+              <a:rPr lang="ko-KR" altLang="en-US" sz="1400" dirty="0"/>
+              <a:t> </a:t>
+            </a:r>
+            <a:r>
+              <a:rPr lang="en-US" altLang="ko-KR" sz="1400" dirty="0"/>
+              <a:t>git  revert  HEAD~</a:t>
+            </a:r>
+          </a:p>
+          <a:p>
+            <a:pPr marL="0" indent="0">
+              <a:buNone/>
+            </a:pPr>
+            <a:r>
+              <a:rPr lang="en-US" altLang="ko-KR" sz="1400" dirty="0"/>
+              <a:t>2. </a:t>
+            </a:r>
+            <a:r>
+              <a:rPr lang="ko-KR" altLang="en-US" sz="1400" dirty="0"/>
+              <a:t>상기 명령으로 충돌</a:t>
+            </a:r>
+            <a:r>
+              <a:rPr lang="en-US" altLang="ko-KR" sz="1400" dirty="0"/>
+              <a:t>(Conflict)</a:t>
+            </a:r>
+            <a:r>
+              <a:rPr lang="ko-KR" altLang="en-US" sz="1400" dirty="0"/>
+              <a:t>이 발생할 경우</a:t>
+            </a:r>
+            <a:r>
+              <a:rPr lang="en-US" altLang="ko-KR" sz="1400" dirty="0"/>
+              <a:t>,</a:t>
+            </a:r>
+            <a:r>
+              <a:rPr lang="ko-KR" altLang="en-US" sz="1400" dirty="0"/>
+              <a:t> </a:t>
+            </a:r>
+            <a:r>
+              <a:rPr lang="en-US" altLang="ko-KR" sz="1400" dirty="0"/>
+              <a:t>2</a:t>
+            </a:r>
+            <a:r>
+              <a:rPr lang="ko-KR" altLang="en-US" sz="1400" dirty="0"/>
+              <a:t>가지 내용 중 하나를 선택하여 편집하고 해당 파일을 저장한다</a:t>
+            </a:r>
+            <a:endParaRPr lang="en-US" altLang="ko-KR" sz="1400" dirty="0"/>
+          </a:p>
+          <a:p>
+            <a:pPr marL="0" indent="0">
+              <a:buNone/>
+            </a:pPr>
+            <a:r>
+              <a:rPr lang="en-US" altLang="ko-KR" sz="1400" dirty="0"/>
+              <a:t>3.</a:t>
+            </a:r>
+            <a:r>
+              <a:rPr lang="ko-KR" altLang="en-US" sz="1400" dirty="0"/>
+              <a:t> </a:t>
+            </a:r>
+            <a:r>
+              <a:rPr lang="en-US" altLang="ko-KR" sz="1400" dirty="0"/>
+              <a:t>git  add  .      : </a:t>
+            </a:r>
+            <a:r>
+              <a:rPr lang="ko-KR" altLang="en-US" sz="1400" dirty="0"/>
+              <a:t>변경된</a:t>
+            </a:r>
+            <a:r>
+              <a:rPr lang="en-US" altLang="ko-KR" sz="1400" dirty="0"/>
+              <a:t>(</a:t>
+            </a:r>
+            <a:r>
+              <a:rPr lang="ko-KR" altLang="en-US" sz="1400" dirty="0"/>
+              <a:t>선택한</a:t>
+            </a:r>
+            <a:r>
+              <a:rPr lang="en-US" altLang="ko-KR" sz="1400" dirty="0"/>
+              <a:t>)</a:t>
+            </a:r>
+            <a:r>
+              <a:rPr lang="ko-KR" altLang="en-US" sz="1400" dirty="0"/>
+              <a:t> 내용을  </a:t>
+            </a:r>
+            <a:r>
+              <a:rPr lang="en-US" altLang="ko-KR" sz="1400" dirty="0"/>
+              <a:t>Staging</a:t>
+            </a:r>
+            <a:r>
+              <a:rPr lang="ko-KR" altLang="en-US" sz="1400" dirty="0"/>
+              <a:t> 한다</a:t>
+            </a:r>
+            <a:r>
+              <a:rPr lang="en-US" altLang="ko-KR" sz="1400" dirty="0"/>
+              <a:t>.</a:t>
+            </a:r>
+          </a:p>
+          <a:p>
+            <a:pPr marL="0" indent="0">
+              <a:buNone/>
+            </a:pPr>
+            <a:r>
+              <a:rPr lang="en-US" altLang="ko-KR" sz="1400" dirty="0"/>
+              <a:t>4.</a:t>
+            </a:r>
+            <a:r>
+              <a:rPr lang="ko-KR" altLang="en-US" sz="1400" dirty="0"/>
+              <a:t> </a:t>
+            </a:r>
+            <a:r>
+              <a:rPr lang="en-US" altLang="ko-KR" sz="1400" dirty="0"/>
+              <a:t>git  revert  --continue  : </a:t>
+            </a:r>
+            <a:r>
+              <a:rPr lang="ko-KR" altLang="en-US" sz="1400" dirty="0"/>
+              <a:t>이 명령으로 </a:t>
+            </a:r>
+            <a:r>
+              <a:rPr lang="en-US" altLang="ko-KR" sz="1400" dirty="0"/>
+              <a:t>revert</a:t>
+            </a:r>
+            <a:r>
+              <a:rPr lang="ko-KR" altLang="en-US" sz="1400" dirty="0"/>
+              <a:t> 작업을 계속 진행하여 완료한다</a:t>
+            </a:r>
+            <a:r>
+              <a:rPr lang="en-US" altLang="ko-KR" sz="1400" dirty="0"/>
+              <a:t>. </a:t>
+            </a:r>
+          </a:p>
+          <a:p>
+            <a:pPr marL="0" indent="0">
+              <a:buNone/>
+            </a:pPr>
+            <a:r>
+              <a:rPr lang="en-US" altLang="ko-KR" sz="1400" dirty="0"/>
+              <a:t>5.</a:t>
+            </a:r>
+            <a:r>
+              <a:rPr lang="ko-KR" altLang="en-US" sz="1400" dirty="0"/>
+              <a:t> </a:t>
+            </a:r>
+            <a:r>
+              <a:rPr lang="en-US" altLang="ko-KR" sz="1400" dirty="0"/>
+              <a:t>git  log.  : revert</a:t>
+            </a:r>
+            <a:r>
+              <a:rPr lang="ko-KR" altLang="en-US" sz="1400" dirty="0"/>
+              <a:t> 된 내용을 확인한다</a:t>
+            </a:r>
+            <a:r>
+              <a:rPr lang="en-US" altLang="ko-KR" sz="1400" dirty="0"/>
+              <a:t>.</a:t>
+            </a:r>
+          </a:p>
+          <a:p>
+            <a:pPr marL="0" indent="0">
+              <a:buNone/>
+            </a:pPr>
+            <a:endParaRPr lang="en-US" altLang="ko-KR" sz="1400" dirty="0"/>
+          </a:p>
+          <a:p>
+            <a:pPr marL="0" indent="0">
+              <a:buNone/>
+            </a:pPr>
             <a:endParaRPr lang="en-US" altLang="ko-KR" sz="1400" dirty="0"/>
           </a:p>
         </p:txBody>
@@ -11484,13 +11657,13 @@
           <p:nvPr>
             <p:extLst>
               <p:ext uri="{D42A27DB-BD31-4B8C-83A1-F6EECF244321}">
-                <p14:modId xmlns:p14="http://schemas.microsoft.com/office/powerpoint/2010/main" val="1864935700"/>
+                <p14:modId xmlns:p14="http://schemas.microsoft.com/office/powerpoint/2010/main" val="1693624224"/>
               </p:ext>
             </p:extLst>
           </p:nvPr>
         </p:nvGraphicFramePr>
         <p:xfrm>
-          <a:off x="755459" y="1697441"/>
+          <a:off x="646890" y="1288111"/>
           <a:ext cx="10633800" cy="1854200"/>
         </p:xfrm>
         <a:graphic>
@@ -11890,6 +12063,321 @@
           </a:graphicData>
         </a:graphic>
       </p:graphicFrame>
+      <p:sp>
+        <p:nvSpPr>
+          <p:cNvPr id="6" name="TextBox 5">
+            <a:extLst>
+              <a:ext uri="{FF2B5EF4-FFF2-40B4-BE49-F238E27FC236}">
+                <a16:creationId xmlns:a16="http://schemas.microsoft.com/office/drawing/2014/main" id="{921A1EF5-E926-0CF8-8697-4939ECD11399}"/>
+              </a:ext>
+            </a:extLst>
+          </p:cNvPr>
+          <p:cNvSpPr txBox="1"/>
+          <p:nvPr/>
+        </p:nvSpPr>
+        <p:spPr>
+          <a:xfrm>
+            <a:off x="7018789" y="5405736"/>
+            <a:ext cx="5173211" cy="900246"/>
+          </a:xfrm>
+          <a:prstGeom prst="rect">
+            <a:avLst/>
+          </a:prstGeom>
+          <a:noFill/>
+        </p:spPr>
+        <p:txBody>
+          <a:bodyPr wrap="none" rtlCol="0">
+            <a:spAutoFit/>
+          </a:bodyPr>
+          <a:lstStyle/>
+          <a:p>
+            <a:r>
+              <a:rPr kumimoji="1" lang="ko-KR" altLang="en-US" sz="1050" dirty="0">
+                <a:solidFill>
+                  <a:srgbClr val="FFFF00"/>
+                </a:solidFill>
+              </a:rPr>
+              <a:t>주의사항</a:t>
+            </a:r>
+            <a:endParaRPr kumimoji="1" lang="en-US" altLang="ko-KR" sz="1050" dirty="0">
+              <a:solidFill>
+                <a:srgbClr val="FFFF00"/>
+              </a:solidFill>
+            </a:endParaRPr>
+          </a:p>
+          <a:p>
+            <a:r>
+              <a:rPr kumimoji="1" lang="en-US" altLang="ko-KR" sz="1050" dirty="0">
+                <a:solidFill>
+                  <a:srgbClr val="FFFF00"/>
+                </a:solidFill>
+              </a:rPr>
+              <a:t>1.</a:t>
+            </a:r>
+            <a:r>
+              <a:rPr kumimoji="1" lang="ko-KR" altLang="en-US" sz="1050" dirty="0">
+                <a:solidFill>
+                  <a:srgbClr val="FFFF00"/>
+                </a:solidFill>
+              </a:rPr>
+              <a:t> </a:t>
+            </a:r>
+            <a:r>
+              <a:rPr kumimoji="1" lang="en-US" altLang="ko-KR" sz="1050" dirty="0">
+                <a:solidFill>
+                  <a:srgbClr val="FFFF00"/>
+                </a:solidFill>
+              </a:rPr>
+              <a:t>Revert</a:t>
+            </a:r>
+            <a:r>
+              <a:rPr kumimoji="1" lang="ko-KR" altLang="en-US" sz="1050" dirty="0">
+                <a:solidFill>
+                  <a:srgbClr val="FFFF00"/>
+                </a:solidFill>
+              </a:rPr>
+              <a:t>시 </a:t>
+            </a:r>
+            <a:r>
+              <a:rPr kumimoji="1" lang="en-US" altLang="ko-KR" sz="1050" dirty="0">
+                <a:solidFill>
+                  <a:srgbClr val="FFFF00"/>
+                </a:solidFill>
+              </a:rPr>
+              <a:t>HEAD</a:t>
+            </a:r>
+            <a:r>
+              <a:rPr kumimoji="1" lang="ko-KR" altLang="en-US" sz="1050" dirty="0">
+                <a:solidFill>
+                  <a:srgbClr val="FFFF00"/>
+                </a:solidFill>
+              </a:rPr>
+              <a:t>나 </a:t>
+            </a:r>
+            <a:r>
+              <a:rPr kumimoji="1" lang="en-US" altLang="ko-KR" sz="1050" dirty="0">
+                <a:solidFill>
+                  <a:srgbClr val="FFFF00"/>
+                </a:solidFill>
+              </a:rPr>
+              <a:t>commit-hash</a:t>
+            </a:r>
+            <a:r>
+              <a:rPr kumimoji="1" lang="ko-KR" altLang="en-US" sz="1050" dirty="0">
+                <a:solidFill>
+                  <a:srgbClr val="FFFF00"/>
+                </a:solidFill>
+              </a:rPr>
+              <a:t> </a:t>
+            </a:r>
+            <a:r>
+              <a:rPr kumimoji="1" lang="ko-KR" altLang="en-US" sz="1050" dirty="0" err="1">
+                <a:solidFill>
+                  <a:srgbClr val="FFFF00"/>
+                </a:solidFill>
+              </a:rPr>
+              <a:t>지정시</a:t>
+            </a:r>
+            <a:r>
+              <a:rPr kumimoji="1" lang="ko-KR" altLang="en-US" sz="1050" dirty="0">
+                <a:solidFill>
+                  <a:srgbClr val="FFFF00"/>
+                </a:solidFill>
+              </a:rPr>
+              <a:t> </a:t>
+            </a:r>
+            <a:r>
+              <a:rPr kumimoji="1" lang="en-US" altLang="ko-KR" sz="1050" dirty="0">
+                <a:solidFill>
+                  <a:srgbClr val="FFFF00"/>
+                </a:solidFill>
+              </a:rPr>
+              <a:t>reset</a:t>
+            </a:r>
+            <a:r>
+              <a:rPr kumimoji="1" lang="ko-KR" altLang="en-US" sz="1050" dirty="0">
+                <a:solidFill>
+                  <a:srgbClr val="FFFF00"/>
+                </a:solidFill>
+              </a:rPr>
+              <a:t>과 </a:t>
+            </a:r>
+            <a:r>
+              <a:rPr kumimoji="1" lang="ko-KR" altLang="en-US" sz="1050" dirty="0" err="1">
+                <a:solidFill>
+                  <a:srgbClr val="FFFF00"/>
+                </a:solidFill>
+              </a:rPr>
+              <a:t>다르개</a:t>
+            </a:r>
+            <a:r>
+              <a:rPr kumimoji="1" lang="ko-KR" altLang="en-US" sz="1050" dirty="0">
+                <a:solidFill>
+                  <a:srgbClr val="FFFF00"/>
+                </a:solidFill>
+              </a:rPr>
+              <a:t> 하나 앞을 의미한다는 점</a:t>
+            </a:r>
+            <a:endParaRPr kumimoji="1" lang="en-US" altLang="ko-KR" sz="1050" dirty="0">
+              <a:solidFill>
+                <a:srgbClr val="FFFF00"/>
+              </a:solidFill>
+            </a:endParaRPr>
+          </a:p>
+          <a:p>
+            <a:r>
+              <a:rPr kumimoji="1" lang="en-US" altLang="ko-KR" sz="1050" dirty="0">
+                <a:solidFill>
+                  <a:srgbClr val="FFFF00"/>
+                </a:solidFill>
+              </a:rPr>
+              <a:t>2.</a:t>
+            </a:r>
+            <a:r>
+              <a:rPr kumimoji="1" lang="ko-KR" altLang="en-US" sz="1050" dirty="0">
+                <a:solidFill>
+                  <a:srgbClr val="FFFF00"/>
+                </a:solidFill>
+              </a:rPr>
+              <a:t> </a:t>
+            </a:r>
+            <a:r>
+              <a:rPr kumimoji="1" lang="en-US" altLang="ko-KR" sz="1050" dirty="0">
+                <a:solidFill>
+                  <a:srgbClr val="FFFF00"/>
+                </a:solidFill>
+              </a:rPr>
+              <a:t>Revert</a:t>
+            </a:r>
+            <a:r>
+              <a:rPr kumimoji="1" lang="ko-KR" altLang="en-US" sz="1050" dirty="0">
+                <a:solidFill>
+                  <a:srgbClr val="FFFF00"/>
+                </a:solidFill>
+              </a:rPr>
+              <a:t> 위치 </a:t>
+            </a:r>
+            <a:r>
+              <a:rPr kumimoji="1" lang="ko-KR" altLang="en-US" sz="1050" dirty="0" err="1">
+                <a:solidFill>
+                  <a:srgbClr val="FFFF00"/>
+                </a:solidFill>
+              </a:rPr>
+              <a:t>지정시</a:t>
+            </a:r>
+            <a:r>
+              <a:rPr kumimoji="1" lang="ko-KR" altLang="en-US" sz="1050" dirty="0">
+                <a:solidFill>
+                  <a:srgbClr val="FFFF00"/>
+                </a:solidFill>
+              </a:rPr>
+              <a:t> 맨 처음 </a:t>
+            </a:r>
+            <a:r>
+              <a:rPr kumimoji="1" lang="en-US" altLang="ko-KR" sz="1050" dirty="0">
+                <a:solidFill>
+                  <a:srgbClr val="FFFF00"/>
+                </a:solidFill>
+              </a:rPr>
+              <a:t>commit</a:t>
+            </a:r>
+            <a:r>
+              <a:rPr kumimoji="1" lang="ko-KR" altLang="en-US" sz="1050" dirty="0">
+                <a:solidFill>
+                  <a:srgbClr val="FFFF00"/>
+                </a:solidFill>
+              </a:rPr>
+              <a:t>을 지정하면 폴더의 파일 리셋 되어 버림</a:t>
+            </a:r>
+            <a:r>
+              <a:rPr kumimoji="1" lang="en-US" altLang="ko-KR" sz="1050" dirty="0">
+                <a:solidFill>
+                  <a:srgbClr val="FFFF00"/>
+                </a:solidFill>
+              </a:rPr>
+              <a:t>.</a:t>
+            </a:r>
+          </a:p>
+          <a:p>
+            <a:r>
+              <a:rPr kumimoji="1" lang="ko-KR" altLang="en-US" sz="1050" dirty="0">
+                <a:solidFill>
+                  <a:srgbClr val="FFFF00"/>
+                </a:solidFill>
+              </a:rPr>
+              <a:t>     삭제될 수도 있다는 점 유의</a:t>
+            </a:r>
+            <a:endParaRPr kumimoji="1" lang="en-US" altLang="ko-KR" sz="1050" dirty="0">
+              <a:solidFill>
+                <a:srgbClr val="FFFF00"/>
+              </a:solidFill>
+            </a:endParaRPr>
+          </a:p>
+          <a:p>
+            <a:r>
+              <a:rPr kumimoji="1" lang="en-US" altLang="ko-KR" sz="1050" dirty="0">
+                <a:solidFill>
+                  <a:srgbClr val="FFFF00"/>
+                </a:solidFill>
+              </a:rPr>
+              <a:t>3.</a:t>
+            </a:r>
+            <a:r>
+              <a:rPr kumimoji="1" lang="ko-KR" altLang="en-US" sz="1050" dirty="0">
+                <a:solidFill>
+                  <a:srgbClr val="FFFF00"/>
+                </a:solidFill>
+              </a:rPr>
+              <a:t> 옆의 </a:t>
+            </a:r>
+            <a:r>
+              <a:rPr kumimoji="1" lang="en-US" altLang="ko-KR" sz="1050" dirty="0">
+                <a:solidFill>
+                  <a:srgbClr val="FFFF00"/>
+                </a:solidFill>
+              </a:rPr>
+              <a:t>4</a:t>
+            </a:r>
+            <a:r>
+              <a:rPr kumimoji="1" lang="ko-KR" altLang="en-US" sz="1050" dirty="0">
+                <a:solidFill>
+                  <a:srgbClr val="FFFF00"/>
+                </a:solidFill>
+              </a:rPr>
+              <a:t>번의 경우로 처리하거나 아예 </a:t>
+            </a:r>
+            <a:r>
+              <a:rPr kumimoji="1" lang="en-US" altLang="ko-KR" sz="1050" dirty="0">
+                <a:solidFill>
+                  <a:srgbClr val="FFFF00"/>
+                </a:solidFill>
+              </a:rPr>
+              <a:t>commit</a:t>
+            </a:r>
+            <a:r>
+              <a:rPr kumimoji="1" lang="ko-KR" altLang="en-US" sz="1050" dirty="0">
+                <a:solidFill>
+                  <a:srgbClr val="FFFF00"/>
+                </a:solidFill>
+              </a:rPr>
+              <a:t> 할 수도 있다는 점</a:t>
+            </a:r>
+            <a:r>
+              <a:rPr kumimoji="1" lang="en-US" altLang="ko-KR" sz="1050" dirty="0">
+                <a:solidFill>
+                  <a:srgbClr val="FFFF00"/>
+                </a:solidFill>
+              </a:rPr>
+              <a:t>.</a:t>
+            </a:r>
+            <a:endParaRPr kumimoji="1" lang="ko-KR" altLang="en-US" sz="1050" dirty="0">
+              <a:solidFill>
+                <a:srgbClr val="FFFF00"/>
+              </a:solidFill>
+            </a:endParaRPr>
+          </a:p>
+        </p:txBody>
+      </p:sp>
     </p:spTree>
     <p:extLst>
       <p:ext uri="{BB962C8B-B14F-4D97-AF65-F5344CB8AC3E}">
